--- a/Assets/Class/Collision/PPT Data/Collision Example.pptx
+++ b/Assets/Class/Collision/PPT Data/Collision Example.pptx
@@ -2,7 +2,7 @@
 <file path=ppt/presentation.xml><?xml version="1.0" encoding="utf-8"?>
 <p:presentation xmlns:a="http://schemas.openxmlformats.org/drawingml/2006/main" xmlns:r="http://schemas.openxmlformats.org/officeDocument/2006/relationships" xmlns:p="http://schemas.openxmlformats.org/presentationml/2006/main" xmlns:p14="http://schemas.microsoft.com/office/powerpoint/2010/main" saveSubsetFonts="1" firstSlideNum="0">
   <p:sldMasterIdLst>
-    <p:sldMasterId id="2147485296" r:id="rId12"/>
+    <p:sldMasterId id="2147485298" r:id="rId12"/>
   </p:sldMasterIdLst>
   <p:notesMasterIdLst>
     <p:notesMasterId r:id="rId14"/>
@@ -5591,17 +5591,17 @@
       </p:pic>
       <p:pic>
         <p:nvPicPr>
-          <p:cNvPr id="14" name="그림 10"/>
+          <p:cNvPr id="14" name="그림 10" descr="C:/Users/Admin1/AppData/Roaming/PolarisOffice/ETemp/20632_8186048/fImage44681028467.png"/>
           <p:cNvPicPr>
             <a:picLocks noChangeAspect="1"/>
           </p:cNvPicPr>
           <p:nvPr/>
         </p:nvPicPr>
         <p:blipFill rotWithShape="1">
-          <a:blip r:embed="rId8" cstate="print">
+          <a:blip r:embed="rId8" cstate="hqprint">
             <a:extLst>
               <a:ext uri="{28A0092B-C50C-407E-A947-70E740481C1C}">
-                <a14:useLocalDpi xmlns:a14="http://schemas.microsoft.com/office/drawing/2010/main" val="0"/>
+                <a14:useLocalDpi xmlns:a14="http://schemas.microsoft.com/office/drawing/2010/main"/>
               </a:ext>
             </a:extLst>
           </a:blip>
@@ -5612,10 +5612,12 @@
         <p:spPr>
           <a:xfrm rot="0">
             <a:off x="3649345" y="1313180"/>
-            <a:ext cx="1716405" cy="915035"/>
-          </a:xfrm>
-          <a:prstGeom prst="rect"/>
-          <a:noFill/>
+            <a:ext cx="1717040" cy="915670"/>
+          </a:xfrm>
+          <a:prstGeom prst="roundRect"/>
+          <a:solidFill>
+            <a:srgbClr val="EDEDED"/>
+          </a:solidFill>
         </p:spPr>
       </p:pic>
       <p:pic>
@@ -5725,17 +5727,17 @@
       </p:sp>
       <p:pic>
         <p:nvPicPr>
-          <p:cNvPr id="18" name="그림 16"/>
+          <p:cNvPr id="18" name="그림 16" descr="C:/Users/Admin1/AppData/Roaming/PolarisOffice/ETemp/20632_8186048/fImage45761066500.png"/>
           <p:cNvPicPr>
             <a:picLocks noChangeAspect="1"/>
           </p:cNvPicPr>
           <p:nvPr/>
         </p:nvPicPr>
         <p:blipFill rotWithShape="1">
-          <a:blip r:embed="rId10" cstate="print">
+          <a:blip r:embed="rId10" cstate="hqprint">
             <a:extLst>
               <a:ext uri="{28A0092B-C50C-407E-A947-70E740481C1C}">
-                <a14:useLocalDpi xmlns:a14="http://schemas.microsoft.com/office/drawing/2010/main" val="0"/>
+                <a14:useLocalDpi xmlns:a14="http://schemas.microsoft.com/office/drawing/2010/main"/>
               </a:ext>
             </a:extLst>
           </a:blip>
@@ -5746,10 +5748,12 @@
         <p:spPr>
           <a:xfrm rot="0">
             <a:off x="6823075" y="1313180"/>
-            <a:ext cx="2379980" cy="944245"/>
-          </a:xfrm>
-          <a:prstGeom prst="rect"/>
-          <a:noFill/>
+            <a:ext cx="2380615" cy="944880"/>
+          </a:xfrm>
+          <a:prstGeom prst="roundRect"/>
+          <a:solidFill>
+            <a:srgbClr val="EDEDED"/>
+          </a:solidFill>
         </p:spPr>
       </p:pic>
       <p:cxnSp>
@@ -5789,17 +5793,17 @@
       </p:cxnSp>
       <p:pic>
         <p:nvPicPr>
-          <p:cNvPr id="19" name="그림 17"/>
+          <p:cNvPr id="19" name="그림 17" descr="C:/Users/Admin1/AppData/Roaming/PolarisOffice/ETemp/20632_8186048/fImage47031079169.png"/>
           <p:cNvPicPr>
             <a:picLocks noChangeAspect="1"/>
           </p:cNvPicPr>
           <p:nvPr/>
         </p:nvPicPr>
         <p:blipFill rotWithShape="1">
-          <a:blip r:embed="rId11" cstate="print">
+          <a:blip r:embed="rId11" cstate="hqprint">
             <a:extLst>
               <a:ext uri="{28A0092B-C50C-407E-A947-70E740481C1C}">
-                <a14:useLocalDpi xmlns:a14="http://schemas.microsoft.com/office/drawing/2010/main" val="0"/>
+                <a14:useLocalDpi xmlns:a14="http://schemas.microsoft.com/office/drawing/2010/main"/>
               </a:ext>
             </a:extLst>
           </a:blip>
@@ -5810,10 +5814,12 @@
         <p:spPr>
           <a:xfrm rot="0">
             <a:off x="6825615" y="3482975"/>
-            <a:ext cx="3874135" cy="1247775"/>
-          </a:xfrm>
-          <a:prstGeom prst="rect"/>
-          <a:noFill/>
+            <a:ext cx="3874770" cy="1248410"/>
+          </a:xfrm>
+          <a:prstGeom prst="roundRect"/>
+          <a:solidFill>
+            <a:srgbClr val="EDEDED"/>
+          </a:solidFill>
         </p:spPr>
       </p:pic>
       <p:sp>

--- a/Assets/Class/Collision/PPT Data/Collision Example.pptx
+++ b/Assets/Class/Collision/PPT Data/Collision Example.pptx
@@ -2,7 +2,7 @@
 <file path=ppt/presentation.xml><?xml version="1.0" encoding="utf-8"?>
 <p:presentation xmlns:a="http://schemas.openxmlformats.org/drawingml/2006/main" xmlns:r="http://schemas.openxmlformats.org/officeDocument/2006/relationships" xmlns:p="http://schemas.openxmlformats.org/presentationml/2006/main" xmlns:p14="http://schemas.microsoft.com/office/powerpoint/2010/main" saveSubsetFonts="1" firstSlideNum="0">
   <p:sldMasterIdLst>
-    <p:sldMasterId id="2147485298" r:id="rId12"/>
+    <p:sldMasterId id="2147485334" r:id="rId12"/>
   </p:sldMasterIdLst>
   <p:notesMasterIdLst>
     <p:notesMasterId r:id="rId14"/>
@@ -16,7 +16,6 @@
     <p:sldId id="281" r:id="rId21"/>
     <p:sldId id="280" r:id="rId22"/>
     <p:sldId id="282" r:id="rId23"/>
-    <p:sldId id="284" r:id="rId24"/>
   </p:sldIdLst>
   <p:sldSz cx="12192000" cy="6858000"/>
   <p:notesSz cx="6858000" cy="9144000"/>
@@ -5387,8 +5386,8 @@
         </p:nvSpPr>
         <p:spPr>
           <a:xfrm rot="0">
-            <a:off x="4876800" y="394335"/>
-            <a:ext cx="2449195" cy="554990"/>
+            <a:off x="4522470" y="402590"/>
+            <a:ext cx="3153410" cy="554990"/>
           </a:xfrm>
           <a:prstGeom prst="rect"/>
           <a:noFill/>
@@ -5415,7 +5414,7 @@
                 <a:latin typeface="맑은 고딕" charset="0"/>
                 <a:ea typeface="맑은 고딕" charset="0"/>
               </a:rPr>
-              <a:t>첫</a:t>
+              <a:t>첫 번째 </a:t>
             </a:r>
             <a:r>
               <a:rPr lang="ko-KR" sz="3000" b="1">
@@ -5425,37 +5424,7 @@
                 <a:latin typeface="맑은 고딕" charset="0"/>
                 <a:ea typeface="맑은 고딕" charset="0"/>
               </a:rPr>
-              <a:t> </a:t>
-            </a:r>
-            <a:r>
-              <a:rPr lang="ko-KR" sz="3000" b="1">
-                <a:solidFill>
-                  <a:schemeClr val="tx1"/>
-                </a:solidFill>
-                <a:latin typeface="맑은 고딕" charset="0"/>
-                <a:ea typeface="맑은 고딕" charset="0"/>
-              </a:rPr>
-              <a:t>번째</a:t>
-            </a:r>
-            <a:r>
-              <a:rPr lang="ko-KR" sz="3000" b="1">
-                <a:solidFill>
-                  <a:schemeClr val="tx1"/>
-                </a:solidFill>
-                <a:latin typeface="맑은 고딕" charset="0"/>
-                <a:ea typeface="맑은 고딕" charset="0"/>
-              </a:rPr>
-              <a:t> </a:t>
-            </a:r>
-            <a:r>
-              <a:rPr lang="ko-KR" sz="3000" b="1">
-                <a:solidFill>
-                  <a:schemeClr val="tx1"/>
-                </a:solidFill>
-                <a:latin typeface="맑은 고딕" charset="0"/>
-                <a:ea typeface="맑은 고딕" charset="0"/>
-              </a:rPr>
-              <a:t>과정</a:t>
+              <a:t>튜토리얼</a:t>
             </a:r>
             <a:endParaRPr lang="ko-KR" altLang="en-US" sz="3000" b="1">
               <a:solidFill>
@@ -5477,8 +5446,8 @@
         </p:nvSpPr>
         <p:spPr>
           <a:xfrm rot="0">
-            <a:off x="1430020" y="4026535"/>
-            <a:ext cx="3891280" cy="1508125"/>
+            <a:off x="1430020" y="4675505"/>
+            <a:ext cx="3933190" cy="1508125"/>
           </a:xfrm>
           <a:prstGeom prst="rect"/>
           <a:noFill/>
@@ -5522,7 +5491,91 @@
                 <a:latin typeface="맑은 고딕" charset="0"/>
                 <a:ea typeface="맑은 고딕" charset="0"/>
               </a:rPr>
-              <a:t>첫 번째로 먼저 Capsule 게임 오브젝트를 생성합니다.</a:t>
+              <a:t>첫</a:t>
+            </a:r>
+            <a:r>
+              <a:rPr lang="ko-KR" sz="1800">
+                <a:latin typeface="맑은 고딕" charset="0"/>
+                <a:ea typeface="맑은 고딕" charset="0"/>
+              </a:rPr>
+              <a:t> </a:t>
+            </a:r>
+            <a:r>
+              <a:rPr lang="ko-KR" sz="1800">
+                <a:latin typeface="맑은 고딕" charset="0"/>
+                <a:ea typeface="맑은 고딕" charset="0"/>
+              </a:rPr>
+              <a:t>번째로</a:t>
+            </a:r>
+            <a:r>
+              <a:rPr lang="ko-KR" sz="1800">
+                <a:latin typeface="맑은 고딕" charset="0"/>
+                <a:ea typeface="맑은 고딕" charset="0"/>
+              </a:rPr>
+              <a:t> </a:t>
+            </a:r>
+            <a:r>
+              <a:rPr lang="ko-KR" sz="1800">
+                <a:latin typeface="맑은 고딕" charset="0"/>
+                <a:ea typeface="맑은 고딕" charset="0"/>
+              </a:rPr>
+              <a:t>먼저</a:t>
+            </a:r>
+            <a:r>
+              <a:rPr lang="ko-KR" sz="1800">
+                <a:latin typeface="맑은 고딕" charset="0"/>
+                <a:ea typeface="맑은 고딕" charset="0"/>
+              </a:rPr>
+              <a:t> </a:t>
+            </a:r>
+            <a:r>
+              <a:rPr lang="ko-KR" sz="1800">
+                <a:latin typeface="맑은 고딕" charset="0"/>
+                <a:ea typeface="맑은 고딕" charset="0"/>
+              </a:rPr>
+              <a:t>Capsule</a:t>
+            </a:r>
+            <a:r>
+              <a:rPr lang="ko-KR" sz="1800">
+                <a:latin typeface="맑은 고딕" charset="0"/>
+                <a:ea typeface="맑은 고딕" charset="0"/>
+              </a:rPr>
+              <a:t> </a:t>
+            </a:r>
+            <a:r>
+              <a:rPr lang="ko-KR" sz="1800">
+                <a:latin typeface="맑은 고딕" charset="0"/>
+                <a:ea typeface="맑은 고딕" charset="0"/>
+              </a:rPr>
+              <a:t>게임</a:t>
+            </a:r>
+            <a:r>
+              <a:rPr lang="ko-KR" sz="1800">
+                <a:latin typeface="맑은 고딕" charset="0"/>
+                <a:ea typeface="맑은 고딕" charset="0"/>
+              </a:rPr>
+              <a:t> </a:t>
+            </a:r>
+            <a:r>
+              <a:rPr lang="ko-KR" sz="1800">
+                <a:latin typeface="맑은 고딕" charset="0"/>
+                <a:ea typeface="맑은 고딕" charset="0"/>
+              </a:rPr>
+              <a:t>오브젝트를</a:t>
+            </a:r>
+            <a:r>
+              <a:rPr lang="ko-KR" sz="1800">
+                <a:latin typeface="맑은 고딕" charset="0"/>
+                <a:ea typeface="맑은 고딕" charset="0"/>
+              </a:rPr>
+              <a:t> </a:t>
+            </a:r>
+            <a:r>
+              <a:rPr lang="ko-KR" sz="1800">
+                <a:latin typeface="맑은 고딕" charset="0"/>
+                <a:ea typeface="맑은 고딕" charset="0"/>
+              </a:rPr>
+              <a:t>생성합니다.</a:t>
             </a:r>
             <a:endParaRPr lang="ko-KR" altLang="en-US" sz="1800">
               <a:latin typeface="맑은 고딕" charset="0"/>
@@ -5567,10 +5620,10 @@
           <p:nvPr/>
         </p:nvPicPr>
         <p:blipFill rotWithShape="1">
-          <a:blip r:embed="rId7" cstate="print">
+          <a:blip r:embed="rId7" cstate="hqprint">
             <a:extLst>
               <a:ext uri="{28A0092B-C50C-407E-A947-70E740481C1C}">
-                <a14:useLocalDpi xmlns:a14="http://schemas.microsoft.com/office/drawing/2010/main" val="0"/>
+                <a14:useLocalDpi xmlns:a14="http://schemas.microsoft.com/office/drawing/2010/main"/>
               </a:ext>
             </a:extLst>
           </a:blip>
@@ -5581,7 +5634,7 @@
         <p:spPr>
           <a:xfrm rot="0">
             <a:off x="1430020" y="1313180"/>
-            <a:ext cx="1937385" cy="2586355"/>
+            <a:ext cx="2254885" cy="3236595"/>
           </a:xfrm>
           <a:prstGeom prst="roundRect"/>
           <a:solidFill>
@@ -5591,7 +5644,7 @@
       </p:pic>
       <p:pic>
         <p:nvPicPr>
-          <p:cNvPr id="14" name="그림 10" descr="C:/Users/Admin1/AppData/Roaming/PolarisOffice/ETemp/20632_8186048/fImage44681028467.png"/>
+          <p:cNvPr id="14" name="그림 10"/>
           <p:cNvPicPr>
             <a:picLocks noChangeAspect="1"/>
           </p:cNvPicPr>
@@ -5611,8 +5664,8 @@
         </p:blipFill>
         <p:spPr>
           <a:xfrm rot="0">
-            <a:off x="3649345" y="1313180"/>
-            <a:ext cx="1717040" cy="915670"/>
+            <a:off x="3848735" y="1313180"/>
+            <a:ext cx="1518285" cy="1186815"/>
           </a:xfrm>
           <a:prstGeom prst="roundRect"/>
           <a:solidFill>
@@ -5629,112 +5682,7 @@
           <p:nvPr/>
         </p:nvPicPr>
         <p:blipFill rotWithShape="1">
-          <a:blip r:embed="rId9" cstate="print">
-            <a:extLst>
-              <a:ext uri="{28A0092B-C50C-407E-A947-70E740481C1C}">
-                <a14:useLocalDpi xmlns:a14="http://schemas.microsoft.com/office/drawing/2010/main" val="0"/>
-              </a:ext>
-            </a:extLst>
-          </a:blip>
-          <a:stretch>
-            <a:fillRect/>
-          </a:stretch>
-        </p:blipFill>
-        <p:spPr>
-          <a:xfrm rot="0">
-            <a:off x="9824085" y="1560830"/>
-            <a:ext cx="875665" cy="650875"/>
-          </a:xfrm>
-          <a:prstGeom prst="roundRect"/>
-          <a:solidFill>
-            <a:srgbClr val="EDEDED"/>
-          </a:solidFill>
-        </p:spPr>
-      </p:pic>
-      <p:sp>
-        <p:nvSpPr>
-          <p:cNvPr id="17" name="텍스트 상자 15"/>
-          <p:cNvSpPr txBox="1">
-            <a:spLocks/>
-          </p:cNvSpPr>
-          <p:nvPr/>
-        </p:nvSpPr>
-        <p:spPr>
-          <a:xfrm rot="0">
-            <a:off x="6821805" y="2344420"/>
-            <a:ext cx="3877945" cy="954405"/>
-          </a:xfrm>
-          <a:prstGeom prst="rect"/>
-          <a:noFill/>
-          <a:ln w="0">
-            <a:noFill/>
-            <a:prstDash/>
-          </a:ln>
-        </p:spPr>
-        <p:txBody>
-          <a:bodyPr wrap="square" lIns="89535" tIns="46355" rIns="89535" bIns="46355" numCol="1" vert="horz" anchor="t">
-            <a:spAutoFit/>
-          </a:bodyPr>
-          <a:lstStyle/>
-          <a:p>
-            <a:pPr marL="0" indent="0" rtl="0" algn="l" defTabSz="914400" eaLnBrk="1" latinLnBrk="0" hangingPunct="1">
-              <a:buFontTx/>
-              <a:buNone/>
-            </a:pPr>
-            <a:r>
-              <a:rPr sz="2000" b="1">
-                <a:solidFill>
-                  <a:srgbClr val="0611F2"/>
-                </a:solidFill>
-                <a:latin typeface="맑은 고딕" charset="0"/>
-                <a:ea typeface="맑은 고딕" charset="0"/>
-              </a:rPr>
-              <a:t>2</a:t>
-            </a:r>
-            <a:r>
-              <a:rPr sz="2000" b="1">
-                <a:solidFill>
-                  <a:srgbClr val="0611F2"/>
-                </a:solidFill>
-                <a:latin typeface="맑은 고딕" charset="0"/>
-                <a:ea typeface="맑은 고딕" charset="0"/>
-              </a:rPr>
-              <a:t>.</a:t>
-            </a:r>
-            <a:r>
-              <a:rPr lang="ko-KR" sz="2000" b="1">
-                <a:solidFill>
-                  <a:srgbClr val="0611F2"/>
-                </a:solidFill>
-                <a:latin typeface="맑은 고딕" charset="0"/>
-                <a:ea typeface="맑은 고딕" charset="0"/>
-              </a:rPr>
-              <a:t> </a:t>
-            </a:r>
-            <a:r>
-              <a:rPr lang="ko-KR" sz="1800">
-                <a:latin typeface="맑은 고딕" charset="0"/>
-                <a:ea typeface="맑은 고딕" charset="0"/>
-              </a:rPr>
-              <a:t>그리고 CharacterControll이라는 스크립트를 생성하고 Character 오브젝트에 넣어줍니다.</a:t>
-            </a:r>
-            <a:endParaRPr lang="ko-KR" altLang="en-US" sz="1800">
-              <a:latin typeface="맑은 고딕" charset="0"/>
-              <a:ea typeface="맑은 고딕" charset="0"/>
-            </a:endParaRPr>
-          </a:p>
-        </p:txBody>
-      </p:sp>
-      <p:pic>
-        <p:nvPicPr>
-          <p:cNvPr id="18" name="그림 16" descr="C:/Users/Admin1/AppData/Roaming/PolarisOffice/ETemp/20632_8186048/fImage45761066500.png"/>
-          <p:cNvPicPr>
-            <a:picLocks noChangeAspect="1"/>
-          </p:cNvPicPr>
-          <p:nvPr/>
-        </p:nvPicPr>
-        <p:blipFill rotWithShape="1">
-          <a:blip r:embed="rId10" cstate="hqprint">
+          <a:blip r:embed="rId9" cstate="hqprint">
             <a:extLst>
               <a:ext uri="{28A0092B-C50C-407E-A947-70E740481C1C}">
                 <a14:useLocalDpi xmlns:a14="http://schemas.microsoft.com/office/drawing/2010/main"/>
@@ -5747,8 +5695,8 @@
         </p:blipFill>
         <p:spPr>
           <a:xfrm rot="0">
-            <a:off x="6823075" y="1313180"/>
-            <a:ext cx="2380615" cy="944880"/>
+            <a:off x="9806940" y="1595120"/>
+            <a:ext cx="909955" cy="904875"/>
           </a:xfrm>
           <a:prstGeom prst="roundRect"/>
           <a:solidFill>
@@ -5756,44 +5704,73 @@
           </a:solidFill>
         </p:spPr>
       </p:pic>
-      <p:cxnSp>
-        <p:nvCxnSpPr>
-          <p:cNvPr id="16" name="도형 14"/>
-          <p:cNvCxnSpPr>
-            <a:stCxn id="15" idx="1"/>
-          </p:cNvCxnSpPr>
+      <p:sp>
+        <p:nvSpPr>
+          <p:cNvPr id="17" name="텍스트 상자 15"/>
+          <p:cNvSpPr txBox="1">
+            <a:spLocks/>
+          </p:cNvSpPr>
           <p:nvPr/>
-        </p:nvCxnSpPr>
-        <p:spPr>
-          <a:xfrm rot="0" flipH="1">
-            <a:off x="8578850" y="1885950"/>
-            <a:ext cx="1245870" cy="1905"/>
-          </a:xfrm>
-          <a:prstGeom prst="straightConnector1"/>
-          <a:ln w="6350" cap="flat" cmpd="sng">
+        </p:nvSpPr>
+        <p:spPr>
+          <a:xfrm rot="0">
+            <a:off x="6830695" y="2785745"/>
+            <a:ext cx="3878580" cy="955040"/>
+          </a:xfrm>
+          <a:prstGeom prst="rect"/>
+          <a:noFill/>
+          <a:ln w="0">
+            <a:noFill/>
             <a:prstDash/>
-            <a:headEnd type="none" w="med" len="med"/>
-            <a:tailEnd type="triangle" w="med" len="med"/>
           </a:ln>
         </p:spPr>
-        <p:style>
-          <a:lnRef idx="1">
-            <a:schemeClr val="accent1"/>
-          </a:lnRef>
-          <a:fillRef idx="0">
-            <a:schemeClr val="accent1"/>
-          </a:fillRef>
-          <a:effectRef idx="0">
-            <a:schemeClr val="accent1"/>
-          </a:effectRef>
-          <a:fontRef idx="minor">
-            <a:schemeClr val="tx1"/>
-          </a:fontRef>
-        </p:style>
-      </p:cxnSp>
+        <p:txBody>
+          <a:bodyPr wrap="square" lIns="89535" tIns="46355" rIns="89535" bIns="46355" numCol="1" vert="horz" anchor="t">
+            <a:spAutoFit/>
+          </a:bodyPr>
+          <a:lstStyle/>
+          <a:p>
+            <a:pPr marL="0" indent="0" rtl="0" algn="l" defTabSz="914400" eaLnBrk="1" latinLnBrk="0" hangingPunct="1">
+              <a:buFontTx/>
+              <a:buNone/>
+            </a:pPr>
+            <a:r>
+              <a:rPr sz="2000" b="1">
+                <a:solidFill>
+                  <a:srgbClr val="0611F2"/>
+                </a:solidFill>
+                <a:latin typeface="맑은 고딕" charset="0"/>
+                <a:ea typeface="맑은 고딕" charset="0"/>
+              </a:rPr>
+              <a:t>2.</a:t>
+            </a:r>
+            <a:r>
+              <a:rPr lang="ko-KR" sz="2000" b="1">
+                <a:solidFill>
+                  <a:srgbClr val="0611F2"/>
+                </a:solidFill>
+                <a:latin typeface="맑은 고딕" charset="0"/>
+                <a:ea typeface="맑은 고딕" charset="0"/>
+              </a:rPr>
+              <a:t> </a:t>
+            </a:r>
+            <a:r>
+              <a:rPr lang="ko-KR" sz="1800">
+                <a:latin typeface="맑은 고딕" charset="0"/>
+                <a:ea typeface="맑은 고딕" charset="0"/>
+              </a:rPr>
+              <a:t>그리고 CharacterControll이라는 스크립트를 생성하고 Character 오브젝트에 넣어줍니다.</a:t>
+            </a:r>
+            <a:endParaRPr lang="ko-KR" altLang="en-US" sz="1800">
+              <a:latin typeface="맑은 고딕" charset="0"/>
+              <a:ea typeface="맑은 고딕" charset="0"/>
+            </a:endParaRPr>
+          </a:p>
+        </p:txBody>
+      </p:sp>
       <p:pic>
         <p:nvPicPr>
-          <p:cNvPr id="19" name="그림 17" descr="C:/Users/Admin1/AppData/Roaming/PolarisOffice/ETemp/20632_8186048/fImage47031079169.png"/>
+          <p:cNvPr id="19" name="그림 17" descr="C:/Users/Admin1/AppData/Roaming/PolarisOffice/ETemp/2512_10073344/fImage47031079169.png"/>
           <p:cNvPicPr>
             <a:picLocks noChangeAspect="1"/>
           </p:cNvPicPr>
@@ -5813,8 +5790,8 @@
         </p:blipFill>
         <p:spPr>
           <a:xfrm rot="0">
-            <a:off x="6825615" y="3482975"/>
-            <a:ext cx="3874770" cy="1248410"/>
+            <a:off x="6825615" y="3970020"/>
+            <a:ext cx="3899535" cy="1350010"/>
           </a:xfrm>
           <a:prstGeom prst="roundRect"/>
           <a:solidFill>
@@ -5832,8 +5809,8 @@
         </p:nvSpPr>
         <p:spPr>
           <a:xfrm rot="0">
-            <a:off x="6826885" y="4860290"/>
-            <a:ext cx="3881120" cy="677545"/>
+            <a:off x="6826885" y="5509260"/>
+            <a:ext cx="3881755" cy="678180"/>
           </a:xfrm>
           <a:prstGeom prst="rect"/>
           <a:noFill/>
@@ -5905,7 +5882,38 @@
           <p:nvPr/>
         </p:nvPicPr>
         <p:blipFill rotWithShape="1">
-          <a:blip r:embed="rId12" cstate="print">
+          <a:blip r:embed="rId12" cstate="hqprint">
+            <a:extLst>
+              <a:ext uri="{28A0092B-C50C-407E-A947-70E740481C1C}">
+                <a14:useLocalDpi xmlns:a14="http://schemas.microsoft.com/office/drawing/2010/main"/>
+              </a:ext>
+            </a:extLst>
+          </a:blip>
+          <a:stretch>
+            <a:fillRect/>
+          </a:stretch>
+        </p:blipFill>
+        <p:spPr>
+          <a:xfrm rot="0">
+            <a:off x="3857625" y="2698750"/>
+            <a:ext cx="1506220" cy="1856740"/>
+          </a:xfrm>
+          <a:prstGeom prst="roundRect"/>
+          <a:solidFill>
+            <a:srgbClr val="EDEDED"/>
+          </a:solidFill>
+        </p:spPr>
+      </p:pic>
+      <p:pic>
+        <p:nvPicPr>
+          <p:cNvPr id="22" name="그림 1" descr="C:/Users/Admin1/AppData/Roaming/PolarisOffice/ETemp/2512_10073344/fImage442710041.png"/>
+          <p:cNvPicPr>
+            <a:picLocks noChangeAspect="1"/>
+          </p:cNvPicPr>
+          <p:nvPr/>
+        </p:nvPicPr>
+        <p:blipFill rotWithShape="1">
+          <a:blip r:embed="rId13" cstate="print">
             <a:extLst>
               <a:ext uri="{28A0092B-C50C-407E-A947-70E740481C1C}">
                 <a14:useLocalDpi xmlns:a14="http://schemas.microsoft.com/office/drawing/2010/main" val="0"/>
@@ -5918,8 +5926,8 @@
         </p:blipFill>
         <p:spPr>
           <a:xfrm rot="0">
-            <a:off x="3649345" y="2485390"/>
-            <a:ext cx="1713865" cy="1395095"/>
+            <a:off x="6835775" y="1306195"/>
+            <a:ext cx="2401570" cy="1358265"/>
           </a:xfrm>
           <a:prstGeom prst="roundRect"/>
           <a:solidFill>
@@ -5927,6 +5935,40 @@
           </a:solidFill>
         </p:spPr>
       </p:pic>
+      <p:cxnSp>
+        <p:nvCxnSpPr>
+          <p:cNvPr id="16" name="도형 14"/>
+          <p:cNvCxnSpPr>
+            <a:stCxn id="15" idx="1"/>
+          </p:cNvCxnSpPr>
+          <p:nvPr/>
+        </p:nvCxnSpPr>
+        <p:spPr>
+          <a:xfrm rot="0" flipH="1">
+            <a:off x="8545195" y="2047240"/>
+            <a:ext cx="1262380" cy="409575"/>
+          </a:xfrm>
+          <a:prstGeom prst="straightConnector1"/>
+          <a:ln w="6350" cap="flat" cmpd="sng">
+            <a:prstDash/>
+            <a:tailEnd type="triangle" w="med" len="med"/>
+          </a:ln>
+        </p:spPr>
+        <p:style>
+          <a:lnRef idx="1">
+            <a:schemeClr val="accent1"/>
+          </a:lnRef>
+          <a:fillRef idx="0">
+            <a:schemeClr val="accent1"/>
+          </a:fillRef>
+          <a:effectRef idx="0">
+            <a:schemeClr val="accent1"/>
+          </a:effectRef>
+          <a:fontRef idx="minor">
+            <a:schemeClr val="tx1"/>
+          </a:fontRef>
+        </p:style>
+      </p:cxnSp>
     </p:spTree>
   </p:cSld>
   <p:clrMapOvr>
@@ -5977,8 +6019,8 @@
         </p:nvSpPr>
         <p:spPr>
           <a:xfrm rot="0">
-            <a:off x="4876800" y="394335"/>
-            <a:ext cx="2449830" cy="554990"/>
+            <a:off x="4505325" y="419100"/>
+            <a:ext cx="3185160" cy="554990"/>
           </a:xfrm>
           <a:prstGeom prst="rect"/>
           <a:noFill/>
@@ -6005,7 +6047,7 @@
                 <a:latin typeface="맑은 고딕" charset="0"/>
                 <a:ea typeface="맑은 고딕" charset="0"/>
               </a:rPr>
-              <a:t>두</a:t>
+              <a:t>두 번째 </a:t>
             </a:r>
             <a:r>
               <a:rPr lang="ko-KR" sz="3000" b="1">
@@ -6015,7 +6057,7 @@
                 <a:latin typeface="맑은 고딕" charset="0"/>
                 <a:ea typeface="맑은 고딕" charset="0"/>
               </a:rPr>
-              <a:t> 번째 과정</a:t>
+              <a:t>튜토리얼</a:t>
             </a:r>
             <a:endParaRPr lang="ko-KR" altLang="en-US" sz="3000" b="1">
               <a:solidFill>
@@ -6037,8 +6079,8 @@
         </p:nvSpPr>
         <p:spPr>
           <a:xfrm rot="0">
-            <a:off x="1421765" y="4583430"/>
-            <a:ext cx="3882390" cy="954405"/>
+            <a:off x="1421765" y="5163185"/>
+            <a:ext cx="3941445" cy="954405"/>
           </a:xfrm>
           <a:prstGeom prst="rect"/>
           <a:noFill/>
@@ -6065,17 +6107,7 @@
                 <a:latin typeface="맑은 고딕" charset="0"/>
                 <a:ea typeface="맑은 고딕" charset="0"/>
               </a:rPr>
-              <a:t>3</a:t>
-            </a:r>
-            <a:r>
-              <a:rPr sz="2000" b="1">
-                <a:solidFill>
-                  <a:srgbClr val="0611F2"/>
-                </a:solidFill>
-                <a:latin typeface="맑은 고딕" charset="0"/>
-                <a:ea typeface="맑은 고딕" charset="0"/>
-              </a:rPr>
-              <a:t>.</a:t>
+              <a:t>3.</a:t>
             </a:r>
             <a:r>
               <a:rPr lang="ko-KR" sz="2000" b="1">
@@ -6111,8 +6143,8 @@
         </p:nvSpPr>
         <p:spPr>
           <a:xfrm rot="0">
-            <a:off x="6826885" y="3754755"/>
-            <a:ext cx="3881120" cy="1784985"/>
+            <a:off x="6835775" y="4325620"/>
+            <a:ext cx="3872230" cy="1784985"/>
           </a:xfrm>
           <a:prstGeom prst="rect"/>
           <a:noFill/>
@@ -6211,7 +6243,98 @@
           <p:nvPr/>
         </p:nvPicPr>
         <p:blipFill rotWithShape="1">
-          <a:blip r:embed="rId2" cstate="print">
+          <a:blip r:embed="rId2" cstate="hqprint">
+            <a:extLst>
+              <a:ext uri="{28A0092B-C50C-407E-A947-70E740481C1C}">
+                <a14:useLocalDpi xmlns:a14="http://schemas.microsoft.com/office/drawing/2010/main"/>
+              </a:ext>
+            </a:extLst>
+          </a:blip>
+          <a:stretch>
+            <a:fillRect/>
+          </a:stretch>
+        </p:blipFill>
+        <p:spPr>
+          <a:xfrm rot="0">
+            <a:off x="1421765" y="1322070"/>
+            <a:ext cx="2228850" cy="3660140"/>
+          </a:xfrm>
+          <a:prstGeom prst="roundRect"/>
+          <a:solidFill>
+            <a:srgbClr val="EDEDED"/>
+          </a:solidFill>
+        </p:spPr>
+      </p:pic>
+      <p:pic>
+        <p:nvPicPr>
+          <p:cNvPr id="23" name="그림 28"/>
+          <p:cNvPicPr>
+            <a:picLocks noChangeAspect="1"/>
+          </p:cNvPicPr>
+          <p:nvPr/>
+        </p:nvPicPr>
+        <p:blipFill rotWithShape="1">
+          <a:blip r:embed="rId4" cstate="hqprint">
+            <a:extLst>
+              <a:ext uri="{28A0092B-C50C-407E-A947-70E740481C1C}">
+                <a14:useLocalDpi xmlns:a14="http://schemas.microsoft.com/office/drawing/2010/main"/>
+              </a:ext>
+            </a:extLst>
+          </a:blip>
+          <a:stretch>
+            <a:fillRect/>
+          </a:stretch>
+        </p:blipFill>
+        <p:spPr>
+          <a:xfrm rot="0">
+            <a:off x="3883025" y="2862580"/>
+            <a:ext cx="1480185" cy="2111375"/>
+          </a:xfrm>
+          <a:prstGeom prst="roundRect"/>
+          <a:solidFill>
+            <a:srgbClr val="EDEDED"/>
+          </a:solidFill>
+        </p:spPr>
+      </p:pic>
+      <p:pic>
+        <p:nvPicPr>
+          <p:cNvPr id="24" name="그림 31"/>
+          <p:cNvPicPr>
+            <a:picLocks noChangeAspect="1"/>
+          </p:cNvPicPr>
+          <p:nvPr/>
+        </p:nvPicPr>
+        <p:blipFill rotWithShape="1">
+          <a:blip r:embed="rId5" cstate="hqprint">
+            <a:extLst>
+              <a:ext uri="{28A0092B-C50C-407E-A947-70E740481C1C}">
+                <a14:useLocalDpi xmlns:a14="http://schemas.microsoft.com/office/drawing/2010/main"/>
+              </a:ext>
+            </a:extLst>
+          </a:blip>
+          <a:stretch>
+            <a:fillRect/>
+          </a:stretch>
+        </p:blipFill>
+        <p:spPr>
+          <a:xfrm rot="0">
+            <a:off x="6824980" y="1313180"/>
+            <a:ext cx="3881120" cy="2830195"/>
+          </a:xfrm>
+          <a:prstGeom prst="rect"/>
+          <a:noFill/>
+        </p:spPr>
+      </p:pic>
+      <p:pic>
+        <p:nvPicPr>
+          <p:cNvPr id="25" name="그림 4" descr="C:/Users/Admin1/AppData/Roaming/PolarisOffice/ETemp/2512_10073344/fImage47631018467.png"/>
+          <p:cNvPicPr>
+            <a:picLocks noChangeAspect="1"/>
+          </p:cNvPicPr>
+          <p:nvPr/>
+        </p:nvPicPr>
+        <p:blipFill rotWithShape="1">
+          <a:blip r:embed="rId6" cstate="print">
             <a:extLst>
               <a:ext uri="{28A0092B-C50C-407E-A947-70E740481C1C}">
                 <a14:useLocalDpi xmlns:a14="http://schemas.microsoft.com/office/drawing/2010/main" val="0"/>
@@ -6224,102 +6347,13 @@
         </p:blipFill>
         <p:spPr>
           <a:xfrm rot="0">
-            <a:off x="1421765" y="1322070"/>
-            <a:ext cx="1970405" cy="3059430"/>
+            <a:off x="3884295" y="1323340"/>
+            <a:ext cx="1478915" cy="1332230"/>
           </a:xfrm>
           <a:prstGeom prst="roundRect"/>
           <a:solidFill>
             <a:srgbClr val="EDEDED"/>
           </a:solidFill>
-        </p:spPr>
-      </p:pic>
-      <p:pic>
-        <p:nvPicPr>
-          <p:cNvPr id="22" name="그림 22"/>
-          <p:cNvPicPr>
-            <a:picLocks noChangeAspect="1"/>
-          </p:cNvPicPr>
-          <p:nvPr/>
-        </p:nvPicPr>
-        <p:blipFill rotWithShape="1">
-          <a:blip r:embed="rId3" cstate="print">
-            <a:extLst>
-              <a:ext uri="{28A0092B-C50C-407E-A947-70E740481C1C}">
-                <a14:useLocalDpi xmlns:a14="http://schemas.microsoft.com/office/drawing/2010/main" val="0"/>
-              </a:ext>
-            </a:extLst>
-          </a:blip>
-          <a:stretch>
-            <a:fillRect/>
-          </a:stretch>
-        </p:blipFill>
-        <p:spPr>
-          <a:xfrm rot="0">
-            <a:off x="3657600" y="1313180"/>
-            <a:ext cx="1713230" cy="890270"/>
-          </a:xfrm>
-          <a:prstGeom prst="rect"/>
-          <a:noFill/>
-        </p:spPr>
-      </p:pic>
-      <p:pic>
-        <p:nvPicPr>
-          <p:cNvPr id="23" name="그림 28"/>
-          <p:cNvPicPr>
-            <a:picLocks noChangeAspect="1"/>
-          </p:cNvPicPr>
-          <p:nvPr/>
-        </p:nvPicPr>
-        <p:blipFill rotWithShape="1">
-          <a:blip r:embed="rId4" cstate="print">
-            <a:extLst>
-              <a:ext uri="{28A0092B-C50C-407E-A947-70E740481C1C}">
-                <a14:useLocalDpi xmlns:a14="http://schemas.microsoft.com/office/drawing/2010/main" val="0"/>
-              </a:ext>
-            </a:extLst>
-          </a:blip>
-          <a:stretch>
-            <a:fillRect/>
-          </a:stretch>
-        </p:blipFill>
-        <p:spPr>
-          <a:xfrm rot="0">
-            <a:off x="3649980" y="2484755"/>
-            <a:ext cx="1712595" cy="1905635"/>
-          </a:xfrm>
-          <a:prstGeom prst="roundRect"/>
-          <a:solidFill>
-            <a:srgbClr val="EDEDED"/>
-          </a:solidFill>
-        </p:spPr>
-      </p:pic>
-      <p:pic>
-        <p:nvPicPr>
-          <p:cNvPr id="24" name="그림 31"/>
-          <p:cNvPicPr>
-            <a:picLocks noChangeAspect="1"/>
-          </p:cNvPicPr>
-          <p:nvPr/>
-        </p:nvPicPr>
-        <p:blipFill rotWithShape="1">
-          <a:blip r:embed="rId5" cstate="print">
-            <a:extLst>
-              <a:ext uri="{28A0092B-C50C-407E-A947-70E740481C1C}">
-                <a14:useLocalDpi xmlns:a14="http://schemas.microsoft.com/office/drawing/2010/main" val="0"/>
-              </a:ext>
-            </a:extLst>
-          </a:blip>
-          <a:stretch>
-            <a:fillRect/>
-          </a:stretch>
-        </p:blipFill>
-        <p:spPr>
-          <a:xfrm rot="0">
-            <a:off x="6824980" y="1313180"/>
-            <a:ext cx="3880485" cy="2312035"/>
-          </a:xfrm>
-          <a:prstGeom prst="rect"/>
-          <a:noFill/>
         </p:spPr>
       </p:pic>
     </p:spTree>
@@ -6372,8 +6406,8 @@
         </p:nvSpPr>
         <p:spPr>
           <a:xfrm rot="0">
-            <a:off x="4876800" y="394335"/>
-            <a:ext cx="2449830" cy="554990"/>
+            <a:off x="4527550" y="427355"/>
+            <a:ext cx="3137535" cy="554990"/>
           </a:xfrm>
           <a:prstGeom prst="rect"/>
           <a:noFill/>
@@ -6400,7 +6434,7 @@
                 <a:latin typeface="맑은 고딕" charset="0"/>
                 <a:ea typeface="맑은 고딕" charset="0"/>
               </a:rPr>
-              <a:t>세</a:t>
+              <a:t>세 번째 </a:t>
             </a:r>
             <a:r>
               <a:rPr lang="ko-KR" sz="3000" b="1">
@@ -6410,7 +6444,7 @@
                 <a:latin typeface="맑은 고딕" charset="0"/>
                 <a:ea typeface="맑은 고딕" charset="0"/>
               </a:rPr>
-              <a:t> 번째 과정</a:t>
+              <a:t>튜토리얼</a:t>
             </a:r>
             <a:endParaRPr lang="ko-KR" altLang="en-US" sz="3000" b="1">
               <a:solidFill>
@@ -6432,8 +6466,8 @@
         </p:nvSpPr>
         <p:spPr>
           <a:xfrm rot="0">
-            <a:off x="1421765" y="4583430"/>
-            <a:ext cx="3957320" cy="954405"/>
+            <a:off x="1421765" y="5215890"/>
+            <a:ext cx="3958590" cy="955675"/>
           </a:xfrm>
           <a:prstGeom prst="rect"/>
           <a:noFill/>
@@ -6506,8 +6540,8 @@
         </p:nvSpPr>
         <p:spPr>
           <a:xfrm rot="0">
-            <a:off x="6793230" y="2582545"/>
-            <a:ext cx="3947795" cy="954405"/>
+            <a:off x="6851650" y="2599055"/>
+            <a:ext cx="4090035" cy="954405"/>
           </a:xfrm>
           <a:prstGeom prst="rect"/>
           <a:noFill/>
@@ -6561,7 +6595,7 @@
                 <a:latin typeface="맑은 고딕" charset="0"/>
                 <a:ea typeface="맑은 고딕" charset="0"/>
               </a:rPr>
-              <a:t>그리고 Zone Hurt 머티리얼을 Obstacle의 Mesh Renderer에 넣어줍니다.</a:t>
+              <a:t>그리고 Project 폴더에 있는 Video 폴더에 MotoCycle 비디오를 Obstacle 오브젝트에 넣어줍니다.</a:t>
             </a:r>
             <a:endParaRPr lang="ko-KR" altLang="en-US" sz="1800">
               <a:latin typeface="맑은 고딕" charset="0"/>
@@ -6572,14 +6606,107 @@
       </p:sp>
       <p:pic>
         <p:nvPicPr>
-          <p:cNvPr id="21" name="그림 32"/>
+          <p:cNvPr id="21" name="그림 32" descr="C:/Users/Admin1/AppData/Roaming/PolarisOffice/ETemp/2512_10073344/fImage161052045705.png"/>
           <p:cNvPicPr>
             <a:picLocks noChangeAspect="1"/>
           </p:cNvPicPr>
           <p:nvPr/>
         </p:nvPicPr>
         <p:blipFill rotWithShape="1">
-          <a:blip r:embed="rId2" cstate="print">
+          <a:blip r:embed="rId2" cstate="hqprint">
+            <a:extLst>
+              <a:ext uri="{28A0092B-C50C-407E-A947-70E740481C1C}">
+                <a14:useLocalDpi xmlns:a14="http://schemas.microsoft.com/office/drawing/2010/main"/>
+              </a:ext>
+            </a:extLst>
+          </a:blip>
+          <a:stretch>
+            <a:fillRect/>
+          </a:stretch>
+        </p:blipFill>
+        <p:spPr>
+          <a:xfrm rot="0">
+            <a:off x="1421765" y="1470025"/>
+            <a:ext cx="2349500" cy="3598545"/>
+          </a:xfrm>
+          <a:prstGeom prst="roundRect"/>
+          <a:solidFill>
+            <a:srgbClr val="EDEDED"/>
+          </a:solidFill>
+        </p:spPr>
+      </p:pic>
+      <p:pic>
+        <p:nvPicPr>
+          <p:cNvPr id="23" name="그림 34" descr="C:/Users/Admin1/AppData/Roaming/PolarisOffice/ETemp/2512_10073344/fImage91272063281.png"/>
+          <p:cNvPicPr>
+            <a:picLocks noChangeAspect="1"/>
+          </p:cNvPicPr>
+          <p:nvPr/>
+        </p:nvPicPr>
+        <p:blipFill rotWithShape="1">
+          <a:blip r:embed="rId4" cstate="hqprint">
+            <a:extLst>
+              <a:ext uri="{28A0092B-C50C-407E-A947-70E740481C1C}">
+                <a14:useLocalDpi xmlns:a14="http://schemas.microsoft.com/office/drawing/2010/main"/>
+              </a:ext>
+            </a:extLst>
+          </a:blip>
+          <a:stretch>
+            <a:fillRect/>
+          </a:stretch>
+        </p:blipFill>
+        <p:spPr>
+          <a:xfrm rot="0">
+            <a:off x="3970020" y="3286125"/>
+            <a:ext cx="1410335" cy="1779270"/>
+          </a:xfrm>
+          <a:prstGeom prst="roundRect"/>
+          <a:solidFill>
+            <a:srgbClr val="EDEDED"/>
+          </a:solidFill>
+        </p:spPr>
+      </p:pic>
+      <p:pic>
+        <p:nvPicPr>
+          <p:cNvPr id="25" name="그림 19" descr="C:/Users/Admin1/AppData/Roaming/PolarisOffice/ETemp/2512_10073344/fImage972210841.png"/>
+          <p:cNvPicPr>
+            <a:picLocks noChangeAspect="1"/>
+          </p:cNvPicPr>
+          <p:nvPr/>
+        </p:nvPicPr>
+        <p:blipFill rotWithShape="1">
+          <a:blip r:embed="rId8" cstate="hqprint">
+            <a:extLst>
+              <a:ext uri="{28A0092B-C50C-407E-A947-70E740481C1C}">
+                <a14:useLocalDpi xmlns:a14="http://schemas.microsoft.com/office/drawing/2010/main"/>
+              </a:ext>
+            </a:extLst>
+          </a:blip>
+          <a:stretch>
+            <a:fillRect/>
+          </a:stretch>
+        </p:blipFill>
+        <p:spPr>
+          <a:xfrm rot="0">
+            <a:off x="8279765" y="1471295"/>
+            <a:ext cx="2670175" cy="1065530"/>
+          </a:xfrm>
+          <a:prstGeom prst="roundRect"/>
+          <a:solidFill>
+            <a:srgbClr val="EDEDED"/>
+          </a:solidFill>
+        </p:spPr>
+      </p:pic>
+      <p:pic>
+        <p:nvPicPr>
+          <p:cNvPr id="26" name="그림 11" descr="C:/Users/Admin1/AppData/Roaming/PolarisOffice/ETemp/2512_10073344/fImage53461026334.png"/>
+          <p:cNvPicPr>
+            <a:picLocks noChangeAspect="1"/>
+          </p:cNvPicPr>
+          <p:nvPr/>
+        </p:nvPicPr>
+        <p:blipFill rotWithShape="1">
+          <a:blip r:embed="rId9" cstate="print">
             <a:extLst>
               <a:ext uri="{28A0092B-C50C-407E-A947-70E740481C1C}">
                 <a14:useLocalDpi xmlns:a14="http://schemas.microsoft.com/office/drawing/2010/main" val="0"/>
@@ -6592,8 +6719,8 @@
         </p:blipFill>
         <p:spPr>
           <a:xfrm rot="0">
-            <a:off x="1421765" y="1470025"/>
-            <a:ext cx="1920875" cy="2986405"/>
+            <a:off x="3966210" y="1478915"/>
+            <a:ext cx="1414145" cy="1565910"/>
           </a:xfrm>
           <a:prstGeom prst="roundRect"/>
           <a:solidFill>
@@ -6603,14 +6730,14 @@
       </p:pic>
       <p:pic>
         <p:nvPicPr>
-          <p:cNvPr id="22" name="그림 33"/>
+          <p:cNvPr id="27" name="그림 14" descr="C:/Users/Admin1/AppData/Roaming/PolarisOffice/ETemp/2512_10073344/fImage53461036500.png"/>
           <p:cNvPicPr>
             <a:picLocks noChangeAspect="1"/>
           </p:cNvPicPr>
           <p:nvPr/>
         </p:nvPicPr>
         <p:blipFill rotWithShape="1">
-          <a:blip r:embed="rId3" cstate="print">
+          <a:blip r:embed="rId10" cstate="print">
             <a:extLst>
               <a:ext uri="{28A0092B-C50C-407E-A947-70E740481C1C}">
                 <a14:useLocalDpi xmlns:a14="http://schemas.microsoft.com/office/drawing/2010/main" val="0"/>
@@ -6623,23 +6750,25 @@
         </p:blipFill>
         <p:spPr>
           <a:xfrm rot="0">
-            <a:off x="3533140" y="1463040"/>
-            <a:ext cx="1854200" cy="948055"/>
-          </a:xfrm>
-          <a:prstGeom prst="rect"/>
-          <a:noFill/>
+            <a:off x="6841490" y="1472565"/>
+            <a:ext cx="1306195" cy="1062355"/>
+          </a:xfrm>
+          <a:prstGeom prst="roundRect"/>
+          <a:solidFill>
+            <a:srgbClr val="EDEDED"/>
+          </a:solidFill>
         </p:spPr>
       </p:pic>
       <p:pic>
         <p:nvPicPr>
-          <p:cNvPr id="23" name="그림 34"/>
+          <p:cNvPr id="28" name="그림 15" descr="C:/Users/Admin1/AppData/Roaming/PolarisOffice/ETemp/2512_10073344/fImage107461049169.png"/>
           <p:cNvPicPr>
             <a:picLocks noChangeAspect="1"/>
           </p:cNvPicPr>
           <p:nvPr/>
         </p:nvPicPr>
         <p:blipFill rotWithShape="1">
-          <a:blip r:embed="rId4" cstate="print">
+          <a:blip r:embed="rId11" cstate="print">
             <a:extLst>
               <a:ext uri="{28A0092B-C50C-407E-A947-70E740481C1C}">
                 <a14:useLocalDpi xmlns:a14="http://schemas.microsoft.com/office/drawing/2010/main" val="0"/>
@@ -6652,8 +6781,8 @@
         </p:blipFill>
         <p:spPr>
           <a:xfrm rot="0">
-            <a:off x="3533140" y="2623820"/>
-            <a:ext cx="1845945" cy="1832610"/>
+            <a:off x="6850380" y="3727450"/>
+            <a:ext cx="4099560" cy="1626870"/>
           </a:xfrm>
           <a:prstGeom prst="roundRect"/>
           <a:solidFill>
@@ -6661,132 +6790,80 @@
           </a:solidFill>
         </p:spPr>
       </p:pic>
-      <p:pic>
-        <p:nvPicPr>
-          <p:cNvPr id="24" name="그림 37"/>
-          <p:cNvPicPr>
-            <a:picLocks noChangeAspect="1"/>
-          </p:cNvPicPr>
+      <p:sp>
+        <p:nvSpPr>
+          <p:cNvPr id="29" name="텍스트 상자 18"/>
+          <p:cNvSpPr txBox="1">
+            <a:spLocks/>
+          </p:cNvSpPr>
           <p:nvPr/>
-        </p:nvPicPr>
-        <p:blipFill rotWithShape="1">
-          <a:blip r:embed="rId5" cstate="print">
-            <a:extLst>
-              <a:ext uri="{28A0092B-C50C-407E-A947-70E740481C1C}">
-                <a14:useLocalDpi xmlns:a14="http://schemas.microsoft.com/office/drawing/2010/main" val="0"/>
-              </a:ext>
-            </a:extLst>
-          </a:blip>
-          <a:stretch>
-            <a:fillRect/>
-          </a:stretch>
-        </p:blipFill>
-        <p:spPr>
-          <a:xfrm rot="0">
-            <a:off x="6794500" y="1474470"/>
-            <a:ext cx="2574925" cy="995045"/>
+        </p:nvSpPr>
+        <p:spPr>
+          <a:xfrm rot="0">
+            <a:off x="6863080" y="5490210"/>
+            <a:ext cx="4090035" cy="677545"/>
           </a:xfrm>
           <a:prstGeom prst="rect"/>
           <a:noFill/>
-        </p:spPr>
-      </p:pic>
-      <p:pic>
-        <p:nvPicPr>
-          <p:cNvPr id="25" name="그림 38"/>
-          <p:cNvPicPr>
-            <a:picLocks noChangeAspect="1"/>
-          </p:cNvPicPr>
-          <p:nvPr/>
-        </p:nvPicPr>
-        <p:blipFill rotWithShape="1">
-          <a:blip r:embed="rId6" cstate="print">
-            <a:extLst>
-              <a:ext uri="{28A0092B-C50C-407E-A947-70E740481C1C}">
-                <a14:useLocalDpi xmlns:a14="http://schemas.microsoft.com/office/drawing/2010/main" val="0"/>
-              </a:ext>
-            </a:extLst>
-          </a:blip>
-          <a:stretch>
-            <a:fillRect/>
-          </a:stretch>
-        </p:blipFill>
-        <p:spPr>
-          <a:xfrm rot="0">
-            <a:off x="9925685" y="1606550"/>
-            <a:ext cx="805815" cy="755015"/>
-          </a:xfrm>
-          <a:prstGeom prst="roundRect"/>
-          <a:solidFill>
-            <a:srgbClr val="EDEDED"/>
-          </a:solidFill>
-        </p:spPr>
-      </p:pic>
-      <p:cxnSp>
-        <p:nvCxnSpPr>
-          <p:cNvPr id="26" name="도형 41"/>
-          <p:cNvCxnSpPr>
-            <a:stCxn id="25" idx="1"/>
-          </p:cNvCxnSpPr>
-          <p:nvPr/>
-        </p:nvCxnSpPr>
-        <p:spPr>
-          <a:xfrm rot="0" flipH="1">
-            <a:off x="9227820" y="1983740"/>
-            <a:ext cx="698500" cy="111760"/>
-          </a:xfrm>
-          <a:prstGeom prst="straightConnector1"/>
-          <a:ln w="6350" cap="flat" cmpd="sng">
+          <a:ln w="0">
+            <a:noFill/>
             <a:prstDash/>
-            <a:headEnd type="none" w="med" len="med"/>
-            <a:tailEnd type="triangle" w="med" len="med"/>
           </a:ln>
         </p:spPr>
-        <p:style>
-          <a:lnRef idx="1">
-            <a:schemeClr val="accent1"/>
-          </a:lnRef>
-          <a:fillRef idx="0">
-            <a:schemeClr val="accent1"/>
-          </a:fillRef>
-          <a:effectRef idx="0">
-            <a:schemeClr val="accent1"/>
-          </a:effectRef>
-          <a:fontRef idx="minor">
-            <a:schemeClr val="tx1"/>
-          </a:fontRef>
-        </p:style>
-      </p:cxnSp>
-      <p:pic>
-        <p:nvPicPr>
-          <p:cNvPr id="27" name="그림 46"/>
-          <p:cNvPicPr>
-            <a:picLocks noChangeAspect="1"/>
-          </p:cNvPicPr>
-          <p:nvPr/>
-        </p:nvPicPr>
-        <p:blipFill rotWithShape="1">
-          <a:blip r:embed="rId7" cstate="print">
-            <a:extLst>
-              <a:ext uri="{28A0092B-C50C-407E-A947-70E740481C1C}">
-                <a14:useLocalDpi xmlns:a14="http://schemas.microsoft.com/office/drawing/2010/main" val="0"/>
-              </a:ext>
-            </a:extLst>
-          </a:blip>
-          <a:stretch>
-            <a:fillRect/>
-          </a:stretch>
-        </p:blipFill>
-        <p:spPr>
-          <a:xfrm rot="0">
-            <a:off x="6790690" y="3699510"/>
-            <a:ext cx="3942080" cy="1829435"/>
-          </a:xfrm>
-          <a:prstGeom prst="roundRect"/>
-          <a:solidFill>
-            <a:srgbClr val="EDEDED"/>
-          </a:solidFill>
-        </p:spPr>
-      </p:pic>
+        <p:txBody>
+          <a:bodyPr wrap="square" lIns="89535" tIns="46355" rIns="89535" bIns="46355" numCol="1" vert="horz" anchor="t">
+            <a:spAutoFit/>
+          </a:bodyPr>
+          <a:lstStyle/>
+          <a:p>
+            <a:pPr marL="0" indent="0" rtl="0" algn="l" defTabSz="914400" eaLnBrk="1" latinLnBrk="0" hangingPunct="1">
+              <a:buFontTx/>
+              <a:buNone/>
+            </a:pPr>
+            <a:r>
+              <a:rPr lang="ko-KR" sz="2000" b="1">
+                <a:solidFill>
+                  <a:srgbClr val="0611F2"/>
+                </a:solidFill>
+                <a:latin typeface="맑은 고딕" charset="0"/>
+                <a:ea typeface="맑은 고딕" charset="0"/>
+              </a:rPr>
+              <a:t>7</a:t>
+            </a:r>
+            <a:r>
+              <a:rPr sz="2000" b="1">
+                <a:solidFill>
+                  <a:srgbClr val="0611F2"/>
+                </a:solidFill>
+                <a:latin typeface="맑은 고딕" charset="0"/>
+                <a:ea typeface="맑은 고딕" charset="0"/>
+              </a:rPr>
+              <a:t>.</a:t>
+            </a:r>
+            <a:r>
+              <a:rPr lang="ko-KR" sz="2000" b="1">
+                <a:solidFill>
+                  <a:srgbClr val="0611F2"/>
+                </a:solidFill>
+                <a:latin typeface="맑은 고딕" charset="0"/>
+                <a:ea typeface="맑은 고딕" charset="0"/>
+              </a:rPr>
+              <a:t> </a:t>
+            </a:r>
+            <a:r>
+              <a:rPr lang="ko-KR" sz="1800">
+                <a:latin typeface="맑은 고딕" charset="0"/>
+                <a:ea typeface="맑은 고딕" charset="0"/>
+              </a:rPr>
+              <a:t>그다음 Main Camera 오브젝트의 위치와 회전값을 설정합니다.</a:t>
+            </a:r>
+            <a:endParaRPr lang="ko-KR" altLang="en-US" sz="1800">
+              <a:latin typeface="맑은 고딕" charset="0"/>
+              <a:ea typeface="맑은 고딕" charset="0"/>
+            </a:endParaRPr>
+          </a:p>
+        </p:txBody>
+      </p:sp>
     </p:spTree>
   </p:cSld>
   <p:clrMapOvr>
@@ -6897,8 +6974,8 @@
         </p:nvSpPr>
         <p:spPr>
           <a:xfrm rot="0">
-            <a:off x="1421765" y="3776980"/>
-            <a:ext cx="3957320" cy="2061845"/>
+            <a:off x="1412875" y="3941445"/>
+            <a:ext cx="3957955" cy="2061845"/>
           </a:xfrm>
           <a:prstGeom prst="rect"/>
           <a:noFill/>
@@ -6925,7 +7002,7 @@
                 <a:latin typeface="맑은 고딕" charset="0"/>
                 <a:ea typeface="맑은 고딕" charset="0"/>
               </a:rPr>
-              <a:t>7</a:t>
+              <a:t>8</a:t>
             </a:r>
             <a:r>
               <a:rPr sz="2000" b="1">
@@ -6990,17 +7067,17 @@
       </p:sp>
       <p:pic>
         <p:nvPicPr>
-          <p:cNvPr id="21" name="그림 51"/>
+          <p:cNvPr id="21" name="그림 51" descr="C:/Users/Admin1/AppData/Roaming/PolarisOffice/ETemp/2512_10073344/fImage46372242995.png"/>
           <p:cNvPicPr>
             <a:picLocks noChangeAspect="1"/>
           </p:cNvPicPr>
           <p:nvPr/>
         </p:nvPicPr>
         <p:blipFill rotWithShape="1">
-          <a:blip r:embed="rId2" cstate="print">
+          <a:blip r:embed="rId2" cstate="hqprint">
             <a:extLst>
               <a:ext uri="{28A0092B-C50C-407E-A947-70E740481C1C}">
-                <a14:useLocalDpi xmlns:a14="http://schemas.microsoft.com/office/drawing/2010/main" val="0"/>
+                <a14:useLocalDpi xmlns:a14="http://schemas.microsoft.com/office/drawing/2010/main"/>
               </a:ext>
             </a:extLst>
           </a:blip>
@@ -7010,28 +7087,26 @@
         </p:blipFill>
         <p:spPr>
           <a:xfrm rot="0">
-            <a:off x="1421765" y="1596390"/>
-            <a:ext cx="3949065" cy="2020570"/>
-          </a:xfrm>
-          <a:prstGeom prst="roundRect"/>
-          <a:solidFill>
-            <a:srgbClr val="EDEDED"/>
-          </a:solidFill>
+            <a:off x="1421765" y="1374775"/>
+            <a:ext cx="3949700" cy="2405380"/>
+          </a:xfrm>
+          <a:prstGeom prst="rect"/>
+          <a:noFill/>
         </p:spPr>
       </p:pic>
       <p:pic>
         <p:nvPicPr>
-          <p:cNvPr id="22" name="그림 54"/>
+          <p:cNvPr id="22" name="그림 54" descr="C:/Users/Admin1/AppData/Roaming/PolarisOffice/ETemp/2512_10073344/fImage79902251942.png"/>
           <p:cNvPicPr>
             <a:picLocks noChangeAspect="1"/>
           </p:cNvPicPr>
           <p:nvPr/>
         </p:nvPicPr>
         <p:blipFill rotWithShape="1">
-          <a:blip r:embed="rId3" cstate="print">
+          <a:blip r:embed="rId3" cstate="hqprint">
             <a:extLst>
               <a:ext uri="{28A0092B-C50C-407E-A947-70E740481C1C}">
-                <a14:useLocalDpi xmlns:a14="http://schemas.microsoft.com/office/drawing/2010/main" val="0"/>
+                <a14:useLocalDpi xmlns:a14="http://schemas.microsoft.com/office/drawing/2010/main"/>
               </a:ext>
             </a:extLst>
           </a:blip>
@@ -7041,13 +7116,11 @@
         </p:blipFill>
         <p:spPr>
           <a:xfrm rot="0">
-            <a:off x="6824980" y="1597660"/>
-            <a:ext cx="4032250" cy="2019300"/>
-          </a:xfrm>
-          <a:prstGeom prst="roundRect"/>
-          <a:solidFill>
-            <a:srgbClr val="EDEDED"/>
-          </a:solidFill>
+            <a:off x="6824980" y="1375410"/>
+            <a:ext cx="4032885" cy="2413635"/>
+          </a:xfrm>
+          <a:prstGeom prst="rect"/>
+          <a:noFill/>
         </p:spPr>
       </p:pic>
       <p:sp>
@@ -7060,8 +7133,8 @@
         </p:nvSpPr>
         <p:spPr>
           <a:xfrm rot="0">
-            <a:off x="6805295" y="3773805"/>
-            <a:ext cx="4035425" cy="2061845"/>
+            <a:off x="6822440" y="3946525"/>
+            <a:ext cx="4023995" cy="2061845"/>
           </a:xfrm>
           <a:prstGeom prst="rect"/>
           <a:noFill/>
@@ -7088,7 +7161,7 @@
                 <a:latin typeface="맑은 고딕" charset="0"/>
                 <a:ea typeface="맑은 고딕" charset="0"/>
               </a:rPr>
-              <a:t>8</a:t>
+              <a:t>9</a:t>
             </a:r>
             <a:r>
               <a:rPr sz="2000" b="1">
@@ -7260,9 +7333,9 @@
           <p:nvPr/>
         </p:nvSpPr>
         <p:spPr>
-          <a:xfrm>
-            <a:off x="6833235" y="3211195"/>
-            <a:ext cx="3908425" cy="2615565"/>
+          <a:xfrm rot="0">
+            <a:off x="6816090" y="2882265"/>
+            <a:ext cx="4116705" cy="1231265"/>
           </a:xfrm>
           <a:prstGeom prst="rect"/>
           <a:noFill/>
@@ -7289,7 +7362,17 @@
                 <a:latin typeface="맑은 고딕" charset="0"/>
                 <a:ea typeface="맑은 고딕" charset="0"/>
               </a:rPr>
-              <a:t>11</a:t>
+              <a:t>1</a:t>
+            </a:r>
+            <a:r>
+              <a:rPr lang="ko-KR" sz="2000" b="1">
+                <a:solidFill>
+                  <a:srgbClr val="0611F2"/>
+                </a:solidFill>
+                <a:latin typeface="맑은 고딕" charset="0"/>
+                <a:ea typeface="맑은 고딕" charset="0"/>
+              </a:rPr>
+              <a:t>2</a:t>
             </a:r>
             <a:r>
               <a:rPr sz="2000" b="1">
@@ -7306,54 +7389,20 @@
                 <a:latin typeface="맑은 고딕" charset="0"/>
                 <a:ea typeface="맑은 고딕" charset="0"/>
               </a:rPr>
-              <a:t>그리고 물리적인 충돌을 바닥과 했을 때 Boolean 변수를 활성화하여 Space Bar 입력을 할 수 있도록 설정합니다.</a:t>
+              <a:t>그리고</a:t>
+            </a:r>
+            <a:r>
+              <a:rPr lang="ko-KR" sz="1800">
+                <a:latin typeface="맑은 고딕" charset="0"/>
+                <a:ea typeface="맑은 고딕" charset="0"/>
+              </a:rPr>
+              <a:t> 게임 오브젝트가 물리적인 충돌이 끝났을 때 게임 오브젝트의 크기와 boolean 변수의 값을 false로 변경합니다.</a:t>
             </a:r>
             <a:endParaRPr lang="ko-KR" altLang="en-US" sz="1800">
               <a:latin typeface="맑은 고딕" charset="0"/>
               <a:ea typeface="맑은 고딕" charset="0"/>
             </a:endParaRPr>
           </a:p>
-          <a:p>
-            <a:pPr marL="0" indent="0" rtl="0" algn="l" defTabSz="914400" eaLnBrk="1" latinLnBrk="0" hangingPunct="1">
-              <a:buFontTx/>
-              <a:buNone/>
-            </a:pPr>
-            <a:endParaRPr lang="ko-KR" altLang="en-US" sz="1800">
-              <a:latin typeface="맑은 고딕" charset="0"/>
-              <a:ea typeface="맑은 고딕" charset="0"/>
-            </a:endParaRPr>
-          </a:p>
-          <a:p>
-            <a:pPr marL="0" indent="0" rtl="0" algn="l" defTabSz="914400" eaLnBrk="1" latinLnBrk="0" hangingPunct="1">
-              <a:buFontTx/>
-              <a:buNone/>
-            </a:pPr>
-            <a:r>
-              <a:rPr lang="ko-KR" sz="1800">
-                <a:latin typeface="맑은 고딕" charset="0"/>
-                <a:ea typeface="맑은 고딕" charset="0"/>
-              </a:rPr>
-              <a:t>그런 다음 바닥과 충돌이 벗어났을 때 Boolean 변수를 비활성화하여 Space Bar</a:t>
-            </a:r>
-            <a:r>
-              <a:rPr lang="ko-KR" sz="1800">
-                <a:latin typeface="맑은 고딕" charset="0"/>
-                <a:ea typeface="맑은 고딕" charset="0"/>
-              </a:rPr>
-              <a:t>를</a:t>
-            </a:r>
-            <a:r>
-              <a:rPr lang="ko-KR" sz="1800">
-                <a:latin typeface="맑은 고딕" charset="0"/>
-                <a:ea typeface="맑은 고딕" charset="0"/>
-              </a:rPr>
-              <a:t> 입력할 수 없도록 합니다.</a:t>
-            </a:r>
-            <a:endParaRPr lang="ko-KR" altLang="en-US" sz="1800">
-              <a:latin typeface="맑은 고딕" charset="0"/>
-              <a:ea typeface="맑은 고딕" charset="0"/>
-            </a:endParaRPr>
-          </a:p>
         </p:txBody>
       </p:sp>
       <p:sp>
@@ -7366,8 +7415,8 @@
         </p:nvSpPr>
         <p:spPr>
           <a:xfrm rot="0">
-            <a:off x="1426210" y="4039870"/>
-            <a:ext cx="3945255" cy="1784985"/>
+            <a:off x="1400810" y="2881630"/>
+            <a:ext cx="3987800" cy="954405"/>
           </a:xfrm>
           <a:prstGeom prst="rect"/>
           <a:noFill/>
@@ -7411,52 +7460,46 @@
                 <a:latin typeface="맑은 고딕" charset="0"/>
                 <a:ea typeface="맑은 고딕" charset="0"/>
               </a:rPr>
-              <a:t>그다음 물리적인 충돌을 감지하는 함수를 정의합니다.</a:t>
+              <a:t>그다음 </a:t>
+            </a:r>
+            <a:r>
+              <a:rPr lang="ko-KR" sz="1800">
+                <a:latin typeface="맑은 고딕" charset="0"/>
+                <a:ea typeface="맑은 고딕" charset="0"/>
+              </a:rPr>
+              <a:t>게임 오브젝트가 </a:t>
+            </a:r>
+            <a:r>
+              <a:rPr lang="ko-KR" sz="1800">
+                <a:latin typeface="맑은 고딕" charset="0"/>
+                <a:ea typeface="맑은 고딕" charset="0"/>
+              </a:rPr>
+              <a:t>물리적인 충돌</a:t>
+            </a:r>
+            <a:r>
+              <a:rPr lang="ko-KR" sz="1800">
+                <a:latin typeface="맑은 고딕" charset="0"/>
+                <a:ea typeface="맑은 고딕" charset="0"/>
+              </a:rPr>
+              <a:t>을 했을 때  boolean 변수의 값을 true로 변경합니다.</a:t>
             </a:r>
             <a:endParaRPr lang="ko-KR" altLang="en-US" sz="1800">
               <a:latin typeface="맑은 고딕" charset="0"/>
               <a:ea typeface="맑은 고딕" charset="0"/>
             </a:endParaRPr>
           </a:p>
-          <a:p>
-            <a:pPr marL="0" indent="0" rtl="0" algn="l" defTabSz="914400" eaLnBrk="1" latinLnBrk="0" hangingPunct="1">
-              <a:buFontTx/>
-              <a:buNone/>
-            </a:pPr>
-            <a:endParaRPr lang="ko-KR" altLang="en-US" sz="1800">
-              <a:latin typeface="맑은 고딕" charset="0"/>
-              <a:ea typeface="맑은 고딕" charset="0"/>
-            </a:endParaRPr>
-          </a:p>
-          <a:p>
-            <a:pPr marL="0" indent="0" rtl="0" algn="l" defTabSz="914400" eaLnBrk="1" latinLnBrk="0" hangingPunct="1">
-              <a:buFontTx/>
-              <a:buNone/>
-            </a:pPr>
-            <a:r>
-              <a:rPr lang="ko-KR" sz="1800">
-                <a:latin typeface="맑은 고딕" charset="0"/>
-                <a:ea typeface="맑은 고딕" charset="0"/>
-              </a:rPr>
-              <a:t>충돌했을 때, 충돌 중일 때, 충돌을 벗어났을 때 동작하는 함수를 정의합니다.</a:t>
-            </a:r>
-            <a:endParaRPr lang="ko-KR" altLang="en-US" sz="1800">
-              <a:latin typeface="맑은 고딕" charset="0"/>
-              <a:ea typeface="맑은 고딕" charset="0"/>
-            </a:endParaRPr>
-          </a:p>
         </p:txBody>
       </p:sp>
       <p:pic>
         <p:nvPicPr>
-          <p:cNvPr id="36" name="그림 21"/>
+          <p:cNvPr id="39" name="그림 34" descr="C:/Users/Admin1/AppData/Roaming/PolarisOffice/ETemp/2512_10073344/fImage55441115724.png"/>
           <p:cNvPicPr>
             <a:picLocks noChangeAspect="1"/>
           </p:cNvPicPr>
           <p:nvPr/>
         </p:nvPicPr>
         <p:blipFill rotWithShape="1">
-          <a:blip r:embed="rId2" cstate="print">
+          <a:blip r:embed="rId5" cstate="print">
             <a:extLst>
               <a:ext uri="{28A0092B-C50C-407E-A947-70E740481C1C}">
                 <a14:useLocalDpi xmlns:a14="http://schemas.microsoft.com/office/drawing/2010/main" val="0"/>
@@ -7469,8 +7512,8 @@
         </p:blipFill>
         <p:spPr>
           <a:xfrm rot="0">
-            <a:off x="1428115" y="1479550"/>
-            <a:ext cx="3942715" cy="2378075"/>
+            <a:off x="1409700" y="1482090"/>
+            <a:ext cx="3978910" cy="1294765"/>
           </a:xfrm>
           <a:prstGeom prst="roundRect"/>
           <a:solidFill>
@@ -7480,14 +7523,14 @@
       </p:pic>
       <p:pic>
         <p:nvPicPr>
-          <p:cNvPr id="37" name="그림 32"/>
+          <p:cNvPr id="40" name="그림 37" descr="C:/Users/Admin1/AppData/Roaming/PolarisOffice/ETemp/2512_10073344/fImage63851121478.png"/>
           <p:cNvPicPr>
             <a:picLocks noChangeAspect="1"/>
           </p:cNvPicPr>
           <p:nvPr/>
         </p:nvPicPr>
         <p:blipFill rotWithShape="1">
-          <a:blip r:embed="rId3" cstate="print">
+          <a:blip r:embed="rId6" cstate="print">
             <a:extLst>
               <a:ext uri="{28A0092B-C50C-407E-A947-70E740481C1C}">
                 <a14:useLocalDpi xmlns:a14="http://schemas.microsoft.com/office/drawing/2010/main" val="0"/>
@@ -7500,8 +7543,8 @@
         </p:blipFill>
         <p:spPr>
           <a:xfrm rot="0">
-            <a:off x="6841490" y="1491615"/>
-            <a:ext cx="3899535" cy="1510030"/>
+            <a:off x="1409700" y="3939540"/>
+            <a:ext cx="3970655" cy="1302385"/>
           </a:xfrm>
           <a:prstGeom prst="roundRect"/>
           <a:solidFill>
@@ -7509,6 +7552,247 @@
           </a:solidFill>
         </p:spPr>
       </p:pic>
+      <p:sp>
+        <p:nvSpPr>
+          <p:cNvPr id="41" name="텍스트 상자 40"/>
+          <p:cNvSpPr txBox="1">
+            <a:spLocks/>
+          </p:cNvSpPr>
+          <p:nvPr/>
+        </p:nvSpPr>
+        <p:spPr>
+          <a:xfrm rot="0">
+            <a:off x="1403350" y="5339715"/>
+            <a:ext cx="3987800" cy="954405"/>
+          </a:xfrm>
+          <a:prstGeom prst="rect"/>
+          <a:noFill/>
+          <a:ln w="0">
+            <a:noFill/>
+            <a:prstDash/>
+          </a:ln>
+        </p:spPr>
+        <p:txBody>
+          <a:bodyPr wrap="square" lIns="89535" tIns="46355" rIns="89535" bIns="46355" numCol="1" vert="horz" anchor="t">
+            <a:spAutoFit/>
+          </a:bodyPr>
+          <a:lstStyle/>
+          <a:p>
+            <a:pPr marL="0" indent="0" rtl="0" algn="l" defTabSz="914400" eaLnBrk="1" latinLnBrk="0" hangingPunct="1">
+              <a:buFontTx/>
+              <a:buNone/>
+            </a:pPr>
+            <a:r>
+              <a:rPr lang="ko-KR" sz="2000" b="1">
+                <a:solidFill>
+                  <a:srgbClr val="0611F2"/>
+                </a:solidFill>
+                <a:latin typeface="맑은 고딕" charset="0"/>
+                <a:ea typeface="맑은 고딕" charset="0"/>
+              </a:rPr>
+              <a:t>1</a:t>
+            </a:r>
+            <a:r>
+              <a:rPr lang="ko-KR" sz="2000" b="1">
+                <a:solidFill>
+                  <a:srgbClr val="0611F2"/>
+                </a:solidFill>
+                <a:latin typeface="맑은 고딕" charset="0"/>
+                <a:ea typeface="맑은 고딕" charset="0"/>
+              </a:rPr>
+              <a:t>1</a:t>
+            </a:r>
+            <a:r>
+              <a:rPr sz="2000" b="1">
+                <a:solidFill>
+                  <a:srgbClr val="0611F2"/>
+                </a:solidFill>
+                <a:latin typeface="맑은 고딕" charset="0"/>
+                <a:ea typeface="맑은 고딕" charset="0"/>
+              </a:rPr>
+              <a:t>. </a:t>
+            </a:r>
+            <a:r>
+              <a:rPr lang="ko-KR" sz="1800">
+                <a:latin typeface="맑은 고딕" charset="0"/>
+                <a:ea typeface="맑은 고딕" charset="0"/>
+              </a:rPr>
+              <a:t>이제 게임 오브젝트가 물리적인 충돌을 하고 있을 때 게임 오브젝트의 크기를 변경합니다.</a:t>
+            </a:r>
+            <a:endParaRPr lang="ko-KR" altLang="en-US" sz="1800">
+              <a:latin typeface="맑은 고딕" charset="0"/>
+              <a:ea typeface="맑은 고딕" charset="0"/>
+            </a:endParaRPr>
+          </a:p>
+        </p:txBody>
+      </p:sp>
+      <p:pic>
+        <p:nvPicPr>
+          <p:cNvPr id="42" name="그림 41" descr="C:/Users/Admin1/AppData/Roaming/PolarisOffice/ETemp/2512_10073344/fImage70481149358.png"/>
+          <p:cNvPicPr>
+            <a:picLocks noChangeAspect="1"/>
+          </p:cNvPicPr>
+          <p:nvPr/>
+        </p:nvPicPr>
+        <p:blipFill rotWithShape="1">
+          <a:blip r:embed="rId7" cstate="print">
+            <a:extLst>
+              <a:ext uri="{28A0092B-C50C-407E-A947-70E740481C1C}">
+                <a14:useLocalDpi xmlns:a14="http://schemas.microsoft.com/office/drawing/2010/main" val="0"/>
+              </a:ext>
+            </a:extLst>
+          </a:blip>
+          <a:stretch>
+            <a:fillRect/>
+          </a:stretch>
+        </p:blipFill>
+        <p:spPr>
+          <a:xfrm rot="0">
+            <a:off x="6824345" y="1484630"/>
+            <a:ext cx="4117340" cy="1292225"/>
+          </a:xfrm>
+          <a:prstGeom prst="roundRect"/>
+          <a:solidFill>
+            <a:srgbClr val="EDEDED"/>
+          </a:solidFill>
+        </p:spPr>
+      </p:pic>
+      <p:pic>
+        <p:nvPicPr>
+          <p:cNvPr id="43" name="그림 48" descr="C:/Users/Admin1/AppData/Roaming/PolarisOffice/ETemp/2512_10073344/fImage134901156962.png"/>
+          <p:cNvPicPr>
+            <a:picLocks noChangeAspect="1"/>
+          </p:cNvPicPr>
+          <p:nvPr/>
+        </p:nvPicPr>
+        <p:blipFill rotWithShape="1">
+          <a:blip r:embed="rId8" cstate="print">
+            <a:extLst>
+              <a:ext uri="{28A0092B-C50C-407E-A947-70E740481C1C}">
+                <a14:useLocalDpi xmlns:a14="http://schemas.microsoft.com/office/drawing/2010/main" val="0"/>
+              </a:ext>
+            </a:extLst>
+          </a:blip>
+          <a:stretch>
+            <a:fillRect/>
+          </a:stretch>
+        </p:blipFill>
+        <p:spPr>
+          <a:xfrm rot="0">
+            <a:off x="8354695" y="4247515"/>
+            <a:ext cx="2576195" cy="934720"/>
+          </a:xfrm>
+          <a:prstGeom prst="roundRect"/>
+          <a:solidFill>
+            <a:srgbClr val="EDEDED"/>
+          </a:solidFill>
+        </p:spPr>
+      </p:pic>
+      <p:pic>
+        <p:nvPicPr>
+          <p:cNvPr id="44" name="그림 52" descr="C:/Users/Admin1/AppData/Roaming/PolarisOffice/ETemp/2512_10073344/fImage53941174464.png"/>
+          <p:cNvPicPr>
+            <a:picLocks noChangeAspect="1"/>
+          </p:cNvPicPr>
+          <p:nvPr/>
+        </p:nvPicPr>
+        <p:blipFill rotWithShape="1">
+          <a:blip r:embed="rId9" cstate="print">
+            <a:extLst>
+              <a:ext uri="{28A0092B-C50C-407E-A947-70E740481C1C}">
+                <a14:useLocalDpi xmlns:a14="http://schemas.microsoft.com/office/drawing/2010/main" val="0"/>
+              </a:ext>
+            </a:extLst>
+          </a:blip>
+          <a:stretch>
+            <a:fillRect/>
+          </a:stretch>
+        </p:blipFill>
+        <p:spPr>
+          <a:xfrm rot="0">
+            <a:off x="6832600" y="4271645"/>
+            <a:ext cx="1237615" cy="901700"/>
+          </a:xfrm>
+          <a:prstGeom prst="roundRect"/>
+          <a:solidFill>
+            <a:srgbClr val="EDEDED"/>
+          </a:solidFill>
+        </p:spPr>
+      </p:pic>
+      <p:sp>
+        <p:nvSpPr>
+          <p:cNvPr id="45" name="텍스트 상자 55"/>
+          <p:cNvSpPr txBox="1">
+            <a:spLocks/>
+          </p:cNvSpPr>
+          <p:nvPr/>
+        </p:nvSpPr>
+        <p:spPr>
+          <a:xfrm rot="0">
+            <a:off x="6811645" y="5351145"/>
+            <a:ext cx="4138295" cy="954405"/>
+          </a:xfrm>
+          <a:prstGeom prst="rect"/>
+          <a:noFill/>
+          <a:ln w="0">
+            <a:noFill/>
+            <a:prstDash/>
+          </a:ln>
+        </p:spPr>
+        <p:txBody>
+          <a:bodyPr wrap="square" lIns="89535" tIns="46355" rIns="89535" bIns="46355" numCol="1" vert="horz" anchor="t">
+            <a:spAutoFit/>
+          </a:bodyPr>
+          <a:lstStyle/>
+          <a:p>
+            <a:pPr marL="0" indent="0" rtl="0" algn="l" defTabSz="914400" eaLnBrk="1" latinLnBrk="0" hangingPunct="1">
+              <a:buFontTx/>
+              <a:buNone/>
+            </a:pPr>
+            <a:r>
+              <a:rPr lang="ko-KR" sz="2000" b="1">
+                <a:solidFill>
+                  <a:srgbClr val="0611F2"/>
+                </a:solidFill>
+                <a:latin typeface="맑은 고딕" charset="0"/>
+                <a:ea typeface="맑은 고딕" charset="0"/>
+              </a:rPr>
+              <a:t>1</a:t>
+            </a:r>
+            <a:r>
+              <a:rPr lang="ko-KR" sz="2000" b="1">
+                <a:solidFill>
+                  <a:srgbClr val="0611F2"/>
+                </a:solidFill>
+                <a:latin typeface="맑은 고딕" charset="0"/>
+                <a:ea typeface="맑은 고딕" charset="0"/>
+              </a:rPr>
+              <a:t>3</a:t>
+            </a:r>
+            <a:r>
+              <a:rPr sz="2000" b="1">
+                <a:solidFill>
+                  <a:srgbClr val="0611F2"/>
+                </a:solidFill>
+                <a:latin typeface="맑은 고딕" charset="0"/>
+                <a:ea typeface="맑은 고딕" charset="0"/>
+              </a:rPr>
+              <a:t>. </a:t>
+            </a:r>
+            <a:r>
+              <a:rPr lang="ko-KR" sz="1800">
+                <a:latin typeface="맑은 고딕" charset="0"/>
+                <a:ea typeface="맑은 고딕" charset="0"/>
+              </a:rPr>
+              <a:t>그런 다음 Project 폴더에 있는 Texture 폴더에 Ground 텍스처를 Plane 오브젝트에 넣어줍니다.</a:t>
+            </a:r>
+            <a:endParaRPr lang="ko-KR" altLang="en-US" sz="1800">
+              <a:latin typeface="맑은 고딕" charset="0"/>
+              <a:ea typeface="맑은 고딕" charset="0"/>
+            </a:endParaRPr>
+          </a:p>
+        </p:txBody>
+      </p:sp>
     </p:spTree>
   </p:cSld>
   <p:clrMapOvr>
@@ -7618,9 +7902,9 @@
           <p:nvPr/>
         </p:nvSpPr>
         <p:spPr>
-          <a:xfrm>
-            <a:off x="1412875" y="5181600"/>
-            <a:ext cx="3957955" cy="954405"/>
+          <a:xfrm rot="0">
+            <a:off x="1430020" y="2595880"/>
+            <a:ext cx="4002405" cy="954405"/>
           </a:xfrm>
           <a:prstGeom prst="rect"/>
           <a:noFill/>
@@ -7657,7 +7941,7 @@
                 <a:latin typeface="맑은 고딕" charset="0"/>
                 <a:ea typeface="맑은 고딕" charset="0"/>
               </a:rPr>
-              <a:t>2</a:t>
+              <a:t>4</a:t>
             </a:r>
             <a:r>
               <a:rPr sz="2000" b="1">
@@ -7674,7 +7958,14 @@
                 <a:latin typeface="맑은 고딕" charset="0"/>
                 <a:ea typeface="맑은 고딕" charset="0"/>
               </a:rPr>
-              <a:t>그리고 빈 게임 오브젝트를 생성하고 이름을 Sensor라고 변경합니다.</a:t>
+              <a:t>그</a:t>
+            </a:r>
+            <a:r>
+              <a:rPr lang="ko-KR" sz="1800">
+                <a:latin typeface="맑은 고딕" charset="0"/>
+                <a:ea typeface="맑은 고딕" charset="0"/>
+              </a:rPr>
+              <a:t>다음으로 Sensor 스크립트를 생성하고 Obstacle 오브젝트에 넣어줍니다.</a:t>
             </a:r>
             <a:endParaRPr lang="ko-KR" altLang="en-US" sz="1800">
               <a:latin typeface="맑은 고딕" charset="0"/>
@@ -7692,9 +7983,9 @@
           <p:nvPr/>
         </p:nvSpPr>
         <p:spPr>
-          <a:xfrm>
-            <a:off x="6837045" y="4069715"/>
-            <a:ext cx="4054475" cy="2061845"/>
+          <a:xfrm rot="0">
+            <a:off x="1423035" y="5262880"/>
+            <a:ext cx="4017645" cy="677545"/>
           </a:xfrm>
           <a:prstGeom prst="rect"/>
           <a:noFill/>
@@ -7731,7 +8022,7 @@
                 <a:latin typeface="맑은 고딕" charset="0"/>
                 <a:ea typeface="맑은 고딕" charset="0"/>
               </a:rPr>
-              <a:t>3</a:t>
+              <a:t>5</a:t>
             </a:r>
             <a:r>
               <a:rPr sz="2000" b="1">
@@ -7758,52 +8049,39 @@
                 <a:latin typeface="맑은 고딕" charset="0"/>
                 <a:ea typeface="맑은 고딕" charset="0"/>
               </a:rPr>
-              <a:t>그다음 Obstacle 오브젝트에 Sensor 오브젝트를 하위 오브젝트로 설정합니다.</a:t>
+              <a:t>이제</a:t>
+            </a:r>
+            <a:r>
+              <a:rPr lang="ko-KR" sz="1800">
+                <a:latin typeface="맑은 고딕" charset="0"/>
+                <a:ea typeface="맑은 고딕" charset="0"/>
+              </a:rPr>
+              <a:t> Obstacle 오브젝트에</a:t>
+            </a:r>
+            <a:r>
+              <a:rPr lang="ko-KR" sz="1800">
+                <a:latin typeface="맑은 고딕" charset="0"/>
+                <a:ea typeface="맑은 고딕" charset="0"/>
+              </a:rPr>
+              <a:t> 있는 Box Collider의 크기를 변경합니다.</a:t>
             </a:r>
             <a:endParaRPr lang="ko-KR" altLang="en-US" sz="1800">
               <a:latin typeface="맑은 고딕" charset="0"/>
               <a:ea typeface="맑은 고딕" charset="0"/>
             </a:endParaRPr>
           </a:p>
-          <a:p>
-            <a:pPr marL="0" indent="0" rtl="0" algn="l" defTabSz="914400" eaLnBrk="1" latinLnBrk="0" hangingPunct="1">
-              <a:buFontTx/>
-              <a:buNone/>
-            </a:pPr>
-            <a:endParaRPr lang="ko-KR" altLang="en-US" sz="1800">
-              <a:latin typeface="맑은 고딕" charset="0"/>
-              <a:ea typeface="맑은 고딕" charset="0"/>
-            </a:endParaRPr>
-          </a:p>
-          <a:p>
-            <a:pPr marL="0" indent="0" rtl="0" algn="l" defTabSz="914400" eaLnBrk="1" latinLnBrk="0" hangingPunct="1">
-              <a:buFontTx/>
-              <a:buNone/>
-            </a:pPr>
-            <a:r>
-              <a:rPr lang="ko-KR" sz="1800">
-                <a:latin typeface="맑은 고딕" charset="0"/>
-                <a:ea typeface="맑은 고딕" charset="0"/>
-              </a:rPr>
-              <a:t>그런 다음 Sensor 오브젝트에 Box Collider를 추가하고 크기와 위치를 설정합니다.</a:t>
-            </a:r>
-            <a:endParaRPr lang="ko-KR" altLang="en-US" sz="1800">
-              <a:latin typeface="맑은 고딕" charset="0"/>
-              <a:ea typeface="맑은 고딕" charset="0"/>
-            </a:endParaRPr>
-          </a:p>
         </p:txBody>
       </p:sp>
       <p:pic>
         <p:nvPicPr>
-          <p:cNvPr id="26" name="그림 72"/>
+          <p:cNvPr id="32" name="그림 56" descr="C:/Users/Admin1/AppData/Roaming/PolarisOffice/ETemp/2512_10073344/fImage20671195705.png"/>
           <p:cNvPicPr>
             <a:picLocks noChangeAspect="1"/>
           </p:cNvPicPr>
           <p:nvPr/>
         </p:nvPicPr>
         <p:blipFill rotWithShape="1">
-          <a:blip r:embed="rId2" cstate="print">
+          <a:blip r:embed="rId8" cstate="print">
             <a:extLst>
               <a:ext uri="{28A0092B-C50C-407E-A947-70E740481C1C}">
                 <a14:useLocalDpi xmlns:a14="http://schemas.microsoft.com/office/drawing/2010/main" val="0"/>
@@ -7816,8 +8094,8 @@
         </p:blipFill>
         <p:spPr>
           <a:xfrm rot="0">
-            <a:off x="1414145" y="1528445"/>
-            <a:ext cx="1853565" cy="3501390"/>
+            <a:off x="4661535" y="1583055"/>
+            <a:ext cx="770255" cy="813435"/>
           </a:xfrm>
           <a:prstGeom prst="roundRect"/>
           <a:solidFill>
@@ -7827,14 +8105,14 @@
       </p:pic>
       <p:pic>
         <p:nvPicPr>
-          <p:cNvPr id="27" name="그림 73"/>
+          <p:cNvPr id="33" name="그림 60" descr="C:/Users/Admin1/AppData/Roaming/PolarisOffice/ETemp/2512_10073344/fImage53461218145.png"/>
           <p:cNvPicPr>
             <a:picLocks noChangeAspect="1"/>
           </p:cNvPicPr>
           <p:nvPr/>
         </p:nvPicPr>
         <p:blipFill rotWithShape="1">
-          <a:blip r:embed="rId3" cstate="print">
+          <a:blip r:embed="rId9" cstate="print">
             <a:extLst>
               <a:ext uri="{28A0092B-C50C-407E-A947-70E740481C1C}">
                 <a14:useLocalDpi xmlns:a14="http://schemas.microsoft.com/office/drawing/2010/main" val="0"/>
@@ -7847,23 +8125,60 @@
         </p:blipFill>
         <p:spPr>
           <a:xfrm rot="0">
-            <a:off x="3524885" y="1592580"/>
-            <a:ext cx="1845945" cy="943610"/>
-          </a:xfrm>
-          <a:prstGeom prst="rect"/>
-          <a:noFill/>
+            <a:off x="1423670" y="1487805"/>
+            <a:ext cx="2814955" cy="1012190"/>
+          </a:xfrm>
+          <a:prstGeom prst="roundRect"/>
+          <a:solidFill>
+            <a:srgbClr val="EDEDED"/>
+          </a:solidFill>
         </p:spPr>
       </p:pic>
+      <p:cxnSp>
+        <p:nvCxnSpPr>
+          <p:cNvPr id="34" name="도형 61"/>
+          <p:cNvCxnSpPr>
+            <a:stCxn id="32" idx="1"/>
+          </p:cNvCxnSpPr>
+          <p:nvPr/>
+        </p:nvCxnSpPr>
+        <p:spPr>
+          <a:xfrm rot="0" flipH="1">
+            <a:off x="3295015" y="1989455"/>
+            <a:ext cx="1367155" cy="389890"/>
+          </a:xfrm>
+          <a:prstGeom prst="straightConnector1"/>
+          <a:ln w="6350" cap="flat" cmpd="sng">
+            <a:prstDash/>
+            <a:headEnd type="none" w="med" len="med"/>
+            <a:tailEnd type="triangle" w="med" len="med"/>
+          </a:ln>
+        </p:spPr>
+        <p:style>
+          <a:lnRef idx="1">
+            <a:schemeClr val="accent1"/>
+          </a:lnRef>
+          <a:fillRef idx="0">
+            <a:schemeClr val="accent1"/>
+          </a:fillRef>
+          <a:effectRef idx="0">
+            <a:schemeClr val="accent1"/>
+          </a:effectRef>
+          <a:fontRef idx="minor">
+            <a:schemeClr val="tx1"/>
+          </a:fontRef>
+        </p:style>
+      </p:cxnSp>
       <p:pic>
         <p:nvPicPr>
-          <p:cNvPr id="28" name="그림 79"/>
+          <p:cNvPr id="35" name="그림 62" descr="C:/Users/Admin1/AppData/Roaming/PolarisOffice/ETemp/2512_10073344/fImage97581233281.png"/>
           <p:cNvPicPr>
             <a:picLocks noChangeAspect="1"/>
           </p:cNvPicPr>
           <p:nvPr/>
         </p:nvPicPr>
         <p:blipFill rotWithShape="1">
-          <a:blip r:embed="rId4" cstate="print">
+          <a:blip r:embed="rId10" cstate="print">
             <a:extLst>
               <a:ext uri="{28A0092B-C50C-407E-A947-70E740481C1C}">
                 <a14:useLocalDpi xmlns:a14="http://schemas.microsoft.com/office/drawing/2010/main" val="0"/>
@@ -7876,8 +8191,8 @@
         </p:blipFill>
         <p:spPr>
           <a:xfrm rot="0">
-            <a:off x="3516630" y="2676525"/>
-            <a:ext cx="1845945" cy="2345055"/>
+            <a:off x="1423670" y="3698875"/>
+            <a:ext cx="4008755" cy="1482090"/>
           </a:xfrm>
           <a:prstGeom prst="roundRect"/>
           <a:solidFill>
@@ -7885,19 +8200,148 @@
           </a:solidFill>
         </p:spPr>
       </p:pic>
+      <p:sp>
+        <p:nvSpPr>
+          <p:cNvPr id="36" name="텍스트 상자 65"/>
+          <p:cNvSpPr txBox="1">
+            <a:spLocks/>
+          </p:cNvSpPr>
+          <p:nvPr/>
+        </p:nvSpPr>
+        <p:spPr>
+          <a:xfrm rot="0">
+            <a:off x="6815455" y="3830955"/>
+            <a:ext cx="4258310" cy="2338705"/>
+          </a:xfrm>
+          <a:prstGeom prst="rect"/>
+          <a:noFill/>
+          <a:ln w="0">
+            <a:noFill/>
+            <a:prstDash/>
+          </a:ln>
+        </p:spPr>
+        <p:txBody>
+          <a:bodyPr wrap="square" lIns="89535" tIns="46355" rIns="89535" bIns="46355" numCol="1" vert="horz" anchor="t">
+            <a:spAutoFit/>
+          </a:bodyPr>
+          <a:lstStyle/>
+          <a:p>
+            <a:pPr marL="0" indent="0" rtl="0" algn="l" defTabSz="914400" eaLnBrk="1" latinLnBrk="0" hangingPunct="1">
+              <a:buFontTx/>
+              <a:buNone/>
+            </a:pPr>
+            <a:r>
+              <a:rPr lang="ko-KR" sz="2000" b="1">
+                <a:solidFill>
+                  <a:srgbClr val="0611F2"/>
+                </a:solidFill>
+                <a:latin typeface="맑은 고딕" charset="0"/>
+                <a:ea typeface="맑은 고딕" charset="0"/>
+              </a:rPr>
+              <a:t>1</a:t>
+            </a:r>
+            <a:r>
+              <a:rPr lang="ko-KR" sz="2000" b="1">
+                <a:solidFill>
+                  <a:srgbClr val="0611F2"/>
+                </a:solidFill>
+                <a:latin typeface="맑은 고딕" charset="0"/>
+                <a:ea typeface="맑은 고딕" charset="0"/>
+              </a:rPr>
+              <a:t>6</a:t>
+            </a:r>
+            <a:r>
+              <a:rPr sz="2000" b="1">
+                <a:solidFill>
+                  <a:srgbClr val="0611F2"/>
+                </a:solidFill>
+                <a:latin typeface="맑은 고딕" charset="0"/>
+                <a:ea typeface="맑은 고딕" charset="0"/>
+              </a:rPr>
+              <a:t>. </a:t>
+            </a:r>
+            <a:r>
+              <a:rPr lang="ko-KR" sz="1800">
+                <a:latin typeface="맑은 고딕" charset="0"/>
+                <a:ea typeface="맑은 고딕" charset="0"/>
+              </a:rPr>
+              <a:t>그</a:t>
+            </a:r>
+            <a:r>
+              <a:rPr lang="ko-KR" sz="1800">
+                <a:latin typeface="맑은 고딕" charset="0"/>
+                <a:ea typeface="맑은 고딕" charset="0"/>
+              </a:rPr>
+              <a:t>리고</a:t>
+            </a:r>
+            <a:r>
+              <a:rPr lang="ko-KR" sz="1800">
+                <a:latin typeface="맑은 고딕" charset="0"/>
+                <a:ea typeface="맑은 고딕" charset="0"/>
+              </a:rPr>
+              <a:t> FixedUpdate에 RigidBody의 MovePosition( ) 함수를 선언합니다.</a:t>
+            </a:r>
+            <a:endParaRPr lang="ko-KR" altLang="en-US" sz="1800">
+              <a:latin typeface="맑은 고딕" charset="0"/>
+              <a:ea typeface="맑은 고딕" charset="0"/>
+            </a:endParaRPr>
+          </a:p>
+          <a:p>
+            <a:pPr marL="0" indent="0" rtl="0" algn="l" defTabSz="914400" eaLnBrk="1" latinLnBrk="0" hangingPunct="1">
+              <a:buFontTx/>
+              <a:buNone/>
+            </a:pPr>
+            <a:endParaRPr lang="ko-KR" altLang="en-US" sz="1800">
+              <a:latin typeface="맑은 고딕" charset="0"/>
+              <a:ea typeface="맑은 고딕" charset="0"/>
+            </a:endParaRPr>
+          </a:p>
+          <a:p>
+            <a:pPr marL="0" indent="0" rtl="0" algn="l" defTabSz="914400" eaLnBrk="1" latinLnBrk="0" hangingPunct="1">
+              <a:buFontTx/>
+              <a:buNone/>
+            </a:pPr>
+            <a:r>
+              <a:rPr lang="ko-KR" sz="1800">
+                <a:latin typeface="맑은 고딕" charset="0"/>
+                <a:ea typeface="맑은 고딕" charset="0"/>
+              </a:rPr>
+              <a:t>그</a:t>
+            </a:r>
+            <a:r>
+              <a:rPr lang="ko-KR" sz="1800">
+                <a:latin typeface="맑은 고딕" charset="0"/>
+                <a:ea typeface="맑은 고딕" charset="0"/>
+              </a:rPr>
+              <a:t>런 다음</a:t>
+            </a:r>
+            <a:r>
+              <a:rPr lang="ko-KR" sz="1800">
+                <a:latin typeface="맑은 고딕" charset="0"/>
+                <a:ea typeface="맑은 고딕" charset="0"/>
+              </a:rPr>
+              <a:t> FixedUpdate에서는 기본값으로 0.02초를 주기로 실행되기 때문에 Time.fixedDeltaTime의 값으로 계산합니다. </a:t>
+            </a:r>
+            <a:endParaRPr lang="ko-KR" altLang="en-US" sz="1800">
+              <a:latin typeface="맑은 고딕" charset="0"/>
+              <a:ea typeface="맑은 고딕" charset="0"/>
+            </a:endParaRPr>
+          </a:p>
+        </p:txBody>
+      </p:sp>
       <p:pic>
         <p:nvPicPr>
-          <p:cNvPr id="29" name="그림 82"/>
+          <p:cNvPr id="37" name="그림 66" descr="C:/Users/Admin1/AppData/Roaming/PolarisOffice/ETemp/2512_10073344/fImage20929936334.png"/>
           <p:cNvPicPr>
             <a:picLocks noChangeAspect="1"/>
           </p:cNvPicPr>
           <p:nvPr/>
         </p:nvPicPr>
         <p:blipFill rotWithShape="1">
-          <a:blip r:embed="rId5" cstate="print">
+          <a:blip r:embed="rId11" cstate="hqprint">
             <a:extLst>
               <a:ext uri="{28A0092B-C50C-407E-A947-70E740481C1C}">
-                <a14:useLocalDpi xmlns:a14="http://schemas.microsoft.com/office/drawing/2010/main" val="0"/>
+                <a14:useLocalDpi xmlns:a14="http://schemas.microsoft.com/office/drawing/2010/main"/>
               </a:ext>
             </a:extLst>
           </a:blip>
@@ -7907,66 +8351,8 @@
         </p:blipFill>
         <p:spPr>
           <a:xfrm rot="0">
-            <a:off x="6829425" y="1539240"/>
-            <a:ext cx="1675765" cy="729615"/>
-          </a:xfrm>
-          <a:prstGeom prst="rect"/>
-          <a:noFill/>
-        </p:spPr>
-      </p:pic>
-      <p:pic>
-        <p:nvPicPr>
-          <p:cNvPr id="30" name="그림 83"/>
-          <p:cNvPicPr>
-            <a:picLocks noChangeAspect="1"/>
-          </p:cNvPicPr>
-          <p:nvPr/>
-        </p:nvPicPr>
-        <p:blipFill rotWithShape="1">
-          <a:blip r:embed="rId6" cstate="print">
-            <a:extLst>
-              <a:ext uri="{28A0092B-C50C-407E-A947-70E740481C1C}">
-                <a14:useLocalDpi xmlns:a14="http://schemas.microsoft.com/office/drawing/2010/main" val="0"/>
-              </a:ext>
-            </a:extLst>
-          </a:blip>
-          <a:stretch>
-            <a:fillRect/>
-          </a:stretch>
-        </p:blipFill>
-        <p:spPr>
-          <a:xfrm rot="0">
-            <a:off x="8701405" y="1532255"/>
-            <a:ext cx="2172335" cy="729615"/>
-          </a:xfrm>
-          <a:prstGeom prst="rect"/>
-          <a:noFill/>
-        </p:spPr>
-      </p:pic>
-      <p:pic>
-        <p:nvPicPr>
-          <p:cNvPr id="31" name="그림 84"/>
-          <p:cNvPicPr>
-            <a:picLocks noChangeAspect="1"/>
-          </p:cNvPicPr>
-          <p:nvPr/>
-        </p:nvPicPr>
-        <p:blipFill rotWithShape="1">
-          <a:blip r:embed="rId7" cstate="print">
-            <a:extLst>
-              <a:ext uri="{28A0092B-C50C-407E-A947-70E740481C1C}">
-                <a14:useLocalDpi xmlns:a14="http://schemas.microsoft.com/office/drawing/2010/main" val="0"/>
-              </a:ext>
-            </a:extLst>
-          </a:blip>
-          <a:stretch>
-            <a:fillRect/>
-          </a:stretch>
-        </p:blipFill>
-        <p:spPr>
-          <a:xfrm rot="0">
-            <a:off x="6837045" y="2436495"/>
-            <a:ext cx="4029075" cy="1546225"/>
+            <a:off x="6822440" y="1480820"/>
+            <a:ext cx="4248785" cy="2195830"/>
           </a:xfrm>
           <a:prstGeom prst="rect"/>
           <a:noFill/>
@@ -8082,8 +8468,8 @@
         </p:nvSpPr>
         <p:spPr>
           <a:xfrm rot="0">
-            <a:off x="1463040" y="2346960"/>
-            <a:ext cx="3957320" cy="3138805"/>
+            <a:off x="1463040" y="2805430"/>
+            <a:ext cx="3957955" cy="3138805"/>
           </a:xfrm>
           <a:prstGeom prst="rect"/>
           <a:noFill/>
@@ -8107,7 +8493,21 @@
                 <a:latin typeface="맑은 고딕" charset="0"/>
                 <a:ea typeface="맑은 고딕" charset="0"/>
               </a:rPr>
-              <a:t>Addforce( )란?</a:t>
+              <a:t>Addforce( )</a:t>
+            </a:r>
+            <a:r>
+              <a:rPr lang="ko-KR" sz="1800">
+                <a:latin typeface="맑은 고딕" charset="0"/>
+                <a:ea typeface="맑은 고딕" charset="0"/>
+              </a:rPr>
+              <a:t> 함수</a:t>
+            </a:r>
+            <a:r>
+              <a:rPr lang="ko-KR" sz="1800">
+                <a:latin typeface="맑은 고딕" charset="0"/>
+                <a:ea typeface="맑은 고딕" charset="0"/>
+              </a:rPr>
+              <a:t>란?</a:t>
             </a:r>
             <a:endParaRPr lang="ko-KR" altLang="en-US" sz="1800">
               <a:latin typeface="맑은 고딕" charset="0"/>
@@ -8197,8 +8597,8 @@
         </p:nvSpPr>
         <p:spPr>
           <a:xfrm rot="0">
-            <a:off x="6837045" y="3978910"/>
-            <a:ext cx="4035425" cy="1508125"/>
+            <a:off x="6819900" y="4437380"/>
+            <a:ext cx="4036060" cy="1508125"/>
           </a:xfrm>
           <a:prstGeom prst="rect"/>
           <a:noFill/>
@@ -8225,7 +8625,7 @@
                 <a:latin typeface="맑은 고딕" charset="0"/>
                 <a:ea typeface="맑은 고딕" charset="0"/>
               </a:rPr>
-              <a:t>9</a:t>
+              <a:t>17</a:t>
             </a:r>
             <a:r>
               <a:rPr sz="2000" b="1">
@@ -8290,17 +8690,17 @@
       </p:sp>
       <p:pic>
         <p:nvPicPr>
-          <p:cNvPr id="24" name="그림 63"/>
+          <p:cNvPr id="24" name="그림 63" descr="C:/Users/Admin1/AppData/Roaming/PolarisOffice/ETemp/2512_10073344/fImage538602334827.png"/>
           <p:cNvPicPr>
             <a:picLocks noChangeAspect="1"/>
           </p:cNvPicPr>
           <p:nvPr/>
         </p:nvPicPr>
         <p:blipFill rotWithShape="1">
-          <a:blip r:embed="rId2" cstate="print">
+          <a:blip r:embed="rId2" cstate="hqprint">
             <a:extLst>
               <a:ext uri="{28A0092B-C50C-407E-A947-70E740481C1C}">
-                <a14:useLocalDpi xmlns:a14="http://schemas.microsoft.com/office/drawing/2010/main" val="0"/>
+                <a14:useLocalDpi xmlns:a14="http://schemas.microsoft.com/office/drawing/2010/main"/>
               </a:ext>
             </a:extLst>
           </a:blip>
@@ -8311,7 +8711,7 @@
         <p:spPr>
           <a:xfrm rot="0">
             <a:off x="1463040" y="1828165"/>
-            <a:ext cx="973455" cy="416560"/>
+            <a:ext cx="974090" cy="767080"/>
           </a:xfrm>
           <a:prstGeom prst="rect"/>
           <a:noFill/>
@@ -8319,17 +8719,17 @@
       </p:pic>
       <p:pic>
         <p:nvPicPr>
-          <p:cNvPr id="25" name="그림 64"/>
+          <p:cNvPr id="25" name="그림 64" descr="C:/Users/Admin1/AppData/Roaming/PolarisOffice/ETemp/2512_10073344/fImage133022345436.png"/>
           <p:cNvPicPr>
             <a:picLocks noChangeAspect="1"/>
           </p:cNvPicPr>
           <p:nvPr/>
         </p:nvPicPr>
         <p:blipFill rotWithShape="1">
-          <a:blip r:embed="rId3" cstate="print">
+          <a:blip r:embed="rId3" cstate="hqprint">
             <a:extLst>
               <a:ext uri="{28A0092B-C50C-407E-A947-70E740481C1C}">
-                <a14:useLocalDpi xmlns:a14="http://schemas.microsoft.com/office/drawing/2010/main" val="0"/>
+                <a14:useLocalDpi xmlns:a14="http://schemas.microsoft.com/office/drawing/2010/main"/>
               </a:ext>
             </a:extLst>
           </a:blip>
@@ -8339,8 +8739,8 @@
         </p:blipFill>
         <p:spPr>
           <a:xfrm rot="0">
-            <a:off x="6824980" y="1599565"/>
-            <a:ext cx="4041140" cy="2249805"/>
+            <a:off x="6824980" y="1417955"/>
+            <a:ext cx="4041775" cy="2880995"/>
           </a:xfrm>
           <a:prstGeom prst="rect"/>
           <a:noFill/>
@@ -8377,17 +8777,17 @@
       </p:pic>
       <p:pic>
         <p:nvPicPr>
-          <p:cNvPr id="27" name="그림 68"/>
+          <p:cNvPr id="27" name="그림 68" descr="C:/Users/Admin1/AppData/Roaming/PolarisOffice/ETemp/2512_10073344/fImage538602384604.png"/>
           <p:cNvPicPr>
             <a:picLocks noChangeAspect="1"/>
           </p:cNvPicPr>
           <p:nvPr/>
         </p:nvPicPr>
         <p:blipFill rotWithShape="1">
-          <a:blip r:embed="rId5" cstate="print">
+          <a:blip r:embed="rId5" cstate="hqprint">
             <a:extLst>
               <a:ext uri="{28A0092B-C50C-407E-A947-70E740481C1C}">
-                <a14:useLocalDpi xmlns:a14="http://schemas.microsoft.com/office/drawing/2010/main" val="0"/>
+                <a14:useLocalDpi xmlns:a14="http://schemas.microsoft.com/office/drawing/2010/main"/>
               </a:ext>
             </a:extLst>
           </a:blip>
@@ -8398,7 +8798,7 @@
         <p:spPr>
           <a:xfrm rot="0">
             <a:off x="2955925" y="1816735"/>
-            <a:ext cx="973455" cy="416560"/>
+            <a:ext cx="974090" cy="787400"/>
           </a:xfrm>
           <a:prstGeom prst="rect"/>
           <a:noFill/>
@@ -8435,17 +8835,17 @@
       </p:pic>
       <p:pic>
         <p:nvPicPr>
-          <p:cNvPr id="29" name="그림 70"/>
+          <p:cNvPr id="29" name="그림 70" descr="C:/Users/Admin1/AppData/Roaming/PolarisOffice/ETemp/2512_10073344/fImage53860240153.png"/>
           <p:cNvPicPr>
             <a:picLocks noChangeAspect="1"/>
           </p:cNvPicPr>
           <p:nvPr/>
         </p:nvPicPr>
         <p:blipFill rotWithShape="1">
-          <a:blip r:embed="rId7" cstate="print">
+          <a:blip r:embed="rId7" cstate="hqprint">
             <a:extLst>
               <a:ext uri="{28A0092B-C50C-407E-A947-70E740481C1C}">
-                <a14:useLocalDpi xmlns:a14="http://schemas.microsoft.com/office/drawing/2010/main" val="0"/>
+                <a14:useLocalDpi xmlns:a14="http://schemas.microsoft.com/office/drawing/2010/main"/>
               </a:ext>
             </a:extLst>
           </a:blip>
@@ -8456,7 +8856,7 @@
         <p:spPr>
           <a:xfrm rot="0">
             <a:off x="4449445" y="1821815"/>
-            <a:ext cx="973455" cy="416560"/>
+            <a:ext cx="974090" cy="773430"/>
           </a:xfrm>
           <a:prstGeom prst="rect"/>
           <a:noFill/>
@@ -8593,7 +8993,7 @@
       </p:sp>
       <p:sp>
         <p:nvSpPr>
-          <p:cNvPr id="10" name="Rect 0"/>
+          <p:cNvPr id="34" name="텍스트 상자 6"/>
           <p:cNvSpPr txBox="1">
             <a:spLocks/>
           </p:cNvSpPr>
@@ -8601,8 +9001,8 @@
         </p:nvSpPr>
         <p:spPr>
           <a:xfrm rot="0">
-            <a:off x="6824345" y="3269615"/>
-            <a:ext cx="4257675" cy="2338705"/>
+            <a:off x="1426210" y="4134485"/>
+            <a:ext cx="3971290" cy="2031365"/>
           </a:xfrm>
           <a:prstGeom prst="rect"/>
           <a:noFill/>
@@ -8622,62 +9022,11 @@
               <a:buNone/>
             </a:pPr>
             <a:r>
-              <a:rPr lang="ko-KR" sz="2000" b="1">
-                <a:solidFill>
-                  <a:srgbClr val="0611F2"/>
-                </a:solidFill>
-                <a:latin typeface="맑은 고딕" charset="0"/>
-                <a:ea typeface="맑은 고딕" charset="0"/>
-              </a:rPr>
-              <a:t>1</a:t>
-            </a:r>
-            <a:r>
-              <a:rPr lang="ko-KR" sz="2000" b="1">
-                <a:solidFill>
-                  <a:srgbClr val="0611F2"/>
-                </a:solidFill>
-                <a:latin typeface="맑은 고딕" charset="0"/>
-                <a:ea typeface="맑은 고딕" charset="0"/>
-              </a:rPr>
-              <a:t>4</a:t>
-            </a:r>
-            <a:r>
-              <a:rPr sz="2000" b="1">
-                <a:solidFill>
-                  <a:srgbClr val="0611F2"/>
-                </a:solidFill>
-                <a:latin typeface="맑은 고딕" charset="0"/>
-                <a:ea typeface="맑은 고딕" charset="0"/>
-              </a:rPr>
-              <a:t>. </a:t>
-            </a:r>
-            <a:r>
               <a:rPr lang="ko-KR" sz="1800">
                 <a:latin typeface="맑은 고딕" charset="0"/>
                 <a:ea typeface="맑은 고딕" charset="0"/>
               </a:rPr>
-              <a:t>그다음으로 FixedUpdate에 RigidBody</a:t>
-            </a:r>
-            <a:r>
-              <a:rPr lang="ko-KR" sz="1800">
-                <a:latin typeface="맑은 고딕" charset="0"/>
-                <a:ea typeface="맑은 고딕" charset="0"/>
-              </a:rPr>
-              <a:t>의</a:t>
-            </a:r>
-            <a:r>
-              <a:rPr lang="ko-KR" sz="1800">
-                <a:latin typeface="맑은 고딕" charset="0"/>
-                <a:ea typeface="맑은 고딕" charset="0"/>
-              </a:rPr>
-              <a:t> MovePosition( ) 함수를 </a:t>
-            </a:r>
-            <a:r>
-              <a:rPr lang="ko-KR" sz="1800">
-                <a:latin typeface="맑은 고딕" charset="0"/>
-                <a:ea typeface="맑은 고딕" charset="0"/>
-              </a:rPr>
-              <a:t>선언합니다.</a:t>
+              <a:t>Static Collider : Rigidbody가 없는 상태로 항상 같은 위치에 있는 오브젝트에 사용합니다.</a:t>
             </a:r>
             <a:endParaRPr lang="ko-KR" altLang="en-US" sz="1800">
               <a:latin typeface="맑은 고딕" charset="0"/>
@@ -8704,7 +9053,7 @@
                 <a:latin typeface="맑은 고딕" charset="0"/>
                 <a:ea typeface="맑은 고딕" charset="0"/>
               </a:rPr>
-              <a:t>그리고 FixedUpdate에서는 기본값으로 0.02초를 주기로 실행되기 때문에 Time.fixedDeltaTime의 값으로 계산합니다. </a:t>
+              <a:t>Dynamic Collider : Rigidbody가 있는 상태로 물리적인 충돌을 하는 오브젝트에 사용합니다.</a:t>
             </a:r>
             <a:endParaRPr lang="ko-KR" altLang="en-US" sz="1800">
               <a:latin typeface="맑은 고딕" charset="0"/>
@@ -8713,87 +9062,16 @@
           </a:p>
         </p:txBody>
       </p:sp>
-      <p:sp>
-        <p:nvSpPr>
-          <p:cNvPr id="34" name="텍스트 상자 6"/>
-          <p:cNvSpPr txBox="1">
-            <a:spLocks/>
-          </p:cNvSpPr>
-          <p:nvPr/>
-        </p:nvSpPr>
-        <p:spPr>
-          <a:xfrm rot="0">
-            <a:off x="1426210" y="3582035"/>
-            <a:ext cx="3944620" cy="2031365"/>
-          </a:xfrm>
-          <a:prstGeom prst="rect"/>
-          <a:noFill/>
-          <a:ln w="0">
-            <a:noFill/>
-            <a:prstDash/>
-          </a:ln>
-        </p:spPr>
-        <p:txBody>
-          <a:bodyPr wrap="square" lIns="89535" tIns="46355" rIns="89535" bIns="46355" numCol="1" vert="horz" anchor="t">
-            <a:spAutoFit/>
-          </a:bodyPr>
-          <a:lstStyle/>
-          <a:p>
-            <a:pPr marL="0" indent="0" rtl="0" algn="l" defTabSz="914400" eaLnBrk="1" latinLnBrk="0" hangingPunct="1">
-              <a:buFontTx/>
-              <a:buNone/>
-            </a:pPr>
-            <a:r>
-              <a:rPr lang="ko-KR" sz="1800">
-                <a:latin typeface="맑은 고딕" charset="0"/>
-                <a:ea typeface="맑은 고딕" charset="0"/>
-              </a:rPr>
-              <a:t>Static Collider : Rigidbody가 없는 상태로 항상 같은 위치에 있는 오브젝트에 사용합니다.</a:t>
-            </a:r>
-            <a:endParaRPr lang="ko-KR" altLang="en-US" sz="1800">
-              <a:latin typeface="맑은 고딕" charset="0"/>
-              <a:ea typeface="맑은 고딕" charset="0"/>
-            </a:endParaRPr>
-          </a:p>
-          <a:p>
-            <a:pPr marL="0" indent="0" rtl="0" algn="l" defTabSz="914400" eaLnBrk="1" latinLnBrk="0" hangingPunct="1">
-              <a:buFontTx/>
-              <a:buNone/>
-            </a:pPr>
-            <a:endParaRPr lang="ko-KR" altLang="en-US" sz="1800">
-              <a:latin typeface="맑은 고딕" charset="0"/>
-              <a:ea typeface="맑은 고딕" charset="0"/>
-            </a:endParaRPr>
-          </a:p>
-          <a:p>
-            <a:pPr marL="0" indent="0" rtl="0" algn="l" defTabSz="914400" eaLnBrk="1" latinLnBrk="0" hangingPunct="1">
-              <a:buFontTx/>
-              <a:buNone/>
-            </a:pPr>
-            <a:r>
-              <a:rPr lang="ko-KR" sz="1800">
-                <a:latin typeface="맑은 고딕" charset="0"/>
-                <a:ea typeface="맑은 고딕" charset="0"/>
-              </a:rPr>
-              <a:t>Dynamic Collider : Rigidbody가 있는 상태로 물리적인 충돌을 하는 오브젝트에 사용합니다.</a:t>
-            </a:r>
-            <a:endParaRPr lang="ko-KR" altLang="en-US" sz="1800">
-              <a:latin typeface="맑은 고딕" charset="0"/>
-              <a:ea typeface="맑은 고딕" charset="0"/>
-            </a:endParaRPr>
-          </a:p>
-        </p:txBody>
-      </p:sp>
       <p:pic>
         <p:nvPicPr>
-          <p:cNvPr id="35" name="그림 7"/>
+          <p:cNvPr id="36" name="그림 30" descr="C:/Users/Admin1/AppData/Roaming/PolarisOffice/ETemp/2512_10073344/fImage1994931096827.png"/>
           <p:cNvPicPr>
             <a:picLocks noChangeAspect="1"/>
           </p:cNvPicPr>
           <p:nvPr/>
         </p:nvPicPr>
         <p:blipFill rotWithShape="1">
-          <a:blip r:embed="rId3" cstate="print">
+          <a:blip r:embed="rId5" cstate="print">
             <a:extLst>
               <a:ext uri="{28A0092B-C50C-407E-A947-70E740481C1C}">
                 <a14:useLocalDpi xmlns:a14="http://schemas.microsoft.com/office/drawing/2010/main" val="0"/>
@@ -8806,8 +9084,8 @@
         </p:blipFill>
         <p:spPr>
           <a:xfrm rot="0">
-            <a:off x="6822440" y="1489710"/>
-            <a:ext cx="4267835" cy="1586865"/>
+            <a:off x="1426210" y="1469390"/>
+            <a:ext cx="3971290" cy="2552700"/>
           </a:xfrm>
           <a:prstGeom prst="roundRect"/>
           <a:solidFill>
@@ -8815,19 +9093,114 @@
           </a:solidFill>
         </p:spPr>
       </p:pic>
+      <p:sp>
+        <p:nvSpPr>
+          <p:cNvPr id="37" name="텍스트 상자 67"/>
+          <p:cNvSpPr txBox="1">
+            <a:spLocks/>
+          </p:cNvSpPr>
+          <p:nvPr/>
+        </p:nvSpPr>
+        <p:spPr>
+          <a:xfrm rot="0">
+            <a:off x="6824980" y="5211445"/>
+            <a:ext cx="4258945" cy="954405"/>
+          </a:xfrm>
+          <a:prstGeom prst="rect"/>
+          <a:noFill/>
+          <a:ln w="0">
+            <a:noFill/>
+            <a:prstDash/>
+          </a:ln>
+        </p:spPr>
+        <p:txBody>
+          <a:bodyPr wrap="square" lIns="89535" tIns="46355" rIns="89535" bIns="46355" numCol="1" vert="horz" anchor="t">
+            <a:spAutoFit/>
+          </a:bodyPr>
+          <a:lstStyle/>
+          <a:p>
+            <a:pPr marL="0" indent="0" rtl="0" algn="l" defTabSz="914400" eaLnBrk="1" latinLnBrk="0" hangingPunct="1">
+              <a:buFontTx/>
+              <a:buNone/>
+            </a:pPr>
+            <a:r>
+              <a:rPr lang="ko-KR" sz="2000" b="1">
+                <a:solidFill>
+                  <a:srgbClr val="0611F2"/>
+                </a:solidFill>
+                <a:latin typeface="맑은 고딕" charset="0"/>
+                <a:ea typeface="맑은 고딕" charset="0"/>
+              </a:rPr>
+              <a:t>1</a:t>
+            </a:r>
+            <a:r>
+              <a:rPr lang="ko-KR" sz="2000" b="1">
+                <a:solidFill>
+                  <a:srgbClr val="0611F2"/>
+                </a:solidFill>
+                <a:latin typeface="맑은 고딕" charset="0"/>
+                <a:ea typeface="맑은 고딕" charset="0"/>
+              </a:rPr>
+              <a:t>9</a:t>
+            </a:r>
+            <a:r>
+              <a:rPr sz="2000" b="1">
+                <a:solidFill>
+                  <a:srgbClr val="0611F2"/>
+                </a:solidFill>
+                <a:latin typeface="맑은 고딕" charset="0"/>
+                <a:ea typeface="맑은 고딕" charset="0"/>
+              </a:rPr>
+              <a:t>. </a:t>
+            </a:r>
+            <a:r>
+              <a:rPr lang="ko-KR" sz="1800">
+                <a:latin typeface="맑은 고딕" charset="0"/>
+                <a:ea typeface="맑은 고딕" charset="0"/>
+              </a:rPr>
+              <a:t>이제</a:t>
+            </a:r>
+            <a:r>
+              <a:rPr lang="ko-KR" sz="1800">
+                <a:latin typeface="맑은 고딕" charset="0"/>
+                <a:ea typeface="맑은 고딕" charset="0"/>
+              </a:rPr>
+              <a:t> Character 오브젝트를 선택하고 스크립트의 speed 변수</a:t>
+            </a:r>
+            <a:r>
+              <a:rPr lang="ko-KR" sz="1800">
+                <a:latin typeface="맑은 고딕" charset="0"/>
+                <a:ea typeface="맑은 고딕" charset="0"/>
+              </a:rPr>
+              <a:t>의</a:t>
+            </a:r>
+            <a:r>
+              <a:rPr lang="ko-KR" sz="1800">
+                <a:latin typeface="맑은 고딕" charset="0"/>
+                <a:ea typeface="맑은 고딕" charset="0"/>
+              </a:rPr>
+              <a:t> 값을 조정하여 게임을 실행합니다.</a:t>
+            </a:r>
+            <a:endParaRPr lang="ko-KR" altLang="en-US" sz="1800">
+              <a:latin typeface="맑은 고딕" charset="0"/>
+              <a:ea typeface="맑은 고딕" charset="0"/>
+            </a:endParaRPr>
+          </a:p>
+        </p:txBody>
+      </p:sp>
       <p:pic>
         <p:nvPicPr>
-          <p:cNvPr id="36" name="그림 18"/>
+          <p:cNvPr id="38" name="그림 68" descr="C:/Users/Admin1/AppData/Roaming/PolarisOffice/ETemp/2512_10073344/fImage290551748467.png"/>
           <p:cNvPicPr>
             <a:picLocks noChangeAspect="1"/>
           </p:cNvPicPr>
           <p:nvPr/>
         </p:nvPicPr>
         <p:blipFill rotWithShape="1">
-          <a:blip r:embed="rId4" cstate="print">
+          <a:blip r:embed="rId6" cstate="hqprint">
             <a:extLst>
               <a:ext uri="{28A0092B-C50C-407E-A947-70E740481C1C}">
-                <a14:useLocalDpi xmlns:a14="http://schemas.microsoft.com/office/drawing/2010/main" val="0"/>
+                <a14:useLocalDpi xmlns:a14="http://schemas.microsoft.com/office/drawing/2010/main"/>
               </a:ext>
             </a:extLst>
           </a:blip>
@@ -8837,355 +9210,8 @@
         </p:blipFill>
         <p:spPr>
           <a:xfrm rot="0">
-            <a:off x="1433195" y="1485900"/>
-            <a:ext cx="3937635" cy="1922780"/>
-          </a:xfrm>
-          <a:prstGeom prst="roundRect"/>
-          <a:solidFill>
-            <a:srgbClr val="EDEDED"/>
-          </a:solidFill>
-        </p:spPr>
-      </p:pic>
-    </p:spTree>
-  </p:cSld>
-  <p:clrMapOvr>
-    <a:masterClrMapping/>
-  </p:clrMapOvr>
-  <mc:AlternateContent xmlns:mc="http://schemas.openxmlformats.org/markup-compatibility/2006">
-    <mc:Choice xmlns:p14="http://schemas.microsoft.com/office/powerpoint/2010/main" Requires="p14">
-      <p:transition spd="slow" p14:dur="1000"/>
-    </mc:Choice>
-    <mc:Fallback>
-      <p:transition spd="slow"/>
-    </mc:Fallback>
-  </mc:AlternateContent>
-  <p:timing>
-    <p:tnLst>
-      <p:par>
-        <p:cTn id="1" dur="indefinite" restart="never" nodeType="tmRoot"/>
-      </p:par>
-    </p:tnLst>
-  </p:timing>
-</p:sld>
-</file>
-
-<file path=ppt/slides/slide9.xml><?xml version="1.0" encoding="utf-8"?>
-<p:sld xmlns:a="http://schemas.openxmlformats.org/drawingml/2006/main" xmlns:r="http://schemas.openxmlformats.org/officeDocument/2006/relationships" xmlns:p="http://schemas.openxmlformats.org/presentationml/2006/main">
-  <p:cSld>
-    <p:spTree>
-      <p:nvGrpSpPr>
-        <p:cNvPr id="1" name=""/>
-        <p:cNvGrpSpPr/>
-        <p:nvPr/>
-      </p:nvGrpSpPr>
-      <p:grpSpPr>
-        <a:xfrm>
-          <a:off x="0" y="0"/>
-          <a:ext cx="0" cy="0"/>
-          <a:chOff x="0" y="0"/>
-          <a:chExt cx="0" cy="0"/>
-        </a:xfrm>
-      </p:grpSpPr>
-      <p:sp>
-        <p:nvSpPr>
-          <p:cNvPr id="2" name="Rect 0"/>
-          <p:cNvSpPr txBox="1">
-            <a:spLocks/>
-          </p:cNvSpPr>
-          <p:nvPr/>
-        </p:nvSpPr>
-        <p:spPr>
-          <a:xfrm rot="0">
-            <a:off x="4697095" y="402590"/>
-            <a:ext cx="2797810" cy="554990"/>
-          </a:xfrm>
-          <a:prstGeom prst="rect"/>
-          <a:noFill/>
-          <a:ln w="0">
-            <a:noFill/>
-            <a:prstDash/>
-          </a:ln>
-        </p:spPr>
-        <p:txBody>
-          <a:bodyPr wrap="square" lIns="89535" tIns="46355" rIns="89535" bIns="46355" numCol="1" vert="horz" anchor="t">
-            <a:spAutoFit/>
-          </a:bodyPr>
-          <a:lstStyle/>
-          <a:p>
-            <a:pPr marL="0" indent="0" rtl="0" algn="l" defTabSz="914400" eaLnBrk="1" latinLnBrk="0" hangingPunct="1">
-              <a:buFontTx/>
-              <a:buNone/>
-            </a:pPr>
-            <a:r>
-              <a:rPr lang="ko-KR" sz="3000" b="1">
-                <a:solidFill>
-                  <a:schemeClr val="tx1"/>
-                </a:solidFill>
-                <a:latin typeface="맑은 고딕" charset="0"/>
-                <a:ea typeface="맑은 고딕" charset="0"/>
-              </a:rPr>
-              <a:t>아홉</a:t>
-            </a:r>
-            <a:r>
-              <a:rPr lang="ko-KR" sz="3000" b="1">
-                <a:solidFill>
-                  <a:schemeClr val="tx1"/>
-                </a:solidFill>
-                <a:latin typeface="맑은 고딕" charset="0"/>
-                <a:ea typeface="맑은 고딕" charset="0"/>
-              </a:rPr>
-              <a:t> 번째 과정</a:t>
-            </a:r>
-            <a:endParaRPr lang="ko-KR" altLang="en-US" sz="3000" b="1">
-              <a:solidFill>
-                <a:schemeClr val="tx1"/>
-              </a:solidFill>
-              <a:latin typeface="맑은 고딕" charset="0"/>
-              <a:ea typeface="맑은 고딕" charset="0"/>
-            </a:endParaRPr>
-          </a:p>
-        </p:txBody>
-      </p:sp>
-      <p:sp>
-        <p:nvSpPr>
-          <p:cNvPr id="10" name="Rect 0"/>
-          <p:cNvSpPr txBox="1">
-            <a:spLocks/>
-          </p:cNvSpPr>
-          <p:nvPr/>
-        </p:nvSpPr>
-        <p:spPr>
-          <a:xfrm rot="0">
-            <a:off x="6816090" y="4657725"/>
-            <a:ext cx="4258310" cy="954405"/>
-          </a:xfrm>
-          <a:prstGeom prst="rect"/>
-          <a:noFill/>
-          <a:ln w="0">
-            <a:noFill/>
-            <a:prstDash/>
-          </a:ln>
-        </p:spPr>
-        <p:txBody>
-          <a:bodyPr wrap="square" lIns="89535" tIns="46355" rIns="89535" bIns="46355" numCol="1" vert="horz" anchor="t">
-            <a:spAutoFit/>
-          </a:bodyPr>
-          <a:lstStyle/>
-          <a:p>
-            <a:pPr marL="0" indent="0" rtl="0" algn="l" defTabSz="914400" eaLnBrk="1" latinLnBrk="0" hangingPunct="1">
-              <a:buFontTx/>
-              <a:buNone/>
-            </a:pPr>
-            <a:r>
-              <a:rPr lang="ko-KR" sz="2000" b="1">
-                <a:solidFill>
-                  <a:srgbClr val="0611F2"/>
-                </a:solidFill>
-                <a:latin typeface="맑은 고딕" charset="0"/>
-                <a:ea typeface="맑은 고딕" charset="0"/>
-              </a:rPr>
-              <a:t>1</a:t>
-            </a:r>
-            <a:r>
-              <a:rPr lang="ko-KR" sz="2000" b="1">
-                <a:solidFill>
-                  <a:srgbClr val="0611F2"/>
-                </a:solidFill>
-                <a:latin typeface="맑은 고딕" charset="0"/>
-                <a:ea typeface="맑은 고딕" charset="0"/>
-              </a:rPr>
-              <a:t>6</a:t>
-            </a:r>
-            <a:r>
-              <a:rPr sz="2000" b="1">
-                <a:solidFill>
-                  <a:srgbClr val="0611F2"/>
-                </a:solidFill>
-                <a:latin typeface="맑은 고딕" charset="0"/>
-                <a:ea typeface="맑은 고딕" charset="0"/>
-              </a:rPr>
-              <a:t>. </a:t>
-            </a:r>
-            <a:r>
-              <a:rPr lang="ko-KR" sz="1800">
-                <a:latin typeface="맑은 고딕" charset="0"/>
-                <a:ea typeface="맑은 고딕" charset="0"/>
-              </a:rPr>
-              <a:t>마지막으로 Character 오브젝트를 선택하고 스크립트의 speed 변수의 값을 조정하여 게임을 실행합니다.</a:t>
-            </a:r>
-            <a:endParaRPr lang="ko-KR" altLang="en-US" sz="1800">
-              <a:latin typeface="맑은 고딕" charset="0"/>
-              <a:ea typeface="맑은 고딕" charset="0"/>
-            </a:endParaRPr>
-          </a:p>
-        </p:txBody>
-      </p:sp>
-      <p:sp>
-        <p:nvSpPr>
-          <p:cNvPr id="34" name="Rect 0"/>
-          <p:cNvSpPr txBox="1">
-            <a:spLocks/>
-          </p:cNvSpPr>
-          <p:nvPr/>
-        </p:nvSpPr>
-        <p:spPr>
-          <a:xfrm rot="0">
-            <a:off x="1434465" y="4105910"/>
-            <a:ext cx="3945255" cy="1508125"/>
-          </a:xfrm>
-          <a:prstGeom prst="rect"/>
-          <a:noFill/>
-          <a:ln w="0">
-            <a:noFill/>
-            <a:prstDash/>
-          </a:ln>
-        </p:spPr>
-        <p:txBody>
-          <a:bodyPr wrap="square" lIns="89535" tIns="46355" rIns="89535" bIns="46355" numCol="1" vert="horz" anchor="t">
-            <a:spAutoFit/>
-          </a:bodyPr>
-          <a:lstStyle/>
-          <a:p>
-            <a:pPr marL="0" indent="0" rtl="0" algn="l" defTabSz="914400" eaLnBrk="1" latinLnBrk="0" hangingPunct="1">
-              <a:buFontTx/>
-              <a:buNone/>
-            </a:pPr>
-            <a:r>
-              <a:rPr lang="ko-KR" sz="2000" b="1">
-                <a:solidFill>
-                  <a:srgbClr val="0611F2"/>
-                </a:solidFill>
-                <a:latin typeface="맑은 고딕" charset="0"/>
-                <a:ea typeface="맑은 고딕" charset="0"/>
-              </a:rPr>
-              <a:t>1</a:t>
-            </a:r>
-            <a:r>
-              <a:rPr lang="ko-KR" sz="2000" b="1">
-                <a:solidFill>
-                  <a:srgbClr val="0611F2"/>
-                </a:solidFill>
-                <a:latin typeface="맑은 고딕" charset="0"/>
-                <a:ea typeface="맑은 고딕" charset="0"/>
-              </a:rPr>
-              <a:t>5</a:t>
-            </a:r>
-            <a:r>
-              <a:rPr sz="2000" b="1">
-                <a:solidFill>
-                  <a:srgbClr val="0611F2"/>
-                </a:solidFill>
-                <a:latin typeface="맑은 고딕" charset="0"/>
-                <a:ea typeface="맑은 고딕" charset="0"/>
-              </a:rPr>
-              <a:t>.</a:t>
-            </a:r>
-            <a:r>
-              <a:rPr sz="2000" b="1">
-                <a:solidFill>
-                  <a:srgbClr val="0611F2"/>
-                </a:solidFill>
-                <a:latin typeface="맑은 고딕" charset="0"/>
-                <a:ea typeface="맑은 고딕" charset="0"/>
-              </a:rPr>
-              <a:t> </a:t>
-            </a:r>
-            <a:r>
-              <a:rPr lang="ko-KR" sz="1800">
-                <a:latin typeface="맑은 고딕" charset="0"/>
-                <a:ea typeface="맑은 고딕" charset="0"/>
-              </a:rPr>
-              <a:t>그런 다음 물리적인 충돌을 하지 않는 충돌 함수를 정의합니다.</a:t>
-            </a:r>
-            <a:endParaRPr lang="ko-KR" altLang="en-US" sz="1800">
-              <a:latin typeface="맑은 고딕" charset="0"/>
-              <a:ea typeface="맑은 고딕" charset="0"/>
-            </a:endParaRPr>
-          </a:p>
-          <a:p>
-            <a:pPr marL="0" indent="0" rtl="0" algn="l" defTabSz="914400" eaLnBrk="1" latinLnBrk="0" hangingPunct="1">
-              <a:buFontTx/>
-              <a:buNone/>
-            </a:pPr>
-            <a:endParaRPr lang="ko-KR" altLang="en-US" sz="1800">
-              <a:latin typeface="맑은 고딕" charset="0"/>
-              <a:ea typeface="맑은 고딕" charset="0"/>
-            </a:endParaRPr>
-          </a:p>
-          <a:p>
-            <a:pPr marL="0" indent="0" rtl="0" algn="l" defTabSz="914400" eaLnBrk="1" latinLnBrk="0" hangingPunct="1">
-              <a:buFontTx/>
-              <a:buNone/>
-            </a:pPr>
-            <a:r>
-              <a:rPr lang="ko-KR" sz="1800">
-                <a:latin typeface="맑은 고딕" charset="0"/>
-                <a:ea typeface="맑은 고딕" charset="0"/>
-              </a:rPr>
-              <a:t>그리고 Collider와 충돌했을 때 게임 오브젝트를 비활성화합니다.</a:t>
-            </a:r>
-            <a:endParaRPr lang="ko-KR" altLang="en-US" sz="1800">
-              <a:latin typeface="맑은 고딕" charset="0"/>
-              <a:ea typeface="맑은 고딕" charset="0"/>
-            </a:endParaRPr>
-          </a:p>
-        </p:txBody>
-      </p:sp>
-      <p:pic>
-        <p:nvPicPr>
-          <p:cNvPr id="36" name="그림 1" descr="C:/Users/Admin1/AppData/Roaming/PolarisOffice/ETemp/6864_14126152/fImage1689717341.png"/>
-          <p:cNvPicPr>
-            <a:picLocks noChangeAspect="1"/>
-          </p:cNvPicPr>
-          <p:nvPr/>
-        </p:nvPicPr>
-        <p:blipFill rotWithShape="1">
-          <a:blip r:embed="rId2" cstate="print">
-            <a:extLst>
-              <a:ext uri="{28A0092B-C50C-407E-A947-70E740481C1C}">
-                <a14:useLocalDpi xmlns:a14="http://schemas.microsoft.com/office/drawing/2010/main" val="0"/>
-              </a:ext>
-            </a:extLst>
-          </a:blip>
-          <a:stretch>
-            <a:fillRect/>
-          </a:stretch>
-        </p:blipFill>
-        <p:spPr>
-          <a:xfrm rot="0">
-            <a:off x="1438275" y="1340485"/>
-            <a:ext cx="3932555" cy="2667000"/>
-          </a:xfrm>
-          <a:prstGeom prst="roundRect"/>
-          <a:solidFill>
-            <a:srgbClr val="EDEDED"/>
-          </a:solidFill>
-        </p:spPr>
-      </p:pic>
-      <p:pic>
-        <p:nvPicPr>
-          <p:cNvPr id="37" name="그림 4" descr="C:/Users/Admin1/AppData/Roaming/PolarisOffice/ETemp/6864_14126152/fImage290551748467.png"/>
-          <p:cNvPicPr>
-            <a:picLocks noChangeAspect="1"/>
-          </p:cNvPicPr>
-          <p:nvPr/>
-        </p:nvPicPr>
-        <p:blipFill rotWithShape="1">
-          <a:blip r:embed="rId3" cstate="print">
-            <a:extLst>
-              <a:ext uri="{28A0092B-C50C-407E-A947-70E740481C1C}">
-                <a14:useLocalDpi xmlns:a14="http://schemas.microsoft.com/office/drawing/2010/main" val="0"/>
-              </a:ext>
-            </a:extLst>
-          </a:blip>
-          <a:stretch>
-            <a:fillRect/>
-          </a:stretch>
-        </p:blipFill>
-        <p:spPr>
-          <a:xfrm rot="0">
-            <a:off x="6816725" y="1261110"/>
-            <a:ext cx="4265295" cy="3311525"/>
+            <a:off x="6816725" y="1470025"/>
+            <a:ext cx="4265930" cy="3590290"/>
           </a:xfrm>
           <a:prstGeom prst="rect"/>
           <a:noFill/>

--- a/Assets/Class/Collision/PPT Data/Collision Example.pptx
+++ b/Assets/Class/Collision/PPT Data/Collision Example.pptx
@@ -2,7 +2,7 @@
 <file path=ppt/presentation.xml><?xml version="1.0" encoding="utf-8"?>
 <p:presentation xmlns:a="http://schemas.openxmlformats.org/drawingml/2006/main" xmlns:r="http://schemas.openxmlformats.org/officeDocument/2006/relationships" xmlns:p="http://schemas.openxmlformats.org/presentationml/2006/main" xmlns:p14="http://schemas.microsoft.com/office/powerpoint/2010/main" saveSubsetFonts="1" firstSlideNum="0">
   <p:sldMasterIdLst>
-    <p:sldMasterId id="2147485334" r:id="rId12"/>
+    <p:sldMasterId id="2147485343" r:id="rId12"/>
   </p:sldMasterIdLst>
   <p:notesMasterIdLst>
     <p:notesMasterId r:id="rId14"/>
@@ -16,6 +16,7 @@
     <p:sldId id="281" r:id="rId21"/>
     <p:sldId id="280" r:id="rId22"/>
     <p:sldId id="282" r:id="rId23"/>
+    <p:sldId id="284" r:id="rId24"/>
   </p:sldIdLst>
   <p:sldSz cx="12192000" cy="6858000"/>
   <p:notesSz cx="6858000" cy="9144000"/>
@@ -5770,7 +5771,7 @@
       </p:sp>
       <p:pic>
         <p:nvPicPr>
-          <p:cNvPr id="19" name="그림 17" descr="C:/Users/Admin1/AppData/Roaming/PolarisOffice/ETemp/2512_10073344/fImage47031079169.png"/>
+          <p:cNvPr id="19" name="그림 17"/>
           <p:cNvPicPr>
             <a:picLocks noChangeAspect="1"/>
           </p:cNvPicPr>
@@ -5906,7 +5907,7 @@
       </p:pic>
       <p:pic>
         <p:nvPicPr>
-          <p:cNvPr id="22" name="그림 1" descr="C:/Users/Admin1/AppData/Roaming/PolarisOffice/ETemp/2512_10073344/fImage442710041.png"/>
+          <p:cNvPr id="22" name="그림 1"/>
           <p:cNvPicPr>
             <a:picLocks noChangeAspect="1"/>
           </p:cNvPicPr>
@@ -6327,7 +6328,7 @@
       </p:pic>
       <p:pic>
         <p:nvPicPr>
-          <p:cNvPr id="25" name="그림 4" descr="C:/Users/Admin1/AppData/Roaming/PolarisOffice/ETemp/2512_10073344/fImage47631018467.png"/>
+          <p:cNvPr id="25" name="그림 4"/>
           <p:cNvPicPr>
             <a:picLocks noChangeAspect="1"/>
           </p:cNvPicPr>
@@ -6606,7 +6607,7 @@
       </p:sp>
       <p:pic>
         <p:nvPicPr>
-          <p:cNvPr id="21" name="그림 32" descr="C:/Users/Admin1/AppData/Roaming/PolarisOffice/ETemp/2512_10073344/fImage161052045705.png"/>
+          <p:cNvPr id="21" name="그림 32"/>
           <p:cNvPicPr>
             <a:picLocks noChangeAspect="1"/>
           </p:cNvPicPr>
@@ -6637,7 +6638,7 @@
       </p:pic>
       <p:pic>
         <p:nvPicPr>
-          <p:cNvPr id="23" name="그림 34" descr="C:/Users/Admin1/AppData/Roaming/PolarisOffice/ETemp/2512_10073344/fImage91272063281.png"/>
+          <p:cNvPr id="23" name="그림 34"/>
           <p:cNvPicPr>
             <a:picLocks noChangeAspect="1"/>
           </p:cNvPicPr>
@@ -6668,7 +6669,7 @@
       </p:pic>
       <p:pic>
         <p:nvPicPr>
-          <p:cNvPr id="25" name="그림 19" descr="C:/Users/Admin1/AppData/Roaming/PolarisOffice/ETemp/2512_10073344/fImage972210841.png"/>
+          <p:cNvPr id="25" name="그림 19"/>
           <p:cNvPicPr>
             <a:picLocks noChangeAspect="1"/>
           </p:cNvPicPr>
@@ -6699,7 +6700,7 @@
       </p:pic>
       <p:pic>
         <p:nvPicPr>
-          <p:cNvPr id="26" name="그림 11" descr="C:/Users/Admin1/AppData/Roaming/PolarisOffice/ETemp/2512_10073344/fImage53461026334.png"/>
+          <p:cNvPr id="26" name="그림 11"/>
           <p:cNvPicPr>
             <a:picLocks noChangeAspect="1"/>
           </p:cNvPicPr>
@@ -6730,7 +6731,7 @@
       </p:pic>
       <p:pic>
         <p:nvPicPr>
-          <p:cNvPr id="27" name="그림 14" descr="C:/Users/Admin1/AppData/Roaming/PolarisOffice/ETemp/2512_10073344/fImage53461036500.png"/>
+          <p:cNvPr id="27" name="그림 14"/>
           <p:cNvPicPr>
             <a:picLocks noChangeAspect="1"/>
           </p:cNvPicPr>
@@ -6761,7 +6762,7 @@
       </p:pic>
       <p:pic>
         <p:nvPicPr>
-          <p:cNvPr id="28" name="그림 15" descr="C:/Users/Admin1/AppData/Roaming/PolarisOffice/ETemp/2512_10073344/fImage107461049169.png"/>
+          <p:cNvPr id="28" name="그림 15"/>
           <p:cNvPicPr>
             <a:picLocks noChangeAspect="1"/>
           </p:cNvPicPr>
@@ -6914,8 +6915,8 @@
         </p:nvSpPr>
         <p:spPr>
           <a:xfrm rot="0">
-            <a:off x="4876800" y="394335"/>
-            <a:ext cx="2449830" cy="554990"/>
+            <a:off x="4511040" y="369570"/>
+            <a:ext cx="3162300" cy="554990"/>
           </a:xfrm>
           <a:prstGeom prst="rect"/>
           <a:noFill/>
@@ -6942,7 +6943,7 @@
                 <a:latin typeface="맑은 고딕" charset="0"/>
                 <a:ea typeface="맑은 고딕" charset="0"/>
               </a:rPr>
-              <a:t>네</a:t>
+              <a:t>네 번째 </a:t>
             </a:r>
             <a:r>
               <a:rPr lang="ko-KR" sz="3000" b="1">
@@ -6952,7 +6953,7 @@
                 <a:latin typeface="맑은 고딕" charset="0"/>
                 <a:ea typeface="맑은 고딕" charset="0"/>
               </a:rPr>
-              <a:t> 번째 과정</a:t>
+              <a:t>튜토리얼</a:t>
             </a:r>
             <a:endParaRPr lang="ko-KR" altLang="en-US" sz="3000" b="1">
               <a:solidFill>
@@ -7067,7 +7068,7 @@
       </p:sp>
       <p:pic>
         <p:nvPicPr>
-          <p:cNvPr id="21" name="그림 51" descr="C:/Users/Admin1/AppData/Roaming/PolarisOffice/ETemp/2512_10073344/fImage46372242995.png"/>
+          <p:cNvPr id="21" name="그림 51"/>
           <p:cNvPicPr>
             <a:picLocks noChangeAspect="1"/>
           </p:cNvPicPr>
@@ -7096,7 +7097,7 @@
       </p:pic>
       <p:pic>
         <p:nvPicPr>
-          <p:cNvPr id="22" name="그림 54" descr="C:/Users/Admin1/AppData/Roaming/PolarisOffice/ETemp/2512_10073344/fImage79902251942.png"/>
+          <p:cNvPr id="22" name="그림 54"/>
           <p:cNvPicPr>
             <a:picLocks noChangeAspect="1"/>
           </p:cNvPicPr>
@@ -7274,8 +7275,8 @@
         </p:nvSpPr>
         <p:spPr>
           <a:xfrm rot="0">
-            <a:off x="4697095" y="402590"/>
-            <a:ext cx="2797175" cy="554990"/>
+            <a:off x="4314825" y="427355"/>
+            <a:ext cx="3566795" cy="554990"/>
           </a:xfrm>
           <a:prstGeom prst="rect"/>
           <a:noFill/>
@@ -7302,7 +7303,7 @@
                 <a:latin typeface="맑은 고딕" charset="0"/>
                 <a:ea typeface="맑은 고딕" charset="0"/>
               </a:rPr>
-              <a:t>여섯</a:t>
+              <a:t>다</a:t>
             </a:r>
             <a:r>
               <a:rPr lang="ko-KR" sz="3000" b="1">
@@ -7312,7 +7313,17 @@
                 <a:latin typeface="맑은 고딕" charset="0"/>
                 <a:ea typeface="맑은 고딕" charset="0"/>
               </a:rPr>
-              <a:t> 번째 과정</a:t>
+              <a:t>섯 번째 </a:t>
+            </a:r>
+            <a:r>
+              <a:rPr lang="ko-KR" sz="3000" b="1">
+                <a:solidFill>
+                  <a:schemeClr val="tx1"/>
+                </a:solidFill>
+                <a:latin typeface="맑은 고딕" charset="0"/>
+                <a:ea typeface="맑은 고딕" charset="0"/>
+              </a:rPr>
+              <a:t>튜토리얼</a:t>
             </a:r>
             <a:endParaRPr lang="ko-KR" altLang="en-US" sz="3000" b="1">
               <a:solidFill>
@@ -7492,7 +7503,7 @@
       </p:sp>
       <p:pic>
         <p:nvPicPr>
-          <p:cNvPr id="39" name="그림 34" descr="C:/Users/Admin1/AppData/Roaming/PolarisOffice/ETemp/2512_10073344/fImage55441115724.png"/>
+          <p:cNvPr id="39" name="그림 34"/>
           <p:cNvPicPr>
             <a:picLocks noChangeAspect="1"/>
           </p:cNvPicPr>
@@ -7523,7 +7534,7 @@
       </p:pic>
       <p:pic>
         <p:nvPicPr>
-          <p:cNvPr id="40" name="그림 37" descr="C:/Users/Admin1/AppData/Roaming/PolarisOffice/ETemp/2512_10073344/fImage63851121478.png"/>
+          <p:cNvPr id="40" name="그림 37"/>
           <p:cNvPicPr>
             <a:picLocks noChangeAspect="1"/>
           </p:cNvPicPr>
@@ -7628,7 +7639,7 @@
       </p:sp>
       <p:pic>
         <p:nvPicPr>
-          <p:cNvPr id="42" name="그림 41" descr="C:/Users/Admin1/AppData/Roaming/PolarisOffice/ETemp/2512_10073344/fImage70481149358.png"/>
+          <p:cNvPr id="42" name="그림 41"/>
           <p:cNvPicPr>
             <a:picLocks noChangeAspect="1"/>
           </p:cNvPicPr>
@@ -7659,7 +7670,7 @@
       </p:pic>
       <p:pic>
         <p:nvPicPr>
-          <p:cNvPr id="43" name="그림 48" descr="C:/Users/Admin1/AppData/Roaming/PolarisOffice/ETemp/2512_10073344/fImage134901156962.png"/>
+          <p:cNvPr id="43" name="그림 48"/>
           <p:cNvPicPr>
             <a:picLocks noChangeAspect="1"/>
           </p:cNvPicPr>
@@ -7690,7 +7701,7 @@
       </p:pic>
       <p:pic>
         <p:nvPicPr>
-          <p:cNvPr id="44" name="그림 52" descr="C:/Users/Admin1/AppData/Roaming/PolarisOffice/ETemp/2512_10073344/fImage53941174464.png"/>
+          <p:cNvPr id="44" name="그림 52"/>
           <p:cNvPicPr>
             <a:picLocks noChangeAspect="1"/>
           </p:cNvPicPr>
@@ -7842,9 +7853,9 @@
           <p:nvPr/>
         </p:nvSpPr>
         <p:spPr>
-          <a:xfrm>
-            <a:off x="4697095" y="402590"/>
-            <a:ext cx="2796540" cy="554990"/>
+          <a:xfrm rot="0">
+            <a:off x="4347845" y="419100"/>
+            <a:ext cx="3500120" cy="554990"/>
           </a:xfrm>
           <a:prstGeom prst="rect"/>
           <a:noFill/>
@@ -7871,7 +7882,7 @@
                 <a:latin typeface="맑은 고딕" charset="0"/>
                 <a:ea typeface="맑은 고딕" charset="0"/>
               </a:rPr>
-              <a:t>일곱</a:t>
+              <a:t>여섯</a:t>
             </a:r>
             <a:r>
               <a:rPr lang="ko-KR" sz="3000" b="1">
@@ -7881,7 +7892,17 @@
                 <a:latin typeface="맑은 고딕" charset="0"/>
                 <a:ea typeface="맑은 고딕" charset="0"/>
               </a:rPr>
-              <a:t> 번째 과정</a:t>
+              <a:t> 번째 </a:t>
+            </a:r>
+            <a:r>
+              <a:rPr lang="ko-KR" sz="3000" b="1">
+                <a:solidFill>
+                  <a:schemeClr val="tx1"/>
+                </a:solidFill>
+                <a:latin typeface="맑은 고딕" charset="0"/>
+                <a:ea typeface="맑은 고딕" charset="0"/>
+              </a:rPr>
+              <a:t>튜토리얼</a:t>
             </a:r>
             <a:endParaRPr lang="ko-KR" altLang="en-US" sz="3000" b="1">
               <a:solidFill>
@@ -8074,7 +8095,7 @@
       </p:sp>
       <p:pic>
         <p:nvPicPr>
-          <p:cNvPr id="32" name="그림 56" descr="C:/Users/Admin1/AppData/Roaming/PolarisOffice/ETemp/2512_10073344/fImage20671195705.png"/>
+          <p:cNvPr id="32" name="그림 56"/>
           <p:cNvPicPr>
             <a:picLocks noChangeAspect="1"/>
           </p:cNvPicPr>
@@ -8105,7 +8126,7 @@
       </p:pic>
       <p:pic>
         <p:nvPicPr>
-          <p:cNvPr id="33" name="그림 60" descr="C:/Users/Admin1/AppData/Roaming/PolarisOffice/ETemp/2512_10073344/fImage53461218145.png"/>
+          <p:cNvPr id="33" name="그림 60"/>
           <p:cNvPicPr>
             <a:picLocks noChangeAspect="1"/>
           </p:cNvPicPr>
@@ -8171,7 +8192,7 @@
       </p:cxnSp>
       <p:pic>
         <p:nvPicPr>
-          <p:cNvPr id="35" name="그림 62" descr="C:/Users/Admin1/AppData/Roaming/PolarisOffice/ETemp/2512_10073344/fImage97581233281.png"/>
+          <p:cNvPr id="35" name="그림 62"/>
           <p:cNvPicPr>
             <a:picLocks noChangeAspect="1"/>
           </p:cNvPicPr>
@@ -8331,7 +8352,7 @@
       </p:sp>
       <p:pic>
         <p:nvPicPr>
-          <p:cNvPr id="37" name="그림 66" descr="C:/Users/Admin1/AppData/Roaming/PolarisOffice/ETemp/2512_10073344/fImage20929936334.png"/>
+          <p:cNvPr id="37" name="그림 66"/>
           <p:cNvPicPr>
             <a:picLocks noChangeAspect="1"/>
           </p:cNvPicPr>
@@ -8407,9 +8428,9 @@
           <p:nvPr/>
         </p:nvSpPr>
         <p:spPr>
-          <a:xfrm rot="0">
+          <a:xfrm>
             <a:off x="4697095" y="402590"/>
-            <a:ext cx="2795905" cy="554990"/>
+            <a:ext cx="2796540" cy="554990"/>
           </a:xfrm>
           <a:prstGeom prst="rect"/>
           <a:noFill/>
@@ -8436,7 +8457,7 @@
                 <a:latin typeface="맑은 고딕" charset="0"/>
                 <a:ea typeface="맑은 고딕" charset="0"/>
               </a:rPr>
-              <a:t>다섯</a:t>
+              <a:t>일곱</a:t>
             </a:r>
             <a:r>
               <a:rPr lang="ko-KR" sz="3000" b="1">
@@ -8690,7 +8711,7 @@
       </p:sp>
       <p:pic>
         <p:nvPicPr>
-          <p:cNvPr id="24" name="그림 63" descr="C:/Users/Admin1/AppData/Roaming/PolarisOffice/ETemp/2512_10073344/fImage538602334827.png"/>
+          <p:cNvPr id="24" name="그림 63"/>
           <p:cNvPicPr>
             <a:picLocks noChangeAspect="1"/>
           </p:cNvPicPr>
@@ -8719,7 +8740,7 @@
       </p:pic>
       <p:pic>
         <p:nvPicPr>
-          <p:cNvPr id="25" name="그림 64" descr="C:/Users/Admin1/AppData/Roaming/PolarisOffice/ETemp/2512_10073344/fImage133022345436.png"/>
+          <p:cNvPr id="25" name="그림 64"/>
           <p:cNvPicPr>
             <a:picLocks noChangeAspect="1"/>
           </p:cNvPicPr>
@@ -8777,7 +8798,7 @@
       </p:pic>
       <p:pic>
         <p:nvPicPr>
-          <p:cNvPr id="27" name="그림 68" descr="C:/Users/Admin1/AppData/Roaming/PolarisOffice/ETemp/2512_10073344/fImage538602384604.png"/>
+          <p:cNvPr id="27" name="그림 68"/>
           <p:cNvPicPr>
             <a:picLocks noChangeAspect="1"/>
           </p:cNvPicPr>
@@ -8835,7 +8856,7 @@
       </p:pic>
       <p:pic>
         <p:nvPicPr>
-          <p:cNvPr id="29" name="그림 70" descr="C:/Users/Admin1/AppData/Roaming/PolarisOffice/ETemp/2512_10073344/fImage53860240153.png"/>
+          <p:cNvPr id="29" name="그림 70"/>
           <p:cNvPicPr>
             <a:picLocks noChangeAspect="1"/>
           </p:cNvPicPr>
@@ -9064,7 +9085,7 @@
       </p:sp>
       <p:pic>
         <p:nvPicPr>
-          <p:cNvPr id="36" name="그림 30" descr="C:/Users/Admin1/AppData/Roaming/PolarisOffice/ETemp/2512_10073344/fImage1994931096827.png"/>
+          <p:cNvPr id="36" name="그림 30"/>
           <p:cNvPicPr>
             <a:picLocks noChangeAspect="1"/>
           </p:cNvPicPr>
@@ -9102,9 +9123,9 @@
           <p:nvPr/>
         </p:nvSpPr>
         <p:spPr>
-          <a:xfrm rot="0">
+          <a:xfrm>
             <a:off x="6824980" y="5211445"/>
-            <a:ext cx="4258945" cy="954405"/>
+            <a:ext cx="4259580" cy="954405"/>
           </a:xfrm>
           <a:prstGeom prst="rect"/>
           <a:noFill/>
@@ -9141,7 +9162,7 @@
                 <a:latin typeface="맑은 고딕" charset="0"/>
                 <a:ea typeface="맑은 고딕" charset="0"/>
               </a:rPr>
-              <a:t>9</a:t>
+              <a:t>8</a:t>
             </a:r>
             <a:r>
               <a:rPr sz="2000" b="1">
@@ -9158,28 +9179,7 @@
                 <a:latin typeface="맑은 고딕" charset="0"/>
                 <a:ea typeface="맑은 고딕" charset="0"/>
               </a:rPr>
-              <a:t>이제</a:t>
-            </a:r>
-            <a:r>
-              <a:rPr lang="ko-KR" sz="1800">
-                <a:latin typeface="맑은 고딕" charset="0"/>
-                <a:ea typeface="맑은 고딕" charset="0"/>
-              </a:rPr>
-              <a:t> Character 오브젝트를 선택하고 스크립트의 speed 변수</a:t>
-            </a:r>
-            <a:r>
-              <a:rPr lang="ko-KR" sz="1800">
-                <a:latin typeface="맑은 고딕" charset="0"/>
-                <a:ea typeface="맑은 고딕" charset="0"/>
-              </a:rPr>
-              <a:t>의</a:t>
-            </a:r>
-            <a:r>
-              <a:rPr lang="ko-KR" sz="1800">
-                <a:latin typeface="맑은 고딕" charset="0"/>
-                <a:ea typeface="맑은 고딕" charset="0"/>
-              </a:rPr>
-              <a:t> 값을 조정하여 게임을 실행합니다.</a:t>
+              <a:t>이제 Character 오브젝트를 선택하고 스크립트의 speed 변수의 값을 조정하여 게임을 실행합니다.</a:t>
             </a:r>
             <a:endParaRPr lang="ko-KR" altLang="en-US" sz="1800">
               <a:latin typeface="맑은 고딕" charset="0"/>
@@ -9190,7 +9190,7 @@
       </p:sp>
       <p:pic>
         <p:nvPicPr>
-          <p:cNvPr id="38" name="그림 68" descr="C:/Users/Admin1/AppData/Roaming/PolarisOffice/ETemp/2512_10073344/fImage290551748467.png"/>
+          <p:cNvPr id="38" name="그림 68"/>
           <p:cNvPicPr>
             <a:picLocks noChangeAspect="1"/>
           </p:cNvPicPr>
@@ -9215,6 +9215,201 @@
           </a:xfrm>
           <a:prstGeom prst="rect"/>
           <a:noFill/>
+        </p:spPr>
+      </p:pic>
+    </p:spTree>
+  </p:cSld>
+  <p:clrMapOvr>
+    <a:masterClrMapping/>
+  </p:clrMapOvr>
+  <mc:AlternateContent xmlns:mc="http://schemas.openxmlformats.org/markup-compatibility/2006">
+    <mc:Choice xmlns:p14="http://schemas.microsoft.com/office/powerpoint/2010/main" Requires="p14">
+      <p:transition spd="slow" p14:dur="1000"/>
+    </mc:Choice>
+    <mc:Fallback>
+      <p:transition spd="slow"/>
+    </mc:Fallback>
+  </mc:AlternateContent>
+  <p:timing>
+    <p:tnLst>
+      <p:par>
+        <p:cTn id="1" dur="indefinite" restart="never" nodeType="tmRoot"/>
+      </p:par>
+    </p:tnLst>
+  </p:timing>
+</p:sld>
+</file>
+
+<file path=ppt/slides/slide9.xml><?xml version="1.0" encoding="utf-8"?>
+<p:sld xmlns:a="http://schemas.openxmlformats.org/drawingml/2006/main" xmlns:r="http://schemas.openxmlformats.org/officeDocument/2006/relationships" xmlns:p="http://schemas.openxmlformats.org/presentationml/2006/main">
+  <p:cSld>
+    <p:spTree>
+      <p:nvGrpSpPr>
+        <p:cNvPr id="1" name=""/>
+        <p:cNvGrpSpPr/>
+        <p:nvPr/>
+      </p:nvGrpSpPr>
+      <p:grpSpPr>
+        <a:xfrm>
+          <a:off x="0" y="0"/>
+          <a:ext cx="0" cy="0"/>
+          <a:chOff x="0" y="0"/>
+          <a:chExt cx="0" cy="0"/>
+        </a:xfrm>
+      </p:grpSpPr>
+      <p:sp>
+        <p:nvSpPr>
+          <p:cNvPr id="2" name="Rect 0"/>
+          <p:cNvSpPr txBox="1">
+            <a:spLocks/>
+          </p:cNvSpPr>
+          <p:nvPr/>
+        </p:nvSpPr>
+        <p:spPr>
+          <a:xfrm rot="0">
+            <a:off x="4697095" y="402590"/>
+            <a:ext cx="2797810" cy="554990"/>
+          </a:xfrm>
+          <a:prstGeom prst="rect"/>
+          <a:noFill/>
+          <a:ln w="0">
+            <a:noFill/>
+            <a:prstDash/>
+          </a:ln>
+        </p:spPr>
+        <p:txBody>
+          <a:bodyPr wrap="square" lIns="89535" tIns="46355" rIns="89535" bIns="46355" numCol="1" vert="horz" anchor="t">
+            <a:spAutoFit/>
+          </a:bodyPr>
+          <a:lstStyle/>
+          <a:p>
+            <a:pPr marL="0" indent="0" rtl="0" algn="l" defTabSz="914400" eaLnBrk="1" latinLnBrk="0" hangingPunct="1">
+              <a:buFontTx/>
+              <a:buNone/>
+            </a:pPr>
+            <a:r>
+              <a:rPr lang="ko-KR" sz="3000" b="1">
+                <a:solidFill>
+                  <a:schemeClr val="tx1"/>
+                </a:solidFill>
+                <a:latin typeface="맑은 고딕" charset="0"/>
+                <a:ea typeface="맑은 고딕" charset="0"/>
+              </a:rPr>
+              <a:t>아홉</a:t>
+            </a:r>
+            <a:r>
+              <a:rPr lang="ko-KR" sz="3000" b="1">
+                <a:solidFill>
+                  <a:schemeClr val="tx1"/>
+                </a:solidFill>
+                <a:latin typeface="맑은 고딕" charset="0"/>
+                <a:ea typeface="맑은 고딕" charset="0"/>
+              </a:rPr>
+              <a:t> 번째 과정</a:t>
+            </a:r>
+            <a:endParaRPr lang="ko-KR" altLang="en-US" sz="3000" b="1">
+              <a:solidFill>
+                <a:schemeClr val="tx1"/>
+              </a:solidFill>
+              <a:latin typeface="맑은 고딕" charset="0"/>
+              <a:ea typeface="맑은 고딕" charset="0"/>
+            </a:endParaRPr>
+          </a:p>
+        </p:txBody>
+      </p:sp>
+      <p:sp>
+        <p:nvSpPr>
+          <p:cNvPr id="40" name="텍스트 상자 5"/>
+          <p:cNvSpPr txBox="1">
+            <a:spLocks/>
+          </p:cNvSpPr>
+          <p:nvPr/>
+        </p:nvSpPr>
+        <p:spPr>
+          <a:xfrm rot="0">
+            <a:off x="1410335" y="5208905"/>
+            <a:ext cx="3960495" cy="954405"/>
+          </a:xfrm>
+          <a:prstGeom prst="rect"/>
+          <a:noFill/>
+          <a:ln w="0">
+            <a:noFill/>
+            <a:prstDash/>
+          </a:ln>
+        </p:spPr>
+        <p:txBody>
+          <a:bodyPr wrap="square" lIns="89535" tIns="46355" rIns="89535" bIns="46355" numCol="1" vert="horz" anchor="t">
+            <a:spAutoFit/>
+          </a:bodyPr>
+          <a:lstStyle/>
+          <a:p>
+            <a:pPr marL="0" indent="0" rtl="0" algn="l" defTabSz="914400" eaLnBrk="1" latinLnBrk="0" hangingPunct="1">
+              <a:buFontTx/>
+              <a:buNone/>
+            </a:pPr>
+            <a:r>
+              <a:rPr lang="ko-KR" sz="2000" b="1">
+                <a:solidFill>
+                  <a:srgbClr val="0611F2"/>
+                </a:solidFill>
+                <a:latin typeface="맑은 고딕" charset="0"/>
+                <a:ea typeface="맑은 고딕" charset="0"/>
+              </a:rPr>
+              <a:t>19</a:t>
+            </a:r>
+            <a:r>
+              <a:rPr sz="2000" b="1">
+                <a:solidFill>
+                  <a:srgbClr val="0611F2"/>
+                </a:solidFill>
+                <a:latin typeface="맑은 고딕" charset="0"/>
+                <a:ea typeface="맑은 고딕" charset="0"/>
+              </a:rPr>
+              <a:t>. </a:t>
+            </a:r>
+            <a:r>
+              <a:rPr lang="ko-KR" sz="1800">
+                <a:latin typeface="맑은 고딕" charset="0"/>
+                <a:ea typeface="맑은 고딕" charset="0"/>
+              </a:rPr>
+              <a:t>그런 다음 Sensor 스크립트에서 비디오 플레이어 컴포넌트를 가져오도록 설정합니다.</a:t>
+            </a:r>
+            <a:endParaRPr lang="ko-KR" altLang="en-US" sz="1800">
+              <a:latin typeface="맑은 고딕" charset="0"/>
+              <a:ea typeface="맑은 고딕" charset="0"/>
+            </a:endParaRPr>
+          </a:p>
+        </p:txBody>
+      </p:sp>
+      <p:pic>
+        <p:nvPicPr>
+          <p:cNvPr id="41" name="그림 12" descr="C:/Users/Admin1/AppData/Roaming/PolarisOffice/ETemp/12984_9424048/fImage1165618141.png"/>
+          <p:cNvPicPr>
+            <a:picLocks noChangeAspect="1"/>
+          </p:cNvPicPr>
+          <p:nvPr/>
+        </p:nvPicPr>
+        <p:blipFill rotWithShape="1">
+          <a:blip r:embed="rId2" cstate="print">
+            <a:extLst>
+              <a:ext uri="{28A0092B-C50C-407E-A947-70E740481C1C}">
+                <a14:useLocalDpi xmlns:a14="http://schemas.microsoft.com/office/drawing/2010/main" val="0"/>
+              </a:ext>
+            </a:extLst>
+          </a:blip>
+          <a:stretch>
+            <a:fillRect/>
+          </a:stretch>
+        </p:blipFill>
+        <p:spPr>
+          <a:xfrm rot="0">
+            <a:off x="1421130" y="1471295"/>
+            <a:ext cx="3957955" cy="3600450"/>
+          </a:xfrm>
+          <a:prstGeom prst="roundRect"/>
+          <a:solidFill>
+            <a:srgbClr val="EDEDED"/>
+          </a:solidFill>
         </p:spPr>
       </p:pic>
     </p:spTree>

--- a/Assets/Class/Collision/PPT Data/Collision Example.pptx
+++ b/Assets/Class/Collision/PPT Data/Collision Example.pptx
@@ -2,7 +2,7 @@
 <file path=ppt/presentation.xml><?xml version="1.0" encoding="utf-8"?>
 <p:presentation xmlns:a="http://schemas.openxmlformats.org/drawingml/2006/main" xmlns:r="http://schemas.openxmlformats.org/officeDocument/2006/relationships" xmlns:p="http://schemas.openxmlformats.org/presentationml/2006/main" xmlns:p14="http://schemas.microsoft.com/office/powerpoint/2010/main" saveSubsetFonts="1" firstSlideNum="0">
   <p:sldMasterIdLst>
-    <p:sldMasterId id="2147485343" r:id="rId12"/>
+    <p:sldMasterId id="2147485368" r:id="rId12"/>
   </p:sldMasterIdLst>
   <p:notesMasterIdLst>
     <p:notesMasterId r:id="rId14"/>
@@ -17,6 +17,10 @@
     <p:sldId id="280" r:id="rId22"/>
     <p:sldId id="282" r:id="rId23"/>
     <p:sldId id="284" r:id="rId24"/>
+    <p:sldId id="285" r:id="rId25"/>
+    <p:sldId id="286" r:id="rId26"/>
+    <p:sldId id="287" r:id="rId27"/>
+    <p:sldId id="288" r:id="rId28"/>
   </p:sldIdLst>
   <p:sldSz cx="12192000" cy="6858000"/>
   <p:notesSz cx="6858000" cy="9144000"/>
@@ -5993,6 +5997,2014 @@
 </p:sld>
 </file>
 
+<file path=ppt/slides/slide10.xml><?xml version="1.0" encoding="utf-8"?>
+<p:sld xmlns:a="http://schemas.openxmlformats.org/drawingml/2006/main" xmlns:r="http://schemas.openxmlformats.org/officeDocument/2006/relationships" xmlns:p="http://schemas.openxmlformats.org/presentationml/2006/main" xmlns:p14="http://schemas.microsoft.com/office/powerpoint/2010/main">
+  <p:cSld>
+    <p:spTree>
+      <p:nvGrpSpPr>
+        <p:cNvPr id="1" name=""/>
+        <p:cNvGrpSpPr/>
+        <p:nvPr/>
+      </p:nvGrpSpPr>
+      <p:grpSpPr>
+        <a:xfrm>
+          <a:off x="0" y="0"/>
+          <a:ext cx="0" cy="0"/>
+          <a:chOff x="0" y="0"/>
+          <a:chExt cx="0" cy="0"/>
+        </a:xfrm>
+      </p:grpSpPr>
+      <p:sp>
+        <p:nvSpPr>
+          <p:cNvPr id="2" name="Rect 0"/>
+          <p:cNvSpPr txBox="1">
+            <a:spLocks/>
+          </p:cNvSpPr>
+          <p:nvPr/>
+        </p:nvSpPr>
+        <p:spPr>
+          <a:xfrm rot="0">
+            <a:off x="4532630" y="402590"/>
+            <a:ext cx="3139440" cy="554990"/>
+          </a:xfrm>
+          <a:prstGeom prst="rect"/>
+          <a:noFill/>
+          <a:ln w="0">
+            <a:noFill/>
+            <a:prstDash/>
+          </a:ln>
+        </p:spPr>
+        <p:txBody>
+          <a:bodyPr wrap="square" lIns="89535" tIns="46355" rIns="89535" bIns="46355" numCol="1" vert="horz" anchor="t">
+            <a:spAutoFit/>
+          </a:bodyPr>
+          <a:lstStyle/>
+          <a:p>
+            <a:pPr marL="0" indent="0" rtl="0" algn="l" defTabSz="914400" eaLnBrk="1" latinLnBrk="0" hangingPunct="1">
+              <a:buFontTx/>
+              <a:buNone/>
+            </a:pPr>
+            <a:r>
+              <a:rPr lang="ko-KR" sz="3000" b="1">
+                <a:solidFill>
+                  <a:schemeClr val="tx1"/>
+                </a:solidFill>
+                <a:latin typeface="맑은 고딕" charset="0"/>
+                <a:ea typeface="맑은 고딕" charset="0"/>
+              </a:rPr>
+              <a:t>열</a:t>
+            </a:r>
+            <a:r>
+              <a:rPr lang="ko-KR" sz="3000" b="1">
+                <a:solidFill>
+                  <a:schemeClr val="tx1"/>
+                </a:solidFill>
+                <a:latin typeface="맑은 고딕" charset="0"/>
+                <a:ea typeface="맑은 고딕" charset="0"/>
+              </a:rPr>
+              <a:t> 번째 </a:t>
+            </a:r>
+            <a:r>
+              <a:rPr lang="ko-KR" sz="3000" b="1">
+                <a:solidFill>
+                  <a:schemeClr val="tx1"/>
+                </a:solidFill>
+                <a:latin typeface="맑은 고딕" charset="0"/>
+                <a:ea typeface="맑은 고딕" charset="0"/>
+              </a:rPr>
+              <a:t>튜토리얼</a:t>
+            </a:r>
+            <a:endParaRPr lang="ko-KR" altLang="en-US" sz="3000" b="1">
+              <a:solidFill>
+                <a:schemeClr val="tx1"/>
+              </a:solidFill>
+              <a:latin typeface="맑은 고딕" charset="0"/>
+              <a:ea typeface="맑은 고딕" charset="0"/>
+            </a:endParaRPr>
+          </a:p>
+        </p:txBody>
+      </p:sp>
+      <p:sp>
+        <p:nvSpPr>
+          <p:cNvPr id="40" name="Rect 0"/>
+          <p:cNvSpPr txBox="1">
+            <a:spLocks/>
+          </p:cNvSpPr>
+          <p:nvPr/>
+        </p:nvSpPr>
+        <p:spPr>
+          <a:xfrm rot="0">
+            <a:off x="1410335" y="2717800"/>
+            <a:ext cx="3970020" cy="954405"/>
+          </a:xfrm>
+          <a:prstGeom prst="rect"/>
+          <a:noFill/>
+          <a:ln w="0">
+            <a:noFill/>
+            <a:prstDash/>
+          </a:ln>
+        </p:spPr>
+        <p:txBody>
+          <a:bodyPr wrap="square" lIns="89535" tIns="46355" rIns="89535" bIns="46355" numCol="1" vert="horz" anchor="t">
+            <a:spAutoFit/>
+          </a:bodyPr>
+          <a:lstStyle/>
+          <a:p>
+            <a:pPr marL="0" indent="0" rtl="0" algn="l" defTabSz="914400" eaLnBrk="1" latinLnBrk="0" hangingPunct="1">
+              <a:buFontTx/>
+              <a:buNone/>
+            </a:pPr>
+            <a:r>
+              <a:rPr lang="ko-KR" sz="2000" b="1">
+                <a:solidFill>
+                  <a:srgbClr val="0611F2"/>
+                </a:solidFill>
+                <a:latin typeface="맑은 고딕" charset="0"/>
+                <a:ea typeface="맑은 고딕" charset="0"/>
+              </a:rPr>
+              <a:t>22</a:t>
+            </a:r>
+            <a:r>
+              <a:rPr sz="2000" b="1">
+                <a:solidFill>
+                  <a:srgbClr val="0611F2"/>
+                </a:solidFill>
+                <a:latin typeface="맑은 고딕" charset="0"/>
+                <a:ea typeface="맑은 고딕" charset="0"/>
+              </a:rPr>
+              <a:t>. </a:t>
+            </a:r>
+            <a:r>
+              <a:rPr lang="ko-KR" sz="1800">
+                <a:latin typeface="맑은 고딕" charset="0"/>
+                <a:ea typeface="맑은 고딕" charset="0"/>
+              </a:rPr>
+              <a:t>이제 Trigger의 충돌이 끝났을 때 비디오 플레이어를 정지한 다음 게임 오브젝트의 크기를 변경합니다.</a:t>
+            </a:r>
+            <a:endParaRPr lang="ko-KR" altLang="en-US" sz="1800">
+              <a:latin typeface="맑은 고딕" charset="0"/>
+              <a:ea typeface="맑은 고딕" charset="0"/>
+            </a:endParaRPr>
+          </a:p>
+        </p:txBody>
+      </p:sp>
+      <p:pic>
+        <p:nvPicPr>
+          <p:cNvPr id="47" name="그림 12"/>
+          <p:cNvPicPr>
+            <a:picLocks noChangeAspect="1"/>
+          </p:cNvPicPr>
+          <p:nvPr/>
+        </p:nvPicPr>
+        <p:blipFill rotWithShape="1">
+          <a:blip r:embed="rId2" cstate="print">
+            <a:extLst>
+              <a:ext uri="{28A0092B-C50C-407E-A947-70E740481C1C}">
+                <a14:useLocalDpi xmlns:a14="http://schemas.microsoft.com/office/drawing/2010/main" val="0"/>
+              </a:ext>
+            </a:extLst>
+          </a:blip>
+          <a:stretch>
+            <a:fillRect/>
+          </a:stretch>
+        </p:blipFill>
+        <p:spPr>
+          <a:xfrm rot="0">
+            <a:off x="1410970" y="1417320"/>
+            <a:ext cx="3969385" cy="1195070"/>
+          </a:xfrm>
+          <a:prstGeom prst="roundRect"/>
+          <a:solidFill>
+            <a:srgbClr val="EDEDED"/>
+          </a:solidFill>
+        </p:spPr>
+      </p:pic>
+      <p:pic>
+        <p:nvPicPr>
+          <p:cNvPr id="48" name="그림 15"/>
+          <p:cNvPicPr>
+            <a:picLocks noChangeAspect="1"/>
+          </p:cNvPicPr>
+          <p:nvPr/>
+        </p:nvPicPr>
+        <p:blipFill rotWithShape="1">
+          <a:blip r:embed="rId3" cstate="print">
+            <a:extLst>
+              <a:ext uri="{28A0092B-C50C-407E-A947-70E740481C1C}">
+                <a14:useLocalDpi xmlns:a14="http://schemas.microsoft.com/office/drawing/2010/main" val="0"/>
+              </a:ext>
+            </a:extLst>
+          </a:blip>
+          <a:stretch>
+            <a:fillRect/>
+          </a:stretch>
+        </p:blipFill>
+        <p:spPr>
+          <a:xfrm rot="0">
+            <a:off x="6815455" y="1419225"/>
+            <a:ext cx="4126230" cy="3891915"/>
+          </a:xfrm>
+          <a:prstGeom prst="roundRect"/>
+          <a:solidFill>
+            <a:srgbClr val="EDEDED"/>
+          </a:solidFill>
+        </p:spPr>
+      </p:pic>
+      <p:sp>
+        <p:nvSpPr>
+          <p:cNvPr id="49" name="텍스트 상자 16"/>
+          <p:cNvSpPr txBox="1">
+            <a:spLocks/>
+          </p:cNvSpPr>
+          <p:nvPr/>
+        </p:nvSpPr>
+        <p:spPr>
+          <a:xfrm rot="0">
+            <a:off x="6818630" y="5471160"/>
+            <a:ext cx="4131310" cy="677545"/>
+          </a:xfrm>
+          <a:prstGeom prst="rect"/>
+          <a:noFill/>
+          <a:ln w="0">
+            <a:noFill/>
+            <a:prstDash/>
+          </a:ln>
+        </p:spPr>
+        <p:txBody>
+          <a:bodyPr wrap="square" lIns="89535" tIns="46355" rIns="89535" bIns="46355" numCol="1" vert="horz" anchor="t">
+            <a:spAutoFit/>
+          </a:bodyPr>
+          <a:lstStyle/>
+          <a:p>
+            <a:pPr marL="0" indent="0" rtl="0" algn="l" defTabSz="914400" eaLnBrk="1" latinLnBrk="0" hangingPunct="1">
+              <a:buFontTx/>
+              <a:buNone/>
+            </a:pPr>
+            <a:r>
+              <a:rPr lang="ko-KR" sz="2000" b="1">
+                <a:solidFill>
+                  <a:srgbClr val="0611F2"/>
+                </a:solidFill>
+                <a:latin typeface="맑은 고딕" charset="0"/>
+                <a:ea typeface="맑은 고딕" charset="0"/>
+              </a:rPr>
+              <a:t>24</a:t>
+            </a:r>
+            <a:r>
+              <a:rPr sz="2000" b="1">
+                <a:solidFill>
+                  <a:srgbClr val="0611F2"/>
+                </a:solidFill>
+                <a:latin typeface="맑은 고딕" charset="0"/>
+                <a:ea typeface="맑은 고딕" charset="0"/>
+              </a:rPr>
+              <a:t>. </a:t>
+            </a:r>
+            <a:r>
+              <a:rPr lang="ko-KR" sz="1800">
+                <a:latin typeface="맑은 고딕" charset="0"/>
+                <a:ea typeface="맑은 고딕" charset="0"/>
+              </a:rPr>
+              <a:t>마지막으로 Video Player의 Play On Awake를 비활성화합니다.</a:t>
+            </a:r>
+            <a:endParaRPr lang="ko-KR" altLang="en-US" sz="1800">
+              <a:latin typeface="맑은 고딕" charset="0"/>
+              <a:ea typeface="맑은 고딕" charset="0"/>
+            </a:endParaRPr>
+          </a:p>
+        </p:txBody>
+      </p:sp>
+      <p:pic>
+        <p:nvPicPr>
+          <p:cNvPr id="50" name="그림 19" descr="C:/Users/Admin1/AppData/Roaming/PolarisOffice/ETemp/20588_21813216/fImage106411939169.png"/>
+          <p:cNvPicPr>
+            <a:picLocks noChangeAspect="1"/>
+          </p:cNvPicPr>
+          <p:nvPr/>
+        </p:nvPicPr>
+        <p:blipFill rotWithShape="1">
+          <a:blip r:embed="rId4" cstate="hqprint">
+            <a:extLst>
+              <a:ext uri="{28A0092B-C50C-407E-A947-70E740481C1C}">
+                <a14:useLocalDpi xmlns:a14="http://schemas.microsoft.com/office/drawing/2010/main"/>
+              </a:ext>
+            </a:extLst>
+          </a:blip>
+          <a:stretch>
+            <a:fillRect/>
+          </a:stretch>
+        </p:blipFill>
+        <p:spPr>
+          <a:xfrm rot="0">
+            <a:off x="1419225" y="3831590"/>
+            <a:ext cx="3961765" cy="1515110"/>
+          </a:xfrm>
+          <a:prstGeom prst="roundRect"/>
+          <a:solidFill>
+            <a:srgbClr val="EDEDED"/>
+          </a:solidFill>
+        </p:spPr>
+      </p:pic>
+      <p:sp>
+        <p:nvSpPr>
+          <p:cNvPr id="51" name="텍스트 상자 23"/>
+          <p:cNvSpPr txBox="1">
+            <a:spLocks/>
+          </p:cNvSpPr>
+          <p:nvPr/>
+        </p:nvSpPr>
+        <p:spPr>
+          <a:xfrm rot="0">
+            <a:off x="1412875" y="5479415"/>
+            <a:ext cx="3967480" cy="677545"/>
+          </a:xfrm>
+          <a:prstGeom prst="rect"/>
+          <a:noFill/>
+          <a:ln w="0">
+            <a:noFill/>
+            <a:prstDash/>
+          </a:ln>
+        </p:spPr>
+        <p:txBody>
+          <a:bodyPr wrap="square" lIns="89535" tIns="46355" rIns="89535" bIns="46355" numCol="1" vert="horz" anchor="t">
+            <a:spAutoFit/>
+          </a:bodyPr>
+          <a:lstStyle/>
+          <a:p>
+            <a:pPr marL="0" indent="0" rtl="0" algn="l" defTabSz="914400" eaLnBrk="1" latinLnBrk="0" hangingPunct="1">
+              <a:buFontTx/>
+              <a:buNone/>
+            </a:pPr>
+            <a:r>
+              <a:rPr lang="ko-KR" sz="2000" b="1">
+                <a:solidFill>
+                  <a:srgbClr val="0611F2"/>
+                </a:solidFill>
+                <a:latin typeface="맑은 고딕" charset="0"/>
+                <a:ea typeface="맑은 고딕" charset="0"/>
+              </a:rPr>
+              <a:t>23</a:t>
+            </a:r>
+            <a:r>
+              <a:rPr sz="2000" b="1">
+                <a:solidFill>
+                  <a:srgbClr val="0611F2"/>
+                </a:solidFill>
+                <a:latin typeface="맑은 고딕" charset="0"/>
+                <a:ea typeface="맑은 고딕" charset="0"/>
+              </a:rPr>
+              <a:t>. </a:t>
+            </a:r>
+            <a:r>
+              <a:rPr lang="ko-KR" sz="1800">
+                <a:latin typeface="맑은 고딕" charset="0"/>
+                <a:ea typeface="맑은 고딕" charset="0"/>
+              </a:rPr>
+              <a:t>그런 다음 Obstacle 오브젝트를 선택하고 위치를 다시 설정합니다.</a:t>
+            </a:r>
+            <a:endParaRPr lang="ko-KR" altLang="en-US" sz="1800">
+              <a:latin typeface="맑은 고딕" charset="0"/>
+              <a:ea typeface="맑은 고딕" charset="0"/>
+            </a:endParaRPr>
+          </a:p>
+        </p:txBody>
+      </p:sp>
+    </p:spTree>
+  </p:cSld>
+  <p:clrMapOvr>
+    <a:masterClrMapping/>
+  </p:clrMapOvr>
+  <mc:AlternateContent xmlns:mc="http://schemas.openxmlformats.org/markup-compatibility/2006">
+    <mc:Choice xmlns:p14="http://schemas.microsoft.com/office/powerpoint/2010/main" Requires="p14">
+      <p:transition spd="slow" p14:dur="1000"/>
+    </mc:Choice>
+    <mc:Fallback>
+      <p:transition spd="slow"/>
+    </mc:Fallback>
+  </mc:AlternateContent>
+  <p:timing>
+    <p:tnLst>
+      <p:par>
+        <p:cTn id="1" dur="indefinite" restart="never" nodeType="tmRoot"/>
+      </p:par>
+    </p:tnLst>
+  </p:timing>
+</p:sld>
+</file>
+
+<file path=ppt/slides/slide11.xml><?xml version="1.0" encoding="utf-8"?>
+<p:sld xmlns:a="http://schemas.openxmlformats.org/drawingml/2006/main" xmlns:r="http://schemas.openxmlformats.org/officeDocument/2006/relationships" xmlns:p="http://schemas.openxmlformats.org/presentationml/2006/main">
+  <p:cSld>
+    <p:spTree>
+      <p:nvGrpSpPr>
+        <p:cNvPr id="1" name=""/>
+        <p:cNvGrpSpPr/>
+        <p:nvPr/>
+      </p:nvGrpSpPr>
+      <p:grpSpPr>
+        <a:xfrm>
+          <a:off x="0" y="0"/>
+          <a:ext cx="0" cy="0"/>
+          <a:chOff x="0" y="0"/>
+          <a:chExt cx="0" cy="0"/>
+        </a:xfrm>
+      </p:grpSpPr>
+      <p:sp>
+        <p:nvSpPr>
+          <p:cNvPr id="2" name="Rect 0"/>
+          <p:cNvSpPr txBox="1">
+            <a:spLocks/>
+          </p:cNvSpPr>
+          <p:nvPr/>
+        </p:nvSpPr>
+        <p:spPr>
+          <a:xfrm rot="0">
+            <a:off x="4333240" y="393700"/>
+            <a:ext cx="3529965" cy="554990"/>
+          </a:xfrm>
+          <a:prstGeom prst="rect"/>
+          <a:noFill/>
+          <a:ln w="0">
+            <a:noFill/>
+            <a:prstDash/>
+          </a:ln>
+        </p:spPr>
+        <p:txBody>
+          <a:bodyPr wrap="square" lIns="89535" tIns="46355" rIns="89535" bIns="46355" numCol="1" vert="horz" anchor="t">
+            <a:spAutoFit/>
+          </a:bodyPr>
+          <a:lstStyle/>
+          <a:p>
+            <a:pPr marL="0" indent="0" rtl="0" algn="l" defTabSz="914400" eaLnBrk="1" latinLnBrk="0" hangingPunct="1">
+              <a:buFontTx/>
+              <a:buNone/>
+            </a:pPr>
+            <a:r>
+              <a:rPr lang="ko-KR" sz="3000" b="1">
+                <a:solidFill>
+                  <a:schemeClr val="tx1"/>
+                </a:solidFill>
+                <a:latin typeface="맑은 고딕" charset="0"/>
+                <a:ea typeface="맑은 고딕" charset="0"/>
+              </a:rPr>
+              <a:t>열</a:t>
+            </a:r>
+            <a:r>
+              <a:rPr lang="ko-KR" sz="3000" b="1">
+                <a:solidFill>
+                  <a:schemeClr val="tx1"/>
+                </a:solidFill>
+                <a:latin typeface="맑은 고딕" charset="0"/>
+                <a:ea typeface="맑은 고딕" charset="0"/>
+              </a:rPr>
+              <a:t>한</a:t>
+            </a:r>
+            <a:r>
+              <a:rPr lang="ko-KR" sz="3000" b="1">
+                <a:solidFill>
+                  <a:schemeClr val="tx1"/>
+                </a:solidFill>
+                <a:latin typeface="맑은 고딕" charset="0"/>
+                <a:ea typeface="맑은 고딕" charset="0"/>
+              </a:rPr>
+              <a:t> 번째 튜토리얼</a:t>
+            </a:r>
+            <a:endParaRPr lang="ko-KR" altLang="en-US" sz="3000" b="1">
+              <a:solidFill>
+                <a:schemeClr val="tx1"/>
+              </a:solidFill>
+              <a:latin typeface="맑은 고딕" charset="0"/>
+              <a:ea typeface="맑은 고딕" charset="0"/>
+            </a:endParaRPr>
+          </a:p>
+        </p:txBody>
+      </p:sp>
+      <p:sp>
+        <p:nvSpPr>
+          <p:cNvPr id="40" name="Rect 0"/>
+          <p:cNvSpPr txBox="1">
+            <a:spLocks/>
+          </p:cNvSpPr>
+          <p:nvPr/>
+        </p:nvSpPr>
+        <p:spPr>
+          <a:xfrm rot="0">
+            <a:off x="1410335" y="2700655"/>
+            <a:ext cx="3970655" cy="954405"/>
+          </a:xfrm>
+          <a:prstGeom prst="rect"/>
+          <a:noFill/>
+          <a:ln w="0">
+            <a:noFill/>
+            <a:prstDash/>
+          </a:ln>
+        </p:spPr>
+        <p:txBody>
+          <a:bodyPr wrap="square" lIns="89535" tIns="46355" rIns="89535" bIns="46355" numCol="1" vert="horz" anchor="t">
+            <a:spAutoFit/>
+          </a:bodyPr>
+          <a:lstStyle/>
+          <a:p>
+            <a:pPr marL="0" indent="0" rtl="0" algn="l" defTabSz="914400" eaLnBrk="1" latinLnBrk="0" hangingPunct="1">
+              <a:buFontTx/>
+              <a:buNone/>
+            </a:pPr>
+            <a:r>
+              <a:rPr lang="ko-KR" sz="2000" b="1">
+                <a:solidFill>
+                  <a:srgbClr val="0611F2"/>
+                </a:solidFill>
+                <a:latin typeface="맑은 고딕" charset="0"/>
+                <a:ea typeface="맑은 고딕" charset="0"/>
+              </a:rPr>
+              <a:t>2</a:t>
+            </a:r>
+            <a:r>
+              <a:rPr lang="ko-KR" sz="2000" b="1">
+                <a:solidFill>
+                  <a:srgbClr val="0611F2"/>
+                </a:solidFill>
+                <a:latin typeface="맑은 고딕" charset="0"/>
+                <a:ea typeface="맑은 고딕" charset="0"/>
+              </a:rPr>
+              <a:t>5</a:t>
+            </a:r>
+            <a:r>
+              <a:rPr sz="2000" b="1">
+                <a:solidFill>
+                  <a:srgbClr val="0611F2"/>
+                </a:solidFill>
+                <a:latin typeface="맑은 고딕" charset="0"/>
+                <a:ea typeface="맑은 고딕" charset="0"/>
+              </a:rPr>
+              <a:t>. </a:t>
+            </a:r>
+            <a:r>
+              <a:rPr lang="ko-KR" sz="1800">
+                <a:latin typeface="맑은 고딕" charset="0"/>
+                <a:ea typeface="맑은 고딕" charset="0"/>
+              </a:rPr>
+              <a:t>그다음 Obstacle 오브젝트의 Box Collider에 있는 Is Trigger를 활성화합니다.</a:t>
+            </a:r>
+            <a:endParaRPr lang="ko-KR" altLang="en-US" sz="1800">
+              <a:latin typeface="맑은 고딕" charset="0"/>
+              <a:ea typeface="맑은 고딕" charset="0"/>
+            </a:endParaRPr>
+          </a:p>
+        </p:txBody>
+      </p:sp>
+      <p:sp>
+        <p:nvSpPr>
+          <p:cNvPr id="49" name="Rect 0"/>
+          <p:cNvSpPr txBox="1">
+            <a:spLocks/>
+          </p:cNvSpPr>
+          <p:nvPr/>
+        </p:nvSpPr>
+        <p:spPr>
+          <a:xfrm rot="0">
+            <a:off x="6818630" y="5471160"/>
+            <a:ext cx="4127500" cy="677545"/>
+          </a:xfrm>
+          <a:prstGeom prst="rect"/>
+          <a:noFill/>
+          <a:ln w="0">
+            <a:noFill/>
+            <a:prstDash/>
+          </a:ln>
+        </p:spPr>
+        <p:txBody>
+          <a:bodyPr wrap="square" lIns="89535" tIns="46355" rIns="89535" bIns="46355" numCol="1" vert="horz" anchor="t">
+            <a:spAutoFit/>
+          </a:bodyPr>
+          <a:lstStyle/>
+          <a:p>
+            <a:pPr marL="0" indent="0" rtl="0" algn="l" defTabSz="914400" eaLnBrk="1" latinLnBrk="0" hangingPunct="1">
+              <a:buFontTx/>
+              <a:buNone/>
+            </a:pPr>
+            <a:r>
+              <a:rPr lang="ko-KR" sz="2000" b="1">
+                <a:solidFill>
+                  <a:srgbClr val="0611F2"/>
+                </a:solidFill>
+                <a:latin typeface="맑은 고딕" charset="0"/>
+                <a:ea typeface="맑은 고딕" charset="0"/>
+              </a:rPr>
+              <a:t>2</a:t>
+            </a:r>
+            <a:r>
+              <a:rPr lang="ko-KR" sz="2000" b="1">
+                <a:solidFill>
+                  <a:srgbClr val="0611F2"/>
+                </a:solidFill>
+                <a:latin typeface="맑은 고딕" charset="0"/>
+                <a:ea typeface="맑은 고딕" charset="0"/>
+              </a:rPr>
+              <a:t>7</a:t>
+            </a:r>
+            <a:r>
+              <a:rPr sz="2000" b="1">
+                <a:solidFill>
+                  <a:srgbClr val="0611F2"/>
+                </a:solidFill>
+                <a:latin typeface="맑은 고딕" charset="0"/>
+                <a:ea typeface="맑은 고딕" charset="0"/>
+              </a:rPr>
+              <a:t>. </a:t>
+            </a:r>
+            <a:r>
+              <a:rPr lang="ko-KR" sz="1800">
+                <a:latin typeface="맑은 고딕" charset="0"/>
+                <a:ea typeface="맑은 고딕" charset="0"/>
+              </a:rPr>
+              <a:t>그리고 Project 폴더에서 Physic Material을 생성합니다.</a:t>
+            </a:r>
+            <a:endParaRPr lang="ko-KR" altLang="en-US" sz="1800">
+              <a:latin typeface="맑은 고딕" charset="0"/>
+              <a:ea typeface="맑은 고딕" charset="0"/>
+            </a:endParaRPr>
+          </a:p>
+        </p:txBody>
+      </p:sp>
+      <p:sp>
+        <p:nvSpPr>
+          <p:cNvPr id="51" name="Rect 0"/>
+          <p:cNvSpPr txBox="1">
+            <a:spLocks/>
+          </p:cNvSpPr>
+          <p:nvPr/>
+        </p:nvSpPr>
+        <p:spPr>
+          <a:xfrm rot="0">
+            <a:off x="1412875" y="4925695"/>
+            <a:ext cx="3968115" cy="1231265"/>
+          </a:xfrm>
+          <a:prstGeom prst="rect"/>
+          <a:noFill/>
+          <a:ln w="0">
+            <a:noFill/>
+            <a:prstDash/>
+          </a:ln>
+        </p:spPr>
+        <p:txBody>
+          <a:bodyPr wrap="square" lIns="89535" tIns="46355" rIns="89535" bIns="46355" numCol="1" vert="horz" anchor="t">
+            <a:spAutoFit/>
+          </a:bodyPr>
+          <a:lstStyle/>
+          <a:p>
+            <a:pPr marL="0" indent="0" rtl="0" algn="l" defTabSz="914400" eaLnBrk="1" latinLnBrk="0" hangingPunct="1">
+              <a:buFontTx/>
+              <a:buNone/>
+            </a:pPr>
+            <a:r>
+              <a:rPr lang="ko-KR" sz="2000" b="1">
+                <a:solidFill>
+                  <a:srgbClr val="0611F2"/>
+                </a:solidFill>
+                <a:latin typeface="맑은 고딕" charset="0"/>
+                <a:ea typeface="맑은 고딕" charset="0"/>
+              </a:rPr>
+              <a:t>2</a:t>
+            </a:r>
+            <a:r>
+              <a:rPr lang="ko-KR" sz="2000" b="1">
+                <a:solidFill>
+                  <a:srgbClr val="0611F2"/>
+                </a:solidFill>
+                <a:latin typeface="맑은 고딕" charset="0"/>
+                <a:ea typeface="맑은 고딕" charset="0"/>
+              </a:rPr>
+              <a:t>6</a:t>
+            </a:r>
+            <a:r>
+              <a:rPr sz="2000" b="1">
+                <a:solidFill>
+                  <a:srgbClr val="0611F2"/>
+                </a:solidFill>
+                <a:latin typeface="맑은 고딕" charset="0"/>
+                <a:ea typeface="맑은 고딕" charset="0"/>
+              </a:rPr>
+              <a:t>. </a:t>
+            </a:r>
+            <a:r>
+              <a:rPr lang="ko-KR" sz="1800">
+                <a:latin typeface="맑은 고딕" charset="0"/>
+                <a:ea typeface="맑은 고딕" charset="0"/>
+              </a:rPr>
+              <a:t>그런 다음</a:t>
+            </a:r>
+            <a:r>
+              <a:rPr lang="ko-KR" sz="1800">
+                <a:latin typeface="맑은 고딕" charset="0"/>
+                <a:ea typeface="맑은 고딕" charset="0"/>
+              </a:rPr>
+              <a:t> </a:t>
+            </a:r>
+            <a:r>
+              <a:rPr lang="ko-KR" sz="1800">
+                <a:latin typeface="맑은 고딕" charset="0"/>
+                <a:ea typeface="맑은 고딕" charset="0"/>
+              </a:rPr>
+              <a:t>Project 폴더에 있는 Texture 폴더에 Steel 텍스처를 선택하고 Character오브젝트에 넣어줍니다.</a:t>
+            </a:r>
+            <a:endParaRPr lang="ko-KR" altLang="en-US" sz="1800">
+              <a:latin typeface="맑은 고딕" charset="0"/>
+              <a:ea typeface="맑은 고딕" charset="0"/>
+            </a:endParaRPr>
+          </a:p>
+        </p:txBody>
+      </p:sp>
+      <p:pic>
+        <p:nvPicPr>
+          <p:cNvPr id="52" name="그림 1" descr="C:/Users/Admin1/AppData/Roaming/PolarisOffice/ETemp/20588_21813216/fImage933419641.png"/>
+          <p:cNvPicPr>
+            <a:picLocks noChangeAspect="1"/>
+          </p:cNvPicPr>
+          <p:nvPr/>
+        </p:nvPicPr>
+        <p:blipFill rotWithShape="1">
+          <a:blip r:embed="rId2" cstate="print">
+            <a:extLst>
+              <a:ext uri="{28A0092B-C50C-407E-A947-70E740481C1C}">
+                <a14:useLocalDpi xmlns:a14="http://schemas.microsoft.com/office/drawing/2010/main" val="0"/>
+              </a:ext>
+            </a:extLst>
+          </a:blip>
+          <a:stretch>
+            <a:fillRect/>
+          </a:stretch>
+        </p:blipFill>
+        <p:spPr>
+          <a:xfrm rot="0">
+            <a:off x="1406525" y="1409700"/>
+            <a:ext cx="3973830" cy="1168400"/>
+          </a:xfrm>
+          <a:prstGeom prst="roundRect"/>
+          <a:solidFill>
+            <a:srgbClr val="EDEDED"/>
+          </a:solidFill>
+        </p:spPr>
+      </p:pic>
+      <p:pic>
+        <p:nvPicPr>
+          <p:cNvPr id="53" name="그림 4" descr="C:/Users/Admin1/AppData/Roaming/PolarisOffice/ETemp/20588_21813216/fImage232751978467.png"/>
+          <p:cNvPicPr>
+            <a:picLocks noChangeAspect="1"/>
+          </p:cNvPicPr>
+          <p:nvPr/>
+        </p:nvPicPr>
+        <p:blipFill rotWithShape="1">
+          <a:blip r:embed="rId3" cstate="print">
+            <a:extLst>
+              <a:ext uri="{28A0092B-C50C-407E-A947-70E740481C1C}">
+                <a14:useLocalDpi xmlns:a14="http://schemas.microsoft.com/office/drawing/2010/main" val="0"/>
+              </a:ext>
+            </a:extLst>
+          </a:blip>
+          <a:stretch>
+            <a:fillRect/>
+          </a:stretch>
+        </p:blipFill>
+        <p:spPr>
+          <a:xfrm rot="0">
+            <a:off x="2707005" y="3787775"/>
+            <a:ext cx="2681605" cy="1064895"/>
+          </a:xfrm>
+          <a:prstGeom prst="roundRect"/>
+          <a:solidFill>
+            <a:srgbClr val="EDEDED"/>
+          </a:solidFill>
+        </p:spPr>
+      </p:pic>
+      <p:pic>
+        <p:nvPicPr>
+          <p:cNvPr id="54" name="그림 7" descr="C:/Users/Admin1/AppData/Roaming/PolarisOffice/ETemp/20588_21813216/fImage53591986334.png"/>
+          <p:cNvPicPr>
+            <a:picLocks noChangeAspect="1"/>
+          </p:cNvPicPr>
+          <p:nvPr/>
+        </p:nvPicPr>
+        <p:blipFill rotWithShape="1">
+          <a:blip r:embed="rId4" cstate="print">
+            <a:extLst>
+              <a:ext uri="{28A0092B-C50C-407E-A947-70E740481C1C}">
+                <a14:useLocalDpi xmlns:a14="http://schemas.microsoft.com/office/drawing/2010/main" val="0"/>
+              </a:ext>
+            </a:extLst>
+          </a:blip>
+          <a:stretch>
+            <a:fillRect/>
+          </a:stretch>
+        </p:blipFill>
+        <p:spPr>
+          <a:xfrm rot="0">
+            <a:off x="1407795" y="3774440"/>
+            <a:ext cx="1127125" cy="1068070"/>
+          </a:xfrm>
+          <a:prstGeom prst="roundRect"/>
+          <a:solidFill>
+            <a:srgbClr val="EDEDED"/>
+          </a:solidFill>
+        </p:spPr>
+      </p:pic>
+      <p:cxnSp>
+        <p:nvCxnSpPr>
+          <p:cNvPr id="55" name="도형 10"/>
+          <p:cNvCxnSpPr/>
+          <p:nvPr/>
+        </p:nvCxnSpPr>
+        <p:spPr>
+          <a:xfrm rot="0" flipH="1">
+            <a:off x="2198370" y="4367530"/>
+            <a:ext cx="1538605" cy="3175"/>
+          </a:xfrm>
+          <a:prstGeom prst="straightConnector1"/>
+          <a:ln w="6350" cap="flat" cmpd="sng">
+            <a:prstDash/>
+            <a:headEnd type="none" w="med" len="med"/>
+            <a:tailEnd type="triangle" w="med" len="med"/>
+          </a:ln>
+        </p:spPr>
+        <p:style>
+          <a:lnRef idx="1">
+            <a:schemeClr val="accent1"/>
+          </a:lnRef>
+          <a:fillRef idx="0">
+            <a:schemeClr val="accent1"/>
+          </a:fillRef>
+          <a:effectRef idx="0">
+            <a:schemeClr val="accent1"/>
+          </a:effectRef>
+          <a:fontRef idx="minor">
+            <a:schemeClr val="tx1"/>
+          </a:fontRef>
+        </p:style>
+      </p:cxnSp>
+      <p:pic>
+        <p:nvPicPr>
+          <p:cNvPr id="56" name="그림 11" descr="C:/Users/Admin1/AppData/Roaming/PolarisOffice/ETemp/20588_21813216/fImage415872006500.png"/>
+          <p:cNvPicPr>
+            <a:picLocks noChangeAspect="1"/>
+          </p:cNvPicPr>
+          <p:nvPr/>
+        </p:nvPicPr>
+        <p:blipFill rotWithShape="1">
+          <a:blip r:embed="rId5" cstate="print">
+            <a:extLst>
+              <a:ext uri="{28A0092B-C50C-407E-A947-70E740481C1C}">
+                <a14:useLocalDpi xmlns:a14="http://schemas.microsoft.com/office/drawing/2010/main" val="0"/>
+              </a:ext>
+            </a:extLst>
+          </a:blip>
+          <a:stretch>
+            <a:fillRect/>
+          </a:stretch>
+        </p:blipFill>
+        <p:spPr>
+          <a:xfrm rot="0">
+            <a:off x="6817995" y="1413510"/>
+            <a:ext cx="4126865" cy="3921125"/>
+          </a:xfrm>
+          <a:prstGeom prst="rect"/>
+          <a:noFill/>
+        </p:spPr>
+      </p:pic>
+    </p:spTree>
+  </p:cSld>
+  <p:clrMapOvr>
+    <a:masterClrMapping/>
+  </p:clrMapOvr>
+  <mc:AlternateContent xmlns:mc="http://schemas.openxmlformats.org/markup-compatibility/2006">
+    <mc:Choice xmlns:p14="http://schemas.microsoft.com/office/powerpoint/2010/main" Requires="p14">
+      <p:transition spd="slow" p14:dur="1000"/>
+    </mc:Choice>
+    <mc:Fallback>
+      <p:transition spd="slow"/>
+    </mc:Fallback>
+  </mc:AlternateContent>
+  <p:timing>
+    <p:tnLst>
+      <p:par>
+        <p:cTn id="1" dur="indefinite" restart="never" nodeType="tmRoot"/>
+      </p:par>
+    </p:tnLst>
+  </p:timing>
+</p:sld>
+</file>
+
+<file path=ppt/slides/slide12.xml><?xml version="1.0" encoding="utf-8"?>
+<p:sld xmlns:a="http://schemas.openxmlformats.org/drawingml/2006/main" xmlns:r="http://schemas.openxmlformats.org/officeDocument/2006/relationships" xmlns:p="http://schemas.openxmlformats.org/presentationml/2006/main">
+  <p:cSld>
+    <p:spTree>
+      <p:nvGrpSpPr>
+        <p:cNvPr id="1" name=""/>
+        <p:cNvGrpSpPr/>
+        <p:nvPr/>
+      </p:nvGrpSpPr>
+      <p:grpSpPr>
+        <a:xfrm>
+          <a:off x="0" y="0"/>
+          <a:ext cx="0" cy="0"/>
+          <a:chOff x="0" y="0"/>
+          <a:chExt cx="0" cy="0"/>
+        </a:xfrm>
+      </p:grpSpPr>
+      <p:sp>
+        <p:nvSpPr>
+          <p:cNvPr id="2" name="Rect 0"/>
+          <p:cNvSpPr txBox="1">
+            <a:spLocks/>
+          </p:cNvSpPr>
+          <p:nvPr/>
+        </p:nvSpPr>
+        <p:spPr>
+          <a:xfrm rot="0">
+            <a:off x="4333240" y="393700"/>
+            <a:ext cx="3529965" cy="554990"/>
+          </a:xfrm>
+          <a:prstGeom prst="rect"/>
+          <a:noFill/>
+          <a:ln w="0">
+            <a:noFill/>
+            <a:prstDash/>
+          </a:ln>
+        </p:spPr>
+        <p:txBody>
+          <a:bodyPr wrap="square" lIns="89535" tIns="46355" rIns="89535" bIns="46355" numCol="1" vert="horz" anchor="t">
+            <a:spAutoFit/>
+          </a:bodyPr>
+          <a:lstStyle/>
+          <a:p>
+            <a:pPr marL="0" indent="0" rtl="0" algn="l" defTabSz="914400" eaLnBrk="1" latinLnBrk="0" hangingPunct="1">
+              <a:buFontTx/>
+              <a:buNone/>
+            </a:pPr>
+            <a:r>
+              <a:rPr lang="ko-KR" sz="3000" b="1">
+                <a:solidFill>
+                  <a:schemeClr val="tx1"/>
+                </a:solidFill>
+                <a:latin typeface="맑은 고딕" charset="0"/>
+                <a:ea typeface="맑은 고딕" charset="0"/>
+              </a:rPr>
+              <a:t>열</a:t>
+            </a:r>
+            <a:r>
+              <a:rPr lang="ko-KR" sz="3000" b="1">
+                <a:solidFill>
+                  <a:schemeClr val="tx1"/>
+                </a:solidFill>
+                <a:latin typeface="맑은 고딕" charset="0"/>
+                <a:ea typeface="맑은 고딕" charset="0"/>
+              </a:rPr>
+              <a:t>두</a:t>
+            </a:r>
+            <a:r>
+              <a:rPr lang="ko-KR" sz="3000" b="1">
+                <a:solidFill>
+                  <a:schemeClr val="tx1"/>
+                </a:solidFill>
+                <a:latin typeface="맑은 고딕" charset="0"/>
+                <a:ea typeface="맑은 고딕" charset="0"/>
+              </a:rPr>
+              <a:t> 번째 튜토리얼</a:t>
+            </a:r>
+            <a:endParaRPr lang="ko-KR" altLang="en-US" sz="3000" b="1">
+              <a:solidFill>
+                <a:schemeClr val="tx1"/>
+              </a:solidFill>
+              <a:latin typeface="맑은 고딕" charset="0"/>
+              <a:ea typeface="맑은 고딕" charset="0"/>
+            </a:endParaRPr>
+          </a:p>
+        </p:txBody>
+      </p:sp>
+      <p:sp>
+        <p:nvSpPr>
+          <p:cNvPr id="51" name="Rect 0"/>
+          <p:cNvSpPr txBox="1">
+            <a:spLocks/>
+          </p:cNvSpPr>
+          <p:nvPr/>
+        </p:nvSpPr>
+        <p:spPr>
+          <a:xfrm rot="0">
+            <a:off x="1421765" y="4639945"/>
+            <a:ext cx="3968115" cy="1508125"/>
+          </a:xfrm>
+          <a:prstGeom prst="rect"/>
+          <a:noFill/>
+          <a:ln w="0">
+            <a:noFill/>
+            <a:prstDash/>
+          </a:ln>
+        </p:spPr>
+        <p:txBody>
+          <a:bodyPr wrap="square" lIns="89535" tIns="46355" rIns="89535" bIns="46355" numCol="1" vert="horz" anchor="t">
+            <a:spAutoFit/>
+          </a:bodyPr>
+          <a:lstStyle/>
+          <a:p>
+            <a:pPr marL="0" indent="0" rtl="0" algn="l" defTabSz="914400" eaLnBrk="1" latinLnBrk="0" hangingPunct="1">
+              <a:buFontTx/>
+              <a:buNone/>
+            </a:pPr>
+            <a:r>
+              <a:rPr lang="ko-KR" sz="2000" b="1">
+                <a:solidFill>
+                  <a:srgbClr val="0611F2"/>
+                </a:solidFill>
+                <a:latin typeface="맑은 고딕" charset="0"/>
+                <a:ea typeface="맑은 고딕" charset="0"/>
+              </a:rPr>
+              <a:t>2</a:t>
+            </a:r>
+            <a:r>
+              <a:rPr lang="ko-KR" sz="2000" b="1">
+                <a:solidFill>
+                  <a:srgbClr val="0611F2"/>
+                </a:solidFill>
+                <a:latin typeface="맑은 고딕" charset="0"/>
+                <a:ea typeface="맑은 고딕" charset="0"/>
+              </a:rPr>
+              <a:t>8</a:t>
+            </a:r>
+            <a:r>
+              <a:rPr sz="2000" b="1">
+                <a:solidFill>
+                  <a:srgbClr val="0611F2"/>
+                </a:solidFill>
+                <a:latin typeface="맑은 고딕" charset="0"/>
+                <a:ea typeface="맑은 고딕" charset="0"/>
+              </a:rPr>
+              <a:t>. </a:t>
+            </a:r>
+            <a:r>
+              <a:rPr lang="ko-KR" sz="1800">
+                <a:latin typeface="맑은 고딕" charset="0"/>
+                <a:ea typeface="맑은 고딕" charset="0"/>
+              </a:rPr>
+              <a:t>이제 3D Object를 선택하고 Sphere를 생성합니다.</a:t>
+            </a:r>
+            <a:endParaRPr lang="ko-KR" altLang="en-US" sz="1800">
+              <a:latin typeface="맑은 고딕" charset="0"/>
+              <a:ea typeface="맑은 고딕" charset="0"/>
+            </a:endParaRPr>
+          </a:p>
+          <a:p>
+            <a:pPr marL="0" indent="0" rtl="0" algn="l" defTabSz="914400" eaLnBrk="1" latinLnBrk="0" hangingPunct="1">
+              <a:buFontTx/>
+              <a:buNone/>
+            </a:pPr>
+            <a:endParaRPr lang="ko-KR" altLang="en-US" sz="1800">
+              <a:latin typeface="맑은 고딕" charset="0"/>
+              <a:ea typeface="맑은 고딕" charset="0"/>
+            </a:endParaRPr>
+          </a:p>
+          <a:p>
+            <a:pPr marL="0" indent="0" rtl="0" algn="l" defTabSz="914400" eaLnBrk="1" latinLnBrk="0" hangingPunct="1">
+              <a:buFontTx/>
+              <a:buNone/>
+            </a:pPr>
+            <a:r>
+              <a:rPr lang="ko-KR" sz="1800">
+                <a:latin typeface="맑은 고딕" charset="0"/>
+                <a:ea typeface="맑은 고딕" charset="0"/>
+              </a:rPr>
+              <a:t>그리고 Billiard Ball 이라는 이름으로 정의합니다.</a:t>
+            </a:r>
+            <a:endParaRPr lang="ko-KR" altLang="en-US" sz="1800">
+              <a:latin typeface="맑은 고딕" charset="0"/>
+              <a:ea typeface="맑은 고딕" charset="0"/>
+            </a:endParaRPr>
+          </a:p>
+        </p:txBody>
+      </p:sp>
+      <p:pic>
+        <p:nvPicPr>
+          <p:cNvPr id="57" name="그림 14" descr="C:/Users/Admin1/AppData/Roaming/PolarisOffice/ETemp/20588_21813216/fImage148302109169.png"/>
+          <p:cNvPicPr>
+            <a:picLocks noChangeAspect="1"/>
+          </p:cNvPicPr>
+          <p:nvPr/>
+        </p:nvPicPr>
+        <p:blipFill rotWithShape="1">
+          <a:blip r:embed="rId2" cstate="print">
+            <a:extLst>
+              <a:ext uri="{28A0092B-C50C-407E-A947-70E740481C1C}">
+                <a14:useLocalDpi xmlns:a14="http://schemas.microsoft.com/office/drawing/2010/main" val="0"/>
+              </a:ext>
+            </a:extLst>
+          </a:blip>
+          <a:stretch>
+            <a:fillRect/>
+          </a:stretch>
+        </p:blipFill>
+        <p:spPr>
+          <a:xfrm rot="0">
+            <a:off x="1411605" y="1414145"/>
+            <a:ext cx="2607310" cy="3037205"/>
+          </a:xfrm>
+          <a:prstGeom prst="roundRect"/>
+          <a:solidFill>
+            <a:srgbClr val="EDEDED"/>
+          </a:solidFill>
+        </p:spPr>
+      </p:pic>
+      <p:pic>
+        <p:nvPicPr>
+          <p:cNvPr id="58" name="그림 17" descr="C:/Users/Admin1/AppData/Roaming/PolarisOffice/ETemp/20588_21813216/fImage59492115724.png"/>
+          <p:cNvPicPr>
+            <a:picLocks noChangeAspect="1"/>
+          </p:cNvPicPr>
+          <p:nvPr/>
+        </p:nvPicPr>
+        <p:blipFill rotWithShape="1">
+          <a:blip r:embed="rId3" cstate="print">
+            <a:extLst>
+              <a:ext uri="{28A0092B-C50C-407E-A947-70E740481C1C}">
+                <a14:useLocalDpi xmlns:a14="http://schemas.microsoft.com/office/drawing/2010/main" val="0"/>
+              </a:ext>
+            </a:extLst>
+          </a:blip>
+          <a:stretch>
+            <a:fillRect/>
+          </a:stretch>
+        </p:blipFill>
+        <p:spPr>
+          <a:xfrm rot="0">
+            <a:off x="4182745" y="2061210"/>
+            <a:ext cx="1203960" cy="1732280"/>
+          </a:xfrm>
+          <a:prstGeom prst="roundRect"/>
+          <a:solidFill>
+            <a:srgbClr val="EDEDED"/>
+          </a:solidFill>
+        </p:spPr>
+      </p:pic>
+      <p:pic>
+        <p:nvPicPr>
+          <p:cNvPr id="61" name="그림 24" descr="C:/Users/Admin1/AppData/Roaming/PolarisOffice/ETemp/20588_21813216/fImage98842141478.png"/>
+          <p:cNvPicPr>
+            <a:picLocks noChangeAspect="1"/>
+          </p:cNvPicPr>
+          <p:nvPr/>
+        </p:nvPicPr>
+        <p:blipFill rotWithShape="1">
+          <a:blip r:embed="rId4" cstate="print">
+            <a:extLst>
+              <a:ext uri="{28A0092B-C50C-407E-A947-70E740481C1C}">
+                <a14:useLocalDpi xmlns:a14="http://schemas.microsoft.com/office/drawing/2010/main" val="0"/>
+              </a:ext>
+            </a:extLst>
+          </a:blip>
+          <a:stretch>
+            <a:fillRect/>
+          </a:stretch>
+        </p:blipFill>
+        <p:spPr>
+          <a:xfrm rot="0">
+            <a:off x="7040245" y="1402715"/>
+            <a:ext cx="3983355" cy="1395095"/>
+          </a:xfrm>
+          <a:prstGeom prst="roundRect"/>
+          <a:solidFill>
+            <a:srgbClr val="EDEDED"/>
+          </a:solidFill>
+        </p:spPr>
+      </p:pic>
+      <p:pic>
+        <p:nvPicPr>
+          <p:cNvPr id="62" name="그림 27" descr="C:/Users/Admin1/AppData/Roaming/PolarisOffice/ETemp/20588_21813216/fImage58052159358.png"/>
+          <p:cNvPicPr>
+            <a:picLocks noChangeAspect="1"/>
+          </p:cNvPicPr>
+          <p:nvPr/>
+        </p:nvPicPr>
+        <p:blipFill rotWithShape="1">
+          <a:blip r:embed="rId5" cstate="print">
+            <a:extLst>
+              <a:ext uri="{28A0092B-C50C-407E-A947-70E740481C1C}">
+                <a14:useLocalDpi xmlns:a14="http://schemas.microsoft.com/office/drawing/2010/main" val="0"/>
+              </a:ext>
+            </a:extLst>
+          </a:blip>
+          <a:stretch>
+            <a:fillRect/>
+          </a:stretch>
+        </p:blipFill>
+        <p:spPr>
+          <a:xfrm rot="0">
+            <a:off x="7039610" y="2927350"/>
+            <a:ext cx="3992880" cy="1056005"/>
+          </a:xfrm>
+          <a:prstGeom prst="roundRect"/>
+          <a:solidFill>
+            <a:srgbClr val="EDEDED"/>
+          </a:solidFill>
+        </p:spPr>
+      </p:pic>
+      <p:sp>
+        <p:nvSpPr>
+          <p:cNvPr id="63" name="텍스트 상자 30"/>
+          <p:cNvSpPr txBox="1">
+            <a:spLocks/>
+          </p:cNvSpPr>
+          <p:nvPr/>
+        </p:nvSpPr>
+        <p:spPr>
+          <a:xfrm rot="0">
+            <a:off x="7052945" y="4088765"/>
+            <a:ext cx="3971290" cy="2061845"/>
+          </a:xfrm>
+          <a:prstGeom prst="rect"/>
+          <a:noFill/>
+          <a:ln w="0">
+            <a:noFill/>
+            <a:prstDash/>
+          </a:ln>
+        </p:spPr>
+        <p:txBody>
+          <a:bodyPr wrap="square" lIns="89535" tIns="46355" rIns="89535" bIns="46355" numCol="1" vert="horz" anchor="t">
+            <a:spAutoFit/>
+          </a:bodyPr>
+          <a:lstStyle/>
+          <a:p>
+            <a:pPr marL="0" indent="0" rtl="0" algn="l" defTabSz="914400" eaLnBrk="1" latinLnBrk="0" hangingPunct="1">
+              <a:buFontTx/>
+              <a:buNone/>
+            </a:pPr>
+            <a:r>
+              <a:rPr lang="ko-KR" sz="2000" b="1">
+                <a:solidFill>
+                  <a:srgbClr val="0611F2"/>
+                </a:solidFill>
+                <a:latin typeface="맑은 고딕" charset="0"/>
+                <a:ea typeface="맑은 고딕" charset="0"/>
+              </a:rPr>
+              <a:t>2</a:t>
+            </a:r>
+            <a:r>
+              <a:rPr lang="ko-KR" sz="2000" b="1">
+                <a:solidFill>
+                  <a:srgbClr val="0611F2"/>
+                </a:solidFill>
+                <a:latin typeface="맑은 고딕" charset="0"/>
+                <a:ea typeface="맑은 고딕" charset="0"/>
+              </a:rPr>
+              <a:t>9</a:t>
+            </a:r>
+            <a:r>
+              <a:rPr sz="2000" b="1">
+                <a:solidFill>
+                  <a:srgbClr val="0611F2"/>
+                </a:solidFill>
+                <a:latin typeface="맑은 고딕" charset="0"/>
+                <a:ea typeface="맑은 고딕" charset="0"/>
+              </a:rPr>
+              <a:t>. </a:t>
+            </a:r>
+            <a:r>
+              <a:rPr lang="ko-KR" sz="1800">
+                <a:latin typeface="맑은 고딕" charset="0"/>
+                <a:ea typeface="맑은 고딕" charset="0"/>
+              </a:rPr>
+              <a:t>그다음 Project 폴더에 있는 Physic Material 파일에 Physic Material을 선택합니다.</a:t>
+            </a:r>
+            <a:endParaRPr lang="ko-KR" altLang="en-US" sz="1800">
+              <a:latin typeface="맑은 고딕" charset="0"/>
+              <a:ea typeface="맑은 고딕" charset="0"/>
+            </a:endParaRPr>
+          </a:p>
+          <a:p>
+            <a:pPr marL="0" indent="0" rtl="0" algn="l" defTabSz="914400" eaLnBrk="1" latinLnBrk="0" hangingPunct="1">
+              <a:buFontTx/>
+              <a:buNone/>
+            </a:pPr>
+            <a:endParaRPr lang="ko-KR" altLang="en-US" sz="1800">
+              <a:latin typeface="맑은 고딕" charset="0"/>
+              <a:ea typeface="맑은 고딕" charset="0"/>
+            </a:endParaRPr>
+          </a:p>
+          <a:p>
+            <a:pPr marL="0" indent="0" rtl="0" algn="l" defTabSz="914400" eaLnBrk="1" latinLnBrk="0" hangingPunct="1">
+              <a:buFontTx/>
+              <a:buNone/>
+            </a:pPr>
+            <a:r>
+              <a:rPr lang="ko-KR" sz="1800">
+                <a:latin typeface="맑은 고딕" charset="0"/>
+                <a:ea typeface="맑은 고딕" charset="0"/>
+              </a:rPr>
+              <a:t>그런 다음 Billiard Ball 오브젝트에 있는 Sphere Collider 컴포넌트에 Physic Material을 넣어줍니다.</a:t>
+            </a:r>
+            <a:endParaRPr lang="ko-KR" altLang="en-US" sz="1800">
+              <a:latin typeface="맑은 고딕" charset="0"/>
+              <a:ea typeface="맑은 고딕" charset="0"/>
+            </a:endParaRPr>
+          </a:p>
+        </p:txBody>
+      </p:sp>
+      <p:cxnSp>
+        <p:nvCxnSpPr>
+          <p:cNvPr id="64" name="도형 31"/>
+          <p:cNvCxnSpPr/>
+          <p:nvPr/>
+        </p:nvCxnSpPr>
+        <p:spPr>
+          <a:xfrm rot="0" flipV="1">
+            <a:off x="8217535" y="2207895"/>
+            <a:ext cx="2667635" cy="996315"/>
+          </a:xfrm>
+          <a:prstGeom prst="straightConnector1"/>
+          <a:ln w="6350" cap="flat" cmpd="sng">
+            <a:prstDash/>
+            <a:headEnd type="none" w="med" len="med"/>
+            <a:tailEnd type="triangle" w="med" len="med"/>
+          </a:ln>
+        </p:spPr>
+        <p:style>
+          <a:lnRef idx="1">
+            <a:schemeClr val="accent1"/>
+          </a:lnRef>
+          <a:fillRef idx="0">
+            <a:schemeClr val="accent1"/>
+          </a:fillRef>
+          <a:effectRef idx="0">
+            <a:schemeClr val="accent1"/>
+          </a:effectRef>
+          <a:fontRef idx="minor">
+            <a:schemeClr val="tx1"/>
+          </a:fontRef>
+        </p:style>
+      </p:cxnSp>
+    </p:spTree>
+  </p:cSld>
+  <p:clrMapOvr>
+    <a:masterClrMapping/>
+  </p:clrMapOvr>
+  <mc:AlternateContent xmlns:mc="http://schemas.openxmlformats.org/markup-compatibility/2006">
+    <mc:Choice xmlns:p14="http://schemas.microsoft.com/office/powerpoint/2010/main" Requires="p14">
+      <p:transition spd="slow" p14:dur="1000"/>
+    </mc:Choice>
+    <mc:Fallback>
+      <p:transition spd="slow"/>
+    </mc:Fallback>
+  </mc:AlternateContent>
+  <p:timing>
+    <p:tnLst>
+      <p:par>
+        <p:cTn id="1" dur="indefinite" restart="never" nodeType="tmRoot"/>
+      </p:par>
+    </p:tnLst>
+  </p:timing>
+</p:sld>
+</file>
+
+<file path=ppt/slides/slide13.xml><?xml version="1.0" encoding="utf-8"?>
+<p:sld xmlns:a="http://schemas.openxmlformats.org/drawingml/2006/main" xmlns:r="http://schemas.openxmlformats.org/officeDocument/2006/relationships" xmlns:p="http://schemas.openxmlformats.org/presentationml/2006/main">
+  <p:cSld>
+    <p:spTree>
+      <p:nvGrpSpPr>
+        <p:cNvPr id="1" name=""/>
+        <p:cNvGrpSpPr/>
+        <p:nvPr/>
+      </p:nvGrpSpPr>
+      <p:grpSpPr>
+        <a:xfrm>
+          <a:off x="0" y="0"/>
+          <a:ext cx="0" cy="0"/>
+          <a:chOff x="0" y="0"/>
+          <a:chExt cx="0" cy="0"/>
+        </a:xfrm>
+      </p:grpSpPr>
+      <p:sp>
+        <p:nvSpPr>
+          <p:cNvPr id="2" name="Rect 0"/>
+          <p:cNvSpPr txBox="1">
+            <a:spLocks/>
+          </p:cNvSpPr>
+          <p:nvPr/>
+        </p:nvSpPr>
+        <p:spPr>
+          <a:xfrm rot="0">
+            <a:off x="4333240" y="393700"/>
+            <a:ext cx="3529965" cy="554990"/>
+          </a:xfrm>
+          <a:prstGeom prst="rect"/>
+          <a:noFill/>
+          <a:ln w="0">
+            <a:noFill/>
+            <a:prstDash/>
+          </a:ln>
+        </p:spPr>
+        <p:txBody>
+          <a:bodyPr wrap="square" lIns="89535" tIns="46355" rIns="89535" bIns="46355" numCol="1" vert="horz" anchor="t">
+            <a:spAutoFit/>
+          </a:bodyPr>
+          <a:lstStyle/>
+          <a:p>
+            <a:pPr marL="0" indent="0" rtl="0" algn="l" defTabSz="914400" eaLnBrk="1" latinLnBrk="0" hangingPunct="1">
+              <a:buFontTx/>
+              <a:buNone/>
+            </a:pPr>
+            <a:r>
+              <a:rPr lang="ko-KR" sz="3000" b="1">
+                <a:solidFill>
+                  <a:schemeClr val="tx1"/>
+                </a:solidFill>
+                <a:latin typeface="맑은 고딕" charset="0"/>
+                <a:ea typeface="맑은 고딕" charset="0"/>
+              </a:rPr>
+              <a:t>열</a:t>
+            </a:r>
+            <a:r>
+              <a:rPr lang="ko-KR" sz="3000" b="1">
+                <a:solidFill>
+                  <a:schemeClr val="tx1"/>
+                </a:solidFill>
+                <a:latin typeface="맑은 고딕" charset="0"/>
+                <a:ea typeface="맑은 고딕" charset="0"/>
+              </a:rPr>
+              <a:t>세</a:t>
+            </a:r>
+            <a:r>
+              <a:rPr lang="ko-KR" sz="3000" b="1">
+                <a:solidFill>
+                  <a:schemeClr val="tx1"/>
+                </a:solidFill>
+                <a:latin typeface="맑은 고딕" charset="0"/>
+                <a:ea typeface="맑은 고딕" charset="0"/>
+              </a:rPr>
+              <a:t> 번째 튜토리얼</a:t>
+            </a:r>
+            <a:endParaRPr lang="ko-KR" altLang="en-US" sz="3000" b="1">
+              <a:solidFill>
+                <a:schemeClr val="tx1"/>
+              </a:solidFill>
+              <a:latin typeface="맑은 고딕" charset="0"/>
+              <a:ea typeface="맑은 고딕" charset="0"/>
+            </a:endParaRPr>
+          </a:p>
+        </p:txBody>
+      </p:sp>
+      <p:pic>
+        <p:nvPicPr>
+          <p:cNvPr id="59" name="Picture " descr="C:/Users/Admin1/AppData/Roaming/PolarisOffice/ETemp/20588_21813216/fImage47031079169.png"/>
+          <p:cNvPicPr>
+            <a:picLocks noChangeAspect="1"/>
+          </p:cNvPicPr>
+          <p:nvPr/>
+        </p:nvPicPr>
+        <p:blipFill rotWithShape="1">
+          <a:blip r:embed="rId2" cstate="hqprint">
+            <a:extLst>
+              <a:ext uri="{28A0092B-C50C-407E-A947-70E740481C1C}">
+                <a14:useLocalDpi xmlns:a14="http://schemas.microsoft.com/office/drawing/2010/main"/>
+              </a:ext>
+            </a:extLst>
+          </a:blip>
+          <a:stretch>
+            <a:fillRect/>
+          </a:stretch>
+        </p:blipFill>
+        <p:spPr>
+          <a:xfrm rot="0">
+            <a:off x="1387475" y="1502410"/>
+            <a:ext cx="3999230" cy="1350645"/>
+          </a:xfrm>
+          <a:prstGeom prst="roundRect"/>
+          <a:solidFill>
+            <a:srgbClr val="EDEDED"/>
+          </a:solidFill>
+        </p:spPr>
+      </p:pic>
+      <p:sp>
+        <p:nvSpPr>
+          <p:cNvPr id="60" name="Rect 0"/>
+          <p:cNvSpPr txBox="1">
+            <a:spLocks/>
+          </p:cNvSpPr>
+          <p:nvPr/>
+        </p:nvSpPr>
+        <p:spPr>
+          <a:xfrm rot="0">
+            <a:off x="1388745" y="2946400"/>
+            <a:ext cx="3989705" cy="677545"/>
+          </a:xfrm>
+          <a:prstGeom prst="rect"/>
+          <a:noFill/>
+          <a:ln w="0">
+            <a:noFill/>
+            <a:prstDash/>
+          </a:ln>
+        </p:spPr>
+        <p:txBody>
+          <a:bodyPr wrap="square" lIns="89535" tIns="46355" rIns="89535" bIns="46355" numCol="1" vert="horz" anchor="t">
+            <a:spAutoFit/>
+          </a:bodyPr>
+          <a:lstStyle/>
+          <a:p>
+            <a:pPr marL="0" indent="0" rtl="0" algn="l" defTabSz="914400" eaLnBrk="1" latinLnBrk="0" hangingPunct="1">
+              <a:buFontTx/>
+              <a:buNone/>
+            </a:pPr>
+            <a:r>
+              <a:rPr lang="ko-KR" sz="2000" b="1">
+                <a:solidFill>
+                  <a:srgbClr val="0611F2"/>
+                </a:solidFill>
+                <a:latin typeface="맑은 고딕" charset="0"/>
+                <a:ea typeface="맑은 고딕" charset="0"/>
+              </a:rPr>
+              <a:t>30</a:t>
+            </a:r>
+            <a:r>
+              <a:rPr sz="2000" b="1">
+                <a:solidFill>
+                  <a:srgbClr val="0611F2"/>
+                </a:solidFill>
+                <a:latin typeface="맑은 고딕" charset="0"/>
+                <a:ea typeface="맑은 고딕" charset="0"/>
+              </a:rPr>
+              <a:t>.</a:t>
+            </a:r>
+            <a:r>
+              <a:rPr lang="ko-KR" sz="2000" b="1">
+                <a:solidFill>
+                  <a:srgbClr val="0611F2"/>
+                </a:solidFill>
+                <a:latin typeface="맑은 고딕" charset="0"/>
+                <a:ea typeface="맑은 고딕" charset="0"/>
+              </a:rPr>
+              <a:t> </a:t>
+            </a:r>
+            <a:r>
+              <a:rPr lang="ko-KR" sz="1800">
+                <a:latin typeface="맑은 고딕" charset="0"/>
+                <a:ea typeface="맑은 고딕" charset="0"/>
+              </a:rPr>
+              <a:t>이제</a:t>
+            </a:r>
+            <a:r>
+              <a:rPr lang="ko-KR" sz="1800">
+                <a:latin typeface="맑은 고딕" charset="0"/>
+                <a:ea typeface="맑은 고딕" charset="0"/>
+              </a:rPr>
+              <a:t> </a:t>
+            </a:r>
+            <a:r>
+              <a:rPr lang="ko-KR" sz="1800">
+                <a:latin typeface="맑은 고딕" charset="0"/>
+                <a:ea typeface="맑은 고딕" charset="0"/>
+              </a:rPr>
+              <a:t>Billiard Ball </a:t>
+            </a:r>
+            <a:r>
+              <a:rPr lang="ko-KR" sz="1800">
+                <a:latin typeface="맑은 고딕" charset="0"/>
+                <a:ea typeface="맑은 고딕" charset="0"/>
+              </a:rPr>
+              <a:t>오브젝트에 Rigidbody 컴포넌트를 추가합니다. </a:t>
+            </a:r>
+            <a:endParaRPr lang="ko-KR" altLang="en-US" sz="1800">
+              <a:latin typeface="맑은 고딕" charset="0"/>
+              <a:ea typeface="맑은 고딕" charset="0"/>
+            </a:endParaRPr>
+          </a:p>
+        </p:txBody>
+      </p:sp>
+      <p:pic>
+        <p:nvPicPr>
+          <p:cNvPr id="61" name="그림 32" descr="C:/Users/Admin1/AppData/Roaming/PolarisOffice/ETemp/20588_21813216/fImage122552266962.png"/>
+          <p:cNvPicPr>
+            <a:picLocks noChangeAspect="1"/>
+          </p:cNvPicPr>
+          <p:nvPr/>
+        </p:nvPicPr>
+        <p:blipFill rotWithShape="1">
+          <a:blip r:embed="rId3" cstate="print">
+            <a:extLst>
+              <a:ext uri="{28A0092B-C50C-407E-A947-70E740481C1C}">
+                <a14:useLocalDpi xmlns:a14="http://schemas.microsoft.com/office/drawing/2010/main" val="0"/>
+              </a:ext>
+            </a:extLst>
+          </a:blip>
+          <a:stretch>
+            <a:fillRect/>
+          </a:stretch>
+        </p:blipFill>
+        <p:spPr>
+          <a:xfrm rot="0">
+            <a:off x="1381760" y="3771900"/>
+            <a:ext cx="4004945" cy="1588770"/>
+          </a:xfrm>
+          <a:prstGeom prst="roundRect"/>
+          <a:solidFill>
+            <a:srgbClr val="EDEDED"/>
+          </a:solidFill>
+        </p:spPr>
+      </p:pic>
+      <p:sp>
+        <p:nvSpPr>
+          <p:cNvPr id="62" name="텍스트 상자 35"/>
+          <p:cNvSpPr txBox="1">
+            <a:spLocks/>
+          </p:cNvSpPr>
+          <p:nvPr/>
+        </p:nvSpPr>
+        <p:spPr>
+          <a:xfrm rot="0">
+            <a:off x="1382395" y="5426075"/>
+            <a:ext cx="4004310" cy="677545"/>
+          </a:xfrm>
+          <a:prstGeom prst="rect"/>
+          <a:noFill/>
+          <a:ln w="0">
+            <a:noFill/>
+            <a:prstDash/>
+          </a:ln>
+        </p:spPr>
+        <p:txBody>
+          <a:bodyPr wrap="square" lIns="89535" tIns="46355" rIns="89535" bIns="46355" numCol="1" vert="horz" anchor="t">
+            <a:spAutoFit/>
+          </a:bodyPr>
+          <a:lstStyle/>
+          <a:p>
+            <a:pPr marL="0" indent="0" rtl="0" algn="l" defTabSz="914400" eaLnBrk="1" latinLnBrk="0" hangingPunct="1">
+              <a:buFontTx/>
+              <a:buNone/>
+            </a:pPr>
+            <a:r>
+              <a:rPr lang="ko-KR" sz="2000" b="1">
+                <a:solidFill>
+                  <a:srgbClr val="0611F2"/>
+                </a:solidFill>
+                <a:latin typeface="맑은 고딕" charset="0"/>
+                <a:ea typeface="맑은 고딕" charset="0"/>
+              </a:rPr>
+              <a:t>31</a:t>
+            </a:r>
+            <a:r>
+              <a:rPr sz="2000" b="1">
+                <a:solidFill>
+                  <a:srgbClr val="0611F2"/>
+                </a:solidFill>
+                <a:latin typeface="맑은 고딕" charset="0"/>
+                <a:ea typeface="맑은 고딕" charset="0"/>
+              </a:rPr>
+              <a:t>.</a:t>
+            </a:r>
+            <a:r>
+              <a:rPr lang="ko-KR" sz="2000" b="1">
+                <a:solidFill>
+                  <a:srgbClr val="0611F2"/>
+                </a:solidFill>
+                <a:latin typeface="맑은 고딕" charset="0"/>
+                <a:ea typeface="맑은 고딕" charset="0"/>
+              </a:rPr>
+              <a:t> </a:t>
+            </a:r>
+            <a:r>
+              <a:rPr lang="ko-KR" sz="1800">
+                <a:latin typeface="맑은 고딕" charset="0"/>
+                <a:ea typeface="맑은 고딕" charset="0"/>
+              </a:rPr>
+              <a:t>그리고 Billiard Ball 오브젝트를 선택하고 위치를 설정합니다.</a:t>
+            </a:r>
+            <a:r>
+              <a:rPr lang="ko-KR" sz="1800">
+                <a:latin typeface="맑은 고딕" charset="0"/>
+                <a:ea typeface="맑은 고딕" charset="0"/>
+              </a:rPr>
+              <a:t> </a:t>
+            </a:r>
+            <a:endParaRPr lang="ko-KR" altLang="en-US" sz="1800">
+              <a:latin typeface="맑은 고딕" charset="0"/>
+              <a:ea typeface="맑은 고딕" charset="0"/>
+            </a:endParaRPr>
+          </a:p>
+        </p:txBody>
+      </p:sp>
+      <p:pic>
+        <p:nvPicPr>
+          <p:cNvPr id="63" name="그림 36" descr="C:/Users/Admin1/AppData/Roaming/PolarisOffice/ETemp/20588_21813216/fImage106112284464.png"/>
+          <p:cNvPicPr>
+            <a:picLocks noChangeAspect="1"/>
+          </p:cNvPicPr>
+          <p:nvPr/>
+        </p:nvPicPr>
+        <p:blipFill rotWithShape="1">
+          <a:blip r:embed="rId4" cstate="print">
+            <a:extLst>
+              <a:ext uri="{28A0092B-C50C-407E-A947-70E740481C1C}">
+                <a14:useLocalDpi xmlns:a14="http://schemas.microsoft.com/office/drawing/2010/main" val="0"/>
+              </a:ext>
+            </a:extLst>
+          </a:blip>
+          <a:stretch>
+            <a:fillRect/>
+          </a:stretch>
+        </p:blipFill>
+        <p:spPr>
+          <a:xfrm rot="0">
+            <a:off x="6814820" y="1504950"/>
+            <a:ext cx="4044315" cy="1240790"/>
+          </a:xfrm>
+          <a:prstGeom prst="roundRect"/>
+          <a:solidFill>
+            <a:srgbClr val="EDEDED"/>
+          </a:solidFill>
+        </p:spPr>
+      </p:pic>
+      <p:sp>
+        <p:nvSpPr>
+          <p:cNvPr id="64" name="텍스트 상자 40"/>
+          <p:cNvSpPr txBox="1">
+            <a:spLocks/>
+          </p:cNvSpPr>
+          <p:nvPr/>
+        </p:nvSpPr>
+        <p:spPr>
+          <a:xfrm rot="0">
+            <a:off x="6802755" y="2801620"/>
+            <a:ext cx="4056380" cy="954405"/>
+          </a:xfrm>
+          <a:prstGeom prst="rect"/>
+          <a:noFill/>
+          <a:ln w="0">
+            <a:noFill/>
+            <a:prstDash/>
+          </a:ln>
+        </p:spPr>
+        <p:txBody>
+          <a:bodyPr wrap="square" lIns="89535" tIns="46355" rIns="89535" bIns="46355" numCol="1" vert="horz" anchor="t">
+            <a:spAutoFit/>
+          </a:bodyPr>
+          <a:lstStyle/>
+          <a:p>
+            <a:pPr marL="0" indent="0" rtl="0" algn="l" defTabSz="914400" eaLnBrk="1" latinLnBrk="0" hangingPunct="1">
+              <a:buFontTx/>
+              <a:buNone/>
+            </a:pPr>
+            <a:r>
+              <a:rPr lang="ko-KR" sz="2000" b="1">
+                <a:solidFill>
+                  <a:srgbClr val="0611F2"/>
+                </a:solidFill>
+                <a:latin typeface="맑은 고딕" charset="0"/>
+                <a:ea typeface="맑은 고딕" charset="0"/>
+              </a:rPr>
+              <a:t>32</a:t>
+            </a:r>
+            <a:r>
+              <a:rPr sz="2000" b="1">
+                <a:solidFill>
+                  <a:srgbClr val="0611F2"/>
+                </a:solidFill>
+                <a:latin typeface="맑은 고딕" charset="0"/>
+                <a:ea typeface="맑은 고딕" charset="0"/>
+              </a:rPr>
+              <a:t>.</a:t>
+            </a:r>
+            <a:r>
+              <a:rPr lang="ko-KR" sz="2000" b="1">
+                <a:solidFill>
+                  <a:srgbClr val="0611F2"/>
+                </a:solidFill>
+                <a:latin typeface="맑은 고딕" charset="0"/>
+                <a:ea typeface="맑은 고딕" charset="0"/>
+              </a:rPr>
+              <a:t> </a:t>
+            </a:r>
+            <a:r>
+              <a:rPr lang="ko-KR" sz="1800">
+                <a:latin typeface="맑은 고딕" charset="0"/>
+                <a:ea typeface="맑은 고딕" charset="0"/>
+              </a:rPr>
+              <a:t>그런 다음</a:t>
+            </a:r>
+            <a:r>
+              <a:rPr lang="ko-KR" sz="1800">
+                <a:latin typeface="맑은 고딕" charset="0"/>
+                <a:ea typeface="맑은 고딕" charset="0"/>
+              </a:rPr>
+              <a:t> </a:t>
+            </a:r>
+            <a:r>
+              <a:rPr lang="ko-KR" sz="1800">
+                <a:latin typeface="맑은 고딕" charset="0"/>
+                <a:ea typeface="맑은 고딕" charset="0"/>
+              </a:rPr>
+              <a:t>Physic Material를 선택하고 Bounciness값과 Bounce Combine값을 최대로 설정합니다.</a:t>
+            </a:r>
+            <a:r>
+              <a:rPr lang="ko-KR" sz="1800">
+                <a:latin typeface="맑은 고딕" charset="0"/>
+                <a:ea typeface="맑은 고딕" charset="0"/>
+              </a:rPr>
+              <a:t> </a:t>
+            </a:r>
+            <a:endParaRPr lang="ko-KR" altLang="en-US" sz="1800">
+              <a:latin typeface="맑은 고딕" charset="0"/>
+              <a:ea typeface="맑은 고딕" charset="0"/>
+            </a:endParaRPr>
+          </a:p>
+        </p:txBody>
+      </p:sp>
+      <p:pic>
+        <p:nvPicPr>
+          <p:cNvPr id="65" name="그림 41" descr="C:/Users/Admin1/AppData/Roaming/PolarisOffice/ETemp/20588_21813216/fImage287362315705.png"/>
+          <p:cNvPicPr>
+            <a:picLocks noChangeAspect="1"/>
+          </p:cNvPicPr>
+          <p:nvPr/>
+        </p:nvPicPr>
+        <p:blipFill rotWithShape="1">
+          <a:blip r:embed="rId5" cstate="print">
+            <a:extLst>
+              <a:ext uri="{28A0092B-C50C-407E-A947-70E740481C1C}">
+                <a14:useLocalDpi xmlns:a14="http://schemas.microsoft.com/office/drawing/2010/main" val="0"/>
+              </a:ext>
+            </a:extLst>
+          </a:blip>
+          <a:stretch>
+            <a:fillRect/>
+          </a:stretch>
+        </p:blipFill>
+        <p:spPr>
+          <a:xfrm rot="0">
+            <a:off x="8087995" y="3879850"/>
+            <a:ext cx="2771140" cy="1169670"/>
+          </a:xfrm>
+          <a:prstGeom prst="roundRect"/>
+          <a:solidFill>
+            <a:srgbClr val="EDEDED"/>
+          </a:solidFill>
+        </p:spPr>
+      </p:pic>
+      <p:pic>
+        <p:nvPicPr>
+          <p:cNvPr id="66" name="그림 44" descr="C:/Users/Admin1/AppData/Roaming/PolarisOffice/ETemp/20588_21813216/fImage58872328145.png"/>
+          <p:cNvPicPr>
+            <a:picLocks noChangeAspect="1"/>
+          </p:cNvPicPr>
+          <p:nvPr/>
+        </p:nvPicPr>
+        <p:blipFill rotWithShape="1">
+          <a:blip r:embed="rId6" cstate="print">
+            <a:extLst>
+              <a:ext uri="{28A0092B-C50C-407E-A947-70E740481C1C}">
+                <a14:useLocalDpi xmlns:a14="http://schemas.microsoft.com/office/drawing/2010/main" val="0"/>
+              </a:ext>
+            </a:extLst>
+          </a:blip>
+          <a:stretch>
+            <a:fillRect/>
+          </a:stretch>
+        </p:blipFill>
+        <p:spPr>
+          <a:xfrm rot="0">
+            <a:off x="6814820" y="3886200"/>
+            <a:ext cx="1160780" cy="1174115"/>
+          </a:xfrm>
+          <a:prstGeom prst="roundRect"/>
+          <a:solidFill>
+            <a:srgbClr val="EDEDED"/>
+          </a:solidFill>
+        </p:spPr>
+      </p:pic>
+      <p:sp>
+        <p:nvSpPr>
+          <p:cNvPr id="67" name="텍스트 상자 47"/>
+          <p:cNvSpPr txBox="1">
+            <a:spLocks/>
+          </p:cNvSpPr>
+          <p:nvPr/>
+        </p:nvSpPr>
+        <p:spPr>
+          <a:xfrm rot="0">
+            <a:off x="6814185" y="5151120"/>
+            <a:ext cx="4056380" cy="954405"/>
+          </a:xfrm>
+          <a:prstGeom prst="rect"/>
+          <a:noFill/>
+          <a:ln w="0">
+            <a:noFill/>
+            <a:prstDash/>
+          </a:ln>
+        </p:spPr>
+        <p:txBody>
+          <a:bodyPr wrap="square" lIns="89535" tIns="46355" rIns="89535" bIns="46355" numCol="1" vert="horz" anchor="t">
+            <a:spAutoFit/>
+          </a:bodyPr>
+          <a:lstStyle/>
+          <a:p>
+            <a:pPr marL="0" indent="0" rtl="0" algn="l" defTabSz="914400" eaLnBrk="1" latinLnBrk="0" hangingPunct="1">
+              <a:buFontTx/>
+              <a:buNone/>
+            </a:pPr>
+            <a:r>
+              <a:rPr lang="ko-KR" sz="2000" b="1">
+                <a:solidFill>
+                  <a:srgbClr val="0611F2"/>
+                </a:solidFill>
+                <a:latin typeface="맑은 고딕" charset="0"/>
+                <a:ea typeface="맑은 고딕" charset="0"/>
+              </a:rPr>
+              <a:t>33</a:t>
+            </a:r>
+            <a:r>
+              <a:rPr sz="2000" b="1">
+                <a:solidFill>
+                  <a:srgbClr val="0611F2"/>
+                </a:solidFill>
+                <a:latin typeface="맑은 고딕" charset="0"/>
+                <a:ea typeface="맑은 고딕" charset="0"/>
+              </a:rPr>
+              <a:t>.</a:t>
+            </a:r>
+            <a:r>
+              <a:rPr lang="ko-KR" sz="2000" b="1">
+                <a:solidFill>
+                  <a:srgbClr val="0611F2"/>
+                </a:solidFill>
+                <a:latin typeface="맑은 고딕" charset="0"/>
+                <a:ea typeface="맑은 고딕" charset="0"/>
+              </a:rPr>
+              <a:t> </a:t>
+            </a:r>
+            <a:r>
+              <a:rPr lang="ko-KR" sz="1800">
+                <a:latin typeface="맑은 고딕" charset="0"/>
+                <a:ea typeface="맑은 고딕" charset="0"/>
+              </a:rPr>
+              <a:t>마지막으로 Project 폴더에 있는 Texture에 Ball 텍스처를 선택하고 Billiard Ball 오브젝트에 넣어줍니다.</a:t>
+            </a:r>
+            <a:endParaRPr lang="ko-KR" altLang="en-US" sz="1800">
+              <a:latin typeface="맑은 고딕" charset="0"/>
+              <a:ea typeface="맑은 고딕" charset="0"/>
+            </a:endParaRPr>
+          </a:p>
+        </p:txBody>
+      </p:sp>
+      <p:cxnSp>
+        <p:nvCxnSpPr>
+          <p:cNvPr id="68" name="도형 48"/>
+          <p:cNvCxnSpPr/>
+          <p:nvPr/>
+        </p:nvCxnSpPr>
+        <p:spPr>
+          <a:xfrm rot="0" flipH="1">
+            <a:off x="7672070" y="4537075"/>
+            <a:ext cx="546100" cy="433705"/>
+          </a:xfrm>
+          <a:prstGeom prst="straightConnector1"/>
+          <a:ln w="6350" cap="flat" cmpd="sng">
+            <a:prstDash/>
+            <a:headEnd type="none" w="med" len="med"/>
+            <a:tailEnd type="triangle" w="med" len="med"/>
+          </a:ln>
+        </p:spPr>
+        <p:style>
+          <a:lnRef idx="1">
+            <a:schemeClr val="accent1"/>
+          </a:lnRef>
+          <a:fillRef idx="0">
+            <a:schemeClr val="accent1"/>
+          </a:fillRef>
+          <a:effectRef idx="0">
+            <a:schemeClr val="accent1"/>
+          </a:effectRef>
+          <a:fontRef idx="minor">
+            <a:schemeClr val="tx1"/>
+          </a:fontRef>
+        </p:style>
+      </p:cxnSp>
+    </p:spTree>
+  </p:cSld>
+  <p:clrMapOvr>
+    <a:masterClrMapping/>
+  </p:clrMapOvr>
+  <mc:AlternateContent xmlns:mc="http://schemas.openxmlformats.org/markup-compatibility/2006">
+    <mc:Choice xmlns:p14="http://schemas.microsoft.com/office/powerpoint/2010/main" Requires="p14">
+      <p:transition spd="slow" p14:dur="1000"/>
+    </mc:Choice>
+    <mc:Fallback>
+      <p:transition spd="slow"/>
+    </mc:Fallback>
+  </mc:AlternateContent>
+  <p:timing>
+    <p:tnLst>
+      <p:par>
+        <p:cTn id="1" dur="indefinite" restart="never" nodeType="tmRoot"/>
+      </p:par>
+    </p:tnLst>
+  </p:timing>
+</p:sld>
+</file>
+
 <file path=ppt/slides/slide2.xml><?xml version="1.0" encoding="utf-8"?>
 <p:sld xmlns:a="http://schemas.openxmlformats.org/drawingml/2006/main" xmlns:r="http://schemas.openxmlformats.org/officeDocument/2006/relationships" xmlns:p="http://schemas.openxmlformats.org/presentationml/2006/main" xmlns:p14="http://schemas.microsoft.com/office/powerpoint/2010/main">
   <p:cSld>
@@ -8428,9 +10440,9 @@
           <p:nvPr/>
         </p:nvSpPr>
         <p:spPr>
-          <a:xfrm>
-            <a:off x="4697095" y="402590"/>
-            <a:ext cx="2796540" cy="554990"/>
+          <a:xfrm rot="0">
+            <a:off x="4333875" y="419735"/>
+            <a:ext cx="3536950" cy="554990"/>
           </a:xfrm>
           <a:prstGeom prst="rect"/>
           <a:noFill/>
@@ -8457,7 +10469,7 @@
                 <a:latin typeface="맑은 고딕" charset="0"/>
                 <a:ea typeface="맑은 고딕" charset="0"/>
               </a:rPr>
-              <a:t>일곱</a:t>
+              <a:t>일곱 번째 </a:t>
             </a:r>
             <a:r>
               <a:rPr lang="ko-KR" sz="3000" b="1">
@@ -8467,7 +10479,7 @@
                 <a:latin typeface="맑은 고딕" charset="0"/>
                 <a:ea typeface="맑은 고딕" charset="0"/>
               </a:rPr>
-              <a:t> 번째 과정</a:t>
+              <a:t>튜토리얼</a:t>
             </a:r>
             <a:endParaRPr lang="ko-KR" altLang="en-US" sz="3000" b="1">
               <a:solidFill>
@@ -8877,7 +10889,7 @@
         <p:spPr>
           <a:xfrm rot="0">
             <a:off x="4449445" y="1821815"/>
-            <a:ext cx="974090" cy="773430"/>
+            <a:ext cx="974725" cy="774065"/>
           </a:xfrm>
           <a:prstGeom prst="rect"/>
           <a:noFill/>
@@ -8961,9 +10973,9 @@
           <p:nvPr/>
         </p:nvSpPr>
         <p:spPr>
-          <a:xfrm>
-            <a:off x="4697095" y="402590"/>
-            <a:ext cx="2797175" cy="554990"/>
+          <a:xfrm rot="0">
+            <a:off x="4333875" y="445770"/>
+            <a:ext cx="3536950" cy="554990"/>
           </a:xfrm>
           <a:prstGeom prst="rect"/>
           <a:noFill/>
@@ -8990,7 +11002,7 @@
                 <a:latin typeface="맑은 고딕" charset="0"/>
                 <a:ea typeface="맑은 고딕" charset="0"/>
               </a:rPr>
-              <a:t>여덟</a:t>
+              <a:t>여덟 번째 </a:t>
             </a:r>
             <a:r>
               <a:rPr lang="ko-KR" sz="3000" b="1">
@@ -9000,7 +11012,7 @@
                 <a:latin typeface="맑은 고딕" charset="0"/>
                 <a:ea typeface="맑은 고딕" charset="0"/>
               </a:rPr>
-              <a:t> 번째 과정</a:t>
+              <a:t>튜토리얼</a:t>
             </a:r>
             <a:endParaRPr lang="ko-KR" altLang="en-US" sz="3000" b="1">
               <a:solidFill>
@@ -9241,7 +11253,7 @@
 </file>
 
 <file path=ppt/slides/slide9.xml><?xml version="1.0" encoding="utf-8"?>
-<p:sld xmlns:a="http://schemas.openxmlformats.org/drawingml/2006/main" xmlns:r="http://schemas.openxmlformats.org/officeDocument/2006/relationships" xmlns:p="http://schemas.openxmlformats.org/presentationml/2006/main">
+<p:sld xmlns:a="http://schemas.openxmlformats.org/drawingml/2006/main" xmlns:r="http://schemas.openxmlformats.org/officeDocument/2006/relationships" xmlns:p="http://schemas.openxmlformats.org/presentationml/2006/main" xmlns:p14="http://schemas.microsoft.com/office/powerpoint/2010/main">
   <p:cSld>
     <p:spTree>
       <p:nvGrpSpPr>
@@ -9267,8 +11279,8 @@
         </p:nvSpPr>
         <p:spPr>
           <a:xfrm rot="0">
-            <a:off x="4697095" y="402590"/>
-            <a:ext cx="2797810" cy="554990"/>
+            <a:off x="4342765" y="428625"/>
+            <a:ext cx="3511550" cy="554990"/>
           </a:xfrm>
           <a:prstGeom prst="rect"/>
           <a:noFill/>
@@ -9295,7 +11307,7 @@
                 <a:latin typeface="맑은 고딕" charset="0"/>
                 <a:ea typeface="맑은 고딕" charset="0"/>
               </a:rPr>
-              <a:t>아홉</a:t>
+              <a:t>아홉 번째 </a:t>
             </a:r>
             <a:r>
               <a:rPr lang="ko-KR" sz="3000" b="1">
@@ -9305,7 +11317,7 @@
                 <a:latin typeface="맑은 고딕" charset="0"/>
                 <a:ea typeface="맑은 고딕" charset="0"/>
               </a:rPr>
-              <a:t> 번째 과정</a:t>
+              <a:t>튜토리얼</a:t>
             </a:r>
             <a:endParaRPr lang="ko-KR" altLang="en-US" sz="3000" b="1">
               <a:solidFill>
@@ -9328,7 +11340,7 @@
         <p:spPr>
           <a:xfrm rot="0">
             <a:off x="1410335" y="5208905"/>
-            <a:ext cx="3960495" cy="954405"/>
+            <a:ext cx="3970020" cy="954405"/>
           </a:xfrm>
           <a:prstGeom prst="rect"/>
           <a:noFill/>
@@ -9383,14 +11395,107 @@
       </p:sp>
       <p:pic>
         <p:nvPicPr>
-          <p:cNvPr id="41" name="그림 12" descr="C:/Users/Admin1/AppData/Roaming/PolarisOffice/ETemp/12984_9424048/fImage1165618141.png"/>
+          <p:cNvPr id="41" name="그림 12"/>
           <p:cNvPicPr>
             <a:picLocks noChangeAspect="1"/>
           </p:cNvPicPr>
           <p:nvPr/>
         </p:nvPicPr>
         <p:blipFill rotWithShape="1">
-          <a:blip r:embed="rId2" cstate="print">
+          <a:blip r:embed="rId2" cstate="hqprint">
+            <a:extLst>
+              <a:ext uri="{28A0092B-C50C-407E-A947-70E740481C1C}">
+                <a14:useLocalDpi xmlns:a14="http://schemas.microsoft.com/office/drawing/2010/main"/>
+              </a:ext>
+            </a:extLst>
+          </a:blip>
+          <a:stretch>
+            <a:fillRect/>
+          </a:stretch>
+        </p:blipFill>
+        <p:spPr>
+          <a:xfrm rot="0">
+            <a:off x="1421130" y="1426845"/>
+            <a:ext cx="3958590" cy="3645535"/>
+          </a:xfrm>
+          <a:prstGeom prst="rect"/>
+          <a:noFill/>
+        </p:spPr>
+      </p:pic>
+      <p:sp>
+        <p:nvSpPr>
+          <p:cNvPr id="43" name="텍스트 상자 4"/>
+          <p:cNvSpPr txBox="1">
+            <a:spLocks/>
+          </p:cNvSpPr>
+          <p:nvPr/>
+        </p:nvSpPr>
+        <p:spPr>
+          <a:xfrm rot="0">
+            <a:off x="6806565" y="2703195"/>
+            <a:ext cx="4385945" cy="954405"/>
+          </a:xfrm>
+          <a:prstGeom prst="rect"/>
+          <a:noFill/>
+          <a:ln w="0">
+            <a:noFill/>
+            <a:prstDash/>
+          </a:ln>
+        </p:spPr>
+        <p:txBody>
+          <a:bodyPr wrap="square" lIns="89535" tIns="46355" rIns="89535" bIns="46355" numCol="1" vert="horz" anchor="t">
+            <a:spAutoFit/>
+          </a:bodyPr>
+          <a:lstStyle/>
+          <a:p>
+            <a:pPr marL="0" indent="0" rtl="0" algn="l" defTabSz="914400" eaLnBrk="1" latinLnBrk="0" hangingPunct="1">
+              <a:buFontTx/>
+              <a:buNone/>
+            </a:pPr>
+            <a:r>
+              <a:rPr lang="ko-KR" sz="2000" b="1">
+                <a:solidFill>
+                  <a:srgbClr val="0611F2"/>
+                </a:solidFill>
+                <a:latin typeface="맑은 고딕" charset="0"/>
+                <a:ea typeface="맑은 고딕" charset="0"/>
+              </a:rPr>
+              <a:t>20</a:t>
+            </a:r>
+            <a:r>
+              <a:rPr sz="2000" b="1">
+                <a:solidFill>
+                  <a:srgbClr val="0611F2"/>
+                </a:solidFill>
+                <a:latin typeface="맑은 고딕" charset="0"/>
+                <a:ea typeface="맑은 고딕" charset="0"/>
+              </a:rPr>
+              <a:t>. </a:t>
+            </a:r>
+            <a:r>
+              <a:rPr lang="ko-KR" sz="1800">
+                <a:latin typeface="맑은 고딕" charset="0"/>
+                <a:ea typeface="맑은 고딕" charset="0"/>
+              </a:rPr>
+              <a:t>그다음으로 Trigger가 충돌했을 때 비디오 플레이어를 실행시키도록 설정합니다.</a:t>
+            </a:r>
+            <a:endParaRPr lang="ko-KR" altLang="en-US" sz="1800">
+              <a:latin typeface="맑은 고딕" charset="0"/>
+              <a:ea typeface="맑은 고딕" charset="0"/>
+            </a:endParaRPr>
+          </a:p>
+        </p:txBody>
+      </p:sp>
+      <p:pic>
+        <p:nvPicPr>
+          <p:cNvPr id="44" name="그림 5"/>
+          <p:cNvPicPr>
+            <a:picLocks noChangeAspect="1"/>
+          </p:cNvPicPr>
+          <p:nvPr/>
+        </p:nvPicPr>
+        <p:blipFill rotWithShape="1">
+          <a:blip r:embed="rId3" cstate="print">
             <a:extLst>
               <a:ext uri="{28A0092B-C50C-407E-A947-70E740481C1C}">
                 <a14:useLocalDpi xmlns:a14="http://schemas.microsoft.com/office/drawing/2010/main" val="0"/>
@@ -9403,8 +11508,8 @@
         </p:blipFill>
         <p:spPr>
           <a:xfrm rot="0">
-            <a:off x="1421130" y="1471295"/>
-            <a:ext cx="3957955" cy="3600450"/>
+            <a:off x="6806565" y="1423035"/>
+            <a:ext cx="4389755" cy="1181100"/>
           </a:xfrm>
           <a:prstGeom prst="roundRect"/>
           <a:solidFill>
@@ -9412,6 +11517,108 @@
           </a:solidFill>
         </p:spPr>
       </p:pic>
+      <p:pic>
+        <p:nvPicPr>
+          <p:cNvPr id="45" name="그림 8"/>
+          <p:cNvPicPr>
+            <a:picLocks noChangeAspect="1"/>
+          </p:cNvPicPr>
+          <p:nvPr/>
+        </p:nvPicPr>
+        <p:blipFill rotWithShape="1">
+          <a:blip r:embed="rId4" cstate="print">
+            <a:extLst>
+              <a:ext uri="{28A0092B-C50C-407E-A947-70E740481C1C}">
+                <a14:useLocalDpi xmlns:a14="http://schemas.microsoft.com/office/drawing/2010/main" val="0"/>
+              </a:ext>
+            </a:extLst>
+          </a:blip>
+          <a:stretch>
+            <a:fillRect/>
+          </a:stretch>
+        </p:blipFill>
+        <p:spPr>
+          <a:xfrm rot="0">
+            <a:off x="6807200" y="3752215"/>
+            <a:ext cx="4385310" cy="1359535"/>
+          </a:xfrm>
+          <a:prstGeom prst="roundRect"/>
+          <a:solidFill>
+            <a:srgbClr val="EDEDED"/>
+          </a:solidFill>
+        </p:spPr>
+      </p:pic>
+      <p:sp>
+        <p:nvSpPr>
+          <p:cNvPr id="46" name="텍스트 상자 11"/>
+          <p:cNvSpPr txBox="1">
+            <a:spLocks/>
+          </p:cNvSpPr>
+          <p:nvPr/>
+        </p:nvSpPr>
+        <p:spPr>
+          <a:xfrm rot="0">
+            <a:off x="6798310" y="5202555"/>
+            <a:ext cx="4402455" cy="954405"/>
+          </a:xfrm>
+          <a:prstGeom prst="rect"/>
+          <a:noFill/>
+          <a:ln w="0">
+            <a:noFill/>
+            <a:prstDash/>
+          </a:ln>
+        </p:spPr>
+        <p:txBody>
+          <a:bodyPr wrap="square" lIns="89535" tIns="46355" rIns="89535" bIns="46355" numCol="1" vert="horz" anchor="t">
+            <a:spAutoFit/>
+          </a:bodyPr>
+          <a:lstStyle/>
+          <a:p>
+            <a:pPr marL="0" indent="0" rtl="0" algn="l" defTabSz="914400" eaLnBrk="1" latinLnBrk="0" hangingPunct="1">
+              <a:buFontTx/>
+              <a:buNone/>
+            </a:pPr>
+            <a:r>
+              <a:rPr lang="ko-KR" sz="2000" b="1">
+                <a:solidFill>
+                  <a:srgbClr val="0611F2"/>
+                </a:solidFill>
+                <a:latin typeface="맑은 고딕" charset="0"/>
+                <a:ea typeface="맑은 고딕" charset="0"/>
+              </a:rPr>
+              <a:t>21</a:t>
+            </a:r>
+            <a:r>
+              <a:rPr sz="2000" b="1">
+                <a:solidFill>
+                  <a:srgbClr val="0611F2"/>
+                </a:solidFill>
+                <a:latin typeface="맑은 고딕" charset="0"/>
+                <a:ea typeface="맑은 고딕" charset="0"/>
+              </a:rPr>
+              <a:t>. </a:t>
+            </a:r>
+            <a:r>
+              <a:rPr lang="ko-KR" sz="1800">
+                <a:latin typeface="맑은 고딕" charset="0"/>
+                <a:ea typeface="맑은 고딕" charset="0"/>
+              </a:rPr>
+              <a:t>그</a:t>
+            </a:r>
+            <a:r>
+              <a:rPr lang="ko-KR" sz="1800">
+                <a:latin typeface="맑은 고딕" charset="0"/>
+                <a:ea typeface="맑은 고딕" charset="0"/>
+              </a:rPr>
+              <a:t>리고 Trigger가 충돌 중일 때 게임 오브젝트의 크기를 변경하도록 설정합니다.</a:t>
+            </a:r>
+            <a:endParaRPr lang="ko-KR" altLang="en-US" sz="1800">
+              <a:latin typeface="맑은 고딕" charset="0"/>
+              <a:ea typeface="맑은 고딕" charset="0"/>
+            </a:endParaRPr>
+          </a:p>
+        </p:txBody>
+      </p:sp>
     </p:spTree>
   </p:cSld>
   <p:clrMapOvr>

--- a/Assets/Class/Collision/PPT Data/Collision Example.pptx
+++ b/Assets/Class/Collision/PPT Data/Collision Example.pptx
@@ -2,7 +2,7 @@
 <file path=ppt/presentation.xml><?xml version="1.0" encoding="utf-8"?>
 <p:presentation xmlns:a="http://schemas.openxmlformats.org/drawingml/2006/main" xmlns:r="http://schemas.openxmlformats.org/officeDocument/2006/relationships" xmlns:p="http://schemas.openxmlformats.org/presentationml/2006/main" xmlns:p14="http://schemas.microsoft.com/office/powerpoint/2010/main" saveSubsetFonts="1" firstSlideNum="0">
   <p:sldMasterIdLst>
-    <p:sldMasterId id="2147485368" r:id="rId12"/>
+    <p:sldMasterId id="2147485376" r:id="rId12"/>
   </p:sldMasterIdLst>
   <p:notesMasterIdLst>
     <p:notesMasterId r:id="rId14"/>
@@ -6093,9 +6093,9 @@
           <p:nvPr/>
         </p:nvSpPr>
         <p:spPr>
-          <a:xfrm rot="0">
+          <a:xfrm>
             <a:off x="1410335" y="2717800"/>
-            <a:ext cx="3970020" cy="954405"/>
+            <a:ext cx="3970655" cy="954405"/>
           </a:xfrm>
           <a:prstGeom prst="rect"/>
           <a:noFill/>
@@ -6122,7 +6122,17 @@
                 <a:latin typeface="맑은 고딕" charset="0"/>
                 <a:ea typeface="맑은 고딕" charset="0"/>
               </a:rPr>
-              <a:t>22</a:t>
+              <a:t>2</a:t>
+            </a:r>
+            <a:r>
+              <a:rPr lang="ko-KR" sz="2000" b="1">
+                <a:solidFill>
+                  <a:srgbClr val="0611F2"/>
+                </a:solidFill>
+                <a:latin typeface="맑은 고딕" charset="0"/>
+                <a:ea typeface="맑은 고딕" charset="0"/>
+              </a:rPr>
+              <a:t>3</a:t>
             </a:r>
             <a:r>
               <a:rPr sz="2000" b="1">
@@ -6219,9 +6229,9 @@
           <p:nvPr/>
         </p:nvSpPr>
         <p:spPr>
-          <a:xfrm rot="0">
+          <a:xfrm>
             <a:off x="6818630" y="5471160"/>
-            <a:ext cx="4131310" cy="677545"/>
+            <a:ext cx="4131945" cy="677545"/>
           </a:xfrm>
           <a:prstGeom prst="rect"/>
           <a:noFill/>
@@ -6248,7 +6258,17 @@
                 <a:latin typeface="맑은 고딕" charset="0"/>
                 <a:ea typeface="맑은 고딕" charset="0"/>
               </a:rPr>
-              <a:t>24</a:t>
+              <a:t>2</a:t>
+            </a:r>
+            <a:r>
+              <a:rPr lang="ko-KR" sz="2000" b="1">
+                <a:solidFill>
+                  <a:srgbClr val="0611F2"/>
+                </a:solidFill>
+                <a:latin typeface="맑은 고딕" charset="0"/>
+                <a:ea typeface="맑은 고딕" charset="0"/>
+              </a:rPr>
+              <a:t>5</a:t>
             </a:r>
             <a:r>
               <a:rPr sz="2000" b="1">
@@ -6276,7 +6296,7 @@
       </p:sp>
       <p:pic>
         <p:nvPicPr>
-          <p:cNvPr id="50" name="그림 19" descr="C:/Users/Admin1/AppData/Roaming/PolarisOffice/ETemp/20588_21813216/fImage106411939169.png"/>
+          <p:cNvPr id="50" name="그림 19"/>
           <p:cNvPicPr>
             <a:picLocks noChangeAspect="1"/>
           </p:cNvPicPr>
@@ -6314,9 +6334,9 @@
           <p:nvPr/>
         </p:nvSpPr>
         <p:spPr>
-          <a:xfrm rot="0">
+          <a:xfrm>
             <a:off x="1412875" y="5479415"/>
-            <a:ext cx="3967480" cy="677545"/>
+            <a:ext cx="3968115" cy="677545"/>
           </a:xfrm>
           <a:prstGeom prst="rect"/>
           <a:noFill/>
@@ -6343,7 +6363,17 @@
                 <a:latin typeface="맑은 고딕" charset="0"/>
                 <a:ea typeface="맑은 고딕" charset="0"/>
               </a:rPr>
-              <a:t>23</a:t>
+              <a:t>2</a:t>
+            </a:r>
+            <a:r>
+              <a:rPr lang="ko-KR" sz="2000" b="1">
+                <a:solidFill>
+                  <a:srgbClr val="0611F2"/>
+                </a:solidFill>
+                <a:latin typeface="맑은 고딕" charset="0"/>
+                <a:ea typeface="맑은 고딕" charset="0"/>
+              </a:rPr>
+              <a:t>4</a:t>
             </a:r>
             <a:r>
               <a:rPr sz="2000" b="1">
@@ -6393,7 +6423,7 @@
 </file>
 
 <file path=ppt/slides/slide11.xml><?xml version="1.0" encoding="utf-8"?>
-<p:sld xmlns:a="http://schemas.openxmlformats.org/drawingml/2006/main" xmlns:r="http://schemas.openxmlformats.org/officeDocument/2006/relationships" xmlns:p="http://schemas.openxmlformats.org/presentationml/2006/main">
+<p:sld xmlns:a="http://schemas.openxmlformats.org/drawingml/2006/main" xmlns:r="http://schemas.openxmlformats.org/officeDocument/2006/relationships" xmlns:p="http://schemas.openxmlformats.org/presentationml/2006/main" xmlns:p14="http://schemas.microsoft.com/office/powerpoint/2010/main">
   <p:cSld>
     <p:spTree>
       <p:nvGrpSpPr>
@@ -6488,9 +6518,9 @@
           <p:nvPr/>
         </p:nvSpPr>
         <p:spPr>
-          <a:xfrm rot="0">
+          <a:xfrm>
             <a:off x="1410335" y="2700655"/>
-            <a:ext cx="3970655" cy="954405"/>
+            <a:ext cx="3971290" cy="954405"/>
           </a:xfrm>
           <a:prstGeom prst="rect"/>
           <a:noFill/>
@@ -6527,7 +6557,7 @@
                 <a:latin typeface="맑은 고딕" charset="0"/>
                 <a:ea typeface="맑은 고딕" charset="0"/>
               </a:rPr>
-              <a:t>5</a:t>
+              <a:t>6</a:t>
             </a:r>
             <a:r>
               <a:rPr sz="2000" b="1">
@@ -6563,8 +6593,8 @@
         </p:nvSpPr>
         <p:spPr>
           <a:xfrm rot="0">
-            <a:off x="6818630" y="5471160"/>
-            <a:ext cx="4127500" cy="677545"/>
+            <a:off x="6818630" y="5480050"/>
+            <a:ext cx="4128135" cy="677545"/>
           </a:xfrm>
           <a:prstGeom prst="rect"/>
           <a:noFill/>
@@ -6601,7 +6631,7 @@
                 <a:latin typeface="맑은 고딕" charset="0"/>
                 <a:ea typeface="맑은 고딕" charset="0"/>
               </a:rPr>
-              <a:t>7</a:t>
+              <a:t>8</a:t>
             </a:r>
             <a:r>
               <a:rPr sz="2000" b="1">
@@ -6636,9 +6666,9 @@
           <p:nvPr/>
         </p:nvSpPr>
         <p:spPr>
-          <a:xfrm rot="0">
+          <a:xfrm>
             <a:off x="1412875" y="4925695"/>
-            <a:ext cx="3968115" cy="1231265"/>
+            <a:ext cx="3968750" cy="1231265"/>
           </a:xfrm>
           <a:prstGeom prst="rect"/>
           <a:noFill/>
@@ -6675,7 +6705,7 @@
                 <a:latin typeface="맑은 고딕" charset="0"/>
                 <a:ea typeface="맑은 고딕" charset="0"/>
               </a:rPr>
-              <a:t>6</a:t>
+              <a:t>7</a:t>
             </a:r>
             <a:r>
               <a:rPr sz="2000" b="1">
@@ -6692,21 +6722,7 @@
                 <a:latin typeface="맑은 고딕" charset="0"/>
                 <a:ea typeface="맑은 고딕" charset="0"/>
               </a:rPr>
-              <a:t>그런 다음</a:t>
-            </a:r>
-            <a:r>
-              <a:rPr lang="ko-KR" sz="1800">
-                <a:latin typeface="맑은 고딕" charset="0"/>
-                <a:ea typeface="맑은 고딕" charset="0"/>
-              </a:rPr>
-              <a:t> </a:t>
-            </a:r>
-            <a:r>
-              <a:rPr lang="ko-KR" sz="1800">
-                <a:latin typeface="맑은 고딕" charset="0"/>
-                <a:ea typeface="맑은 고딕" charset="0"/>
-              </a:rPr>
-              <a:t>Project 폴더에 있는 Texture 폴더에 Steel 텍스처를 선택하고 Character오브젝트에 넣어줍니다.</a:t>
+              <a:t>그런 다음 Project 폴더에 있는 Texture 폴더에 Steel 텍스처를 선택하고 Character오브젝트에 넣어줍니다.</a:t>
             </a:r>
             <a:endParaRPr lang="ko-KR" altLang="en-US" sz="1800">
               <a:latin typeface="맑은 고딕" charset="0"/>
@@ -6717,7 +6733,7 @@
       </p:sp>
       <p:pic>
         <p:nvPicPr>
-          <p:cNvPr id="52" name="그림 1" descr="C:/Users/Admin1/AppData/Roaming/PolarisOffice/ETemp/20588_21813216/fImage933419641.png"/>
+          <p:cNvPr id="52" name="그림 1"/>
           <p:cNvPicPr>
             <a:picLocks noChangeAspect="1"/>
           </p:cNvPicPr>
@@ -6748,7 +6764,7 @@
       </p:pic>
       <p:pic>
         <p:nvPicPr>
-          <p:cNvPr id="53" name="그림 4" descr="C:/Users/Admin1/AppData/Roaming/PolarisOffice/ETemp/20588_21813216/fImage232751978467.png"/>
+          <p:cNvPr id="53" name="그림 4"/>
           <p:cNvPicPr>
             <a:picLocks noChangeAspect="1"/>
           </p:cNvPicPr>
@@ -6779,7 +6795,7 @@
       </p:pic>
       <p:pic>
         <p:nvPicPr>
-          <p:cNvPr id="54" name="그림 7" descr="C:/Users/Admin1/AppData/Roaming/PolarisOffice/ETemp/20588_21813216/fImage53591986334.png"/>
+          <p:cNvPr id="54" name="그림 7"/>
           <p:cNvPicPr>
             <a:picLocks noChangeAspect="1"/>
           </p:cNvPicPr>
@@ -6843,7 +6859,7 @@
       </p:cxnSp>
       <p:pic>
         <p:nvPicPr>
-          <p:cNvPr id="56" name="그림 11" descr="C:/Users/Admin1/AppData/Roaming/PolarisOffice/ETemp/20588_21813216/fImage415872006500.png"/>
+          <p:cNvPr id="56" name="그림 11"/>
           <p:cNvPicPr>
             <a:picLocks noChangeAspect="1"/>
           </p:cNvPicPr>
@@ -6894,7 +6910,7 @@
 </file>
 
 <file path=ppt/slides/slide12.xml><?xml version="1.0" encoding="utf-8"?>
-<p:sld xmlns:a="http://schemas.openxmlformats.org/drawingml/2006/main" xmlns:r="http://schemas.openxmlformats.org/officeDocument/2006/relationships" xmlns:p="http://schemas.openxmlformats.org/presentationml/2006/main">
+<p:sld xmlns:a="http://schemas.openxmlformats.org/drawingml/2006/main" xmlns:r="http://schemas.openxmlformats.org/officeDocument/2006/relationships" xmlns:p="http://schemas.openxmlformats.org/presentationml/2006/main" xmlns:p14="http://schemas.microsoft.com/office/powerpoint/2010/main">
   <p:cSld>
     <p:spTree>
       <p:nvGrpSpPr>
@@ -6989,9 +7005,9 @@
           <p:nvPr/>
         </p:nvSpPr>
         <p:spPr>
-          <a:xfrm rot="0">
+          <a:xfrm>
             <a:off x="1421765" y="4639945"/>
-            <a:ext cx="3968115" cy="1508125"/>
+            <a:ext cx="3968750" cy="1508125"/>
           </a:xfrm>
           <a:prstGeom prst="rect"/>
           <a:noFill/>
@@ -7028,7 +7044,7 @@
                 <a:latin typeface="맑은 고딕" charset="0"/>
                 <a:ea typeface="맑은 고딕" charset="0"/>
               </a:rPr>
-              <a:t>8</a:t>
+              <a:t>9</a:t>
             </a:r>
             <a:r>
               <a:rPr sz="2000" b="1">
@@ -7083,7 +7099,7 @@
       </p:sp>
       <p:pic>
         <p:nvPicPr>
-          <p:cNvPr id="57" name="그림 14" descr="C:/Users/Admin1/AppData/Roaming/PolarisOffice/ETemp/20588_21813216/fImage148302109169.png"/>
+          <p:cNvPr id="57" name="그림 14"/>
           <p:cNvPicPr>
             <a:picLocks noChangeAspect="1"/>
           </p:cNvPicPr>
@@ -7114,7 +7130,7 @@
       </p:pic>
       <p:pic>
         <p:nvPicPr>
-          <p:cNvPr id="58" name="그림 17" descr="C:/Users/Admin1/AppData/Roaming/PolarisOffice/ETemp/20588_21813216/fImage59492115724.png"/>
+          <p:cNvPr id="58" name="그림 17"/>
           <p:cNvPicPr>
             <a:picLocks noChangeAspect="1"/>
           </p:cNvPicPr>
@@ -7145,7 +7161,7 @@
       </p:pic>
       <p:pic>
         <p:nvPicPr>
-          <p:cNvPr id="61" name="그림 24" descr="C:/Users/Admin1/AppData/Roaming/PolarisOffice/ETemp/20588_21813216/fImage98842141478.png"/>
+          <p:cNvPr id="61" name="그림 24"/>
           <p:cNvPicPr>
             <a:picLocks noChangeAspect="1"/>
           </p:cNvPicPr>
@@ -7176,7 +7192,7 @@
       </p:pic>
       <p:pic>
         <p:nvPicPr>
-          <p:cNvPr id="62" name="그림 27" descr="C:/Users/Admin1/AppData/Roaming/PolarisOffice/ETemp/20588_21813216/fImage58052159358.png"/>
+          <p:cNvPr id="62" name="그림 27"/>
           <p:cNvPicPr>
             <a:picLocks noChangeAspect="1"/>
           </p:cNvPicPr>
@@ -7214,9 +7230,9 @@
           <p:nvPr/>
         </p:nvSpPr>
         <p:spPr>
-          <a:xfrm rot="0">
+          <a:xfrm>
             <a:off x="7052945" y="4088765"/>
-            <a:ext cx="3971290" cy="2061845"/>
+            <a:ext cx="3971925" cy="2061845"/>
           </a:xfrm>
           <a:prstGeom prst="rect"/>
           <a:noFill/>
@@ -7243,17 +7259,7 @@
                 <a:latin typeface="맑은 고딕" charset="0"/>
                 <a:ea typeface="맑은 고딕" charset="0"/>
               </a:rPr>
-              <a:t>2</a:t>
-            </a:r>
-            <a:r>
-              <a:rPr lang="ko-KR" sz="2000" b="1">
-                <a:solidFill>
-                  <a:srgbClr val="0611F2"/>
-                </a:solidFill>
-                <a:latin typeface="맑은 고딕" charset="0"/>
-                <a:ea typeface="맑은 고딕" charset="0"/>
-              </a:rPr>
-              <a:t>9</a:t>
+              <a:t>30</a:t>
             </a:r>
             <a:r>
               <a:rPr sz="2000" b="1">
@@ -7363,7 +7369,7 @@
 </file>
 
 <file path=ppt/slides/slide13.xml><?xml version="1.0" encoding="utf-8"?>
-<p:sld xmlns:a="http://schemas.openxmlformats.org/drawingml/2006/main" xmlns:r="http://schemas.openxmlformats.org/officeDocument/2006/relationships" xmlns:p="http://schemas.openxmlformats.org/presentationml/2006/main">
+<p:sld xmlns:a="http://schemas.openxmlformats.org/drawingml/2006/main" xmlns:r="http://schemas.openxmlformats.org/officeDocument/2006/relationships" xmlns:p="http://schemas.openxmlformats.org/presentationml/2006/main" xmlns:p14="http://schemas.microsoft.com/office/powerpoint/2010/main">
   <p:cSld>
     <p:spTree>
       <p:nvGrpSpPr>
@@ -7451,7 +7457,7 @@
       </p:sp>
       <p:pic>
         <p:nvPicPr>
-          <p:cNvPr id="59" name="Picture " descr="C:/Users/Admin1/AppData/Roaming/PolarisOffice/ETemp/20588_21813216/fImage47031079169.png"/>
+          <p:cNvPr id="59" name="Picture "/>
           <p:cNvPicPr>
             <a:picLocks noChangeAspect="1"/>
           </p:cNvPicPr>
@@ -7489,9 +7495,9 @@
           <p:nvPr/>
         </p:nvSpPr>
         <p:spPr>
-          <a:xfrm rot="0">
+          <a:xfrm>
             <a:off x="1388745" y="2946400"/>
-            <a:ext cx="3989705" cy="677545"/>
+            <a:ext cx="3990340" cy="677545"/>
           </a:xfrm>
           <a:prstGeom prst="rect"/>
           <a:noFill/>
@@ -7518,7 +7524,7 @@
                 <a:latin typeface="맑은 고딕" charset="0"/>
                 <a:ea typeface="맑은 고딕" charset="0"/>
               </a:rPr>
-              <a:t>30</a:t>
+              <a:t>31</a:t>
             </a:r>
             <a:r>
               <a:rPr sz="2000" b="1">
@@ -7545,28 +7551,7 @@
                 <a:latin typeface="맑은 고딕" charset="0"/>
                 <a:ea typeface="맑은 고딕" charset="0"/>
               </a:rPr>
-              <a:t>이제</a:t>
-            </a:r>
-            <a:r>
-              <a:rPr lang="ko-KR" sz="1800">
-                <a:latin typeface="맑은 고딕" charset="0"/>
-                <a:ea typeface="맑은 고딕" charset="0"/>
-              </a:rPr>
-              <a:t> </a:t>
-            </a:r>
-            <a:r>
-              <a:rPr lang="ko-KR" sz="1800">
-                <a:latin typeface="맑은 고딕" charset="0"/>
-                <a:ea typeface="맑은 고딕" charset="0"/>
-              </a:rPr>
-              <a:t>Billiard Ball </a:t>
-            </a:r>
-            <a:r>
-              <a:rPr lang="ko-KR" sz="1800">
-                <a:latin typeface="맑은 고딕" charset="0"/>
-                <a:ea typeface="맑은 고딕" charset="0"/>
-              </a:rPr>
-              <a:t>오브젝트에 Rigidbody 컴포넌트를 추가합니다. </a:t>
+              <a:t>이제 Billiard Ball 오브젝트에 Rigidbody 컴포넌트를 추가합니다. </a:t>
             </a:r>
             <a:endParaRPr lang="ko-KR" altLang="en-US" sz="1800">
               <a:latin typeface="맑은 고딕" charset="0"/>
@@ -7577,7 +7562,7 @@
       </p:sp>
       <p:pic>
         <p:nvPicPr>
-          <p:cNvPr id="61" name="그림 32" descr="C:/Users/Admin1/AppData/Roaming/PolarisOffice/ETemp/20588_21813216/fImage122552266962.png"/>
+          <p:cNvPr id="61" name="그림 32"/>
           <p:cNvPicPr>
             <a:picLocks noChangeAspect="1"/>
           </p:cNvPicPr>
@@ -7615,9 +7600,9 @@
           <p:nvPr/>
         </p:nvSpPr>
         <p:spPr>
-          <a:xfrm rot="0">
+          <a:xfrm>
             <a:off x="1382395" y="5426075"/>
-            <a:ext cx="4004310" cy="677545"/>
+            <a:ext cx="4004945" cy="677545"/>
           </a:xfrm>
           <a:prstGeom prst="rect"/>
           <a:noFill/>
@@ -7644,7 +7629,7 @@
                 <a:latin typeface="맑은 고딕" charset="0"/>
                 <a:ea typeface="맑은 고딕" charset="0"/>
               </a:rPr>
-              <a:t>31</a:t>
+              <a:t>32</a:t>
             </a:r>
             <a:r>
               <a:rPr sz="2000" b="1">
@@ -7671,14 +7656,7 @@
                 <a:latin typeface="맑은 고딕" charset="0"/>
                 <a:ea typeface="맑은 고딕" charset="0"/>
               </a:rPr>
-              <a:t>그리고 Billiard Ball 오브젝트를 선택하고 위치를 설정합니다.</a:t>
-            </a:r>
-            <a:r>
-              <a:rPr lang="ko-KR" sz="1800">
-                <a:latin typeface="맑은 고딕" charset="0"/>
-                <a:ea typeface="맑은 고딕" charset="0"/>
-              </a:rPr>
-              <a:t> </a:t>
+              <a:t>그리고 Billiard Ball 오브젝트를 선택하고 위치를 설정합니다. </a:t>
             </a:r>
             <a:endParaRPr lang="ko-KR" altLang="en-US" sz="1800">
               <a:latin typeface="맑은 고딕" charset="0"/>
@@ -7689,7 +7667,7 @@
       </p:sp>
       <p:pic>
         <p:nvPicPr>
-          <p:cNvPr id="63" name="그림 36" descr="C:/Users/Admin1/AppData/Roaming/PolarisOffice/ETemp/20588_21813216/fImage106112284464.png"/>
+          <p:cNvPr id="63" name="그림 36"/>
           <p:cNvPicPr>
             <a:picLocks noChangeAspect="1"/>
           </p:cNvPicPr>
@@ -7727,9 +7705,9 @@
           <p:nvPr/>
         </p:nvSpPr>
         <p:spPr>
-          <a:xfrm rot="0">
+          <a:xfrm>
             <a:off x="6802755" y="2801620"/>
-            <a:ext cx="4056380" cy="954405"/>
+            <a:ext cx="4057015" cy="954405"/>
           </a:xfrm>
           <a:prstGeom prst="rect"/>
           <a:noFill/>
@@ -7756,7 +7734,7 @@
                 <a:latin typeface="맑은 고딕" charset="0"/>
                 <a:ea typeface="맑은 고딕" charset="0"/>
               </a:rPr>
-              <a:t>32</a:t>
+              <a:t>33</a:t>
             </a:r>
             <a:r>
               <a:rPr sz="2000" b="1">
@@ -7783,28 +7761,7 @@
                 <a:latin typeface="맑은 고딕" charset="0"/>
                 <a:ea typeface="맑은 고딕" charset="0"/>
               </a:rPr>
-              <a:t>그런 다음</a:t>
-            </a:r>
-            <a:r>
-              <a:rPr lang="ko-KR" sz="1800">
-                <a:latin typeface="맑은 고딕" charset="0"/>
-                <a:ea typeface="맑은 고딕" charset="0"/>
-              </a:rPr>
-              <a:t> </a:t>
-            </a:r>
-            <a:r>
-              <a:rPr lang="ko-KR" sz="1800">
-                <a:latin typeface="맑은 고딕" charset="0"/>
-                <a:ea typeface="맑은 고딕" charset="0"/>
-              </a:rPr>
-              <a:t>Physic Material를 선택하고 Bounciness값과 Bounce Combine값을 최대로 설정합니다.</a:t>
-            </a:r>
-            <a:r>
-              <a:rPr lang="ko-KR" sz="1800">
-                <a:latin typeface="맑은 고딕" charset="0"/>
-                <a:ea typeface="맑은 고딕" charset="0"/>
-              </a:rPr>
-              <a:t> </a:t>
+              <a:t>그런 다음 Physic Material를 선택하고 Bounciness값과 Bounce Combine값을 최대로 설정합니다. </a:t>
             </a:r>
             <a:endParaRPr lang="ko-KR" altLang="en-US" sz="1800">
               <a:latin typeface="맑은 고딕" charset="0"/>
@@ -7815,7 +7772,7 @@
       </p:sp>
       <p:pic>
         <p:nvPicPr>
-          <p:cNvPr id="65" name="그림 41" descr="C:/Users/Admin1/AppData/Roaming/PolarisOffice/ETemp/20588_21813216/fImage287362315705.png"/>
+          <p:cNvPr id="65" name="그림 41"/>
           <p:cNvPicPr>
             <a:picLocks noChangeAspect="1"/>
           </p:cNvPicPr>
@@ -7846,7 +7803,7 @@
       </p:pic>
       <p:pic>
         <p:nvPicPr>
-          <p:cNvPr id="66" name="그림 44" descr="C:/Users/Admin1/AppData/Roaming/PolarisOffice/ETemp/20588_21813216/fImage58872328145.png"/>
+          <p:cNvPr id="66" name="그림 44"/>
           <p:cNvPicPr>
             <a:picLocks noChangeAspect="1"/>
           </p:cNvPicPr>
@@ -7884,9 +7841,9 @@
           <p:nvPr/>
         </p:nvSpPr>
         <p:spPr>
-          <a:xfrm rot="0">
+          <a:xfrm>
             <a:off x="6814185" y="5151120"/>
-            <a:ext cx="4056380" cy="954405"/>
+            <a:ext cx="4057015" cy="954405"/>
           </a:xfrm>
           <a:prstGeom prst="rect"/>
           <a:noFill/>
@@ -7913,7 +7870,7 @@
                 <a:latin typeface="맑은 고딕" charset="0"/>
                 <a:ea typeface="맑은 고딕" charset="0"/>
               </a:rPr>
-              <a:t>33</a:t>
+              <a:t>34</a:t>
             </a:r>
             <a:r>
               <a:rPr sz="2000" b="1">
@@ -8091,9 +8048,9 @@
           <p:nvPr/>
         </p:nvSpPr>
         <p:spPr>
-          <a:xfrm rot="0">
+          <a:xfrm>
             <a:off x="1421765" y="5163185"/>
-            <a:ext cx="3941445" cy="954405"/>
+            <a:ext cx="3942080" cy="954405"/>
           </a:xfrm>
           <a:prstGeom prst="rect"/>
           <a:noFill/>
@@ -8120,7 +8077,17 @@
                 <a:latin typeface="맑은 고딕" charset="0"/>
                 <a:ea typeface="맑은 고딕" charset="0"/>
               </a:rPr>
-              <a:t>3.</a:t>
+              <a:t>4</a:t>
+            </a:r>
+            <a:r>
+              <a:rPr sz="2000" b="1">
+                <a:solidFill>
+                  <a:srgbClr val="0611F2"/>
+                </a:solidFill>
+                <a:latin typeface="맑은 고딕" charset="0"/>
+                <a:ea typeface="맑은 고딕" charset="0"/>
+              </a:rPr>
+              <a:t>.</a:t>
             </a:r>
             <a:r>
               <a:rPr lang="ko-KR" sz="2000" b="1">
@@ -8155,9 +8122,9 @@
           <p:nvPr/>
         </p:nvSpPr>
         <p:spPr>
-          <a:xfrm rot="0">
+          <a:xfrm>
             <a:off x="6835775" y="4325620"/>
-            <a:ext cx="3872230" cy="1784985"/>
+            <a:ext cx="3872865" cy="1784985"/>
           </a:xfrm>
           <a:prstGeom prst="rect"/>
           <a:noFill/>
@@ -8184,7 +8151,7 @@
                 <a:latin typeface="맑은 고딕" charset="0"/>
                 <a:ea typeface="맑은 고딕" charset="0"/>
               </a:rPr>
-              <a:t>4</a:t>
+              <a:t>5</a:t>
             </a:r>
             <a:r>
               <a:rPr sz="2000" b="1">
@@ -8478,9 +8445,9 @@
           <p:nvPr/>
         </p:nvSpPr>
         <p:spPr>
-          <a:xfrm rot="0">
+          <a:xfrm>
             <a:off x="1421765" y="5215890"/>
-            <a:ext cx="3958590" cy="955675"/>
+            <a:ext cx="3959225" cy="954405"/>
           </a:xfrm>
           <a:prstGeom prst="rect"/>
           <a:noFill/>
@@ -8507,7 +8474,7 @@
                 <a:latin typeface="맑은 고딕" charset="0"/>
                 <a:ea typeface="맑은 고딕" charset="0"/>
               </a:rPr>
-              <a:t>5</a:t>
+              <a:t>6</a:t>
             </a:r>
             <a:r>
               <a:rPr sz="2000" b="1">
@@ -8552,9 +8519,9 @@
           <p:nvPr/>
         </p:nvSpPr>
         <p:spPr>
-          <a:xfrm rot="0">
+          <a:xfrm>
             <a:off x="6851650" y="2599055"/>
-            <a:ext cx="4090035" cy="954405"/>
+            <a:ext cx="4090670" cy="954405"/>
           </a:xfrm>
           <a:prstGeom prst="rect"/>
           <a:noFill/>
@@ -8581,7 +8548,7 @@
                 <a:latin typeface="맑은 고딕" charset="0"/>
                 <a:ea typeface="맑은 고딕" charset="0"/>
               </a:rPr>
-              <a:t>6</a:t>
+              <a:t>7</a:t>
             </a:r>
             <a:r>
               <a:rPr sz="2000" b="1">
@@ -8812,9 +8779,9 @@
           <p:nvPr/>
         </p:nvSpPr>
         <p:spPr>
-          <a:xfrm rot="0">
+          <a:xfrm>
             <a:off x="6863080" y="5490210"/>
-            <a:ext cx="4090035" cy="677545"/>
+            <a:ext cx="4090670" cy="677545"/>
           </a:xfrm>
           <a:prstGeom prst="rect"/>
           <a:noFill/>
@@ -8841,7 +8808,7 @@
                 <a:latin typeface="맑은 고딕" charset="0"/>
                 <a:ea typeface="맑은 고딕" charset="0"/>
               </a:rPr>
-              <a:t>7</a:t>
+              <a:t>8</a:t>
             </a:r>
             <a:r>
               <a:rPr sz="2000" b="1">
@@ -8986,9 +8953,9 @@
           <p:nvPr/>
         </p:nvSpPr>
         <p:spPr>
-          <a:xfrm rot="0">
+          <a:xfrm>
             <a:off x="1412875" y="3941445"/>
-            <a:ext cx="3957955" cy="2061845"/>
+            <a:ext cx="3958590" cy="2061845"/>
           </a:xfrm>
           <a:prstGeom prst="rect"/>
           <a:noFill/>
@@ -9015,7 +8982,7 @@
                 <a:latin typeface="맑은 고딕" charset="0"/>
                 <a:ea typeface="맑은 고딕" charset="0"/>
               </a:rPr>
-              <a:t>8</a:t>
+              <a:t>9</a:t>
             </a:r>
             <a:r>
               <a:rPr sz="2000" b="1">
@@ -9145,9 +9112,9 @@
           <p:nvPr/>
         </p:nvSpPr>
         <p:spPr>
-          <a:xfrm rot="0">
+          <a:xfrm>
             <a:off x="6822440" y="3946525"/>
-            <a:ext cx="4023995" cy="2061845"/>
+            <a:ext cx="4024630" cy="2061845"/>
           </a:xfrm>
           <a:prstGeom prst="rect"/>
           <a:noFill/>
@@ -9174,7 +9141,7 @@
                 <a:latin typeface="맑은 고딕" charset="0"/>
                 <a:ea typeface="맑은 고딕" charset="0"/>
               </a:rPr>
-              <a:t>9</a:t>
+              <a:t>10</a:t>
             </a:r>
             <a:r>
               <a:rPr sz="2000" b="1">
@@ -9356,9 +9323,9 @@
           <p:nvPr/>
         </p:nvSpPr>
         <p:spPr>
-          <a:xfrm rot="0">
+          <a:xfrm>
             <a:off x="6816090" y="2882265"/>
-            <a:ext cx="4116705" cy="1231265"/>
+            <a:ext cx="4117340" cy="1231265"/>
           </a:xfrm>
           <a:prstGeom prst="rect"/>
           <a:noFill/>
@@ -9395,7 +9362,7 @@
                 <a:latin typeface="맑은 고딕" charset="0"/>
                 <a:ea typeface="맑은 고딕" charset="0"/>
               </a:rPr>
-              <a:t>2</a:t>
+              <a:t>3</a:t>
             </a:r>
             <a:r>
               <a:rPr sz="2000" b="1">
@@ -9412,14 +9379,7 @@
                 <a:latin typeface="맑은 고딕" charset="0"/>
                 <a:ea typeface="맑은 고딕" charset="0"/>
               </a:rPr>
-              <a:t>그리고</a:t>
-            </a:r>
-            <a:r>
-              <a:rPr lang="ko-KR" sz="1800">
-                <a:latin typeface="맑은 고딕" charset="0"/>
-                <a:ea typeface="맑은 고딕" charset="0"/>
-              </a:rPr>
-              <a:t> 게임 오브젝트가 물리적인 충돌이 끝났을 때 게임 오브젝트의 크기와 boolean 변수의 값을 false로 변경합니다.</a:t>
+              <a:t>그리고 게임 오브젝트가 물리적인 충돌이 끝났을 때 게임 오브젝트의 크기와 boolean 변수의 값을 false로 변경합니다.</a:t>
             </a:r>
             <a:endParaRPr lang="ko-KR" altLang="en-US" sz="1800">
               <a:latin typeface="맑은 고딕" charset="0"/>
@@ -9437,9 +9397,9 @@
           <p:nvPr/>
         </p:nvSpPr>
         <p:spPr>
-          <a:xfrm rot="0">
+          <a:xfrm>
             <a:off x="1400810" y="2881630"/>
-            <a:ext cx="3987800" cy="954405"/>
+            <a:ext cx="3988435" cy="954405"/>
           </a:xfrm>
           <a:prstGeom prst="rect"/>
           <a:noFill/>
@@ -9466,7 +9426,17 @@
                 <a:latin typeface="맑은 고딕" charset="0"/>
                 <a:ea typeface="맑은 고딕" charset="0"/>
               </a:rPr>
-              <a:t>10</a:t>
+              <a:t>1</a:t>
+            </a:r>
+            <a:r>
+              <a:rPr lang="ko-KR" sz="2000" b="1">
+                <a:solidFill>
+                  <a:srgbClr val="0611F2"/>
+                </a:solidFill>
+                <a:latin typeface="맑은 고딕" charset="0"/>
+                <a:ea typeface="맑은 고딕" charset="0"/>
+              </a:rPr>
+              <a:t>1</a:t>
             </a:r>
             <a:r>
               <a:rPr sz="2000" b="1">
@@ -9483,28 +9453,7 @@
                 <a:latin typeface="맑은 고딕" charset="0"/>
                 <a:ea typeface="맑은 고딕" charset="0"/>
               </a:rPr>
-              <a:t>그다음 </a:t>
-            </a:r>
-            <a:r>
-              <a:rPr lang="ko-KR" sz="1800">
-                <a:latin typeface="맑은 고딕" charset="0"/>
-                <a:ea typeface="맑은 고딕" charset="0"/>
-              </a:rPr>
-              <a:t>게임 오브젝트가 </a:t>
-            </a:r>
-            <a:r>
-              <a:rPr lang="ko-KR" sz="1800">
-                <a:latin typeface="맑은 고딕" charset="0"/>
-                <a:ea typeface="맑은 고딕" charset="0"/>
-              </a:rPr>
-              <a:t>물리적인 충돌</a:t>
-            </a:r>
-            <a:r>
-              <a:rPr lang="ko-KR" sz="1800">
-                <a:latin typeface="맑은 고딕" charset="0"/>
-                <a:ea typeface="맑은 고딕" charset="0"/>
-              </a:rPr>
-              <a:t>을 했을 때  boolean 변수의 값을 true로 변경합니다.</a:t>
+              <a:t>그다음 게임 오브젝트가 물리적인 충돌을 했을 때  boolean 변수의 값을 true로 변경합니다.</a:t>
             </a:r>
             <a:endParaRPr lang="ko-KR" altLang="en-US" sz="1800">
               <a:latin typeface="맑은 고딕" charset="0"/>
@@ -9584,9 +9533,9 @@
           <p:nvPr/>
         </p:nvSpPr>
         <p:spPr>
-          <a:xfrm rot="0">
+          <a:xfrm>
             <a:off x="1403350" y="5339715"/>
-            <a:ext cx="3987800" cy="954405"/>
+            <a:ext cx="3988435" cy="954405"/>
           </a:xfrm>
           <a:prstGeom prst="rect"/>
           <a:noFill/>
@@ -9623,7 +9572,7 @@
                 <a:latin typeface="맑은 고딕" charset="0"/>
                 <a:ea typeface="맑은 고딕" charset="0"/>
               </a:rPr>
-              <a:t>1</a:t>
+              <a:t>2</a:t>
             </a:r>
             <a:r>
               <a:rPr sz="2000" b="1">
@@ -9751,9 +9700,9 @@
           <p:nvPr/>
         </p:nvSpPr>
         <p:spPr>
-          <a:xfrm rot="0">
+          <a:xfrm>
             <a:off x="6811645" y="5351145"/>
-            <a:ext cx="4138295" cy="954405"/>
+            <a:ext cx="4138930" cy="954405"/>
           </a:xfrm>
           <a:prstGeom prst="rect"/>
           <a:noFill/>
@@ -9790,7 +9739,7 @@
                 <a:latin typeface="맑은 고딕" charset="0"/>
                 <a:ea typeface="맑은 고딕" charset="0"/>
               </a:rPr>
-              <a:t>3</a:t>
+              <a:t>4</a:t>
             </a:r>
             <a:r>
               <a:rPr sz="2000" b="1">
@@ -9936,8 +9885,8 @@
         </p:nvSpPr>
         <p:spPr>
           <a:xfrm rot="0">
-            <a:off x="1430020" y="2595880"/>
-            <a:ext cx="4002405" cy="954405"/>
+            <a:off x="1430020" y="2794635"/>
+            <a:ext cx="4003040" cy="954405"/>
           </a:xfrm>
           <a:prstGeom prst="rect"/>
           <a:noFill/>
@@ -9974,7 +9923,7 @@
                 <a:latin typeface="맑은 고딕" charset="0"/>
                 <a:ea typeface="맑은 고딕" charset="0"/>
               </a:rPr>
-              <a:t>4</a:t>
+              <a:t>5</a:t>
             </a:r>
             <a:r>
               <a:rPr sz="2000" b="1">
@@ -9991,14 +9940,7 @@
                 <a:latin typeface="맑은 고딕" charset="0"/>
                 <a:ea typeface="맑은 고딕" charset="0"/>
               </a:rPr>
-              <a:t>그</a:t>
-            </a:r>
-            <a:r>
-              <a:rPr lang="ko-KR" sz="1800">
-                <a:latin typeface="맑은 고딕" charset="0"/>
-                <a:ea typeface="맑은 고딕" charset="0"/>
-              </a:rPr>
-              <a:t>다음으로 Sensor 스크립트를 생성하고 Obstacle 오브젝트에 넣어줍니다.</a:t>
+              <a:t>그다음으로 Sensor 스크립트를 생성하고 Obstacle 오브젝트에 넣어줍니다.</a:t>
             </a:r>
             <a:endParaRPr lang="ko-KR" altLang="en-US" sz="1800">
               <a:latin typeface="맑은 고딕" charset="0"/>
@@ -10017,8 +9959,8 @@
         </p:nvSpPr>
         <p:spPr>
           <a:xfrm rot="0">
-            <a:off x="1423035" y="5262880"/>
-            <a:ext cx="4017645" cy="677545"/>
+            <a:off x="1423035" y="5496560"/>
+            <a:ext cx="4018280" cy="677545"/>
           </a:xfrm>
           <a:prstGeom prst="rect"/>
           <a:noFill/>
@@ -10055,7 +9997,7 @@
                 <a:latin typeface="맑은 고딕" charset="0"/>
                 <a:ea typeface="맑은 고딕" charset="0"/>
               </a:rPr>
-              <a:t>5</a:t>
+              <a:t>6</a:t>
             </a:r>
             <a:r>
               <a:rPr sz="2000" b="1">
@@ -10082,21 +10024,7 @@
                 <a:latin typeface="맑은 고딕" charset="0"/>
                 <a:ea typeface="맑은 고딕" charset="0"/>
               </a:rPr>
-              <a:t>이제</a:t>
-            </a:r>
-            <a:r>
-              <a:rPr lang="ko-KR" sz="1800">
-                <a:latin typeface="맑은 고딕" charset="0"/>
-                <a:ea typeface="맑은 고딕" charset="0"/>
-              </a:rPr>
-              <a:t> Obstacle 오브젝트에</a:t>
-            </a:r>
-            <a:r>
-              <a:rPr lang="ko-KR" sz="1800">
-                <a:latin typeface="맑은 고딕" charset="0"/>
-                <a:ea typeface="맑은 고딕" charset="0"/>
-              </a:rPr>
-              <a:t> 있는 Box Collider의 크기를 변경합니다.</a:t>
+              <a:t>이제 Obstacle 오브젝트에 있는 Box Collider의 크기를 변경합니다.</a:t>
             </a:r>
             <a:endParaRPr lang="ko-KR" altLang="en-US" sz="1800">
               <a:latin typeface="맑은 고딕" charset="0"/>
@@ -10107,17 +10035,17 @@
       </p:sp>
       <p:pic>
         <p:nvPicPr>
-          <p:cNvPr id="32" name="그림 56"/>
+          <p:cNvPr id="32" name="그림 56" descr="C:/Users/Admin1/AppData/Roaming/PolarisOffice/ETemp/3476_8310464/fImage20671195705.png"/>
           <p:cNvPicPr>
             <a:picLocks noChangeAspect="1"/>
           </p:cNvPicPr>
           <p:nvPr/>
         </p:nvPicPr>
         <p:blipFill rotWithShape="1">
-          <a:blip r:embed="rId8" cstate="print">
+          <a:blip r:embed="rId8" cstate="hqprint">
             <a:extLst>
               <a:ext uri="{28A0092B-C50C-407E-A947-70E740481C1C}">
-                <a14:useLocalDpi xmlns:a14="http://schemas.microsoft.com/office/drawing/2010/main" val="0"/>
+                <a14:useLocalDpi xmlns:a14="http://schemas.microsoft.com/office/drawing/2010/main"/>
               </a:ext>
             </a:extLst>
           </a:blip>
@@ -10127,8 +10055,8 @@
         </p:blipFill>
         <p:spPr>
           <a:xfrm rot="0">
-            <a:off x="4661535" y="1583055"/>
-            <a:ext cx="770255" cy="813435"/>
+            <a:off x="4661535" y="1686560"/>
+            <a:ext cx="770890" cy="865505"/>
           </a:xfrm>
           <a:prstGeom prst="roundRect"/>
           <a:solidFill>
@@ -10138,17 +10066,17 @@
       </p:pic>
       <p:pic>
         <p:nvPicPr>
-          <p:cNvPr id="33" name="그림 60"/>
+          <p:cNvPr id="33" name="그림 60" descr="C:/Users/Admin1/AppData/Roaming/PolarisOffice/ETemp/3476_8310464/fImage53461218145.png"/>
           <p:cNvPicPr>
             <a:picLocks noChangeAspect="1"/>
           </p:cNvPicPr>
           <p:nvPr/>
         </p:nvPicPr>
         <p:blipFill rotWithShape="1">
-          <a:blip r:embed="rId9" cstate="print">
+          <a:blip r:embed="rId9" cstate="hqprint">
             <a:extLst>
               <a:ext uri="{28A0092B-C50C-407E-A947-70E740481C1C}">
-                <a14:useLocalDpi xmlns:a14="http://schemas.microsoft.com/office/drawing/2010/main" val="0"/>
+                <a14:useLocalDpi xmlns:a14="http://schemas.microsoft.com/office/drawing/2010/main"/>
               </a:ext>
             </a:extLst>
           </a:blip>
@@ -10159,7 +10087,7 @@
         <p:spPr>
           <a:xfrm rot="0">
             <a:off x="1423670" y="1487805"/>
-            <a:ext cx="2814955" cy="1012190"/>
+            <a:ext cx="2884170" cy="1245870"/>
           </a:xfrm>
           <a:prstGeom prst="roundRect"/>
           <a:solidFill>
@@ -10177,13 +10105,12 @@
         </p:nvCxnSpPr>
         <p:spPr>
           <a:xfrm rot="0" flipH="1">
-            <a:off x="3295015" y="1989455"/>
-            <a:ext cx="1367155" cy="389890"/>
+            <a:off x="3347085" y="2118995"/>
+            <a:ext cx="1315085" cy="450215"/>
           </a:xfrm>
           <a:prstGeom prst="straightConnector1"/>
           <a:ln w="6350" cap="flat" cmpd="sng">
             <a:prstDash/>
-            <a:headEnd type="none" w="med" len="med"/>
             <a:tailEnd type="triangle" w="med" len="med"/>
           </a:ln>
         </p:spPr>
@@ -10204,17 +10131,17 @@
       </p:cxnSp>
       <p:pic>
         <p:nvPicPr>
-          <p:cNvPr id="35" name="그림 62"/>
+          <p:cNvPr id="35" name="그림 62" descr="C:/Users/Admin1/AppData/Roaming/PolarisOffice/ETemp/3476_8310464/fImage97581233281.png"/>
           <p:cNvPicPr>
             <a:picLocks noChangeAspect="1"/>
           </p:cNvPicPr>
           <p:nvPr/>
         </p:nvPicPr>
         <p:blipFill rotWithShape="1">
-          <a:blip r:embed="rId10" cstate="print">
+          <a:blip r:embed="rId10" cstate="hqprint">
             <a:extLst>
               <a:ext uri="{28A0092B-C50C-407E-A947-70E740481C1C}">
-                <a14:useLocalDpi xmlns:a14="http://schemas.microsoft.com/office/drawing/2010/main" val="0"/>
+                <a14:useLocalDpi xmlns:a14="http://schemas.microsoft.com/office/drawing/2010/main"/>
               </a:ext>
             </a:extLst>
           </a:blip>
@@ -10224,8 +10151,8 @@
         </p:blipFill>
         <p:spPr>
           <a:xfrm rot="0">
-            <a:off x="1423670" y="3698875"/>
-            <a:ext cx="4008755" cy="1482090"/>
+            <a:off x="1423670" y="3940810"/>
+            <a:ext cx="4009390" cy="1482725"/>
           </a:xfrm>
           <a:prstGeom prst="roundRect"/>
           <a:solidFill>
@@ -10242,9 +10169,9 @@
           <p:nvPr/>
         </p:nvSpPr>
         <p:spPr>
-          <a:xfrm rot="0">
+          <a:xfrm>
             <a:off x="6815455" y="3830955"/>
-            <a:ext cx="4258310" cy="2338705"/>
+            <a:ext cx="4258945" cy="2338705"/>
           </a:xfrm>
           <a:prstGeom prst="rect"/>
           <a:noFill/>
@@ -10281,7 +10208,7 @@
                 <a:latin typeface="맑은 고딕" charset="0"/>
                 <a:ea typeface="맑은 고딕" charset="0"/>
               </a:rPr>
-              <a:t>6</a:t>
+              <a:t>7</a:t>
             </a:r>
             <a:r>
               <a:rPr sz="2000" b="1">
@@ -10298,21 +10225,7 @@
                 <a:latin typeface="맑은 고딕" charset="0"/>
                 <a:ea typeface="맑은 고딕" charset="0"/>
               </a:rPr>
-              <a:t>그</a:t>
-            </a:r>
-            <a:r>
-              <a:rPr lang="ko-KR" sz="1800">
-                <a:latin typeface="맑은 고딕" charset="0"/>
-                <a:ea typeface="맑은 고딕" charset="0"/>
-              </a:rPr>
-              <a:t>리고</a:t>
-            </a:r>
-            <a:r>
-              <a:rPr lang="ko-KR" sz="1800">
-                <a:latin typeface="맑은 고딕" charset="0"/>
-                <a:ea typeface="맑은 고딕" charset="0"/>
-              </a:rPr>
-              <a:t> FixedUpdate에 RigidBody의 MovePosition( ) 함수를 선언합니다.</a:t>
+              <a:t>그리고 FixedUpdate에 RigidBody의 MovePosition( ) 함수를 선언합니다.</a:t>
             </a:r>
             <a:endParaRPr lang="ko-KR" altLang="en-US" sz="1800">
               <a:latin typeface="맑은 고딕" charset="0"/>
@@ -10339,21 +10252,7 @@
                 <a:latin typeface="맑은 고딕" charset="0"/>
                 <a:ea typeface="맑은 고딕" charset="0"/>
               </a:rPr>
-              <a:t>그</a:t>
-            </a:r>
-            <a:r>
-              <a:rPr lang="ko-KR" sz="1800">
-                <a:latin typeface="맑은 고딕" charset="0"/>
-                <a:ea typeface="맑은 고딕" charset="0"/>
-              </a:rPr>
-              <a:t>런 다음</a:t>
-            </a:r>
-            <a:r>
-              <a:rPr lang="ko-KR" sz="1800">
-                <a:latin typeface="맑은 고딕" charset="0"/>
-                <a:ea typeface="맑은 고딕" charset="0"/>
-              </a:rPr>
-              <a:t> FixedUpdate에서는 기본값으로 0.02초를 주기로 실행되기 때문에 Time.fixedDeltaTime의 값으로 계산합니다. </a:t>
+              <a:t>그런 다음 FixedUpdate에서는 기본값으로 0.02초를 주기로 실행되기 때문에 Time.fixedDeltaTime의 값으로 계산합니다. </a:t>
             </a:r>
             <a:endParaRPr lang="ko-KR" altLang="en-US" sz="1800">
               <a:latin typeface="맑은 고딕" charset="0"/>
@@ -10630,8 +10529,8 @@
         </p:nvSpPr>
         <p:spPr>
           <a:xfrm rot="0">
-            <a:off x="6819900" y="4437380"/>
-            <a:ext cx="4036060" cy="1508125"/>
+            <a:off x="6828790" y="4437380"/>
+            <a:ext cx="4036695" cy="1508125"/>
           </a:xfrm>
           <a:prstGeom prst="rect"/>
           <a:noFill/>
@@ -10658,7 +10557,17 @@
                 <a:latin typeface="맑은 고딕" charset="0"/>
                 <a:ea typeface="맑은 고딕" charset="0"/>
               </a:rPr>
-              <a:t>17</a:t>
+              <a:t>1</a:t>
+            </a:r>
+            <a:r>
+              <a:rPr lang="ko-KR" sz="2000" b="1">
+                <a:solidFill>
+                  <a:srgbClr val="0611F2"/>
+                </a:solidFill>
+                <a:latin typeface="맑은 고딕" charset="0"/>
+                <a:ea typeface="맑은 고딕" charset="0"/>
+              </a:rPr>
+              <a:t>8</a:t>
             </a:r>
             <a:r>
               <a:rPr sz="2000" b="1">
@@ -11137,7 +11046,7 @@
         <p:spPr>
           <a:xfrm>
             <a:off x="6824980" y="5211445"/>
-            <a:ext cx="4259580" cy="954405"/>
+            <a:ext cx="4260215" cy="954405"/>
           </a:xfrm>
           <a:prstGeom prst="rect"/>
           <a:noFill/>
@@ -11174,7 +11083,7 @@
                 <a:latin typeface="맑은 고딕" charset="0"/>
                 <a:ea typeface="맑은 고딕" charset="0"/>
               </a:rPr>
-              <a:t>8</a:t>
+              <a:t>9</a:t>
             </a:r>
             <a:r>
               <a:rPr sz="2000" b="1">
@@ -11338,9 +11247,9 @@
           <p:nvPr/>
         </p:nvSpPr>
         <p:spPr>
-          <a:xfrm rot="0">
+          <a:xfrm>
             <a:off x="1410335" y="5208905"/>
-            <a:ext cx="3970020" cy="954405"/>
+            <a:ext cx="3970655" cy="954405"/>
           </a:xfrm>
           <a:prstGeom prst="rect"/>
           <a:noFill/>
@@ -11367,7 +11276,7 @@
                 <a:latin typeface="맑은 고딕" charset="0"/>
                 <a:ea typeface="맑은 고딕" charset="0"/>
               </a:rPr>
-              <a:t>19</a:t>
+              <a:t>20</a:t>
             </a:r>
             <a:r>
               <a:rPr sz="2000" b="1">
@@ -11431,9 +11340,9 @@
           <p:nvPr/>
         </p:nvSpPr>
         <p:spPr>
-          <a:xfrm rot="0">
+          <a:xfrm>
             <a:off x="6806565" y="2703195"/>
-            <a:ext cx="4385945" cy="954405"/>
+            <a:ext cx="4386580" cy="954405"/>
           </a:xfrm>
           <a:prstGeom prst="rect"/>
           <a:noFill/>
@@ -11460,7 +11369,17 @@
                 <a:latin typeface="맑은 고딕" charset="0"/>
                 <a:ea typeface="맑은 고딕" charset="0"/>
               </a:rPr>
-              <a:t>20</a:t>
+              <a:t>2</a:t>
+            </a:r>
+            <a:r>
+              <a:rPr lang="ko-KR" sz="2000" b="1">
+                <a:solidFill>
+                  <a:srgbClr val="0611F2"/>
+                </a:solidFill>
+                <a:latin typeface="맑은 고딕" charset="0"/>
+                <a:ea typeface="맑은 고딕" charset="0"/>
+              </a:rPr>
+              <a:t>1</a:t>
             </a:r>
             <a:r>
               <a:rPr sz="2000" b="1">
@@ -11557,9 +11476,9 @@
           <p:nvPr/>
         </p:nvSpPr>
         <p:spPr>
-          <a:xfrm rot="0">
+          <a:xfrm>
             <a:off x="6798310" y="5202555"/>
-            <a:ext cx="4402455" cy="954405"/>
+            <a:ext cx="4403090" cy="954405"/>
           </a:xfrm>
           <a:prstGeom prst="rect"/>
           <a:noFill/>
@@ -11586,7 +11505,17 @@
                 <a:latin typeface="맑은 고딕" charset="0"/>
                 <a:ea typeface="맑은 고딕" charset="0"/>
               </a:rPr>
-              <a:t>21</a:t>
+              <a:t>2</a:t>
+            </a:r>
+            <a:r>
+              <a:rPr lang="ko-KR" sz="2000" b="1">
+                <a:solidFill>
+                  <a:srgbClr val="0611F2"/>
+                </a:solidFill>
+                <a:latin typeface="맑은 고딕" charset="0"/>
+                <a:ea typeface="맑은 고딕" charset="0"/>
+              </a:rPr>
+              <a:t>2</a:t>
             </a:r>
             <a:r>
               <a:rPr sz="2000" b="1">
@@ -11603,14 +11532,7 @@
                 <a:latin typeface="맑은 고딕" charset="0"/>
                 <a:ea typeface="맑은 고딕" charset="0"/>
               </a:rPr>
-              <a:t>그</a:t>
-            </a:r>
-            <a:r>
-              <a:rPr lang="ko-KR" sz="1800">
-                <a:latin typeface="맑은 고딕" charset="0"/>
-                <a:ea typeface="맑은 고딕" charset="0"/>
-              </a:rPr>
-              <a:t>리고 Trigger가 충돌 중일 때 게임 오브젝트의 크기를 변경하도록 설정합니다.</a:t>
+              <a:t>그리고 Trigger가 충돌 중일 때 게임 오브젝트의 크기를 변경하도록 설정합니다.</a:t>
             </a:r>
             <a:endParaRPr lang="ko-KR" altLang="en-US" sz="1800">
               <a:latin typeface="맑은 고딕" charset="0"/>

--- a/Assets/Class/Collision/PPT Data/Collision Example.pptx
+++ b/Assets/Class/Collision/PPT Data/Collision Example.pptx
@@ -2,7 +2,7 @@
 <file path=ppt/presentation.xml><?xml version="1.0" encoding="utf-8"?>
 <p:presentation xmlns:a="http://schemas.openxmlformats.org/drawingml/2006/main" xmlns:r="http://schemas.openxmlformats.org/officeDocument/2006/relationships" xmlns:p="http://schemas.openxmlformats.org/presentationml/2006/main" xmlns:p14="http://schemas.microsoft.com/office/powerpoint/2010/main" saveSubsetFonts="1" firstSlideNum="0">
   <p:sldMasterIdLst>
-    <p:sldMasterId id="2147485376" r:id="rId12"/>
+    <p:sldMasterId id="2147485418" r:id="rId12"/>
   </p:sldMasterIdLst>
   <p:notesMasterIdLst>
     <p:notesMasterId r:id="rId14"/>
@@ -5391,8 +5391,8 @@
         </p:nvSpPr>
         <p:spPr>
           <a:xfrm rot="0">
-            <a:off x="4522470" y="402590"/>
-            <a:ext cx="3153410" cy="554990"/>
+            <a:off x="4156710" y="402590"/>
+            <a:ext cx="3885565" cy="554990"/>
           </a:xfrm>
           <a:prstGeom prst="rect"/>
           <a:noFill/>
@@ -5407,7 +5407,7 @@
           </a:bodyPr>
           <a:lstStyle/>
           <a:p>
-            <a:pPr marL="0" indent="0" rtl="0" algn="l" defTabSz="914400" eaLnBrk="1" latinLnBrk="0" hangingPunct="1">
+            <a:pPr marL="0" indent="0" rtl="0" algn="ctr" defTabSz="914400" eaLnBrk="1" latinLnBrk="0" hangingPunct="1">
               <a:buFontTx/>
               <a:buNone/>
             </a:pPr>
@@ -5419,7 +5419,37 @@
                 <a:latin typeface="맑은 고딕" charset="0"/>
                 <a:ea typeface="맑은 고딕" charset="0"/>
               </a:rPr>
-              <a:t>첫 번째 </a:t>
+              <a:t>첫</a:t>
+            </a:r>
+            <a:r>
+              <a:rPr lang="ko-KR" sz="3000" b="1">
+                <a:solidFill>
+                  <a:schemeClr val="tx1"/>
+                </a:solidFill>
+                <a:latin typeface="맑은 고딕" charset="0"/>
+                <a:ea typeface="맑은 고딕" charset="0"/>
+              </a:rPr>
+              <a:t> </a:t>
+            </a:r>
+            <a:r>
+              <a:rPr lang="ko-KR" sz="3000" b="1">
+                <a:solidFill>
+                  <a:schemeClr val="tx1"/>
+                </a:solidFill>
+                <a:latin typeface="맑은 고딕" charset="0"/>
+                <a:ea typeface="맑은 고딕" charset="0"/>
+              </a:rPr>
+              <a:t>번째</a:t>
+            </a:r>
+            <a:r>
+              <a:rPr lang="ko-KR" sz="3000" b="1">
+                <a:solidFill>
+                  <a:schemeClr val="tx1"/>
+                </a:solidFill>
+                <a:latin typeface="맑은 고딕" charset="0"/>
+                <a:ea typeface="맑은 고딕" charset="0"/>
+              </a:rPr>
+              <a:t> </a:t>
             </a:r>
             <a:r>
               <a:rPr lang="ko-KR" sz="3000" b="1">
@@ -5451,8 +5481,8 @@
         </p:nvSpPr>
         <p:spPr>
           <a:xfrm rot="0">
-            <a:off x="1430020" y="4675505"/>
-            <a:ext cx="3933190" cy="1508125"/>
+            <a:off x="1230630" y="4177030"/>
+            <a:ext cx="4115435" cy="2061845"/>
           </a:xfrm>
           <a:prstGeom prst="rect"/>
           <a:noFill/>
@@ -5496,91 +5526,21 @@
                 <a:latin typeface="맑은 고딕" charset="0"/>
                 <a:ea typeface="맑은 고딕" charset="0"/>
               </a:rPr>
-              <a:t>첫</a:t>
+              <a:t>첫 번째로 Capsule 게임 오브젝트를 생성</a:t>
             </a:r>
             <a:r>
               <a:rPr lang="ko-KR" sz="1800">
                 <a:latin typeface="맑은 고딕" charset="0"/>
                 <a:ea typeface="맑은 고딕" charset="0"/>
               </a:rPr>
-              <a:t> </a:t>
+              <a:t>한 다음</a:t>
             </a:r>
             <a:r>
               <a:rPr lang="ko-KR" sz="1800">
                 <a:latin typeface="맑은 고딕" charset="0"/>
                 <a:ea typeface="맑은 고딕" charset="0"/>
               </a:rPr>
-              <a:t>번째로</a:t>
-            </a:r>
-            <a:r>
-              <a:rPr lang="ko-KR" sz="1800">
-                <a:latin typeface="맑은 고딕" charset="0"/>
-                <a:ea typeface="맑은 고딕" charset="0"/>
-              </a:rPr>
-              <a:t> </a:t>
-            </a:r>
-            <a:r>
-              <a:rPr lang="ko-KR" sz="1800">
-                <a:latin typeface="맑은 고딕" charset="0"/>
-                <a:ea typeface="맑은 고딕" charset="0"/>
-              </a:rPr>
-              <a:t>먼저</a:t>
-            </a:r>
-            <a:r>
-              <a:rPr lang="ko-KR" sz="1800">
-                <a:latin typeface="맑은 고딕" charset="0"/>
-                <a:ea typeface="맑은 고딕" charset="0"/>
-              </a:rPr>
-              <a:t> </a:t>
-            </a:r>
-            <a:r>
-              <a:rPr lang="ko-KR" sz="1800">
-                <a:latin typeface="맑은 고딕" charset="0"/>
-                <a:ea typeface="맑은 고딕" charset="0"/>
-              </a:rPr>
-              <a:t>Capsule</a:t>
-            </a:r>
-            <a:r>
-              <a:rPr lang="ko-KR" sz="1800">
-                <a:latin typeface="맑은 고딕" charset="0"/>
-                <a:ea typeface="맑은 고딕" charset="0"/>
-              </a:rPr>
-              <a:t> </a:t>
-            </a:r>
-            <a:r>
-              <a:rPr lang="ko-KR" sz="1800">
-                <a:latin typeface="맑은 고딕" charset="0"/>
-                <a:ea typeface="맑은 고딕" charset="0"/>
-              </a:rPr>
-              <a:t>게임</a:t>
-            </a:r>
-            <a:r>
-              <a:rPr lang="ko-KR" sz="1800">
-                <a:latin typeface="맑은 고딕" charset="0"/>
-                <a:ea typeface="맑은 고딕" charset="0"/>
-              </a:rPr>
-              <a:t> </a:t>
-            </a:r>
-            <a:r>
-              <a:rPr lang="ko-KR" sz="1800">
-                <a:latin typeface="맑은 고딕" charset="0"/>
-                <a:ea typeface="맑은 고딕" charset="0"/>
-              </a:rPr>
-              <a:t>오브젝트를</a:t>
-            </a:r>
-            <a:r>
-              <a:rPr lang="ko-KR" sz="1800">
-                <a:latin typeface="맑은 고딕" charset="0"/>
-                <a:ea typeface="맑은 고딕" charset="0"/>
-              </a:rPr>
-              <a:t> </a:t>
-            </a:r>
-            <a:r>
-              <a:rPr lang="ko-KR" sz="1800">
-                <a:latin typeface="맑은 고딕" charset="0"/>
-                <a:ea typeface="맑은 고딕" charset="0"/>
-              </a:rPr>
-              <a:t>생성합니다.</a:t>
+              <a:t> 이름을 Character로 정의합니다.</a:t>
             </a:r>
             <a:endParaRPr lang="ko-KR" altLang="en-US" sz="1800">
               <a:latin typeface="맑은 고딕" charset="0"/>
@@ -5607,7 +5567,7 @@
                 <a:latin typeface="맑은 고딕" charset="0"/>
                 <a:ea typeface="맑은 고딕" charset="0"/>
               </a:rPr>
-              <a:t>그다음 게임 오브젝트의 이름을 Character로 정의합니다.</a:t>
+              <a:t>그리고 CharacterControl이라는 스크립트를 생성하고 Character 오브젝트에 넣어줍니다.</a:t>
             </a:r>
             <a:endParaRPr lang="ko-KR" altLang="en-US" sz="1800">
               <a:latin typeface="맑은 고딕" charset="0"/>
@@ -5618,7 +5578,7 @@
       </p:sp>
       <p:pic>
         <p:nvPicPr>
-          <p:cNvPr id="11" name="그림 1"/>
+          <p:cNvPr id="11" name="그림 1" descr="C:/Users/Admin1/AppData/Roaming/PolarisOffice/ETemp/22400_7929080/fImage159789841.png"/>
           <p:cNvPicPr>
             <a:picLocks noChangeAspect="1"/>
           </p:cNvPicPr>
@@ -5638,8 +5598,8 @@
         </p:blipFill>
         <p:spPr>
           <a:xfrm rot="0">
-            <a:off x="1430020" y="1313180"/>
-            <a:ext cx="2254885" cy="3236595"/>
+            <a:off x="1230630" y="1454785"/>
+            <a:ext cx="2454910" cy="2644140"/>
           </a:xfrm>
           <a:prstGeom prst="roundRect"/>
           <a:solidFill>
@@ -5649,7 +5609,7 @@
       </p:pic>
       <p:pic>
         <p:nvPicPr>
-          <p:cNvPr id="14" name="그림 10"/>
+          <p:cNvPr id="14" name="그림 10" descr="C:/Users/Admin1/AppData/Roaming/PolarisOffice/ETemp/22400_7929080/fImage44681028467.png"/>
           <p:cNvPicPr>
             <a:picLocks noChangeAspect="1"/>
           </p:cNvPicPr>
@@ -5669,8 +5629,8 @@
         </p:blipFill>
         <p:spPr>
           <a:xfrm rot="0">
-            <a:off x="3848735" y="1313180"/>
-            <a:ext cx="1518285" cy="1186815"/>
+            <a:off x="3832225" y="1446530"/>
+            <a:ext cx="1518920" cy="1463675"/>
           </a:xfrm>
           <a:prstGeom prst="roundRect"/>
           <a:solidFill>
@@ -5680,7 +5640,7 @@
       </p:pic>
       <p:pic>
         <p:nvPicPr>
-          <p:cNvPr id="15" name="그림 11"/>
+          <p:cNvPr id="15" name="그림 11" descr="C:/Users/Admin1/AppData/Roaming/PolarisOffice/ETemp/22400_7929080/fImage30521036334.png"/>
           <p:cNvPicPr>
             <a:picLocks noChangeAspect="1"/>
           </p:cNvPicPr>
@@ -5700,8 +5660,8 @@
         </p:blipFill>
         <p:spPr>
           <a:xfrm rot="0">
-            <a:off x="9806940" y="1595120"/>
-            <a:ext cx="909955" cy="904875"/>
+            <a:off x="4170680" y="3275330"/>
+            <a:ext cx="842645" cy="821055"/>
           </a:xfrm>
           <a:prstGeom prst="roundRect"/>
           <a:solidFill>
@@ -5709,73 +5669,9 @@
           </a:solidFill>
         </p:spPr>
       </p:pic>
-      <p:sp>
-        <p:nvSpPr>
-          <p:cNvPr id="17" name="텍스트 상자 15"/>
-          <p:cNvSpPr txBox="1">
-            <a:spLocks/>
-          </p:cNvSpPr>
-          <p:nvPr/>
-        </p:nvSpPr>
-        <p:spPr>
-          <a:xfrm rot="0">
-            <a:off x="6830695" y="2785745"/>
-            <a:ext cx="3878580" cy="955040"/>
-          </a:xfrm>
-          <a:prstGeom prst="rect"/>
-          <a:noFill/>
-          <a:ln w="0">
-            <a:noFill/>
-            <a:prstDash/>
-          </a:ln>
-        </p:spPr>
-        <p:txBody>
-          <a:bodyPr wrap="square" lIns="89535" tIns="46355" rIns="89535" bIns="46355" numCol="1" vert="horz" anchor="t">
-            <a:spAutoFit/>
-          </a:bodyPr>
-          <a:lstStyle/>
-          <a:p>
-            <a:pPr marL="0" indent="0" rtl="0" algn="l" defTabSz="914400" eaLnBrk="1" latinLnBrk="0" hangingPunct="1">
-              <a:buFontTx/>
-              <a:buNone/>
-            </a:pPr>
-            <a:r>
-              <a:rPr sz="2000" b="1">
-                <a:solidFill>
-                  <a:srgbClr val="0611F2"/>
-                </a:solidFill>
-                <a:latin typeface="맑은 고딕" charset="0"/>
-                <a:ea typeface="맑은 고딕" charset="0"/>
-              </a:rPr>
-              <a:t>2.</a:t>
-            </a:r>
-            <a:r>
-              <a:rPr lang="ko-KR" sz="2000" b="1">
-                <a:solidFill>
-                  <a:srgbClr val="0611F2"/>
-                </a:solidFill>
-                <a:latin typeface="맑은 고딕" charset="0"/>
-                <a:ea typeface="맑은 고딕" charset="0"/>
-              </a:rPr>
-              <a:t> </a:t>
-            </a:r>
-            <a:r>
-              <a:rPr lang="ko-KR" sz="1800">
-                <a:latin typeface="맑은 고딕" charset="0"/>
-                <a:ea typeface="맑은 고딕" charset="0"/>
-              </a:rPr>
-              <a:t>그리고 CharacterControll이라는 스크립트를 생성하고 Character 오브젝트에 넣어줍니다.</a:t>
-            </a:r>
-            <a:endParaRPr lang="ko-KR" altLang="en-US" sz="1800">
-              <a:latin typeface="맑은 고딕" charset="0"/>
-              <a:ea typeface="맑은 고딕" charset="0"/>
-            </a:endParaRPr>
-          </a:p>
-        </p:txBody>
-      </p:sp>
       <p:pic>
         <p:nvPicPr>
-          <p:cNvPr id="19" name="그림 17"/>
+          <p:cNvPr id="19" name="그림 17" descr="C:/Users/Admin1/AppData/Roaming/PolarisOffice/ETemp/22400_7929080/fImage47031079169.png"/>
           <p:cNvPicPr>
             <a:picLocks noChangeAspect="1"/>
           </p:cNvPicPr>
@@ -5795,8 +5691,8 @@
         </p:blipFill>
         <p:spPr>
           <a:xfrm rot="0">
-            <a:off x="6825615" y="3970020"/>
-            <a:ext cx="3899535" cy="1350010"/>
+            <a:off x="6833235" y="1450975"/>
+            <a:ext cx="4124325" cy="1350645"/>
           </a:xfrm>
           <a:prstGeom prst="roundRect"/>
           <a:solidFill>
@@ -5814,8 +5710,8 @@
         </p:nvSpPr>
         <p:spPr>
           <a:xfrm rot="0">
-            <a:off x="6826885" y="5509260"/>
-            <a:ext cx="3881755" cy="678180"/>
+            <a:off x="6826885" y="2907030"/>
+            <a:ext cx="4121785" cy="677545"/>
           </a:xfrm>
           <a:prstGeom prst="rect"/>
           <a:noFill/>
@@ -5842,7 +5738,7 @@
                 <a:latin typeface="맑은 고딕" charset="0"/>
                 <a:ea typeface="맑은 고딕" charset="0"/>
               </a:rPr>
-              <a:t>3</a:t>
+              <a:t>2</a:t>
             </a:r>
             <a:r>
               <a:rPr sz="2000" b="1">
@@ -5869,7 +5765,21 @@
                 <a:latin typeface="맑은 고딕" charset="0"/>
                 <a:ea typeface="맑은 고딕" charset="0"/>
               </a:rPr>
-              <a:t>그리고 Character 오브젝트에 Rigidbody 컴포넌트를 추가합니다. </a:t>
+              <a:t>그</a:t>
+            </a:r>
+            <a:r>
+              <a:rPr lang="ko-KR" sz="1800">
+                <a:latin typeface="맑은 고딕" charset="0"/>
+                <a:ea typeface="맑은 고딕" charset="0"/>
+              </a:rPr>
+              <a:t>런 다음</a:t>
+            </a:r>
+            <a:r>
+              <a:rPr lang="ko-KR" sz="1800">
+                <a:latin typeface="맑은 고딕" charset="0"/>
+                <a:ea typeface="맑은 고딕" charset="0"/>
+              </a:rPr>
+              <a:t> Character 오브젝트에 Rigidbody 컴포넌트를 추가합니다. </a:t>
             </a:r>
             <a:endParaRPr lang="ko-KR" altLang="en-US" sz="1800">
               <a:latin typeface="맑은 고딕" charset="0"/>
@@ -5878,80 +5788,18 @@
           </a:p>
         </p:txBody>
       </p:sp>
-      <p:pic>
-        <p:nvPicPr>
-          <p:cNvPr id="21" name="그림 23"/>
-          <p:cNvPicPr>
-            <a:picLocks noChangeAspect="1"/>
-          </p:cNvPicPr>
-          <p:nvPr/>
-        </p:nvPicPr>
-        <p:blipFill rotWithShape="1">
-          <a:blip r:embed="rId12" cstate="hqprint">
-            <a:extLst>
-              <a:ext uri="{28A0092B-C50C-407E-A947-70E740481C1C}">
-                <a14:useLocalDpi xmlns:a14="http://schemas.microsoft.com/office/drawing/2010/main"/>
-              </a:ext>
-            </a:extLst>
-          </a:blip>
-          <a:stretch>
-            <a:fillRect/>
-          </a:stretch>
-        </p:blipFill>
-        <p:spPr>
-          <a:xfrm rot="0">
-            <a:off x="3857625" y="2698750"/>
-            <a:ext cx="1506220" cy="1856740"/>
-          </a:xfrm>
-          <a:prstGeom prst="roundRect"/>
-          <a:solidFill>
-            <a:srgbClr val="EDEDED"/>
-          </a:solidFill>
-        </p:spPr>
-      </p:pic>
-      <p:pic>
-        <p:nvPicPr>
-          <p:cNvPr id="22" name="그림 1"/>
-          <p:cNvPicPr>
-            <a:picLocks noChangeAspect="1"/>
-          </p:cNvPicPr>
-          <p:nvPr/>
-        </p:nvPicPr>
-        <p:blipFill rotWithShape="1">
-          <a:blip r:embed="rId13" cstate="print">
-            <a:extLst>
-              <a:ext uri="{28A0092B-C50C-407E-A947-70E740481C1C}">
-                <a14:useLocalDpi xmlns:a14="http://schemas.microsoft.com/office/drawing/2010/main" val="0"/>
-              </a:ext>
-            </a:extLst>
-          </a:blip>
-          <a:stretch>
-            <a:fillRect/>
-          </a:stretch>
-        </p:blipFill>
-        <p:spPr>
-          <a:xfrm rot="0">
-            <a:off x="6835775" y="1306195"/>
-            <a:ext cx="2401570" cy="1358265"/>
-          </a:xfrm>
-          <a:prstGeom prst="roundRect"/>
-          <a:solidFill>
-            <a:srgbClr val="EDEDED"/>
-          </a:solidFill>
-        </p:spPr>
-      </p:pic>
       <p:cxnSp>
         <p:nvCxnSpPr>
           <p:cNvPr id="16" name="도형 14"/>
           <p:cNvCxnSpPr>
-            <a:stCxn id="15" idx="1"/>
+            <a:stCxn id="15" idx="0"/>
           </p:cNvCxnSpPr>
           <p:nvPr/>
         </p:nvCxnSpPr>
         <p:spPr>
-          <a:xfrm rot="0" flipH="1">
-            <a:off x="8545195" y="2047240"/>
-            <a:ext cx="1262380" cy="409575"/>
+          <a:xfrm rot="0" flipH="1" flipV="1">
+            <a:off x="4591050" y="2909570"/>
+            <a:ext cx="1270" cy="366395"/>
           </a:xfrm>
           <a:prstGeom prst="straightConnector1"/>
           <a:ln w="6350" cap="flat" cmpd="sng">
@@ -5974,6 +5822,153 @@
           </a:fontRef>
         </p:style>
       </p:cxnSp>
+      <p:pic>
+        <p:nvPicPr>
+          <p:cNvPr id="21" name="그림 2" descr="C:/Users/Admin1/AppData/Roaming/PolarisOffice/ETemp/22400_7929080/fImage1042514941.png"/>
+          <p:cNvPicPr>
+            <a:picLocks noChangeAspect="1"/>
+          </p:cNvPicPr>
+          <p:nvPr/>
+        </p:nvPicPr>
+        <p:blipFill rotWithShape="1">
+          <a:blip r:embed="rId14" cstate="print">
+            <a:extLst>
+              <a:ext uri="{28A0092B-C50C-407E-A947-70E740481C1C}">
+                <a14:useLocalDpi xmlns:a14="http://schemas.microsoft.com/office/drawing/2010/main" val="0"/>
+              </a:ext>
+            </a:extLst>
+          </a:blip>
+          <a:stretch>
+            <a:fillRect/>
+          </a:stretch>
+        </p:blipFill>
+        <p:spPr>
+          <a:xfrm rot="0">
+            <a:off x="6825615" y="3740785"/>
+            <a:ext cx="4131945" cy="1712595"/>
+          </a:xfrm>
+          <a:prstGeom prst="roundRect"/>
+          <a:solidFill>
+            <a:srgbClr val="EDEDED"/>
+          </a:solidFill>
+        </p:spPr>
+      </p:pic>
+      <p:sp>
+        <p:nvSpPr>
+          <p:cNvPr id="22" name="텍스트 상자 5"/>
+          <p:cNvSpPr txBox="1">
+            <a:spLocks/>
+          </p:cNvSpPr>
+          <p:nvPr/>
+        </p:nvSpPr>
+        <p:spPr>
+          <a:xfrm rot="0">
+            <a:off x="6815455" y="5556250"/>
+            <a:ext cx="4121785" cy="677545"/>
+          </a:xfrm>
+          <a:prstGeom prst="rect"/>
+          <a:noFill/>
+          <a:ln w="0">
+            <a:noFill/>
+            <a:prstDash/>
+          </a:ln>
+        </p:spPr>
+        <p:txBody>
+          <a:bodyPr wrap="square" lIns="89535" tIns="46355" rIns="89535" bIns="46355" numCol="1" vert="horz" anchor="t">
+            <a:spAutoFit/>
+          </a:bodyPr>
+          <a:lstStyle/>
+          <a:p>
+            <a:pPr marL="0" indent="0" rtl="0" algn="l" defTabSz="914400" eaLnBrk="1" latinLnBrk="0" hangingPunct="1">
+              <a:buFontTx/>
+              <a:buNone/>
+            </a:pPr>
+            <a:r>
+              <a:rPr lang="ko-KR" sz="2000" b="1">
+                <a:solidFill>
+                  <a:srgbClr val="0611F2"/>
+                </a:solidFill>
+                <a:latin typeface="맑은 고딕" charset="0"/>
+                <a:ea typeface="맑은 고딕" charset="0"/>
+              </a:rPr>
+              <a:t>3</a:t>
+            </a:r>
+            <a:r>
+              <a:rPr sz="2000" b="1">
+                <a:solidFill>
+                  <a:srgbClr val="0611F2"/>
+                </a:solidFill>
+                <a:latin typeface="맑은 고딕" charset="0"/>
+                <a:ea typeface="맑은 고딕" charset="0"/>
+              </a:rPr>
+              <a:t>.</a:t>
+            </a:r>
+            <a:r>
+              <a:rPr lang="ko-KR" sz="2000" b="1">
+                <a:solidFill>
+                  <a:srgbClr val="0611F2"/>
+                </a:solidFill>
+                <a:latin typeface="맑은 고딕" charset="0"/>
+                <a:ea typeface="맑은 고딕" charset="0"/>
+              </a:rPr>
+              <a:t> </a:t>
+            </a:r>
+            <a:r>
+              <a:rPr lang="ko-KR" sz="1800">
+                <a:latin typeface="맑은 고딕" charset="0"/>
+                <a:ea typeface="맑은 고딕" charset="0"/>
+              </a:rPr>
+              <a:t>그</a:t>
+            </a:r>
+            <a:r>
+              <a:rPr lang="ko-KR" sz="1800">
+                <a:latin typeface="맑은 고딕" charset="0"/>
+                <a:ea typeface="맑은 고딕" charset="0"/>
+              </a:rPr>
+              <a:t>다음으로</a:t>
+            </a:r>
+            <a:r>
+              <a:rPr lang="ko-KR" sz="1800">
+                <a:latin typeface="맑은 고딕" charset="0"/>
+                <a:ea typeface="맑은 고딕" charset="0"/>
+              </a:rPr>
+              <a:t> Character 오브젝트</a:t>
+            </a:r>
+            <a:r>
+              <a:rPr lang="ko-KR" sz="1800">
+                <a:latin typeface="맑은 고딕" charset="0"/>
+                <a:ea typeface="맑은 고딕" charset="0"/>
+              </a:rPr>
+              <a:t>의 위치 값을</a:t>
+            </a:r>
+            <a:r>
+              <a:rPr lang="ko-KR" sz="1800">
+                <a:latin typeface="맑은 고딕" charset="0"/>
+                <a:ea typeface="맑은 고딕" charset="0"/>
+              </a:rPr>
+              <a:t> </a:t>
+            </a:r>
+            <a:r>
+              <a:rPr lang="ko-KR" sz="1800">
+                <a:latin typeface="맑은 고딕" charset="0"/>
+                <a:ea typeface="맑은 고딕" charset="0"/>
+              </a:rPr>
+              <a:t>설정</a:t>
+            </a:r>
+            <a:r>
+              <a:rPr lang="ko-KR" sz="1800">
+                <a:latin typeface="맑은 고딕" charset="0"/>
+                <a:ea typeface="맑은 고딕" charset="0"/>
+              </a:rPr>
+              <a:t>합니다. </a:t>
+            </a:r>
+            <a:endParaRPr lang="ko-KR" altLang="en-US" sz="1800">
+              <a:latin typeface="맑은 고딕" charset="0"/>
+              <a:ea typeface="맑은 고딕" charset="0"/>
+            </a:endParaRPr>
+          </a:p>
+        </p:txBody>
+      </p:sp>
     </p:spTree>
   </p:cSld>
   <p:clrMapOvr>
@@ -6086,16 +6081,16 @@
       </p:sp>
       <p:sp>
         <p:nvSpPr>
-          <p:cNvPr id="40" name="Rect 0"/>
+          <p:cNvPr id="49" name="텍스트 상자 16"/>
           <p:cNvSpPr txBox="1">
             <a:spLocks/>
           </p:cNvSpPr>
           <p:nvPr/>
         </p:nvSpPr>
         <p:spPr>
-          <a:xfrm>
-            <a:off x="1410335" y="2717800"/>
-            <a:ext cx="3970655" cy="954405"/>
+          <a:xfrm rot="0">
+            <a:off x="6818630" y="5442585"/>
+            <a:ext cx="4132580" cy="677545"/>
           </a:xfrm>
           <a:prstGeom prst="rect"/>
           <a:noFill/>
@@ -6132,7 +6127,7 @@
                 <a:latin typeface="맑은 고딕" charset="0"/>
                 <a:ea typeface="맑은 고딕" charset="0"/>
               </a:rPr>
-              <a:t>3</a:t>
+              <a:t>6</a:t>
             </a:r>
             <a:r>
               <a:rPr sz="2000" b="1">
@@ -6149,7 +6144,14 @@
                 <a:latin typeface="맑은 고딕" charset="0"/>
                 <a:ea typeface="맑은 고딕" charset="0"/>
               </a:rPr>
-              <a:t>이제 Trigger의 충돌이 끝났을 때 비디오 플레이어를 정지한 다음 게임 오브젝트의 크기를 변경합니다.</a:t>
+              <a:t>그리고</a:t>
+            </a:r>
+            <a:r>
+              <a:rPr lang="ko-KR" sz="1800">
+                <a:latin typeface="맑은 고딕" charset="0"/>
+                <a:ea typeface="맑은 고딕" charset="0"/>
+              </a:rPr>
+              <a:t> Video Player의 Play On Awake를 비활성화합니다.</a:t>
             </a:r>
             <a:endParaRPr lang="ko-KR" altLang="en-US" sz="1800">
               <a:latin typeface="맑은 고딕" charset="0"/>
@@ -6160,14 +6162,133 @@
       </p:sp>
       <p:pic>
         <p:nvPicPr>
-          <p:cNvPr id="47" name="그림 12"/>
+          <p:cNvPr id="50" name="그림 49" descr="C:/Users/Admin1/AppData/Roaming/PolarisOffice/ETemp/22400_7929080/fImage228421916500.png"/>
           <p:cNvPicPr>
             <a:picLocks noChangeAspect="1"/>
           </p:cNvPicPr>
           <p:nvPr/>
         </p:nvPicPr>
         <p:blipFill rotWithShape="1">
-          <a:blip r:embed="rId2" cstate="print">
+          <a:blip r:embed="rId3" cstate="hqprint">
+            <a:extLst>
+              <a:ext uri="{28A0092B-C50C-407E-A947-70E740481C1C}">
+                <a14:useLocalDpi xmlns:a14="http://schemas.microsoft.com/office/drawing/2010/main"/>
+              </a:ext>
+            </a:extLst>
+          </a:blip>
+          <a:stretch>
+            <a:fillRect/>
+          </a:stretch>
+        </p:blipFill>
+        <p:spPr>
+          <a:xfrm rot="0">
+            <a:off x="6829425" y="1456690"/>
+            <a:ext cx="4134485" cy="3820795"/>
+          </a:xfrm>
+          <a:prstGeom prst="roundRect"/>
+          <a:solidFill>
+            <a:srgbClr val="EDEDED"/>
+          </a:solidFill>
+        </p:spPr>
+      </p:pic>
+      <p:sp>
+        <p:nvSpPr>
+          <p:cNvPr id="51" name="텍스트 상자 50"/>
+          <p:cNvSpPr txBox="1">
+            <a:spLocks/>
+          </p:cNvSpPr>
+          <p:nvPr/>
+        </p:nvSpPr>
+        <p:spPr>
+          <a:xfrm rot="0">
+            <a:off x="1250315" y="2708910"/>
+            <a:ext cx="4109085" cy="954405"/>
+          </a:xfrm>
+          <a:prstGeom prst="rect"/>
+          <a:noFill/>
+          <a:ln w="0">
+            <a:noFill/>
+            <a:prstDash/>
+          </a:ln>
+        </p:spPr>
+        <p:txBody>
+          <a:bodyPr wrap="square" lIns="89535" tIns="46355" rIns="89535" bIns="46355" numCol="1" vert="horz" anchor="t">
+            <a:spAutoFit/>
+          </a:bodyPr>
+          <a:lstStyle/>
+          <a:p>
+            <a:pPr marL="0" indent="0" rtl="0" algn="l" defTabSz="914400" eaLnBrk="1" latinLnBrk="0" hangingPunct="1">
+              <a:buFontTx/>
+              <a:buNone/>
+            </a:pPr>
+            <a:r>
+              <a:rPr lang="ko-KR" sz="2000" b="1">
+                <a:solidFill>
+                  <a:srgbClr val="0611F2"/>
+                </a:solidFill>
+                <a:latin typeface="맑은 고딕" charset="0"/>
+                <a:ea typeface="맑은 고딕" charset="0"/>
+              </a:rPr>
+              <a:t>2</a:t>
+            </a:r>
+            <a:r>
+              <a:rPr lang="ko-KR" sz="2000" b="1">
+                <a:solidFill>
+                  <a:srgbClr val="0611F2"/>
+                </a:solidFill>
+                <a:latin typeface="맑은 고딕" charset="0"/>
+                <a:ea typeface="맑은 고딕" charset="0"/>
+              </a:rPr>
+              <a:t>4</a:t>
+            </a:r>
+            <a:r>
+              <a:rPr sz="2000" b="1">
+                <a:solidFill>
+                  <a:srgbClr val="0611F2"/>
+                </a:solidFill>
+                <a:latin typeface="맑은 고딕" charset="0"/>
+                <a:ea typeface="맑은 고딕" charset="0"/>
+              </a:rPr>
+              <a:t>. </a:t>
+            </a:r>
+            <a:r>
+              <a:rPr lang="ko-KR" sz="1800">
+                <a:latin typeface="맑은 고딕" charset="0"/>
+                <a:ea typeface="맑은 고딕" charset="0"/>
+              </a:rPr>
+              <a:t>이제 Trigger의 충돌이 끝났을 때</a:t>
+            </a:r>
+            <a:r>
+              <a:rPr lang="ko-KR" sz="1800">
+                <a:latin typeface="맑은 고딕" charset="0"/>
+                <a:ea typeface="맑은 고딕" charset="0"/>
+              </a:rPr>
+              <a:t> Video Play</a:t>
+            </a:r>
+            <a:r>
+              <a:rPr lang="ko-KR" sz="1800">
+                <a:latin typeface="맑은 고딕" charset="0"/>
+                <a:ea typeface="맑은 고딕" charset="0"/>
+              </a:rPr>
+              <a:t>er를 정지하고 MeshFilter의 mesh를 mesh[1]로 변경합니다.</a:t>
+            </a:r>
+            <a:endParaRPr lang="ko-KR" altLang="en-US" sz="1800">
+              <a:latin typeface="맑은 고딕" charset="0"/>
+              <a:ea typeface="맑은 고딕" charset="0"/>
+            </a:endParaRPr>
+          </a:p>
+        </p:txBody>
+      </p:sp>
+      <p:pic>
+        <p:nvPicPr>
+          <p:cNvPr id="52" name="그림 78" descr="C:/Users/Admin1/AppData/Roaming/PolarisOffice/ETemp/22400_7929080/fImage258771903281.png"/>
+          <p:cNvPicPr>
+            <a:picLocks noChangeAspect="1"/>
+          </p:cNvPicPr>
+          <p:nvPr/>
+        </p:nvPicPr>
+        <p:blipFill rotWithShape="1">
+          <a:blip r:embed="rId5" cstate="print">
             <a:extLst>
               <a:ext uri="{28A0092B-C50C-407E-A947-70E740481C1C}">
                 <a14:useLocalDpi xmlns:a14="http://schemas.microsoft.com/office/drawing/2010/main" val="0"/>
@@ -6180,8 +6301,8 @@
         </p:blipFill>
         <p:spPr>
           <a:xfrm rot="0">
-            <a:off x="1410970" y="1417320"/>
-            <a:ext cx="3969385" cy="1195070"/>
+            <a:off x="1247775" y="1457325"/>
+            <a:ext cx="4105910" cy="1181735"/>
           </a:xfrm>
           <a:prstGeom prst="roundRect"/>
           <a:solidFill>
@@ -6189,49 +6310,18 @@
           </a:solidFill>
         </p:spPr>
       </p:pic>
-      <p:pic>
-        <p:nvPicPr>
-          <p:cNvPr id="48" name="그림 15"/>
-          <p:cNvPicPr>
-            <a:picLocks noChangeAspect="1"/>
-          </p:cNvPicPr>
-          <p:nvPr/>
-        </p:nvPicPr>
-        <p:blipFill rotWithShape="1">
-          <a:blip r:embed="rId3" cstate="print">
-            <a:extLst>
-              <a:ext uri="{28A0092B-C50C-407E-A947-70E740481C1C}">
-                <a14:useLocalDpi xmlns:a14="http://schemas.microsoft.com/office/drawing/2010/main" val="0"/>
-              </a:ext>
-            </a:extLst>
-          </a:blip>
-          <a:stretch>
-            <a:fillRect/>
-          </a:stretch>
-        </p:blipFill>
-        <p:spPr>
-          <a:xfrm rot="0">
-            <a:off x="6815455" y="1419225"/>
-            <a:ext cx="4126230" cy="3891915"/>
-          </a:xfrm>
-          <a:prstGeom prst="roundRect"/>
-          <a:solidFill>
-            <a:srgbClr val="EDEDED"/>
-          </a:solidFill>
-        </p:spPr>
-      </p:pic>
       <p:sp>
         <p:nvSpPr>
-          <p:cNvPr id="49" name="텍스트 상자 16"/>
+          <p:cNvPr id="53" name="텍스트 상자 81"/>
           <p:cNvSpPr txBox="1">
             <a:spLocks/>
           </p:cNvSpPr>
           <p:nvPr/>
         </p:nvSpPr>
         <p:spPr>
-          <a:xfrm>
-            <a:off x="6818630" y="5471160"/>
-            <a:ext cx="4131945" cy="677545"/>
+          <a:xfrm rot="0">
+            <a:off x="1238250" y="4897120"/>
+            <a:ext cx="4115435" cy="1231265"/>
           </a:xfrm>
           <a:prstGeom prst="rect"/>
           <a:noFill/>
@@ -6285,7 +6375,35 @@
                 <a:latin typeface="맑은 고딕" charset="0"/>
                 <a:ea typeface="맑은 고딕" charset="0"/>
               </a:rPr>
-              <a:t>마지막으로 Video Player의 Play On Awake를 비활성화합니다.</a:t>
+              <a:t>그런 다음 Project 폴더에 </a:t>
+            </a:r>
+            <a:r>
+              <a:rPr lang="ko-KR" sz="1800">
+                <a:latin typeface="맑은 고딕" charset="0"/>
+                <a:ea typeface="맑은 고딕" charset="0"/>
+              </a:rPr>
+              <a:t>아래에 </a:t>
+            </a:r>
+            <a:r>
+              <a:rPr lang="ko-KR" sz="1800">
+                <a:latin typeface="맑은 고딕" charset="0"/>
+                <a:ea typeface="맑은 고딕" charset="0"/>
+              </a:rPr>
+              <a:t>있는 Texture 폴더에 Steel 텍스처를 선택하고 Character</a:t>
+            </a:r>
+            <a:r>
+              <a:rPr lang="ko-KR" sz="1800">
+                <a:latin typeface="맑은 고딕" charset="0"/>
+                <a:ea typeface="맑은 고딕" charset="0"/>
+              </a:rPr>
+              <a:t> </a:t>
+            </a:r>
+            <a:r>
+              <a:rPr lang="ko-KR" sz="1800">
+                <a:latin typeface="맑은 고딕" charset="0"/>
+                <a:ea typeface="맑은 고딕" charset="0"/>
+              </a:rPr>
+              <a:t>오브젝트에 넣어줍니다.</a:t>
             </a:r>
             <a:endParaRPr lang="ko-KR" altLang="en-US" sz="1800">
               <a:latin typeface="맑은 고딕" charset="0"/>
@@ -6296,14 +6414,14 @@
       </p:sp>
       <p:pic>
         <p:nvPicPr>
-          <p:cNvPr id="50" name="그림 19"/>
+          <p:cNvPr id="54" name="그림 82" descr="C:/Users/Admin1/AppData/Roaming/PolarisOffice/ETemp/22400_7929080/fImage232751978467.png"/>
           <p:cNvPicPr>
             <a:picLocks noChangeAspect="1"/>
           </p:cNvPicPr>
           <p:nvPr/>
         </p:nvPicPr>
         <p:blipFill rotWithShape="1">
-          <a:blip r:embed="rId4" cstate="hqprint">
+          <a:blip r:embed="rId6" cstate="hqprint">
             <a:extLst>
               <a:ext uri="{28A0092B-C50C-407E-A947-70E740481C1C}">
                 <a14:useLocalDpi xmlns:a14="http://schemas.microsoft.com/office/drawing/2010/main"/>
@@ -6316,8 +6434,8 @@
         </p:blipFill>
         <p:spPr>
           <a:xfrm rot="0">
-            <a:off x="1419225" y="3831590"/>
-            <a:ext cx="3961765" cy="1515110"/>
+            <a:off x="2628900" y="3825875"/>
+            <a:ext cx="2724785" cy="984885"/>
           </a:xfrm>
           <a:prstGeom prst="roundRect"/>
           <a:solidFill>
@@ -6325,80 +6443,69 @@
           </a:solidFill>
         </p:spPr>
       </p:pic>
-      <p:sp>
-        <p:nvSpPr>
-          <p:cNvPr id="51" name="텍스트 상자 23"/>
-          <p:cNvSpPr txBox="1">
-            <a:spLocks/>
-          </p:cNvSpPr>
-          <p:nvPr/>
-        </p:nvSpPr>
-        <p:spPr>
-          <a:xfrm>
-            <a:off x="1412875" y="5479415"/>
-            <a:ext cx="3968115" cy="677545"/>
-          </a:xfrm>
-          <a:prstGeom prst="rect"/>
-          <a:noFill/>
-          <a:ln w="0">
-            <a:noFill/>
+      <p:pic>
+        <p:nvPicPr>
+          <p:cNvPr id="55" name="그림 83" descr="C:/Users/Admin1/AppData/Roaming/PolarisOffice/ETemp/22400_7929080/fImage53591986334.png"/>
+          <p:cNvPicPr>
+            <a:picLocks noChangeAspect="1"/>
+          </p:cNvPicPr>
+          <p:nvPr/>
+        </p:nvPicPr>
+        <p:blipFill rotWithShape="1">
+          <a:blip r:embed="rId7" cstate="hqprint">
+            <a:extLst>
+              <a:ext uri="{28A0092B-C50C-407E-A947-70E740481C1C}">
+                <a14:useLocalDpi xmlns:a14="http://schemas.microsoft.com/office/drawing/2010/main"/>
+              </a:ext>
+            </a:extLst>
+          </a:blip>
+          <a:stretch>
+            <a:fillRect/>
+          </a:stretch>
+        </p:blipFill>
+        <p:spPr>
+          <a:xfrm rot="0">
+            <a:off x="1237615" y="3812540"/>
+            <a:ext cx="1268095" cy="987425"/>
+          </a:xfrm>
+          <a:prstGeom prst="roundRect"/>
+          <a:solidFill>
+            <a:srgbClr val="EDEDED"/>
+          </a:solidFill>
+        </p:spPr>
+      </p:pic>
+      <p:cxnSp>
+        <p:nvCxnSpPr>
+          <p:cNvPr id="56" name="도형 84"/>
+          <p:cNvCxnSpPr/>
+          <p:nvPr/>
+        </p:nvCxnSpPr>
+        <p:spPr>
+          <a:xfrm rot="0" flipH="1" flipV="1">
+            <a:off x="2124075" y="4400550"/>
+            <a:ext cx="1543685" cy="10160"/>
+          </a:xfrm>
+          <a:prstGeom prst="straightConnector1"/>
+          <a:ln w="6350" cap="flat" cmpd="sng">
             <a:prstDash/>
+            <a:tailEnd type="triangle" w="med" len="med"/>
           </a:ln>
         </p:spPr>
-        <p:txBody>
-          <a:bodyPr wrap="square" lIns="89535" tIns="46355" rIns="89535" bIns="46355" numCol="1" vert="horz" anchor="t">
-            <a:spAutoFit/>
-          </a:bodyPr>
-          <a:lstStyle/>
-          <a:p>
-            <a:pPr marL="0" indent="0" rtl="0" algn="l" defTabSz="914400" eaLnBrk="1" latinLnBrk="0" hangingPunct="1">
-              <a:buFontTx/>
-              <a:buNone/>
-            </a:pPr>
-            <a:r>
-              <a:rPr lang="ko-KR" sz="2000" b="1">
-                <a:solidFill>
-                  <a:srgbClr val="0611F2"/>
-                </a:solidFill>
-                <a:latin typeface="맑은 고딕" charset="0"/>
-                <a:ea typeface="맑은 고딕" charset="0"/>
-              </a:rPr>
-              <a:t>2</a:t>
-            </a:r>
-            <a:r>
-              <a:rPr lang="ko-KR" sz="2000" b="1">
-                <a:solidFill>
-                  <a:srgbClr val="0611F2"/>
-                </a:solidFill>
-                <a:latin typeface="맑은 고딕" charset="0"/>
-                <a:ea typeface="맑은 고딕" charset="0"/>
-              </a:rPr>
-              <a:t>4</a:t>
-            </a:r>
-            <a:r>
-              <a:rPr sz="2000" b="1">
-                <a:solidFill>
-                  <a:srgbClr val="0611F2"/>
-                </a:solidFill>
-                <a:latin typeface="맑은 고딕" charset="0"/>
-                <a:ea typeface="맑은 고딕" charset="0"/>
-              </a:rPr>
-              <a:t>. </a:t>
-            </a:r>
-            <a:r>
-              <a:rPr lang="ko-KR" sz="1800">
-                <a:latin typeface="맑은 고딕" charset="0"/>
-                <a:ea typeface="맑은 고딕" charset="0"/>
-              </a:rPr>
-              <a:t>그런 다음 Obstacle 오브젝트를 선택하고 위치를 다시 설정합니다.</a:t>
-            </a:r>
-            <a:endParaRPr lang="ko-KR" altLang="en-US" sz="1800">
-              <a:latin typeface="맑은 고딕" charset="0"/>
-              <a:ea typeface="맑은 고딕" charset="0"/>
-            </a:endParaRPr>
-          </a:p>
-        </p:txBody>
-      </p:sp>
+        <p:style>
+          <a:lnRef idx="1">
+            <a:schemeClr val="accent1"/>
+          </a:lnRef>
+          <a:fillRef idx="0">
+            <a:schemeClr val="accent1"/>
+          </a:fillRef>
+          <a:effectRef idx="0">
+            <a:schemeClr val="accent1"/>
+          </a:effectRef>
+          <a:fontRef idx="minor">
+            <a:schemeClr val="tx1"/>
+          </a:fontRef>
+        </p:style>
+      </p:cxnSp>
     </p:spTree>
   </p:cSld>
   <p:clrMapOvr>
@@ -6511,16 +6618,16 @@
       </p:sp>
       <p:sp>
         <p:nvSpPr>
-          <p:cNvPr id="40" name="Rect 0"/>
+          <p:cNvPr id="49" name="Rect 0"/>
           <p:cNvSpPr txBox="1">
             <a:spLocks/>
           </p:cNvSpPr>
           <p:nvPr/>
         </p:nvSpPr>
         <p:spPr>
-          <a:xfrm>
-            <a:off x="1410335" y="2700655"/>
-            <a:ext cx="3971290" cy="954405"/>
+          <a:xfrm rot="0">
+            <a:off x="6818630" y="5480050"/>
+            <a:ext cx="4128135" cy="677545"/>
           </a:xfrm>
           <a:prstGeom prst="rect"/>
           <a:noFill/>
@@ -6557,7 +6664,7 @@
                 <a:latin typeface="맑은 고딕" charset="0"/>
                 <a:ea typeface="맑은 고딕" charset="0"/>
               </a:rPr>
-              <a:t>6</a:t>
+              <a:t>8</a:t>
             </a:r>
             <a:r>
               <a:rPr sz="2000" b="1">
@@ -6574,7 +6681,7 @@
                 <a:latin typeface="맑은 고딕" charset="0"/>
                 <a:ea typeface="맑은 고딕" charset="0"/>
               </a:rPr>
-              <a:t>그다음 Obstacle 오브젝트의 Box Collider에 있는 Is Trigger를 활성화합니다.</a:t>
+              <a:t>그리고 Project 폴더에서 Physic Material을 생성합니다.</a:t>
             </a:r>
             <a:endParaRPr lang="ko-KR" altLang="en-US" sz="1800">
               <a:latin typeface="맑은 고딕" charset="0"/>
@@ -6583,167 +6690,19 @@
           </a:p>
         </p:txBody>
       </p:sp>
-      <p:sp>
-        <p:nvSpPr>
-          <p:cNvPr id="49" name="Rect 0"/>
-          <p:cNvSpPr txBox="1">
-            <a:spLocks/>
-          </p:cNvSpPr>
-          <p:nvPr/>
-        </p:nvSpPr>
-        <p:spPr>
-          <a:xfrm rot="0">
-            <a:off x="6818630" y="5480050"/>
-            <a:ext cx="4128135" cy="677545"/>
-          </a:xfrm>
-          <a:prstGeom prst="rect"/>
-          <a:noFill/>
-          <a:ln w="0">
-            <a:noFill/>
-            <a:prstDash/>
-          </a:ln>
-        </p:spPr>
-        <p:txBody>
-          <a:bodyPr wrap="square" lIns="89535" tIns="46355" rIns="89535" bIns="46355" numCol="1" vert="horz" anchor="t">
-            <a:spAutoFit/>
-          </a:bodyPr>
-          <a:lstStyle/>
-          <a:p>
-            <a:pPr marL="0" indent="0" rtl="0" algn="l" defTabSz="914400" eaLnBrk="1" latinLnBrk="0" hangingPunct="1">
-              <a:buFontTx/>
-              <a:buNone/>
-            </a:pPr>
-            <a:r>
-              <a:rPr lang="ko-KR" sz="2000" b="1">
-                <a:solidFill>
-                  <a:srgbClr val="0611F2"/>
-                </a:solidFill>
-                <a:latin typeface="맑은 고딕" charset="0"/>
-                <a:ea typeface="맑은 고딕" charset="0"/>
-              </a:rPr>
-              <a:t>2</a:t>
-            </a:r>
-            <a:r>
-              <a:rPr lang="ko-KR" sz="2000" b="1">
-                <a:solidFill>
-                  <a:srgbClr val="0611F2"/>
-                </a:solidFill>
-                <a:latin typeface="맑은 고딕" charset="0"/>
-                <a:ea typeface="맑은 고딕" charset="0"/>
-              </a:rPr>
-              <a:t>8</a:t>
-            </a:r>
-            <a:r>
-              <a:rPr sz="2000" b="1">
-                <a:solidFill>
-                  <a:srgbClr val="0611F2"/>
-                </a:solidFill>
-                <a:latin typeface="맑은 고딕" charset="0"/>
-                <a:ea typeface="맑은 고딕" charset="0"/>
-              </a:rPr>
-              <a:t>. </a:t>
-            </a:r>
-            <a:r>
-              <a:rPr lang="ko-KR" sz="1800">
-                <a:latin typeface="맑은 고딕" charset="0"/>
-                <a:ea typeface="맑은 고딕" charset="0"/>
-              </a:rPr>
-              <a:t>그리고 Project 폴더에서 Physic Material을 생성합니다.</a:t>
-            </a:r>
-            <a:endParaRPr lang="ko-KR" altLang="en-US" sz="1800">
-              <a:latin typeface="맑은 고딕" charset="0"/>
-              <a:ea typeface="맑은 고딕" charset="0"/>
-            </a:endParaRPr>
-          </a:p>
-        </p:txBody>
-      </p:sp>
-      <p:sp>
-        <p:nvSpPr>
-          <p:cNvPr id="51" name="Rect 0"/>
-          <p:cNvSpPr txBox="1">
-            <a:spLocks/>
-          </p:cNvSpPr>
-          <p:nvPr/>
-        </p:nvSpPr>
-        <p:spPr>
-          <a:xfrm>
-            <a:off x="1412875" y="4925695"/>
-            <a:ext cx="3968750" cy="1231265"/>
-          </a:xfrm>
-          <a:prstGeom prst="rect"/>
-          <a:noFill/>
-          <a:ln w="0">
-            <a:noFill/>
-            <a:prstDash/>
-          </a:ln>
-        </p:spPr>
-        <p:txBody>
-          <a:bodyPr wrap="square" lIns="89535" tIns="46355" rIns="89535" bIns="46355" numCol="1" vert="horz" anchor="t">
-            <a:spAutoFit/>
-          </a:bodyPr>
-          <a:lstStyle/>
-          <a:p>
-            <a:pPr marL="0" indent="0" rtl="0" algn="l" defTabSz="914400" eaLnBrk="1" latinLnBrk="0" hangingPunct="1">
-              <a:buFontTx/>
-              <a:buNone/>
-            </a:pPr>
-            <a:r>
-              <a:rPr lang="ko-KR" sz="2000" b="1">
-                <a:solidFill>
-                  <a:srgbClr val="0611F2"/>
-                </a:solidFill>
-                <a:latin typeface="맑은 고딕" charset="0"/>
-                <a:ea typeface="맑은 고딕" charset="0"/>
-              </a:rPr>
-              <a:t>2</a:t>
-            </a:r>
-            <a:r>
-              <a:rPr lang="ko-KR" sz="2000" b="1">
-                <a:solidFill>
-                  <a:srgbClr val="0611F2"/>
-                </a:solidFill>
-                <a:latin typeface="맑은 고딕" charset="0"/>
-                <a:ea typeface="맑은 고딕" charset="0"/>
-              </a:rPr>
-              <a:t>7</a:t>
-            </a:r>
-            <a:r>
-              <a:rPr sz="2000" b="1">
-                <a:solidFill>
-                  <a:srgbClr val="0611F2"/>
-                </a:solidFill>
-                <a:latin typeface="맑은 고딕" charset="0"/>
-                <a:ea typeface="맑은 고딕" charset="0"/>
-              </a:rPr>
-              <a:t>. </a:t>
-            </a:r>
-            <a:r>
-              <a:rPr lang="ko-KR" sz="1800">
-                <a:latin typeface="맑은 고딕" charset="0"/>
-                <a:ea typeface="맑은 고딕" charset="0"/>
-              </a:rPr>
-              <a:t>그런 다음 Project 폴더에 있는 Texture 폴더에 Steel 텍스처를 선택하고 Character오브젝트에 넣어줍니다.</a:t>
-            </a:r>
-            <a:endParaRPr lang="ko-KR" altLang="en-US" sz="1800">
-              <a:latin typeface="맑은 고딕" charset="0"/>
-              <a:ea typeface="맑은 고딕" charset="0"/>
-            </a:endParaRPr>
-          </a:p>
-        </p:txBody>
-      </p:sp>
       <p:pic>
         <p:nvPicPr>
-          <p:cNvPr id="52" name="그림 1"/>
+          <p:cNvPr id="56" name="그림 11" descr="C:/Users/Admin1/AppData/Roaming/PolarisOffice/ETemp/22400_7929080/fImage415872006500.png"/>
           <p:cNvPicPr>
             <a:picLocks noChangeAspect="1"/>
           </p:cNvPicPr>
           <p:nvPr/>
         </p:nvPicPr>
         <p:blipFill rotWithShape="1">
-          <a:blip r:embed="rId2" cstate="print">
+          <a:blip r:embed="rId5" cstate="hqprint">
             <a:extLst>
               <a:ext uri="{28A0092B-C50C-407E-A947-70E740481C1C}">
-                <a14:useLocalDpi xmlns:a14="http://schemas.microsoft.com/office/drawing/2010/main" val="0"/>
+                <a14:useLocalDpi xmlns:a14="http://schemas.microsoft.com/office/drawing/2010/main"/>
               </a:ext>
             </a:extLst>
           </a:blip>
@@ -6753,137 +6712,13 @@
         </p:blipFill>
         <p:spPr>
           <a:xfrm rot="0">
-            <a:off x="1406525" y="1409700"/>
-            <a:ext cx="3973830" cy="1168400"/>
+            <a:off x="6817995" y="1413510"/>
+            <a:ext cx="4126865" cy="3921760"/>
           </a:xfrm>
           <a:prstGeom prst="roundRect"/>
           <a:solidFill>
             <a:srgbClr val="EDEDED"/>
           </a:solidFill>
-        </p:spPr>
-      </p:pic>
-      <p:pic>
-        <p:nvPicPr>
-          <p:cNvPr id="53" name="그림 4"/>
-          <p:cNvPicPr>
-            <a:picLocks noChangeAspect="1"/>
-          </p:cNvPicPr>
-          <p:nvPr/>
-        </p:nvPicPr>
-        <p:blipFill rotWithShape="1">
-          <a:blip r:embed="rId3" cstate="print">
-            <a:extLst>
-              <a:ext uri="{28A0092B-C50C-407E-A947-70E740481C1C}">
-                <a14:useLocalDpi xmlns:a14="http://schemas.microsoft.com/office/drawing/2010/main" val="0"/>
-              </a:ext>
-            </a:extLst>
-          </a:blip>
-          <a:stretch>
-            <a:fillRect/>
-          </a:stretch>
-        </p:blipFill>
-        <p:spPr>
-          <a:xfrm rot="0">
-            <a:off x="2707005" y="3787775"/>
-            <a:ext cx="2681605" cy="1064895"/>
-          </a:xfrm>
-          <a:prstGeom prst="roundRect"/>
-          <a:solidFill>
-            <a:srgbClr val="EDEDED"/>
-          </a:solidFill>
-        </p:spPr>
-      </p:pic>
-      <p:pic>
-        <p:nvPicPr>
-          <p:cNvPr id="54" name="그림 7"/>
-          <p:cNvPicPr>
-            <a:picLocks noChangeAspect="1"/>
-          </p:cNvPicPr>
-          <p:nvPr/>
-        </p:nvPicPr>
-        <p:blipFill rotWithShape="1">
-          <a:blip r:embed="rId4" cstate="print">
-            <a:extLst>
-              <a:ext uri="{28A0092B-C50C-407E-A947-70E740481C1C}">
-                <a14:useLocalDpi xmlns:a14="http://schemas.microsoft.com/office/drawing/2010/main" val="0"/>
-              </a:ext>
-            </a:extLst>
-          </a:blip>
-          <a:stretch>
-            <a:fillRect/>
-          </a:stretch>
-        </p:blipFill>
-        <p:spPr>
-          <a:xfrm rot="0">
-            <a:off x="1407795" y="3774440"/>
-            <a:ext cx="1127125" cy="1068070"/>
-          </a:xfrm>
-          <a:prstGeom prst="roundRect"/>
-          <a:solidFill>
-            <a:srgbClr val="EDEDED"/>
-          </a:solidFill>
-        </p:spPr>
-      </p:pic>
-      <p:cxnSp>
-        <p:nvCxnSpPr>
-          <p:cNvPr id="55" name="도형 10"/>
-          <p:cNvCxnSpPr/>
-          <p:nvPr/>
-        </p:nvCxnSpPr>
-        <p:spPr>
-          <a:xfrm rot="0" flipH="1">
-            <a:off x="2198370" y="4367530"/>
-            <a:ext cx="1538605" cy="3175"/>
-          </a:xfrm>
-          <a:prstGeom prst="straightConnector1"/>
-          <a:ln w="6350" cap="flat" cmpd="sng">
-            <a:prstDash/>
-            <a:headEnd type="none" w="med" len="med"/>
-            <a:tailEnd type="triangle" w="med" len="med"/>
-          </a:ln>
-        </p:spPr>
-        <p:style>
-          <a:lnRef idx="1">
-            <a:schemeClr val="accent1"/>
-          </a:lnRef>
-          <a:fillRef idx="0">
-            <a:schemeClr val="accent1"/>
-          </a:fillRef>
-          <a:effectRef idx="0">
-            <a:schemeClr val="accent1"/>
-          </a:effectRef>
-          <a:fontRef idx="minor">
-            <a:schemeClr val="tx1"/>
-          </a:fontRef>
-        </p:style>
-      </p:cxnSp>
-      <p:pic>
-        <p:nvPicPr>
-          <p:cNvPr id="56" name="그림 11"/>
-          <p:cNvPicPr>
-            <a:picLocks noChangeAspect="1"/>
-          </p:cNvPicPr>
-          <p:nvPr/>
-        </p:nvPicPr>
-        <p:blipFill rotWithShape="1">
-          <a:blip r:embed="rId5" cstate="print">
-            <a:extLst>
-              <a:ext uri="{28A0092B-C50C-407E-A947-70E740481C1C}">
-                <a14:useLocalDpi xmlns:a14="http://schemas.microsoft.com/office/drawing/2010/main" val="0"/>
-              </a:ext>
-            </a:extLst>
-          </a:blip>
-          <a:stretch>
-            <a:fillRect/>
-          </a:stretch>
-        </p:blipFill>
-        <p:spPr>
-          <a:xfrm rot="0">
-            <a:off x="6817995" y="1413510"/>
-            <a:ext cx="4126865" cy="3921125"/>
-          </a:xfrm>
-          <a:prstGeom prst="rect"/>
-          <a:noFill/>
         </p:spPr>
       </p:pic>
     </p:spTree>
@@ -7989,8 +7824,8 @@
         </p:nvSpPr>
         <p:spPr>
           <a:xfrm rot="0">
-            <a:off x="4505325" y="419100"/>
-            <a:ext cx="3185160" cy="554990"/>
+            <a:off x="3848735" y="402590"/>
+            <a:ext cx="4490720" cy="554990"/>
           </a:xfrm>
           <a:prstGeom prst="rect"/>
           <a:noFill/>
@@ -8005,7 +7840,7 @@
           </a:bodyPr>
           <a:lstStyle/>
           <a:p>
-            <a:pPr marL="0" indent="0" rtl="0" algn="l" defTabSz="914400" eaLnBrk="1" latinLnBrk="0" hangingPunct="1">
+            <a:pPr marL="0" indent="0" rtl="0" algn="ctr" defTabSz="914400" eaLnBrk="1" latinLnBrk="0" hangingPunct="1">
               <a:buFontTx/>
               <a:buNone/>
             </a:pPr>
@@ -8017,17 +7852,7 @@
                 <a:latin typeface="맑은 고딕" charset="0"/>
                 <a:ea typeface="맑은 고딕" charset="0"/>
               </a:rPr>
-              <a:t>두 번째 </a:t>
-            </a:r>
-            <a:r>
-              <a:rPr lang="ko-KR" sz="3000" b="1">
-                <a:solidFill>
-                  <a:schemeClr val="tx1"/>
-                </a:solidFill>
-                <a:latin typeface="맑은 고딕" charset="0"/>
-                <a:ea typeface="맑은 고딕" charset="0"/>
-              </a:rPr>
-              <a:t>튜토리얼</a:t>
+              <a:t>두 번째 튜토리얼</a:t>
             </a:r>
             <a:endParaRPr lang="ko-KR" altLang="en-US" sz="3000" b="1">
               <a:solidFill>
@@ -8048,9 +7873,9 @@
           <p:nvPr/>
         </p:nvSpPr>
         <p:spPr>
-          <a:xfrm>
-            <a:off x="1421765" y="5163185"/>
-            <a:ext cx="3942080" cy="954405"/>
+          <a:xfrm rot="0">
+            <a:off x="1238250" y="5420995"/>
+            <a:ext cx="4134485" cy="677545"/>
           </a:xfrm>
           <a:prstGeom prst="rect"/>
           <a:noFill/>
@@ -8077,26 +7902,16 @@
                 <a:latin typeface="맑은 고딕" charset="0"/>
                 <a:ea typeface="맑은 고딕" charset="0"/>
               </a:rPr>
-              <a:t>4</a:t>
-            </a:r>
-            <a:r>
-              <a:rPr sz="2000" b="1">
+              <a:t>4.</a:t>
+            </a:r>
+            <a:r>
+              <a:rPr lang="ko-KR" sz="2000" b="1">
                 <a:solidFill>
                   <a:srgbClr val="0611F2"/>
                 </a:solidFill>
                 <a:latin typeface="맑은 고딕" charset="0"/>
                 <a:ea typeface="맑은 고딕" charset="0"/>
               </a:rPr>
-              <a:t>.</a:t>
-            </a:r>
-            <a:r>
-              <a:rPr lang="ko-KR" sz="2000" b="1">
-                <a:solidFill>
-                  <a:srgbClr val="0611F2"/>
-                </a:solidFill>
-                <a:latin typeface="맑은 고딕" charset="0"/>
-                <a:ea typeface="맑은 고딕" charset="0"/>
-              </a:rPr>
               <a:t> </a:t>
             </a:r>
             <a:r>
@@ -8104,7 +7919,14 @@
                 <a:latin typeface="맑은 고딕" charset="0"/>
                 <a:ea typeface="맑은 고딕" charset="0"/>
               </a:rPr>
-              <a:t>그다음으로 3D Object에서 Plane이라는 게임 오브젝트를 생성합니다.</a:t>
+              <a:t>이제</a:t>
+            </a:r>
+            <a:r>
+              <a:rPr lang="ko-KR" sz="1800">
+                <a:latin typeface="맑은 고딕" charset="0"/>
+                <a:ea typeface="맑은 고딕" charset="0"/>
+              </a:rPr>
+              <a:t> 3D Object에서 Plane이라는 게임 오브젝트를 생성합니다.</a:t>
             </a:r>
             <a:endParaRPr lang="ko-KR" altLang="en-US" sz="1800">
               <a:latin typeface="맑은 고딕" charset="0"/>
@@ -8113,110 +7935,9 @@
           </a:p>
         </p:txBody>
       </p:sp>
-      <p:sp>
-        <p:nvSpPr>
-          <p:cNvPr id="20" name="Rect 0"/>
-          <p:cNvSpPr txBox="1">
-            <a:spLocks/>
-          </p:cNvSpPr>
-          <p:nvPr/>
-        </p:nvSpPr>
-        <p:spPr>
-          <a:xfrm>
-            <a:off x="6835775" y="4325620"/>
-            <a:ext cx="3872865" cy="1784985"/>
-          </a:xfrm>
-          <a:prstGeom prst="rect"/>
-          <a:noFill/>
-          <a:ln w="0">
-            <a:noFill/>
-            <a:prstDash/>
-          </a:ln>
-        </p:spPr>
-        <p:txBody>
-          <a:bodyPr wrap="square" lIns="89535" tIns="46355" rIns="89535" bIns="46355" numCol="1" vert="horz" anchor="t">
-            <a:spAutoFit/>
-          </a:bodyPr>
-          <a:lstStyle/>
-          <a:p>
-            <a:pPr marL="0" indent="0" rtl="0" algn="l" defTabSz="914400" eaLnBrk="1" latinLnBrk="0" hangingPunct="1">
-              <a:buFontTx/>
-              <a:buNone/>
-            </a:pPr>
-            <a:r>
-              <a:rPr lang="ko-KR" sz="2000" b="1">
-                <a:solidFill>
-                  <a:srgbClr val="0611F2"/>
-                </a:solidFill>
-                <a:latin typeface="맑은 고딕" charset="0"/>
-                <a:ea typeface="맑은 고딕" charset="0"/>
-              </a:rPr>
-              <a:t>5</a:t>
-            </a:r>
-            <a:r>
-              <a:rPr sz="2000" b="1">
-                <a:solidFill>
-                  <a:srgbClr val="0611F2"/>
-                </a:solidFill>
-                <a:latin typeface="맑은 고딕" charset="0"/>
-                <a:ea typeface="맑은 고딕" charset="0"/>
-              </a:rPr>
-              <a:t>.</a:t>
-            </a:r>
-            <a:r>
-              <a:rPr lang="ko-KR" sz="2000" b="1">
-                <a:solidFill>
-                  <a:srgbClr val="0611F2"/>
-                </a:solidFill>
-                <a:latin typeface="맑은 고딕" charset="0"/>
-                <a:ea typeface="맑은 고딕" charset="0"/>
-              </a:rPr>
-              <a:t> </a:t>
-            </a:r>
-            <a:r>
-              <a:rPr lang="ko-KR" sz="1800">
-                <a:latin typeface="맑은 고딕" charset="0"/>
-                <a:ea typeface="맑은 고딕" charset="0"/>
-              </a:rPr>
-              <a:t>그리고 Character 오브젝트의 Rigidbody에 Use Gravity를 활성화합니다.</a:t>
-            </a:r>
-            <a:endParaRPr lang="ko-KR" altLang="en-US" sz="1800">
-              <a:latin typeface="맑은 고딕" charset="0"/>
-              <a:ea typeface="맑은 고딕" charset="0"/>
-            </a:endParaRPr>
-          </a:p>
-          <a:p>
-            <a:pPr marL="0" indent="0" rtl="0" algn="l" defTabSz="914400" eaLnBrk="1" latinLnBrk="0" hangingPunct="1">
-              <a:buFontTx/>
-              <a:buNone/>
-            </a:pPr>
-            <a:endParaRPr lang="ko-KR" altLang="en-US" sz="1800">
-              <a:latin typeface="맑은 고딕" charset="0"/>
-              <a:ea typeface="맑은 고딕" charset="0"/>
-            </a:endParaRPr>
-          </a:p>
-          <a:p>
-            <a:pPr marL="0" indent="0" rtl="0" algn="l" defTabSz="914400" eaLnBrk="1" latinLnBrk="0" hangingPunct="1">
-              <a:buFontTx/>
-              <a:buNone/>
-            </a:pPr>
-            <a:r>
-              <a:rPr lang="ko-KR" sz="1800">
-                <a:latin typeface="맑은 고딕" charset="0"/>
-                <a:ea typeface="맑은 고딕" charset="0"/>
-              </a:rPr>
-              <a:t>그러면 Character 오브젝트가 중력에 대한 작용을 받습니다.</a:t>
-            </a:r>
-            <a:endParaRPr lang="ko-KR" altLang="en-US" sz="1800">
-              <a:latin typeface="맑은 고딕" charset="0"/>
-              <a:ea typeface="맑은 고딕" charset="0"/>
-            </a:endParaRPr>
-          </a:p>
-        </p:txBody>
-      </p:sp>
       <p:pic>
         <p:nvPicPr>
-          <p:cNvPr id="21" name="그림 19"/>
+          <p:cNvPr id="21" name="그림 19" descr="C:/Users/Admin1/AppData/Roaming/PolarisOffice/ETemp/22400_7929080/fImage159531911478.png"/>
           <p:cNvPicPr>
             <a:picLocks noChangeAspect="1"/>
           </p:cNvPicPr>
@@ -8236,8 +7957,8 @@
         </p:blipFill>
         <p:spPr>
           <a:xfrm rot="0">
-            <a:off x="1421765" y="1322070"/>
-            <a:ext cx="2228850" cy="3660140"/>
+            <a:off x="1238885" y="1446530"/>
+            <a:ext cx="2644140" cy="3792855"/>
           </a:xfrm>
           <a:prstGeom prst="roundRect"/>
           <a:solidFill>
@@ -8247,14 +7968,14 @@
       </p:pic>
       <p:pic>
         <p:nvPicPr>
-          <p:cNvPr id="23" name="그림 28"/>
+          <p:cNvPr id="25" name="그림 4" descr="C:/Users/Admin1/AppData/Roaming/PolarisOffice/ETemp/22400_7929080/fImage47631018467.png"/>
           <p:cNvPicPr>
             <a:picLocks noChangeAspect="1"/>
           </p:cNvPicPr>
           <p:nvPr/>
         </p:nvPicPr>
         <p:blipFill rotWithShape="1">
-          <a:blip r:embed="rId4" cstate="hqprint">
+          <a:blip r:embed="rId6" cstate="hqprint">
             <a:extLst>
               <a:ext uri="{28A0092B-C50C-407E-A947-70E740481C1C}">
                 <a14:useLocalDpi xmlns:a14="http://schemas.microsoft.com/office/drawing/2010/main"/>
@@ -8267,8 +7988,8 @@
         </p:blipFill>
         <p:spPr>
           <a:xfrm rot="0">
-            <a:off x="3883025" y="2862580"/>
-            <a:ext cx="1480185" cy="2111375"/>
+            <a:off x="4057015" y="2427605"/>
+            <a:ext cx="1315085" cy="1829435"/>
           </a:xfrm>
           <a:prstGeom prst="roundRect"/>
           <a:solidFill>
@@ -8278,14 +7999,133 @@
       </p:pic>
       <p:pic>
         <p:nvPicPr>
-          <p:cNvPr id="24" name="그림 31"/>
+          <p:cNvPr id="26" name="그림 7" descr="C:/Users/Admin1/AppData/Roaming/PolarisOffice/ETemp/22400_7929080/fImage112671528467.png"/>
           <p:cNvPicPr>
             <a:picLocks noChangeAspect="1"/>
           </p:cNvPicPr>
           <p:nvPr/>
         </p:nvPicPr>
         <p:blipFill rotWithShape="1">
-          <a:blip r:embed="rId5" cstate="hqprint">
+          <a:blip r:embed="rId7" cstate="print">
+            <a:extLst>
+              <a:ext uri="{28A0092B-C50C-407E-A947-70E740481C1C}">
+                <a14:useLocalDpi xmlns:a14="http://schemas.microsoft.com/office/drawing/2010/main" val="0"/>
+              </a:ext>
+            </a:extLst>
+          </a:blip>
+          <a:stretch>
+            <a:fillRect/>
+          </a:stretch>
+        </p:blipFill>
+        <p:spPr>
+          <a:xfrm rot="0">
+            <a:off x="6816725" y="1438275"/>
+            <a:ext cx="4149090" cy="1421765"/>
+          </a:xfrm>
+          <a:prstGeom prst="roundRect"/>
+          <a:solidFill>
+            <a:srgbClr val="EDEDED"/>
+          </a:solidFill>
+        </p:spPr>
+      </p:pic>
+      <p:sp>
+        <p:nvSpPr>
+          <p:cNvPr id="27" name="텍스트 상자 10"/>
+          <p:cNvSpPr txBox="1">
+            <a:spLocks/>
+          </p:cNvSpPr>
+          <p:nvPr/>
+        </p:nvSpPr>
+        <p:spPr>
+          <a:xfrm rot="0">
+            <a:off x="6812915" y="2948940"/>
+            <a:ext cx="4152900" cy="677545"/>
+          </a:xfrm>
+          <a:prstGeom prst="rect"/>
+          <a:noFill/>
+          <a:ln w="0">
+            <a:noFill/>
+            <a:prstDash/>
+          </a:ln>
+        </p:spPr>
+        <p:txBody>
+          <a:bodyPr wrap="square" lIns="89535" tIns="46355" rIns="89535" bIns="46355" numCol="1" vert="horz" anchor="t">
+            <a:spAutoFit/>
+          </a:bodyPr>
+          <a:lstStyle/>
+          <a:p>
+            <a:pPr marL="0" indent="0" rtl="0" algn="l" defTabSz="914400" eaLnBrk="1" latinLnBrk="0" hangingPunct="1">
+              <a:buFontTx/>
+              <a:buNone/>
+            </a:pPr>
+            <a:r>
+              <a:rPr sz="2000" b="1">
+                <a:solidFill>
+                  <a:srgbClr val="0611F2"/>
+                </a:solidFill>
+                <a:latin typeface="맑은 고딕" charset="0"/>
+                <a:ea typeface="맑은 고딕" charset="0"/>
+              </a:rPr>
+              <a:t>5</a:t>
+            </a:r>
+            <a:r>
+              <a:rPr sz="2000" b="1">
+                <a:solidFill>
+                  <a:srgbClr val="0611F2"/>
+                </a:solidFill>
+                <a:latin typeface="맑은 고딕" charset="0"/>
+                <a:ea typeface="맑은 고딕" charset="0"/>
+              </a:rPr>
+              <a:t>.</a:t>
+            </a:r>
+            <a:r>
+              <a:rPr lang="ko-KR" sz="2000" b="1">
+                <a:solidFill>
+                  <a:srgbClr val="0611F2"/>
+                </a:solidFill>
+                <a:latin typeface="맑은 고딕" charset="0"/>
+                <a:ea typeface="맑은 고딕" charset="0"/>
+              </a:rPr>
+              <a:t> </a:t>
+            </a:r>
+            <a:r>
+              <a:rPr lang="ko-KR" sz="1800">
+                <a:latin typeface="맑은 고딕" charset="0"/>
+                <a:ea typeface="맑은 고딕" charset="0"/>
+              </a:rPr>
+              <a:t>그다음</a:t>
+            </a:r>
+            <a:r>
+              <a:rPr lang="ko-KR" sz="1800">
+                <a:latin typeface="맑은 고딕" charset="0"/>
+                <a:ea typeface="맑은 고딕" charset="0"/>
+              </a:rPr>
+              <a:t> Plane 게임 오브젝트</a:t>
+            </a:r>
+            <a:r>
+              <a:rPr lang="ko-KR" sz="1800">
+                <a:latin typeface="맑은 고딕" charset="0"/>
+                <a:ea typeface="맑은 고딕" charset="0"/>
+              </a:rPr>
+              <a:t>의 위치와 회전 값을 초기화합니다.</a:t>
+            </a:r>
+            <a:endParaRPr lang="ko-KR" altLang="en-US" sz="1800">
+              <a:latin typeface="맑은 고딕" charset="0"/>
+              <a:ea typeface="맑은 고딕" charset="0"/>
+            </a:endParaRPr>
+          </a:p>
+        </p:txBody>
+      </p:sp>
+      <p:pic>
+        <p:nvPicPr>
+          <p:cNvPr id="28" name="그림 11" descr="C:/Users/Admin1/AppData/Roaming/PolarisOffice/ETemp/22400_7929080/fImage107461049169.png"/>
+          <p:cNvPicPr>
+            <a:picLocks noChangeAspect="1"/>
+          </p:cNvPicPr>
+          <p:nvPr/>
+        </p:nvPicPr>
+        <p:blipFill rotWithShape="1">
+          <a:blip r:embed="rId8" cstate="hqprint">
             <a:extLst>
               <a:ext uri="{28A0092B-C50C-407E-A947-70E740481C1C}">
                 <a14:useLocalDpi xmlns:a14="http://schemas.microsoft.com/office/drawing/2010/main"/>
@@ -8298,37 +8138,8 @@
         </p:blipFill>
         <p:spPr>
           <a:xfrm rot="0">
-            <a:off x="6824980" y="1313180"/>
-            <a:ext cx="3881120" cy="2830195"/>
-          </a:xfrm>
-          <a:prstGeom prst="rect"/>
-          <a:noFill/>
-        </p:spPr>
-      </p:pic>
-      <p:pic>
-        <p:nvPicPr>
-          <p:cNvPr id="25" name="그림 4"/>
-          <p:cNvPicPr>
-            <a:picLocks noChangeAspect="1"/>
-          </p:cNvPicPr>
-          <p:nvPr/>
-        </p:nvPicPr>
-        <p:blipFill rotWithShape="1">
-          <a:blip r:embed="rId6" cstate="print">
-            <a:extLst>
-              <a:ext uri="{28A0092B-C50C-407E-A947-70E740481C1C}">
-                <a14:useLocalDpi xmlns:a14="http://schemas.microsoft.com/office/drawing/2010/main" val="0"/>
-              </a:ext>
-            </a:extLst>
-          </a:blip>
-          <a:stretch>
-            <a:fillRect/>
-          </a:stretch>
-        </p:blipFill>
-        <p:spPr>
-          <a:xfrm rot="0">
-            <a:off x="3884295" y="1323340"/>
-            <a:ext cx="1478915" cy="1332230"/>
+            <a:off x="6816725" y="3740785"/>
+            <a:ext cx="4140835" cy="1564005"/>
           </a:xfrm>
           <a:prstGeom prst="roundRect"/>
           <a:solidFill>
@@ -8336,6 +8147,94 @@
           </a:solidFill>
         </p:spPr>
       </p:pic>
+      <p:sp>
+        <p:nvSpPr>
+          <p:cNvPr id="29" name="텍스트 상자 12"/>
+          <p:cNvSpPr txBox="1">
+            <a:spLocks/>
+          </p:cNvSpPr>
+          <p:nvPr/>
+        </p:nvSpPr>
+        <p:spPr>
+          <a:xfrm rot="0">
+            <a:off x="6821805" y="5423535"/>
+            <a:ext cx="4144010" cy="677545"/>
+          </a:xfrm>
+          <a:prstGeom prst="rect"/>
+          <a:noFill/>
+          <a:ln w="0">
+            <a:noFill/>
+            <a:prstDash/>
+          </a:ln>
+        </p:spPr>
+        <p:txBody>
+          <a:bodyPr wrap="square" lIns="89535" tIns="46355" rIns="89535" bIns="46355" numCol="1" vert="horz" anchor="t">
+            <a:spAutoFit/>
+          </a:bodyPr>
+          <a:lstStyle/>
+          <a:p>
+            <a:pPr marL="0" indent="0" rtl="0" algn="l" defTabSz="914400" eaLnBrk="1" latinLnBrk="0" hangingPunct="1">
+              <a:buFontTx/>
+              <a:buNone/>
+            </a:pPr>
+            <a:r>
+              <a:rPr lang="ko-KR" sz="2000" b="1">
+                <a:solidFill>
+                  <a:srgbClr val="0611F2"/>
+                </a:solidFill>
+                <a:latin typeface="맑은 고딕" charset="0"/>
+                <a:ea typeface="맑은 고딕" charset="0"/>
+              </a:rPr>
+              <a:t>6</a:t>
+            </a:r>
+            <a:r>
+              <a:rPr sz="2000" b="1">
+                <a:solidFill>
+                  <a:srgbClr val="0611F2"/>
+                </a:solidFill>
+                <a:latin typeface="맑은 고딕" charset="0"/>
+                <a:ea typeface="맑은 고딕" charset="0"/>
+              </a:rPr>
+              <a:t>.</a:t>
+            </a:r>
+            <a:r>
+              <a:rPr lang="ko-KR" sz="2000" b="1">
+                <a:solidFill>
+                  <a:srgbClr val="0611F2"/>
+                </a:solidFill>
+                <a:latin typeface="맑은 고딕" charset="0"/>
+                <a:ea typeface="맑은 고딕" charset="0"/>
+              </a:rPr>
+              <a:t> </a:t>
+            </a:r>
+            <a:r>
+              <a:rPr lang="ko-KR" sz="1800">
+                <a:latin typeface="맑은 고딕" charset="0"/>
+                <a:ea typeface="맑은 고딕" charset="0"/>
+              </a:rPr>
+              <a:t>그</a:t>
+            </a:r>
+            <a:r>
+              <a:rPr lang="ko-KR" sz="1800">
+                <a:latin typeface="맑은 고딕" charset="0"/>
+                <a:ea typeface="맑은 고딕" charset="0"/>
+              </a:rPr>
+              <a:t>리고</a:t>
+            </a:r>
+            <a:r>
+              <a:rPr lang="ko-KR" sz="1800">
+                <a:latin typeface="맑은 고딕" charset="0"/>
+                <a:ea typeface="맑은 고딕" charset="0"/>
+              </a:rPr>
+              <a:t> Main Camera 오브젝트의 위치와 회전값을 설정합니다.</a:t>
+            </a:r>
+            <a:endParaRPr lang="ko-KR" altLang="en-US" sz="1800">
+              <a:latin typeface="맑은 고딕" charset="0"/>
+              <a:ea typeface="맑은 고딕" charset="0"/>
+            </a:endParaRPr>
+          </a:p>
+        </p:txBody>
+      </p:sp>
     </p:spTree>
   </p:cSld>
   <p:clrMapOvr>
@@ -8445,9 +8344,9 @@
           <p:nvPr/>
         </p:nvSpPr>
         <p:spPr>
-          <a:xfrm>
-            <a:off x="1421765" y="5215890"/>
-            <a:ext cx="3959225" cy="954405"/>
+          <a:xfrm rot="0">
+            <a:off x="1238885" y="5215890"/>
+            <a:ext cx="4142740" cy="954405"/>
           </a:xfrm>
           <a:prstGeom prst="rect"/>
           <a:noFill/>
@@ -8474,7 +8373,7 @@
                 <a:latin typeface="맑은 고딕" charset="0"/>
                 <a:ea typeface="맑은 고딕" charset="0"/>
               </a:rPr>
-              <a:t>6</a:t>
+              <a:t>7</a:t>
             </a:r>
             <a:r>
               <a:rPr sz="2000" b="1">
@@ -8501,7 +8400,21 @@
                 <a:latin typeface="맑은 고딕" charset="0"/>
                 <a:ea typeface="맑은 고딕" charset="0"/>
               </a:rPr>
-              <a:t>그런 다음 3D Object에 Cube를 생성하고 이름을 Obstacle로 변경합니다.</a:t>
+              <a:t>그런 다음 3D Object에 Cube를 생성하고 이름을 Obstacle로 </a:t>
+            </a:r>
+            <a:r>
+              <a:rPr lang="ko-KR" sz="1800">
+                <a:latin typeface="맑은 고딕" charset="0"/>
+                <a:ea typeface="맑은 고딕" charset="0"/>
+              </a:rPr>
+              <a:t>정의</a:t>
+            </a:r>
+            <a:r>
+              <a:rPr lang="ko-KR" sz="1800">
+                <a:latin typeface="맑은 고딕" charset="0"/>
+                <a:ea typeface="맑은 고딕" charset="0"/>
+              </a:rPr>
+              <a:t>합니다.</a:t>
             </a:r>
             <a:endParaRPr lang="ko-KR" altLang="en-US" sz="1800">
               <a:latin typeface="맑은 고딕" charset="0"/>
@@ -8519,9 +8432,9 @@
           <p:nvPr/>
         </p:nvSpPr>
         <p:spPr>
-          <a:xfrm>
-            <a:off x="6851650" y="2599055"/>
-            <a:ext cx="4090670" cy="954405"/>
+          <a:xfrm rot="0">
+            <a:off x="6851650" y="2607310"/>
+            <a:ext cx="4105910" cy="1231265"/>
           </a:xfrm>
           <a:prstGeom prst="rect"/>
           <a:noFill/>
@@ -8548,7 +8461,7 @@
                 <a:latin typeface="맑은 고딕" charset="0"/>
                 <a:ea typeface="맑은 고딕" charset="0"/>
               </a:rPr>
-              <a:t>7</a:t>
+              <a:t>8</a:t>
             </a:r>
             <a:r>
               <a:rPr sz="2000" b="1">
@@ -8575,7 +8488,28 @@
                 <a:latin typeface="맑은 고딕" charset="0"/>
                 <a:ea typeface="맑은 고딕" charset="0"/>
               </a:rPr>
-              <a:t>그리고 Project 폴더에 있는 Video 폴더에 MotoCycle 비디오를 Obstacle 오브젝트에 넣어줍니다.</a:t>
+              <a:t>그러고 나서</a:t>
+            </a:r>
+            <a:r>
+              <a:rPr lang="ko-KR" sz="1800">
+                <a:latin typeface="맑은 고딕" charset="0"/>
+                <a:ea typeface="맑은 고딕" charset="0"/>
+              </a:rPr>
+              <a:t> Project 폴더</a:t>
+            </a:r>
+            <a:r>
+              <a:rPr lang="ko-KR" sz="1800">
+                <a:latin typeface="맑은 고딕" charset="0"/>
+                <a:ea typeface="맑은 고딕" charset="0"/>
+              </a:rPr>
+              <a:t> 아래에 </a:t>
+            </a:r>
+            <a:r>
+              <a:rPr lang="ko-KR" sz="1800">
+                <a:latin typeface="맑은 고딕" charset="0"/>
+                <a:ea typeface="맑은 고딕" charset="0"/>
+              </a:rPr>
+              <a:t> 있는 Video 폴더에 MotoCycle 비디오를 Obstacle 오브젝트에 넣어줍니다.</a:t>
             </a:r>
             <a:endParaRPr lang="ko-KR" altLang="en-US" sz="1800">
               <a:latin typeface="맑은 고딕" charset="0"/>
@@ -8586,7 +8520,7 @@
       </p:sp>
       <p:pic>
         <p:nvPicPr>
-          <p:cNvPr id="21" name="그림 32"/>
+          <p:cNvPr id="21" name="그림 32" descr="C:/Users/Admin1/AppData/Roaming/PolarisOffice/ETemp/22400_7929080/fImage161052045705.png"/>
           <p:cNvPicPr>
             <a:picLocks noChangeAspect="1"/>
           </p:cNvPicPr>
@@ -8606,8 +8540,8 @@
         </p:blipFill>
         <p:spPr>
           <a:xfrm rot="0">
-            <a:off x="1421765" y="1470025"/>
-            <a:ext cx="2349500" cy="3598545"/>
+            <a:off x="1263650" y="1446530"/>
+            <a:ext cx="2536190" cy="3558540"/>
           </a:xfrm>
           <a:prstGeom prst="roundRect"/>
           <a:solidFill>
@@ -8617,38 +8551,7 @@
       </p:pic>
       <p:pic>
         <p:nvPicPr>
-          <p:cNvPr id="23" name="그림 34"/>
-          <p:cNvPicPr>
-            <a:picLocks noChangeAspect="1"/>
-          </p:cNvPicPr>
-          <p:nvPr/>
-        </p:nvPicPr>
-        <p:blipFill rotWithShape="1">
-          <a:blip r:embed="rId4" cstate="hqprint">
-            <a:extLst>
-              <a:ext uri="{28A0092B-C50C-407E-A947-70E740481C1C}">
-                <a14:useLocalDpi xmlns:a14="http://schemas.microsoft.com/office/drawing/2010/main"/>
-              </a:ext>
-            </a:extLst>
-          </a:blip>
-          <a:stretch>
-            <a:fillRect/>
-          </a:stretch>
-        </p:blipFill>
-        <p:spPr>
-          <a:xfrm rot="0">
-            <a:off x="3970020" y="3286125"/>
-            <a:ext cx="1410335" cy="1779270"/>
-          </a:xfrm>
-          <a:prstGeom prst="roundRect"/>
-          <a:solidFill>
-            <a:srgbClr val="EDEDED"/>
-          </a:solidFill>
-        </p:spPr>
-      </p:pic>
-      <p:pic>
-        <p:nvPicPr>
-          <p:cNvPr id="25" name="그림 19"/>
+          <p:cNvPr id="25" name="그림 19" descr="C:/Users/Admin1/AppData/Roaming/PolarisOffice/ETemp/22400_7929080/fImage972210841.png"/>
           <p:cNvPicPr>
             <a:picLocks noChangeAspect="1"/>
           </p:cNvPicPr>
@@ -8668,8 +8571,8 @@
         </p:blipFill>
         <p:spPr>
           <a:xfrm rot="0">
-            <a:off x="8279765" y="1471295"/>
-            <a:ext cx="2670175" cy="1065530"/>
+            <a:off x="8279765" y="1438275"/>
+            <a:ext cx="2670810" cy="1039495"/>
           </a:xfrm>
           <a:prstGeom prst="roundRect"/>
           <a:solidFill>
@@ -8679,17 +8582,17 @@
       </p:pic>
       <p:pic>
         <p:nvPicPr>
-          <p:cNvPr id="26" name="그림 11"/>
+          <p:cNvPr id="26" name="그림 11" descr="C:/Users/Admin1/AppData/Roaming/PolarisOffice/ETemp/22400_7929080/fImage53461026334.png"/>
           <p:cNvPicPr>
             <a:picLocks noChangeAspect="1"/>
           </p:cNvPicPr>
           <p:nvPr/>
         </p:nvPicPr>
         <p:blipFill rotWithShape="1">
-          <a:blip r:embed="rId9" cstate="print">
+          <a:blip r:embed="rId9" cstate="hqprint">
             <a:extLst>
               <a:ext uri="{28A0092B-C50C-407E-A947-70E740481C1C}">
-                <a14:useLocalDpi xmlns:a14="http://schemas.microsoft.com/office/drawing/2010/main" val="0"/>
+                <a14:useLocalDpi xmlns:a14="http://schemas.microsoft.com/office/drawing/2010/main"/>
               </a:ext>
             </a:extLst>
           </a:blip>
@@ -8699,8 +8602,8 @@
         </p:blipFill>
         <p:spPr>
           <a:xfrm rot="0">
-            <a:off x="3966210" y="1478915"/>
-            <a:ext cx="1414145" cy="1565910"/>
+            <a:off x="3998595" y="2251710"/>
+            <a:ext cx="1380490" cy="1938020"/>
           </a:xfrm>
           <a:prstGeom prst="roundRect"/>
           <a:solidFill>
@@ -8710,17 +8613,17 @@
       </p:pic>
       <p:pic>
         <p:nvPicPr>
-          <p:cNvPr id="27" name="그림 14"/>
+          <p:cNvPr id="27" name="그림 14" descr="C:/Users/Admin1/AppData/Roaming/PolarisOffice/ETemp/22400_7929080/fImage53461036500.png"/>
           <p:cNvPicPr>
             <a:picLocks noChangeAspect="1"/>
           </p:cNvPicPr>
           <p:nvPr/>
         </p:nvPicPr>
         <p:blipFill rotWithShape="1">
-          <a:blip r:embed="rId10" cstate="print">
+          <a:blip r:embed="rId10" cstate="hqprint">
             <a:extLst>
               <a:ext uri="{28A0092B-C50C-407E-A947-70E740481C1C}">
-                <a14:useLocalDpi xmlns:a14="http://schemas.microsoft.com/office/drawing/2010/main" val="0"/>
+                <a14:useLocalDpi xmlns:a14="http://schemas.microsoft.com/office/drawing/2010/main"/>
               </a:ext>
             </a:extLst>
           </a:blip>
@@ -8730,8 +8633,8 @@
         </p:blipFill>
         <p:spPr>
           <a:xfrm rot="0">
-            <a:off x="6841490" y="1472565"/>
-            <a:ext cx="1306195" cy="1062355"/>
+            <a:off x="6841490" y="1446530"/>
+            <a:ext cx="1306830" cy="1029335"/>
           </a:xfrm>
           <a:prstGeom prst="roundRect"/>
           <a:solidFill>
@@ -8739,19 +8642,52 @@
           </a:solidFill>
         </p:spPr>
       </p:pic>
+      <p:cxnSp>
+        <p:nvCxnSpPr>
+          <p:cNvPr id="30" name="도형 6"/>
+          <p:cNvCxnSpPr/>
+          <p:nvPr/>
+        </p:nvCxnSpPr>
+        <p:spPr>
+          <a:xfrm rot="0" flipH="1">
+            <a:off x="7706360" y="2053590"/>
+            <a:ext cx="715645" cy="291465"/>
+          </a:xfrm>
+          <a:prstGeom prst="straightConnector1"/>
+          <a:ln w="6350" cap="flat" cmpd="sng">
+            <a:prstDash/>
+            <a:headEnd type="none" w="med" len="med"/>
+            <a:tailEnd type="triangle" w="med" len="med"/>
+          </a:ln>
+        </p:spPr>
+        <p:style>
+          <a:lnRef idx="1">
+            <a:schemeClr val="accent1"/>
+          </a:lnRef>
+          <a:fillRef idx="0">
+            <a:schemeClr val="accent1"/>
+          </a:fillRef>
+          <a:effectRef idx="0">
+            <a:schemeClr val="accent1"/>
+          </a:effectRef>
+          <a:fontRef idx="minor">
+            <a:schemeClr val="tx1"/>
+          </a:fontRef>
+        </p:style>
+      </p:cxnSp>
       <p:pic>
         <p:nvPicPr>
-          <p:cNvPr id="28" name="그림 15"/>
+          <p:cNvPr id="31" name="그림 13" descr="C:/Users/Admin1/AppData/Roaming/PolarisOffice/ETemp/22400_7929080/fImage106411939169.png"/>
           <p:cNvPicPr>
             <a:picLocks noChangeAspect="1"/>
           </p:cNvPicPr>
           <p:nvPr/>
         </p:nvPicPr>
         <p:blipFill rotWithShape="1">
-          <a:blip r:embed="rId11" cstate="print">
+          <a:blip r:embed="rId12" cstate="hqprint">
             <a:extLst>
               <a:ext uri="{28A0092B-C50C-407E-A947-70E740481C1C}">
-                <a14:useLocalDpi xmlns:a14="http://schemas.microsoft.com/office/drawing/2010/main" val="0"/>
+                <a14:useLocalDpi xmlns:a14="http://schemas.microsoft.com/office/drawing/2010/main"/>
               </a:ext>
             </a:extLst>
           </a:blip>
@@ -8761,8 +8697,8 @@
         </p:blipFill>
         <p:spPr>
           <a:xfrm rot="0">
-            <a:off x="6850380" y="3727450"/>
-            <a:ext cx="4099560" cy="1626870"/>
+            <a:off x="6847840" y="3990340"/>
+            <a:ext cx="4109720" cy="1372235"/>
           </a:xfrm>
           <a:prstGeom prst="roundRect"/>
           <a:solidFill>
@@ -8772,16 +8708,16 @@
       </p:pic>
       <p:sp>
         <p:nvSpPr>
-          <p:cNvPr id="29" name="텍스트 상자 18"/>
+          <p:cNvPr id="32" name="텍스트 상자 14"/>
           <p:cNvSpPr txBox="1">
             <a:spLocks/>
           </p:cNvSpPr>
           <p:nvPr/>
         </p:nvSpPr>
         <p:spPr>
-          <a:xfrm>
-            <a:off x="6863080" y="5490210"/>
-            <a:ext cx="4090670" cy="677545"/>
+          <a:xfrm rot="0">
+            <a:off x="6858000" y="5488305"/>
+            <a:ext cx="4099560" cy="677545"/>
           </a:xfrm>
           <a:prstGeom prst="rect"/>
           <a:noFill/>
@@ -8808,7 +8744,7 @@
                 <a:latin typeface="맑은 고딕" charset="0"/>
                 <a:ea typeface="맑은 고딕" charset="0"/>
               </a:rPr>
-              <a:t>8</a:t>
+              <a:t>9</a:t>
             </a:r>
             <a:r>
               <a:rPr sz="2000" b="1">
@@ -8818,24 +8754,35 @@
                 <a:latin typeface="맑은 고딕" charset="0"/>
                 <a:ea typeface="맑은 고딕" charset="0"/>
               </a:rPr>
-              <a:t>.</a:t>
-            </a:r>
-            <a:r>
-              <a:rPr lang="ko-KR" sz="2000" b="1">
-                <a:solidFill>
-                  <a:srgbClr val="0611F2"/>
-                </a:solidFill>
-                <a:latin typeface="맑은 고딕" charset="0"/>
-                <a:ea typeface="맑은 고딕" charset="0"/>
-              </a:rPr>
-              <a:t> </a:t>
+              <a:t>. </a:t>
             </a:r>
             <a:r>
               <a:rPr lang="ko-KR" sz="1800">
                 <a:latin typeface="맑은 고딕" charset="0"/>
                 <a:ea typeface="맑은 고딕" charset="0"/>
               </a:rPr>
-              <a:t>그다음 Main Camera 오브젝트의 위치와 회전값을 설정합니다.</a:t>
+              <a:t>이제</a:t>
+            </a:r>
+            <a:r>
+              <a:rPr lang="ko-KR" sz="1800">
+                <a:latin typeface="맑은 고딕" charset="0"/>
+                <a:ea typeface="맑은 고딕" charset="0"/>
+              </a:rPr>
+              <a:t> Obstacle 오브젝트</a:t>
+            </a:r>
+            <a:r>
+              <a:rPr lang="ko-KR" sz="1800">
+                <a:latin typeface="맑은 고딕" charset="0"/>
+                <a:ea typeface="맑은 고딕" charset="0"/>
+              </a:rPr>
+              <a:t>의</a:t>
+            </a:r>
+            <a:r>
+              <a:rPr lang="ko-KR" sz="1800">
+                <a:latin typeface="맑은 고딕" charset="0"/>
+                <a:ea typeface="맑은 고딕" charset="0"/>
+              </a:rPr>
+              <a:t> 위치를 설정합니다.</a:t>
             </a:r>
             <a:endParaRPr lang="ko-KR" altLang="en-US" sz="1800">
               <a:latin typeface="맑은 고딕" charset="0"/>
@@ -8953,9 +8900,9 @@
           <p:nvPr/>
         </p:nvSpPr>
         <p:spPr>
-          <a:xfrm>
-            <a:off x="1412875" y="3941445"/>
-            <a:ext cx="3958590" cy="2061845"/>
+          <a:xfrm rot="0">
+            <a:off x="1229995" y="4182745"/>
+            <a:ext cx="4142105" cy="2061845"/>
           </a:xfrm>
           <a:prstGeom prst="rect"/>
           <a:noFill/>
@@ -8982,7 +8929,7 @@
                 <a:latin typeface="맑은 고딕" charset="0"/>
                 <a:ea typeface="맑은 고딕" charset="0"/>
               </a:rPr>
-              <a:t>9</a:t>
+              <a:t>10</a:t>
             </a:r>
             <a:r>
               <a:rPr sz="2000" b="1">
@@ -9009,7 +8956,63 @@
                 <a:latin typeface="맑은 고딕" charset="0"/>
                 <a:ea typeface="맑은 고딕" charset="0"/>
               </a:rPr>
-              <a:t>그다음 Start( ) 함수에서 Rigidbody 컴포넌트를 가져옵니다.</a:t>
+              <a:t>그</a:t>
+            </a:r>
+            <a:r>
+              <a:rPr lang="ko-KR" sz="1800">
+                <a:latin typeface="맑은 고딕" charset="0"/>
+                <a:ea typeface="맑은 고딕" charset="0"/>
+              </a:rPr>
+              <a:t>리고</a:t>
+            </a:r>
+            <a:r>
+              <a:rPr lang="ko-KR" sz="1800">
+                <a:latin typeface="맑은 고딕" charset="0"/>
+                <a:ea typeface="맑은 고딕" charset="0"/>
+              </a:rPr>
+              <a:t> </a:t>
+            </a:r>
+            <a:r>
+              <a:rPr lang="ko-KR" sz="1800">
+                <a:latin typeface="맑은 고딕" charset="0"/>
+                <a:ea typeface="맑은 고딕" charset="0"/>
+              </a:rPr>
+              <a:t>float</a:t>
+            </a:r>
+            <a:r>
+              <a:rPr lang="ko-KR" sz="1800">
+                <a:latin typeface="맑은 고딕" charset="0"/>
+                <a:ea typeface="맑은 고딕" charset="0"/>
+              </a:rPr>
+              <a:t> 변수와 </a:t>
+            </a:r>
+            <a:r>
+              <a:rPr lang="ko-KR" sz="1800">
+                <a:latin typeface="맑은 고딕" charset="0"/>
+                <a:ea typeface="맑은 고딕" charset="0"/>
+              </a:rPr>
+              <a:t>Vector3</a:t>
+            </a:r>
+            <a:r>
+              <a:rPr lang="ko-KR" sz="1800">
+                <a:latin typeface="맑은 고딕" charset="0"/>
+                <a:ea typeface="맑은 고딕" charset="0"/>
+              </a:rPr>
+              <a:t> 변수를 선언한 다음 </a:t>
+            </a:r>
+            <a:r>
+              <a:rPr lang="ko-KR" sz="1800">
+                <a:latin typeface="맑은 고딕" charset="0"/>
+                <a:ea typeface="맑은 고딕" charset="0"/>
+              </a:rPr>
+              <a:t>b</a:t>
+            </a:r>
+            <a:r>
+              <a:rPr lang="ko-KR" sz="1800">
+                <a:latin typeface="맑은 고딕" charset="0"/>
+                <a:ea typeface="맑은 고딕" charset="0"/>
+              </a:rPr>
+              <a:t>oolean 변수를 선언합니다.</a:t>
             </a:r>
             <a:endParaRPr lang="ko-KR" altLang="en-US" sz="1800">
               <a:latin typeface="맑은 고딕" charset="0"/>
@@ -9036,7 +9039,7 @@
                 <a:latin typeface="맑은 고딕" charset="0"/>
                 <a:ea typeface="맑은 고딕" charset="0"/>
               </a:rPr>
-              <a:t>그리고 속도 변수와 방향 변수를 선언한 다음 마지막으로 조건을 설정할 수 있는 Boolean 변수를 선언합니다.</a:t>
+              <a:t>그런 다음 Rigidbody 변수를 선언하고 Start( ) 함수에서 Rigidbody 컴포넌트를 가져옵니다.</a:t>
             </a:r>
             <a:endParaRPr lang="ko-KR" altLang="en-US" sz="1800">
               <a:latin typeface="맑은 고딕" charset="0"/>
@@ -9045,19 +9048,165 @@
           </a:p>
         </p:txBody>
       </p:sp>
+      <p:sp>
+        <p:nvSpPr>
+          <p:cNvPr id="23" name="텍스트 상자 59"/>
+          <p:cNvSpPr txBox="1">
+            <a:spLocks/>
+          </p:cNvSpPr>
+          <p:nvPr/>
+        </p:nvSpPr>
+        <p:spPr>
+          <a:xfrm rot="0">
+            <a:off x="6831330" y="4180205"/>
+            <a:ext cx="4123055" cy="2061845"/>
+          </a:xfrm>
+          <a:prstGeom prst="rect"/>
+          <a:noFill/>
+          <a:ln w="0">
+            <a:noFill/>
+            <a:prstDash/>
+          </a:ln>
+        </p:spPr>
+        <p:txBody>
+          <a:bodyPr wrap="square" lIns="89535" tIns="46355" rIns="89535" bIns="46355" numCol="1" vert="horz" anchor="t">
+            <a:spAutoFit/>
+          </a:bodyPr>
+          <a:lstStyle/>
+          <a:p>
+            <a:pPr marL="0" indent="0" rtl="0" algn="l" defTabSz="914400" eaLnBrk="1" latinLnBrk="0" hangingPunct="1">
+              <a:buFontTx/>
+              <a:buNone/>
+            </a:pPr>
+            <a:r>
+              <a:rPr lang="ko-KR" sz="2000" b="1">
+                <a:solidFill>
+                  <a:srgbClr val="0611F2"/>
+                </a:solidFill>
+                <a:latin typeface="맑은 고딕" charset="0"/>
+                <a:ea typeface="맑은 고딕" charset="0"/>
+              </a:rPr>
+              <a:t>1</a:t>
+            </a:r>
+            <a:r>
+              <a:rPr lang="ko-KR" sz="2000" b="1">
+                <a:solidFill>
+                  <a:srgbClr val="0611F2"/>
+                </a:solidFill>
+                <a:latin typeface="맑은 고딕" charset="0"/>
+                <a:ea typeface="맑은 고딕" charset="0"/>
+              </a:rPr>
+              <a:t>1</a:t>
+            </a:r>
+            <a:r>
+              <a:rPr sz="2000" b="1">
+                <a:solidFill>
+                  <a:srgbClr val="0611F2"/>
+                </a:solidFill>
+                <a:latin typeface="맑은 고딕" charset="0"/>
+                <a:ea typeface="맑은 고딕" charset="0"/>
+              </a:rPr>
+              <a:t>.</a:t>
+            </a:r>
+            <a:r>
+              <a:rPr lang="ko-KR" sz="2000" b="1">
+                <a:solidFill>
+                  <a:srgbClr val="0611F2"/>
+                </a:solidFill>
+                <a:latin typeface="맑은 고딕" charset="0"/>
+                <a:ea typeface="맑은 고딕" charset="0"/>
+              </a:rPr>
+              <a:t> </a:t>
+            </a:r>
+            <a:r>
+              <a:rPr lang="ko-KR" sz="1800">
+                <a:latin typeface="맑은 고딕" charset="0"/>
+                <a:ea typeface="맑은 고딕" charset="0"/>
+              </a:rPr>
+              <a:t>그다음 Update( ) 함수에서 입력에 대한 정보를 방향 변수에 저장합니다.</a:t>
+            </a:r>
+            <a:endParaRPr lang="ko-KR" altLang="en-US" sz="1800">
+              <a:latin typeface="맑은 고딕" charset="0"/>
+              <a:ea typeface="맑은 고딕" charset="0"/>
+            </a:endParaRPr>
+          </a:p>
+          <a:p>
+            <a:pPr marL="0" indent="0" rtl="0" algn="l" defTabSz="914400" eaLnBrk="1" latinLnBrk="0" hangingPunct="1">
+              <a:buFontTx/>
+              <a:buNone/>
+            </a:pPr>
+            <a:endParaRPr lang="ko-KR" altLang="en-US" sz="1800">
+              <a:latin typeface="맑은 고딕" charset="0"/>
+              <a:ea typeface="맑은 고딕" charset="0"/>
+            </a:endParaRPr>
+          </a:p>
+          <a:p>
+            <a:pPr marL="0" indent="0" rtl="0" algn="l" defTabSz="914400" eaLnBrk="1" latinLnBrk="0" hangingPunct="1">
+              <a:buFontTx/>
+              <a:buNone/>
+            </a:pPr>
+            <a:r>
+              <a:rPr lang="ko-KR" sz="1800">
+                <a:latin typeface="맑은 고딕" charset="0"/>
+                <a:ea typeface="맑은 고딕" charset="0"/>
+              </a:rPr>
+              <a:t>그러고 나서</a:t>
+            </a:r>
+            <a:r>
+              <a:rPr lang="ko-KR" sz="1800">
+                <a:latin typeface="맑은 고딕" charset="0"/>
+                <a:ea typeface="맑은 고딕" charset="0"/>
+              </a:rPr>
+              <a:t> Space Bar와 condition이 활성화</a:t>
+            </a:r>
+            <a:r>
+              <a:rPr lang="ko-KR" sz="1800">
+                <a:latin typeface="맑은 고딕" charset="0"/>
+                <a:ea typeface="맑은 고딕" charset="0"/>
+              </a:rPr>
+              <a:t>된</a:t>
+            </a:r>
+            <a:r>
+              <a:rPr lang="ko-KR" sz="1800">
+                <a:latin typeface="맑은 고딕" charset="0"/>
+                <a:ea typeface="맑은 고딕" charset="0"/>
+              </a:rPr>
+              <a:t> 상태이면 AddForce( ) 함수를 호출하도록 </a:t>
+            </a:r>
+            <a:r>
+              <a:rPr lang="ko-KR" sz="1800">
+                <a:latin typeface="맑은 고딕" charset="0"/>
+                <a:ea typeface="맑은 고딕" charset="0"/>
+              </a:rPr>
+              <a:t>정의</a:t>
+            </a:r>
+            <a:r>
+              <a:rPr lang="ko-KR" sz="1800">
+                <a:latin typeface="맑은 고딕" charset="0"/>
+                <a:ea typeface="맑은 고딕" charset="0"/>
+              </a:rPr>
+              <a:t>합니다.</a:t>
+            </a:r>
+            <a:endParaRPr lang="ko-KR" altLang="en-US" sz="1800">
+              <a:latin typeface="맑은 고딕" charset="0"/>
+              <a:ea typeface="맑은 고딕" charset="0"/>
+            </a:endParaRPr>
+          </a:p>
+        </p:txBody>
+      </p:sp>
       <p:pic>
         <p:nvPicPr>
-          <p:cNvPr id="21" name="그림 51"/>
+          <p:cNvPr id="24" name="그림 24" descr="C:/Users/Admin1/AppData/Roaming/PolarisOffice/ETemp/22400_7929080/fImage348941616334.png"/>
           <p:cNvPicPr>
             <a:picLocks noChangeAspect="1"/>
           </p:cNvPicPr>
           <p:nvPr/>
         </p:nvPicPr>
         <p:blipFill rotWithShape="1">
-          <a:blip r:embed="rId2" cstate="hqprint">
+          <a:blip r:embed="rId4" cstate="print">
             <a:extLst>
               <a:ext uri="{28A0092B-C50C-407E-A947-70E740481C1C}">
-                <a14:useLocalDpi xmlns:a14="http://schemas.microsoft.com/office/drawing/2010/main"/>
+                <a14:useLocalDpi xmlns:a14="http://schemas.microsoft.com/office/drawing/2010/main" val="0"/>
               </a:ext>
             </a:extLst>
           </a:blip>
@@ -9067,26 +9216,28 @@
         </p:blipFill>
         <p:spPr>
           <a:xfrm rot="0">
-            <a:off x="1421765" y="1374775"/>
-            <a:ext cx="3949700" cy="2405380"/>
-          </a:xfrm>
-          <a:prstGeom prst="rect"/>
-          <a:noFill/>
+            <a:off x="1229995" y="1454150"/>
+            <a:ext cx="4149090" cy="2555875"/>
+          </a:xfrm>
+          <a:prstGeom prst="roundRect"/>
+          <a:solidFill>
+            <a:srgbClr val="EDEDED"/>
+          </a:solidFill>
         </p:spPr>
       </p:pic>
       <p:pic>
         <p:nvPicPr>
-          <p:cNvPr id="22" name="그림 54"/>
+          <p:cNvPr id="25" name="그림 29" descr="C:/Users/Admin1/AppData/Roaming/PolarisOffice/ETemp/22400_7929080/fImage461311626500.png"/>
           <p:cNvPicPr>
             <a:picLocks noChangeAspect="1"/>
           </p:cNvPicPr>
           <p:nvPr/>
         </p:nvPicPr>
         <p:blipFill rotWithShape="1">
-          <a:blip r:embed="rId3" cstate="hqprint">
+          <a:blip r:embed="rId5" cstate="print">
             <a:extLst>
               <a:ext uri="{28A0092B-C50C-407E-A947-70E740481C1C}">
-                <a14:useLocalDpi xmlns:a14="http://schemas.microsoft.com/office/drawing/2010/main"/>
+                <a14:useLocalDpi xmlns:a14="http://schemas.microsoft.com/office/drawing/2010/main" val="0"/>
               </a:ext>
             </a:extLst>
           </a:blip>
@@ -9096,114 +9247,15 @@
         </p:blipFill>
         <p:spPr>
           <a:xfrm rot="0">
-            <a:off x="6824980" y="1375410"/>
-            <a:ext cx="4032885" cy="2413635"/>
-          </a:xfrm>
-          <a:prstGeom prst="rect"/>
-          <a:noFill/>
+            <a:off x="6831330" y="1446530"/>
+            <a:ext cx="4123055" cy="2563495"/>
+          </a:xfrm>
+          <a:prstGeom prst="roundRect"/>
+          <a:solidFill>
+            <a:srgbClr val="EDEDED"/>
+          </a:solidFill>
         </p:spPr>
       </p:pic>
-      <p:sp>
-        <p:nvSpPr>
-          <p:cNvPr id="23" name="텍스트 상자 59"/>
-          <p:cNvSpPr txBox="1">
-            <a:spLocks/>
-          </p:cNvSpPr>
-          <p:nvPr/>
-        </p:nvSpPr>
-        <p:spPr>
-          <a:xfrm>
-            <a:off x="6822440" y="3946525"/>
-            <a:ext cx="4024630" cy="2061845"/>
-          </a:xfrm>
-          <a:prstGeom prst="rect"/>
-          <a:noFill/>
-          <a:ln w="0">
-            <a:noFill/>
-            <a:prstDash/>
-          </a:ln>
-        </p:spPr>
-        <p:txBody>
-          <a:bodyPr wrap="square" lIns="89535" tIns="46355" rIns="89535" bIns="46355" numCol="1" vert="horz" anchor="t">
-            <a:spAutoFit/>
-          </a:bodyPr>
-          <a:lstStyle/>
-          <a:p>
-            <a:pPr marL="0" indent="0" rtl="0" algn="l" defTabSz="914400" eaLnBrk="1" latinLnBrk="0" hangingPunct="1">
-              <a:buFontTx/>
-              <a:buNone/>
-            </a:pPr>
-            <a:r>
-              <a:rPr lang="ko-KR" sz="2000" b="1">
-                <a:solidFill>
-                  <a:srgbClr val="0611F2"/>
-                </a:solidFill>
-                <a:latin typeface="맑은 고딕" charset="0"/>
-                <a:ea typeface="맑은 고딕" charset="0"/>
-              </a:rPr>
-              <a:t>10</a:t>
-            </a:r>
-            <a:r>
-              <a:rPr sz="2000" b="1">
-                <a:solidFill>
-                  <a:srgbClr val="0611F2"/>
-                </a:solidFill>
-                <a:latin typeface="맑은 고딕" charset="0"/>
-                <a:ea typeface="맑은 고딕" charset="0"/>
-              </a:rPr>
-              <a:t>.</a:t>
-            </a:r>
-            <a:r>
-              <a:rPr lang="ko-KR" sz="2000" b="1">
-                <a:solidFill>
-                  <a:srgbClr val="0611F2"/>
-                </a:solidFill>
-                <a:latin typeface="맑은 고딕" charset="0"/>
-                <a:ea typeface="맑은 고딕" charset="0"/>
-              </a:rPr>
-              <a:t> </a:t>
-            </a:r>
-            <a:r>
-              <a:rPr lang="ko-KR" sz="1800">
-                <a:latin typeface="맑은 고딕" charset="0"/>
-                <a:ea typeface="맑은 고딕" charset="0"/>
-              </a:rPr>
-              <a:t>그런 다음 Update( ) 함수에서 입력에 대한 정보를 방향 변수에 저장합니다.</a:t>
-            </a:r>
-            <a:endParaRPr lang="ko-KR" altLang="en-US" sz="1800">
-              <a:latin typeface="맑은 고딕" charset="0"/>
-              <a:ea typeface="맑은 고딕" charset="0"/>
-            </a:endParaRPr>
-          </a:p>
-          <a:p>
-            <a:pPr marL="0" indent="0" rtl="0" algn="l" defTabSz="914400" eaLnBrk="1" latinLnBrk="0" hangingPunct="1">
-              <a:buFontTx/>
-              <a:buNone/>
-            </a:pPr>
-            <a:endParaRPr lang="ko-KR" altLang="en-US" sz="1800">
-              <a:latin typeface="맑은 고딕" charset="0"/>
-              <a:ea typeface="맑은 고딕" charset="0"/>
-            </a:endParaRPr>
-          </a:p>
-          <a:p>
-            <a:pPr marL="0" indent="0" rtl="0" algn="l" defTabSz="914400" eaLnBrk="1" latinLnBrk="0" hangingPunct="1">
-              <a:buFontTx/>
-              <a:buNone/>
-            </a:pPr>
-            <a:r>
-              <a:rPr lang="ko-KR" sz="1800">
-                <a:latin typeface="맑은 고딕" charset="0"/>
-                <a:ea typeface="맑은 고딕" charset="0"/>
-              </a:rPr>
-              <a:t>그리고 Space Bar와 condition이 활성화 상태이면 AddForce( ) 함수를 호출하도록 합니다.</a:t>
-            </a:r>
-            <a:endParaRPr lang="ko-KR" altLang="en-US" sz="1800">
-              <a:latin typeface="맑은 고딕" charset="0"/>
-              <a:ea typeface="맑은 고딕" charset="0"/>
-            </a:endParaRPr>
-          </a:p>
-        </p:txBody>
-      </p:sp>
     </p:spTree>
   </p:cSld>
   <p:clrMapOvr>
@@ -9254,8 +9306,8 @@
         </p:nvSpPr>
         <p:spPr>
           <a:xfrm rot="0">
-            <a:off x="4314825" y="427355"/>
-            <a:ext cx="3566795" cy="554990"/>
+            <a:off x="4314825" y="408305"/>
+            <a:ext cx="3567430" cy="554990"/>
           </a:xfrm>
           <a:prstGeom prst="rect"/>
           <a:noFill/>
@@ -9282,27 +9334,7 @@
                 <a:latin typeface="맑은 고딕" charset="0"/>
                 <a:ea typeface="맑은 고딕" charset="0"/>
               </a:rPr>
-              <a:t>다</a:t>
-            </a:r>
-            <a:r>
-              <a:rPr lang="ko-KR" sz="3000" b="1">
-                <a:solidFill>
-                  <a:schemeClr val="tx1"/>
-                </a:solidFill>
-                <a:latin typeface="맑은 고딕" charset="0"/>
-                <a:ea typeface="맑은 고딕" charset="0"/>
-              </a:rPr>
-              <a:t>섯 번째 </a:t>
-            </a:r>
-            <a:r>
-              <a:rPr lang="ko-KR" sz="3000" b="1">
-                <a:solidFill>
-                  <a:schemeClr val="tx1"/>
-                </a:solidFill>
-                <a:latin typeface="맑은 고딕" charset="0"/>
-                <a:ea typeface="맑은 고딕" charset="0"/>
-              </a:rPr>
-              <a:t>튜토리얼</a:t>
+              <a:t>다섯 번째 튜토리얼</a:t>
             </a:r>
             <a:endParaRPr lang="ko-KR" altLang="en-US" sz="3000" b="1">
               <a:solidFill>
@@ -9323,9 +9355,9 @@
           <p:nvPr/>
         </p:nvSpPr>
         <p:spPr>
-          <a:xfrm>
-            <a:off x="6816090" y="2882265"/>
-            <a:ext cx="4117340" cy="1231265"/>
+          <a:xfrm rot="0">
+            <a:off x="6816090" y="3007995"/>
+            <a:ext cx="4147820" cy="954405"/>
           </a:xfrm>
           <a:prstGeom prst="rect"/>
           <a:noFill/>
@@ -9352,26 +9384,16 @@
                 <a:latin typeface="맑은 고딕" charset="0"/>
                 <a:ea typeface="맑은 고딕" charset="0"/>
               </a:rPr>
-              <a:t>1</a:t>
-            </a:r>
-            <a:r>
-              <a:rPr lang="ko-KR" sz="2000" b="1">
+              <a:t>13</a:t>
+            </a:r>
+            <a:r>
+              <a:rPr sz="2000" b="1">
                 <a:solidFill>
                   <a:srgbClr val="0611F2"/>
                 </a:solidFill>
                 <a:latin typeface="맑은 고딕" charset="0"/>
                 <a:ea typeface="맑은 고딕" charset="0"/>
               </a:rPr>
-              <a:t>3</a:t>
-            </a:r>
-            <a:r>
-              <a:rPr sz="2000" b="1">
-                <a:solidFill>
-                  <a:srgbClr val="0611F2"/>
-                </a:solidFill>
-                <a:latin typeface="맑은 고딕" charset="0"/>
-                <a:ea typeface="맑은 고딕" charset="0"/>
-              </a:rPr>
               <a:t>. </a:t>
             </a:r>
             <a:r>
@@ -9379,7 +9401,21 @@
                 <a:latin typeface="맑은 고딕" charset="0"/>
                 <a:ea typeface="맑은 고딕" charset="0"/>
               </a:rPr>
-              <a:t>그리고 게임 오브젝트가 물리적인 충돌이 끝났을 때 게임 오브젝트의 크기와 boolean 변수의 값을 false로 변경합니다.</a:t>
+              <a:t>그리고 물리적인 충돌이 끝났을 때 게임 오브젝트의 크기와 boolean 변수의 값을</a:t>
+            </a:r>
+            <a:r>
+              <a:rPr lang="ko-KR" sz="1800">
+                <a:latin typeface="맑은 고딕" charset="0"/>
+                <a:ea typeface="맑은 고딕" charset="0"/>
+              </a:rPr>
+              <a:t> </a:t>
+            </a:r>
+            <a:r>
+              <a:rPr lang="ko-KR" sz="1800">
+                <a:latin typeface="맑은 고딕" charset="0"/>
+                <a:ea typeface="맑은 고딕" charset="0"/>
+              </a:rPr>
+              <a:t>변경합니다.</a:t>
             </a:r>
             <a:endParaRPr lang="ko-KR" altLang="en-US" sz="1800">
               <a:latin typeface="맑은 고딕" charset="0"/>
@@ -9397,9 +9433,9 @@
           <p:nvPr/>
         </p:nvSpPr>
         <p:spPr>
-          <a:xfrm>
-            <a:off x="1400810" y="2881630"/>
-            <a:ext cx="3988435" cy="954405"/>
+          <a:xfrm rot="0">
+            <a:off x="1229995" y="2863850"/>
+            <a:ext cx="4159885" cy="954405"/>
           </a:xfrm>
           <a:prstGeom prst="rect"/>
           <a:noFill/>
@@ -9436,7 +9472,7 @@
                 <a:latin typeface="맑은 고딕" charset="0"/>
                 <a:ea typeface="맑은 고딕" charset="0"/>
               </a:rPr>
-              <a:t>1</a:t>
+              <a:t>2</a:t>
             </a:r>
             <a:r>
               <a:rPr sz="2000" b="1">
@@ -9453,7 +9489,28 @@
                 <a:latin typeface="맑은 고딕" charset="0"/>
                 <a:ea typeface="맑은 고딕" charset="0"/>
               </a:rPr>
-              <a:t>그다음 게임 오브젝트가 물리적인 충돌을 했을 때  boolean 변수의 값을 true로 변경합니다.</a:t>
+              <a:t>이제</a:t>
+            </a:r>
+            <a:r>
+              <a:rPr lang="ko-KR" sz="1800">
+                <a:latin typeface="맑은 고딕" charset="0"/>
+                <a:ea typeface="맑은 고딕" charset="0"/>
+              </a:rPr>
+              <a:t> 게임 오브젝트가 물리적인 충돌을 했을 때 </a:t>
+            </a:r>
+            <a:r>
+              <a:rPr lang="ko-KR" sz="1800">
+                <a:latin typeface="맑은 고딕" charset="0"/>
+                <a:ea typeface="맑은 고딕" charset="0"/>
+              </a:rPr>
+              <a:t>게임 오브젝트의 크기를 변경하도록 설정합니다</a:t>
+            </a:r>
+            <a:r>
+              <a:rPr lang="ko-KR" sz="1800">
+                <a:latin typeface="맑은 고딕" charset="0"/>
+                <a:ea typeface="맑은 고딕" charset="0"/>
+              </a:rPr>
+              <a:t>.</a:t>
             </a:r>
             <a:endParaRPr lang="ko-KR" altLang="en-US" sz="1800">
               <a:latin typeface="맑은 고딕" charset="0"/>
@@ -9462,16 +9519,322 @@
           </a:p>
         </p:txBody>
       </p:sp>
+      <p:sp>
+        <p:nvSpPr>
+          <p:cNvPr id="41" name="텍스트 상자 40"/>
+          <p:cNvSpPr txBox="1">
+            <a:spLocks/>
+          </p:cNvSpPr>
+          <p:nvPr/>
+        </p:nvSpPr>
+        <p:spPr>
+          <a:xfrm rot="0">
+            <a:off x="1238250" y="5339715"/>
+            <a:ext cx="4154170" cy="954405"/>
+          </a:xfrm>
+          <a:prstGeom prst="rect"/>
+          <a:noFill/>
+          <a:ln w="0">
+            <a:noFill/>
+            <a:prstDash/>
+          </a:ln>
+        </p:spPr>
+        <p:txBody>
+          <a:bodyPr wrap="square" lIns="89535" tIns="46355" rIns="89535" bIns="46355" numCol="1" vert="horz" anchor="t">
+            <a:spAutoFit/>
+          </a:bodyPr>
+          <a:lstStyle/>
+          <a:p>
+            <a:pPr marL="0" indent="0" rtl="0" algn="l" defTabSz="914400" eaLnBrk="1" latinLnBrk="0" hangingPunct="1">
+              <a:buFontTx/>
+              <a:buNone/>
+            </a:pPr>
+            <a:r>
+              <a:rPr lang="ko-KR" sz="2000" b="1">
+                <a:solidFill>
+                  <a:srgbClr val="0611F2"/>
+                </a:solidFill>
+                <a:latin typeface="맑은 고딕" charset="0"/>
+                <a:ea typeface="맑은 고딕" charset="0"/>
+              </a:rPr>
+              <a:t>1</a:t>
+            </a:r>
+            <a:r>
+              <a:rPr lang="ko-KR" sz="2000" b="1">
+                <a:solidFill>
+                  <a:srgbClr val="0611F2"/>
+                </a:solidFill>
+                <a:latin typeface="맑은 고딕" charset="0"/>
+                <a:ea typeface="맑은 고딕" charset="0"/>
+              </a:rPr>
+              <a:t>3</a:t>
+            </a:r>
+            <a:r>
+              <a:rPr sz="2000" b="1">
+                <a:solidFill>
+                  <a:srgbClr val="0611F2"/>
+                </a:solidFill>
+                <a:latin typeface="맑은 고딕" charset="0"/>
+                <a:ea typeface="맑은 고딕" charset="0"/>
+              </a:rPr>
+              <a:t>. </a:t>
+            </a:r>
+            <a:r>
+              <a:rPr lang="ko-KR" sz="1800">
+                <a:latin typeface="맑은 고딕" charset="0"/>
+                <a:ea typeface="맑은 고딕" charset="0"/>
+              </a:rPr>
+              <a:t>그다음</a:t>
+            </a:r>
+            <a:r>
+              <a:rPr lang="ko-KR" sz="1800">
+                <a:latin typeface="맑은 고딕" charset="0"/>
+                <a:ea typeface="맑은 고딕" charset="0"/>
+              </a:rPr>
+              <a:t> </a:t>
+            </a:r>
+            <a:r>
+              <a:rPr lang="ko-KR" sz="1800">
+                <a:latin typeface="맑은 고딕" charset="0"/>
+                <a:ea typeface="맑은 고딕" charset="0"/>
+              </a:rPr>
+              <a:t>게임 오브젝트가 </a:t>
+            </a:r>
+            <a:r>
+              <a:rPr lang="ko-KR" sz="1800">
+                <a:latin typeface="맑은 고딕" charset="0"/>
+                <a:ea typeface="맑은 고딕" charset="0"/>
+              </a:rPr>
+              <a:t>물리적인 충돌을 하고 있을 때 boolean 변수의 값을 true로 변경합니다</a:t>
+            </a:r>
+            <a:r>
+              <a:rPr lang="ko-KR" sz="1800">
+                <a:latin typeface="맑은 고딕" charset="0"/>
+                <a:ea typeface="맑은 고딕" charset="0"/>
+              </a:rPr>
+              <a:t>.</a:t>
+            </a:r>
+            <a:endParaRPr lang="ko-KR" altLang="en-US" sz="1800">
+              <a:latin typeface="맑은 고딕" charset="0"/>
+              <a:ea typeface="맑은 고딕" charset="0"/>
+            </a:endParaRPr>
+          </a:p>
+        </p:txBody>
+      </p:sp>
       <p:pic>
         <p:nvPicPr>
-          <p:cNvPr id="39" name="그림 34"/>
+          <p:cNvPr id="42" name="그림 41" descr="C:/Users/Admin1/AppData/Roaming/PolarisOffice/ETemp/22400_7929080/fImage70481149358.png"/>
           <p:cNvPicPr>
             <a:picLocks noChangeAspect="1"/>
           </p:cNvPicPr>
           <p:nvPr/>
         </p:nvPicPr>
         <p:blipFill rotWithShape="1">
-          <a:blip r:embed="rId5" cstate="print">
+          <a:blip r:embed="rId7" cstate="hqprint">
+            <a:extLst>
+              <a:ext uri="{28A0092B-C50C-407E-A947-70E740481C1C}">
+                <a14:useLocalDpi xmlns:a14="http://schemas.microsoft.com/office/drawing/2010/main"/>
+              </a:ext>
+            </a:extLst>
+          </a:blip>
+          <a:stretch>
+            <a:fillRect/>
+          </a:stretch>
+        </p:blipFill>
+        <p:spPr>
+          <a:xfrm rot="0">
+            <a:off x="6824345" y="1454785"/>
+            <a:ext cx="4121785" cy="1431925"/>
+          </a:xfrm>
+          <a:prstGeom prst="roundRect"/>
+          <a:solidFill>
+            <a:srgbClr val="EDEDED"/>
+          </a:solidFill>
+        </p:spPr>
+      </p:pic>
+      <p:pic>
+        <p:nvPicPr>
+          <p:cNvPr id="43" name="그림 48" descr="C:/Users/Admin1/AppData/Roaming/PolarisOffice/ETemp/22400_7929080/fImage134901156962.png"/>
+          <p:cNvPicPr>
+            <a:picLocks noChangeAspect="1"/>
+          </p:cNvPicPr>
+          <p:nvPr/>
+        </p:nvPicPr>
+        <p:blipFill rotWithShape="1">
+          <a:blip r:embed="rId8" cstate="hqprint">
+            <a:extLst>
+              <a:ext uri="{28A0092B-C50C-407E-A947-70E740481C1C}">
+                <a14:useLocalDpi xmlns:a14="http://schemas.microsoft.com/office/drawing/2010/main"/>
+              </a:ext>
+            </a:extLst>
+          </a:blip>
+          <a:stretch>
+            <a:fillRect/>
+          </a:stretch>
+        </p:blipFill>
+        <p:spPr>
+          <a:xfrm rot="0">
+            <a:off x="8174355" y="4138930"/>
+            <a:ext cx="2780030" cy="1069975"/>
+          </a:xfrm>
+          <a:prstGeom prst="roundRect"/>
+          <a:solidFill>
+            <a:srgbClr val="EDEDED"/>
+          </a:solidFill>
+        </p:spPr>
+      </p:pic>
+      <p:pic>
+        <p:nvPicPr>
+          <p:cNvPr id="44" name="그림 52" descr="C:/Users/Admin1/AppData/Roaming/PolarisOffice/ETemp/22400_7929080/fImage53941174464.png"/>
+          <p:cNvPicPr>
+            <a:picLocks noChangeAspect="1"/>
+          </p:cNvPicPr>
+          <p:nvPr/>
+        </p:nvPicPr>
+        <p:blipFill rotWithShape="1">
+          <a:blip r:embed="rId9" cstate="hqprint">
+            <a:extLst>
+              <a:ext uri="{28A0092B-C50C-407E-A947-70E740481C1C}">
+                <a14:useLocalDpi xmlns:a14="http://schemas.microsoft.com/office/drawing/2010/main"/>
+              </a:ext>
+            </a:extLst>
+          </a:blip>
+          <a:stretch>
+            <a:fillRect/>
+          </a:stretch>
+        </p:blipFill>
+        <p:spPr>
+          <a:xfrm rot="0">
+            <a:off x="6832600" y="4133850"/>
+            <a:ext cx="1238250" cy="1076960"/>
+          </a:xfrm>
+          <a:prstGeom prst="roundRect"/>
+          <a:solidFill>
+            <a:srgbClr val="EDEDED"/>
+          </a:solidFill>
+        </p:spPr>
+      </p:pic>
+      <p:sp>
+        <p:nvSpPr>
+          <p:cNvPr id="45" name="텍스트 상자 55"/>
+          <p:cNvSpPr txBox="1">
+            <a:spLocks/>
+          </p:cNvSpPr>
+          <p:nvPr/>
+        </p:nvSpPr>
+        <p:spPr>
+          <a:xfrm rot="0">
+            <a:off x="6814820" y="5334000"/>
+            <a:ext cx="4157345" cy="954405"/>
+          </a:xfrm>
+          <a:prstGeom prst="rect"/>
+          <a:noFill/>
+          <a:ln w="0">
+            <a:noFill/>
+            <a:prstDash/>
+          </a:ln>
+        </p:spPr>
+        <p:txBody>
+          <a:bodyPr wrap="square" lIns="89535" tIns="46355" rIns="89535" bIns="46355" numCol="1" vert="horz" anchor="t">
+            <a:spAutoFit/>
+          </a:bodyPr>
+          <a:lstStyle/>
+          <a:p>
+            <a:pPr marL="0" indent="0" rtl="0" algn="l" defTabSz="914400" eaLnBrk="1" latinLnBrk="0" hangingPunct="1">
+              <a:buFontTx/>
+              <a:buNone/>
+            </a:pPr>
+            <a:r>
+              <a:rPr lang="ko-KR" sz="2000" b="1">
+                <a:solidFill>
+                  <a:srgbClr val="0611F2"/>
+                </a:solidFill>
+                <a:latin typeface="맑은 고딕" charset="0"/>
+                <a:ea typeface="맑은 고딕" charset="0"/>
+              </a:rPr>
+              <a:t>14</a:t>
+            </a:r>
+            <a:r>
+              <a:rPr sz="2000" b="1">
+                <a:solidFill>
+                  <a:srgbClr val="0611F2"/>
+                </a:solidFill>
+                <a:latin typeface="맑은 고딕" charset="0"/>
+                <a:ea typeface="맑은 고딕" charset="0"/>
+              </a:rPr>
+              <a:t>. </a:t>
+            </a:r>
+            <a:r>
+              <a:rPr lang="ko-KR" sz="1800">
+                <a:latin typeface="맑은 고딕" charset="0"/>
+                <a:ea typeface="맑은 고딕" charset="0"/>
+              </a:rPr>
+              <a:t>그런 다음 Project 폴더</a:t>
+            </a:r>
+            <a:r>
+              <a:rPr lang="ko-KR" sz="1800">
+                <a:latin typeface="맑은 고딕" charset="0"/>
+                <a:ea typeface="맑은 고딕" charset="0"/>
+              </a:rPr>
+              <a:t> 아래에</a:t>
+            </a:r>
+            <a:r>
+              <a:rPr lang="ko-KR" sz="1800">
+                <a:latin typeface="맑은 고딕" charset="0"/>
+                <a:ea typeface="맑은 고딕" charset="0"/>
+              </a:rPr>
+              <a:t> 있는 Texture 폴더에 Ground 텍스처를 Plane 오브젝트에 넣어줍니다.</a:t>
+            </a:r>
+            <a:endParaRPr lang="ko-KR" altLang="en-US" sz="1800">
+              <a:latin typeface="맑은 고딕" charset="0"/>
+              <a:ea typeface="맑은 고딕" charset="0"/>
+            </a:endParaRPr>
+          </a:p>
+        </p:txBody>
+      </p:sp>
+      <p:cxnSp>
+        <p:nvCxnSpPr>
+          <p:cNvPr id="46" name="도형 32"/>
+          <p:cNvCxnSpPr/>
+          <p:nvPr/>
+        </p:nvCxnSpPr>
+        <p:spPr>
+          <a:xfrm rot="0" flipH="1">
+            <a:off x="7507605" y="4714240"/>
+            <a:ext cx="805815" cy="173990"/>
+          </a:xfrm>
+          <a:prstGeom prst="straightConnector1"/>
+          <a:ln w="6350" cap="flat" cmpd="sng">
+            <a:prstDash/>
+            <a:headEnd type="none" w="med" len="med"/>
+            <a:tailEnd type="triangle" w="med" len="med"/>
+          </a:ln>
+        </p:spPr>
+        <p:style>
+          <a:lnRef idx="1">
+            <a:schemeClr val="accent1"/>
+          </a:lnRef>
+          <a:fillRef idx="0">
+            <a:schemeClr val="accent1"/>
+          </a:fillRef>
+          <a:effectRef idx="0">
+            <a:schemeClr val="accent1"/>
+          </a:effectRef>
+          <a:fontRef idx="minor">
+            <a:schemeClr val="tx1"/>
+          </a:fontRef>
+        </p:style>
+      </p:cxnSp>
+      <p:pic>
+        <p:nvPicPr>
+          <p:cNvPr id="47" name="그림 51" descr="C:/Users/Admin1/AppData/Roaming/PolarisOffice/ETemp/22400_7929080/fImage201411769169.png"/>
+          <p:cNvPicPr>
+            <a:picLocks noChangeAspect="1"/>
+          </p:cNvPicPr>
+          <p:nvPr/>
+        </p:nvPicPr>
+        <p:blipFill rotWithShape="1">
+          <a:blip r:embed="rId10" cstate="print">
             <a:extLst>
               <a:ext uri="{28A0092B-C50C-407E-A947-70E740481C1C}">
                 <a14:useLocalDpi xmlns:a14="http://schemas.microsoft.com/office/drawing/2010/main" val="0"/>
@@ -9484,8 +9847,8 @@
         </p:blipFill>
         <p:spPr>
           <a:xfrm rot="0">
-            <a:off x="1409700" y="1482090"/>
-            <a:ext cx="3978910" cy="1294765"/>
+            <a:off x="1252220" y="3985895"/>
+            <a:ext cx="4130040" cy="1243965"/>
           </a:xfrm>
           <a:prstGeom prst="roundRect"/>
           <a:solidFill>
@@ -9495,14 +9858,14 @@
       </p:pic>
       <p:pic>
         <p:nvPicPr>
-          <p:cNvPr id="40" name="그림 37"/>
+          <p:cNvPr id="48" name="그림 54" descr="C:/Users/Admin1/AppData/Roaming/PolarisOffice/ETemp/22400_7929080/fImage256081775724.png"/>
           <p:cNvPicPr>
             <a:picLocks noChangeAspect="1"/>
           </p:cNvPicPr>
           <p:nvPr/>
         </p:nvPicPr>
         <p:blipFill rotWithShape="1">
-          <a:blip r:embed="rId6" cstate="print">
+          <a:blip r:embed="rId11" cstate="print">
             <a:extLst>
               <a:ext uri="{28A0092B-C50C-407E-A947-70E740481C1C}">
                 <a14:useLocalDpi xmlns:a14="http://schemas.microsoft.com/office/drawing/2010/main" val="0"/>
@@ -9515,8 +9878,8 @@
         </p:blipFill>
         <p:spPr>
           <a:xfrm rot="0">
-            <a:off x="1409700" y="3939540"/>
-            <a:ext cx="3970655" cy="1302385"/>
+            <a:off x="1233170" y="1447800"/>
+            <a:ext cx="4149090" cy="1315085"/>
           </a:xfrm>
           <a:prstGeom prst="roundRect"/>
           <a:solidFill>
@@ -9524,247 +9887,6 @@
           </a:solidFill>
         </p:spPr>
       </p:pic>
-      <p:sp>
-        <p:nvSpPr>
-          <p:cNvPr id="41" name="텍스트 상자 40"/>
-          <p:cNvSpPr txBox="1">
-            <a:spLocks/>
-          </p:cNvSpPr>
-          <p:nvPr/>
-        </p:nvSpPr>
-        <p:spPr>
-          <a:xfrm>
-            <a:off x="1403350" y="5339715"/>
-            <a:ext cx="3988435" cy="954405"/>
-          </a:xfrm>
-          <a:prstGeom prst="rect"/>
-          <a:noFill/>
-          <a:ln w="0">
-            <a:noFill/>
-            <a:prstDash/>
-          </a:ln>
-        </p:spPr>
-        <p:txBody>
-          <a:bodyPr wrap="square" lIns="89535" tIns="46355" rIns="89535" bIns="46355" numCol="1" vert="horz" anchor="t">
-            <a:spAutoFit/>
-          </a:bodyPr>
-          <a:lstStyle/>
-          <a:p>
-            <a:pPr marL="0" indent="0" rtl="0" algn="l" defTabSz="914400" eaLnBrk="1" latinLnBrk="0" hangingPunct="1">
-              <a:buFontTx/>
-              <a:buNone/>
-            </a:pPr>
-            <a:r>
-              <a:rPr lang="ko-KR" sz="2000" b="1">
-                <a:solidFill>
-                  <a:srgbClr val="0611F2"/>
-                </a:solidFill>
-                <a:latin typeface="맑은 고딕" charset="0"/>
-                <a:ea typeface="맑은 고딕" charset="0"/>
-              </a:rPr>
-              <a:t>1</a:t>
-            </a:r>
-            <a:r>
-              <a:rPr lang="ko-KR" sz="2000" b="1">
-                <a:solidFill>
-                  <a:srgbClr val="0611F2"/>
-                </a:solidFill>
-                <a:latin typeface="맑은 고딕" charset="0"/>
-                <a:ea typeface="맑은 고딕" charset="0"/>
-              </a:rPr>
-              <a:t>2</a:t>
-            </a:r>
-            <a:r>
-              <a:rPr sz="2000" b="1">
-                <a:solidFill>
-                  <a:srgbClr val="0611F2"/>
-                </a:solidFill>
-                <a:latin typeface="맑은 고딕" charset="0"/>
-                <a:ea typeface="맑은 고딕" charset="0"/>
-              </a:rPr>
-              <a:t>. </a:t>
-            </a:r>
-            <a:r>
-              <a:rPr lang="ko-KR" sz="1800">
-                <a:latin typeface="맑은 고딕" charset="0"/>
-                <a:ea typeface="맑은 고딕" charset="0"/>
-              </a:rPr>
-              <a:t>이제 게임 오브젝트가 물리적인 충돌을 하고 있을 때 게임 오브젝트의 크기를 변경합니다.</a:t>
-            </a:r>
-            <a:endParaRPr lang="ko-KR" altLang="en-US" sz="1800">
-              <a:latin typeface="맑은 고딕" charset="0"/>
-              <a:ea typeface="맑은 고딕" charset="0"/>
-            </a:endParaRPr>
-          </a:p>
-        </p:txBody>
-      </p:sp>
-      <p:pic>
-        <p:nvPicPr>
-          <p:cNvPr id="42" name="그림 41"/>
-          <p:cNvPicPr>
-            <a:picLocks noChangeAspect="1"/>
-          </p:cNvPicPr>
-          <p:nvPr/>
-        </p:nvPicPr>
-        <p:blipFill rotWithShape="1">
-          <a:blip r:embed="rId7" cstate="print">
-            <a:extLst>
-              <a:ext uri="{28A0092B-C50C-407E-A947-70E740481C1C}">
-                <a14:useLocalDpi xmlns:a14="http://schemas.microsoft.com/office/drawing/2010/main" val="0"/>
-              </a:ext>
-            </a:extLst>
-          </a:blip>
-          <a:stretch>
-            <a:fillRect/>
-          </a:stretch>
-        </p:blipFill>
-        <p:spPr>
-          <a:xfrm rot="0">
-            <a:off x="6824345" y="1484630"/>
-            <a:ext cx="4117340" cy="1292225"/>
-          </a:xfrm>
-          <a:prstGeom prst="roundRect"/>
-          <a:solidFill>
-            <a:srgbClr val="EDEDED"/>
-          </a:solidFill>
-        </p:spPr>
-      </p:pic>
-      <p:pic>
-        <p:nvPicPr>
-          <p:cNvPr id="43" name="그림 48"/>
-          <p:cNvPicPr>
-            <a:picLocks noChangeAspect="1"/>
-          </p:cNvPicPr>
-          <p:nvPr/>
-        </p:nvPicPr>
-        <p:blipFill rotWithShape="1">
-          <a:blip r:embed="rId8" cstate="print">
-            <a:extLst>
-              <a:ext uri="{28A0092B-C50C-407E-A947-70E740481C1C}">
-                <a14:useLocalDpi xmlns:a14="http://schemas.microsoft.com/office/drawing/2010/main" val="0"/>
-              </a:ext>
-            </a:extLst>
-          </a:blip>
-          <a:stretch>
-            <a:fillRect/>
-          </a:stretch>
-        </p:blipFill>
-        <p:spPr>
-          <a:xfrm rot="0">
-            <a:off x="8354695" y="4247515"/>
-            <a:ext cx="2576195" cy="934720"/>
-          </a:xfrm>
-          <a:prstGeom prst="roundRect"/>
-          <a:solidFill>
-            <a:srgbClr val="EDEDED"/>
-          </a:solidFill>
-        </p:spPr>
-      </p:pic>
-      <p:pic>
-        <p:nvPicPr>
-          <p:cNvPr id="44" name="그림 52"/>
-          <p:cNvPicPr>
-            <a:picLocks noChangeAspect="1"/>
-          </p:cNvPicPr>
-          <p:nvPr/>
-        </p:nvPicPr>
-        <p:blipFill rotWithShape="1">
-          <a:blip r:embed="rId9" cstate="print">
-            <a:extLst>
-              <a:ext uri="{28A0092B-C50C-407E-A947-70E740481C1C}">
-                <a14:useLocalDpi xmlns:a14="http://schemas.microsoft.com/office/drawing/2010/main" val="0"/>
-              </a:ext>
-            </a:extLst>
-          </a:blip>
-          <a:stretch>
-            <a:fillRect/>
-          </a:stretch>
-        </p:blipFill>
-        <p:spPr>
-          <a:xfrm rot="0">
-            <a:off x="6832600" y="4271645"/>
-            <a:ext cx="1237615" cy="901700"/>
-          </a:xfrm>
-          <a:prstGeom prst="roundRect"/>
-          <a:solidFill>
-            <a:srgbClr val="EDEDED"/>
-          </a:solidFill>
-        </p:spPr>
-      </p:pic>
-      <p:sp>
-        <p:nvSpPr>
-          <p:cNvPr id="45" name="텍스트 상자 55"/>
-          <p:cNvSpPr txBox="1">
-            <a:spLocks/>
-          </p:cNvSpPr>
-          <p:nvPr/>
-        </p:nvSpPr>
-        <p:spPr>
-          <a:xfrm>
-            <a:off x="6811645" y="5351145"/>
-            <a:ext cx="4138930" cy="954405"/>
-          </a:xfrm>
-          <a:prstGeom prst="rect"/>
-          <a:noFill/>
-          <a:ln w="0">
-            <a:noFill/>
-            <a:prstDash/>
-          </a:ln>
-        </p:spPr>
-        <p:txBody>
-          <a:bodyPr wrap="square" lIns="89535" tIns="46355" rIns="89535" bIns="46355" numCol="1" vert="horz" anchor="t">
-            <a:spAutoFit/>
-          </a:bodyPr>
-          <a:lstStyle/>
-          <a:p>
-            <a:pPr marL="0" indent="0" rtl="0" algn="l" defTabSz="914400" eaLnBrk="1" latinLnBrk="0" hangingPunct="1">
-              <a:buFontTx/>
-              <a:buNone/>
-            </a:pPr>
-            <a:r>
-              <a:rPr lang="ko-KR" sz="2000" b="1">
-                <a:solidFill>
-                  <a:srgbClr val="0611F2"/>
-                </a:solidFill>
-                <a:latin typeface="맑은 고딕" charset="0"/>
-                <a:ea typeface="맑은 고딕" charset="0"/>
-              </a:rPr>
-              <a:t>1</a:t>
-            </a:r>
-            <a:r>
-              <a:rPr lang="ko-KR" sz="2000" b="1">
-                <a:solidFill>
-                  <a:srgbClr val="0611F2"/>
-                </a:solidFill>
-                <a:latin typeface="맑은 고딕" charset="0"/>
-                <a:ea typeface="맑은 고딕" charset="0"/>
-              </a:rPr>
-              <a:t>4</a:t>
-            </a:r>
-            <a:r>
-              <a:rPr sz="2000" b="1">
-                <a:solidFill>
-                  <a:srgbClr val="0611F2"/>
-                </a:solidFill>
-                <a:latin typeface="맑은 고딕" charset="0"/>
-                <a:ea typeface="맑은 고딕" charset="0"/>
-              </a:rPr>
-              <a:t>. </a:t>
-            </a:r>
-            <a:r>
-              <a:rPr lang="ko-KR" sz="1800">
-                <a:latin typeface="맑은 고딕" charset="0"/>
-                <a:ea typeface="맑은 고딕" charset="0"/>
-              </a:rPr>
-              <a:t>그런 다음 Project 폴더에 있는 Texture 폴더에 Ground 텍스처를 Plane 오브젝트에 넣어줍니다.</a:t>
-            </a:r>
-            <a:endParaRPr lang="ko-KR" altLang="en-US" sz="1800">
-              <a:latin typeface="맑은 고딕" charset="0"/>
-              <a:ea typeface="맑은 고딕" charset="0"/>
-            </a:endParaRPr>
-          </a:p>
-        </p:txBody>
-      </p:sp>
     </p:spTree>
   </p:cSld>
   <p:clrMapOvr>
@@ -9885,8 +10007,8 @@
         </p:nvSpPr>
         <p:spPr>
           <a:xfrm rot="0">
-            <a:off x="1430020" y="2794635"/>
-            <a:ext cx="4003040" cy="954405"/>
+            <a:off x="1237615" y="2861310"/>
+            <a:ext cx="4205605" cy="954405"/>
           </a:xfrm>
           <a:prstGeom prst="rect"/>
           <a:noFill/>
@@ -9913,26 +10035,16 @@
                 <a:latin typeface="맑은 고딕" charset="0"/>
                 <a:ea typeface="맑은 고딕" charset="0"/>
               </a:rPr>
-              <a:t>1</a:t>
-            </a:r>
-            <a:r>
-              <a:rPr lang="ko-KR" sz="2000" b="1">
+              <a:t>15</a:t>
+            </a:r>
+            <a:r>
+              <a:rPr sz="2000" b="1">
                 <a:solidFill>
                   <a:srgbClr val="0611F2"/>
                 </a:solidFill>
                 <a:latin typeface="맑은 고딕" charset="0"/>
                 <a:ea typeface="맑은 고딕" charset="0"/>
               </a:rPr>
-              <a:t>5</a:t>
-            </a:r>
-            <a:r>
-              <a:rPr sz="2000" b="1">
-                <a:solidFill>
-                  <a:srgbClr val="0611F2"/>
-                </a:solidFill>
-                <a:latin typeface="맑은 고딕" charset="0"/>
-                <a:ea typeface="맑은 고딕" charset="0"/>
-              </a:rPr>
               <a:t>. </a:t>
             </a:r>
             <a:r>
@@ -9940,7 +10052,21 @@
                 <a:latin typeface="맑은 고딕" charset="0"/>
                 <a:ea typeface="맑은 고딕" charset="0"/>
               </a:rPr>
-              <a:t>그다음으로 Sensor 스크립트를 생성하고 Obstacle 오브젝트에 넣어줍니다.</a:t>
+              <a:t>그</a:t>
+            </a:r>
+            <a:r>
+              <a:rPr lang="ko-KR" sz="1800">
+                <a:latin typeface="맑은 고딕" charset="0"/>
+                <a:ea typeface="맑은 고딕" charset="0"/>
+              </a:rPr>
+              <a:t>러고 나서</a:t>
+            </a:r>
+            <a:r>
+              <a:rPr lang="ko-KR" sz="1800">
+                <a:latin typeface="맑은 고딕" charset="0"/>
+                <a:ea typeface="맑은 고딕" charset="0"/>
+              </a:rPr>
+              <a:t> Sensor 스크립트를 생성하고 Obstacle 오브젝트에 넣어줍니다.</a:t>
             </a:r>
             <a:endParaRPr lang="ko-KR" altLang="en-US" sz="1800">
               <a:latin typeface="맑은 고딕" charset="0"/>
@@ -9959,8 +10085,8 @@
         </p:nvSpPr>
         <p:spPr>
           <a:xfrm rot="0">
-            <a:off x="1423035" y="5496560"/>
-            <a:ext cx="4018280" cy="677545"/>
+            <a:off x="1247775" y="5496560"/>
+            <a:ext cx="4115435" cy="677545"/>
           </a:xfrm>
           <a:prstGeom prst="rect"/>
           <a:noFill/>
@@ -9987,17 +10113,7 @@
                 <a:latin typeface="맑은 고딕" charset="0"/>
                 <a:ea typeface="맑은 고딕" charset="0"/>
               </a:rPr>
-              <a:t>1</a:t>
-            </a:r>
-            <a:r>
-              <a:rPr lang="ko-KR" sz="2000" b="1">
-                <a:solidFill>
-                  <a:srgbClr val="0611F2"/>
-                </a:solidFill>
-                <a:latin typeface="맑은 고딕" charset="0"/>
-                <a:ea typeface="맑은 고딕" charset="0"/>
-              </a:rPr>
-              <a:t>6</a:t>
+              <a:t>16</a:t>
             </a:r>
             <a:r>
               <a:rPr sz="2000" b="1">
@@ -10035,7 +10151,7 @@
       </p:sp>
       <p:pic>
         <p:nvPicPr>
-          <p:cNvPr id="32" name="그림 56" descr="C:/Users/Admin1/AppData/Roaming/PolarisOffice/ETemp/3476_8310464/fImage20671195705.png"/>
+          <p:cNvPr id="32" name="그림 56" descr="C:/Users/Admin1/AppData/Roaming/PolarisOffice/ETemp/22400_7929080/fImage20671195705.png"/>
           <p:cNvPicPr>
             <a:picLocks noChangeAspect="1"/>
           </p:cNvPicPr>
@@ -10055,8 +10171,8 @@
         </p:blipFill>
         <p:spPr>
           <a:xfrm rot="0">
-            <a:off x="4661535" y="1686560"/>
-            <a:ext cx="770890" cy="865505"/>
+            <a:off x="4600575" y="1628775"/>
+            <a:ext cx="772160" cy="952500"/>
           </a:xfrm>
           <a:prstGeom prst="roundRect"/>
           <a:solidFill>
@@ -10066,7 +10182,7 @@
       </p:pic>
       <p:pic>
         <p:nvPicPr>
-          <p:cNvPr id="33" name="그림 60" descr="C:/Users/Admin1/AppData/Roaming/PolarisOffice/ETemp/3476_8310464/fImage53461218145.png"/>
+          <p:cNvPr id="33" name="그림 60" descr="C:/Users/Admin1/AppData/Roaming/PolarisOffice/ETemp/22400_7929080/fImage53461218145.png"/>
           <p:cNvPicPr>
             <a:picLocks noChangeAspect="1"/>
           </p:cNvPicPr>
@@ -10086,8 +10202,8 @@
         </p:blipFill>
         <p:spPr>
           <a:xfrm rot="0">
-            <a:off x="1423670" y="1487805"/>
-            <a:ext cx="2884170" cy="1245870"/>
+            <a:off x="1238250" y="1466850"/>
+            <a:ext cx="3070225" cy="1267460"/>
           </a:xfrm>
           <a:prstGeom prst="roundRect"/>
           <a:solidFill>
@@ -10105,8 +10221,8 @@
         </p:nvCxnSpPr>
         <p:spPr>
           <a:xfrm rot="0" flipH="1">
-            <a:off x="3347085" y="2118995"/>
-            <a:ext cx="1315085" cy="450215"/>
+            <a:off x="3333750" y="2104390"/>
+            <a:ext cx="1267460" cy="467995"/>
           </a:xfrm>
           <a:prstGeom prst="straightConnector1"/>
           <a:ln w="6350" cap="flat" cmpd="sng">
@@ -10131,7 +10247,7 @@
       </p:cxnSp>
       <p:pic>
         <p:nvPicPr>
-          <p:cNvPr id="35" name="그림 62" descr="C:/Users/Admin1/AppData/Roaming/PolarisOffice/ETemp/3476_8310464/fImage97581233281.png"/>
+          <p:cNvPr id="35" name="그림 62" descr="C:/Users/Admin1/AppData/Roaming/PolarisOffice/ETemp/22400_7929080/fImage97581233281.png"/>
           <p:cNvPicPr>
             <a:picLocks noChangeAspect="1"/>
           </p:cNvPicPr>
@@ -10151,8 +10267,8 @@
         </p:blipFill>
         <p:spPr>
           <a:xfrm rot="0">
-            <a:off x="1423670" y="3940810"/>
-            <a:ext cx="4009390" cy="1482725"/>
+            <a:off x="1238250" y="3988435"/>
+            <a:ext cx="4124960" cy="1374775"/>
           </a:xfrm>
           <a:prstGeom prst="roundRect"/>
           <a:solidFill>
@@ -10169,9 +10285,9 @@
           <p:nvPr/>
         </p:nvSpPr>
         <p:spPr>
-          <a:xfrm>
-            <a:off x="6815455" y="3830955"/>
-            <a:ext cx="4258945" cy="2338705"/>
+          <a:xfrm rot="0">
+            <a:off x="6824980" y="3830955"/>
+            <a:ext cx="4138930" cy="2338705"/>
           </a:xfrm>
           <a:prstGeom prst="rect"/>
           <a:noFill/>
@@ -10198,17 +10314,7 @@
                 <a:latin typeface="맑은 고딕" charset="0"/>
                 <a:ea typeface="맑은 고딕" charset="0"/>
               </a:rPr>
-              <a:t>1</a:t>
-            </a:r>
-            <a:r>
-              <a:rPr lang="ko-KR" sz="2000" b="1">
-                <a:solidFill>
-                  <a:srgbClr val="0611F2"/>
-                </a:solidFill>
-                <a:latin typeface="맑은 고딕" charset="0"/>
-                <a:ea typeface="맑은 고딕" charset="0"/>
-              </a:rPr>
-              <a:t>7</a:t>
+              <a:t>17</a:t>
             </a:r>
             <a:r>
               <a:rPr sz="2000" b="1">
@@ -10263,17 +10369,17 @@
       </p:sp>
       <p:pic>
         <p:nvPicPr>
-          <p:cNvPr id="37" name="그림 66"/>
+          <p:cNvPr id="37" name="그림 33" descr="C:/Users/Admin1/AppData/Roaming/PolarisOffice/ETemp/22400_7929080/fImage166781641478.png"/>
           <p:cNvPicPr>
             <a:picLocks noChangeAspect="1"/>
           </p:cNvPicPr>
           <p:nvPr/>
         </p:nvPicPr>
         <p:blipFill rotWithShape="1">
-          <a:blip r:embed="rId11" cstate="hqprint">
+          <a:blip r:embed="rId12" cstate="print">
             <a:extLst>
               <a:ext uri="{28A0092B-C50C-407E-A947-70E740481C1C}">
-                <a14:useLocalDpi xmlns:a14="http://schemas.microsoft.com/office/drawing/2010/main"/>
+                <a14:useLocalDpi xmlns:a14="http://schemas.microsoft.com/office/drawing/2010/main" val="0"/>
               </a:ext>
             </a:extLst>
           </a:blip>
@@ -10283,11 +10389,13 @@
         </p:blipFill>
         <p:spPr>
           <a:xfrm rot="0">
-            <a:off x="6822440" y="1480820"/>
-            <a:ext cx="4248785" cy="2195830"/>
-          </a:xfrm>
-          <a:prstGeom prst="rect"/>
-          <a:noFill/>
+            <a:off x="6829425" y="1466850"/>
+            <a:ext cx="4134485" cy="2239010"/>
+          </a:xfrm>
+          <a:prstGeom prst="roundRect"/>
+          <a:solidFill>
+            <a:srgbClr val="EDEDED"/>
+          </a:solidFill>
         </p:spPr>
       </p:pic>
     </p:spTree>
@@ -10400,8 +10508,8 @@
         </p:nvSpPr>
         <p:spPr>
           <a:xfrm rot="0">
-            <a:off x="1463040" y="2805430"/>
-            <a:ext cx="3957955" cy="3138805"/>
+            <a:off x="1222375" y="3844290"/>
+            <a:ext cx="4140200" cy="2308225"/>
           </a:xfrm>
           <a:prstGeom prst="rect"/>
           <a:noFill/>
@@ -10425,21 +10533,7 @@
                 <a:latin typeface="맑은 고딕" charset="0"/>
                 <a:ea typeface="맑은 고딕" charset="0"/>
               </a:rPr>
-              <a:t>Addforce( )</a:t>
-            </a:r>
-            <a:r>
-              <a:rPr lang="ko-KR" sz="1800">
-                <a:latin typeface="맑은 고딕" charset="0"/>
-                <a:ea typeface="맑은 고딕" charset="0"/>
-              </a:rPr>
-              <a:t> 함수</a:t>
-            </a:r>
-            <a:r>
-              <a:rPr lang="ko-KR" sz="1800">
-                <a:latin typeface="맑은 고딕" charset="0"/>
-                <a:ea typeface="맑은 고딕" charset="0"/>
-              </a:rPr>
-              <a:t>란?</a:t>
+              <a:t>Addforce( ) 함수란?</a:t>
             </a:r>
             <a:endParaRPr lang="ko-KR" altLang="en-US" sz="1800">
               <a:latin typeface="맑은 고딕" charset="0"/>
@@ -10457,33 +10551,6 @@
                 <a:ea typeface="맑은 고딕" charset="0"/>
               </a:rPr>
               <a:t>게임 오브젝트에 일정한 힘을 가해 가속도로 이동시키는 함수입니다.</a:t>
-            </a:r>
-            <a:endParaRPr lang="ko-KR" altLang="en-US" sz="1800">
-              <a:latin typeface="맑은 고딕" charset="0"/>
-              <a:ea typeface="맑은 고딕" charset="0"/>
-            </a:endParaRPr>
-          </a:p>
-          <a:p>
-            <a:pPr marL="0" indent="0" rtl="0" algn="l" defTabSz="914400" eaLnBrk="1" latinLnBrk="0" hangingPunct="1">
-              <a:buFontTx/>
-              <a:buNone/>
-            </a:pPr>
-            <a:endParaRPr lang="ko-KR" altLang="en-US" sz="1800">
-              <a:latin typeface="맑은 고딕" charset="0"/>
-              <a:ea typeface="맑은 고딕" charset="0"/>
-            </a:endParaRPr>
-          </a:p>
-          <a:p>
-            <a:pPr marL="0" indent="0" rtl="0" algn="l" defTabSz="914400" eaLnBrk="1" latinLnBrk="0" hangingPunct="1">
-              <a:buFontTx/>
-              <a:buNone/>
-            </a:pPr>
-            <a:r>
-              <a:rPr lang="ko-KR" sz="1800">
-                <a:latin typeface="맑은 고딕" charset="0"/>
-                <a:ea typeface="맑은 고딕" charset="0"/>
-              </a:rPr>
-              <a:t>Rigidbody는 물리적인 속성을 가지고 있습니다.</a:t>
             </a:r>
             <a:endParaRPr lang="ko-KR" altLang="en-US" sz="1800">
               <a:latin typeface="맑은 고딕" charset="0"/>
@@ -10529,8 +10596,8 @@
         </p:nvSpPr>
         <p:spPr>
           <a:xfrm rot="0">
-            <a:off x="6828790" y="4437380"/>
-            <a:ext cx="4036695" cy="1508125"/>
+            <a:off x="6837045" y="4645025"/>
+            <a:ext cx="4137025" cy="1508125"/>
           </a:xfrm>
           <a:prstGeom prst="rect"/>
           <a:noFill/>
@@ -10557,17 +10624,7 @@
                 <a:latin typeface="맑은 고딕" charset="0"/>
                 <a:ea typeface="맑은 고딕" charset="0"/>
               </a:rPr>
-              <a:t>1</a:t>
-            </a:r>
-            <a:r>
-              <a:rPr lang="ko-KR" sz="2000" b="1">
-                <a:solidFill>
-                  <a:srgbClr val="0611F2"/>
-                </a:solidFill>
-                <a:latin typeface="맑은 고딕" charset="0"/>
-                <a:ea typeface="맑은 고딕" charset="0"/>
-              </a:rPr>
-              <a:t>8</a:t>
+              <a:t>18</a:t>
             </a:r>
             <a:r>
               <a:rPr sz="2000" b="1">
@@ -10621,7 +10678,21 @@
                 <a:latin typeface="맑은 고딕" charset="0"/>
                 <a:ea typeface="맑은 고딕" charset="0"/>
               </a:rPr>
-              <a:t>그리고 Constraints에 Freeze Rotation의 X, Y, Z를 활성화합니다.</a:t>
+              <a:t>그</a:t>
+            </a:r>
+            <a:r>
+              <a:rPr lang="ko-KR" sz="1800">
+                <a:latin typeface="맑은 고딕" charset="0"/>
+                <a:ea typeface="맑은 고딕" charset="0"/>
+              </a:rPr>
+              <a:t>러고 나서</a:t>
+            </a:r>
+            <a:r>
+              <a:rPr lang="ko-KR" sz="1800">
+                <a:latin typeface="맑은 고딕" charset="0"/>
+                <a:ea typeface="맑은 고딕" charset="0"/>
+              </a:rPr>
+              <a:t> Constraints에 Freeze Rotation의 X, Y, Z를 활성화합니다.</a:t>
             </a:r>
             <a:endParaRPr lang="ko-KR" altLang="en-US" sz="1800">
               <a:latin typeface="맑은 고딕" charset="0"/>
@@ -10632,36 +10703,7 @@
       </p:sp>
       <p:pic>
         <p:nvPicPr>
-          <p:cNvPr id="24" name="그림 63"/>
-          <p:cNvPicPr>
-            <a:picLocks noChangeAspect="1"/>
-          </p:cNvPicPr>
-          <p:nvPr/>
-        </p:nvPicPr>
-        <p:blipFill rotWithShape="1">
-          <a:blip r:embed="rId2" cstate="hqprint">
-            <a:extLst>
-              <a:ext uri="{28A0092B-C50C-407E-A947-70E740481C1C}">
-                <a14:useLocalDpi xmlns:a14="http://schemas.microsoft.com/office/drawing/2010/main"/>
-              </a:ext>
-            </a:extLst>
-          </a:blip>
-          <a:stretch>
-            <a:fillRect/>
-          </a:stretch>
-        </p:blipFill>
-        <p:spPr>
-          <a:xfrm rot="0">
-            <a:off x="1463040" y="1828165"/>
-            <a:ext cx="974090" cy="767080"/>
-          </a:xfrm>
-          <a:prstGeom prst="rect"/>
-          <a:noFill/>
-        </p:spPr>
-      </p:pic>
-      <p:pic>
-        <p:nvPicPr>
-          <p:cNvPr id="25" name="그림 64"/>
+          <p:cNvPr id="25" name="그림 64" descr="C:/Users/Admin1/AppData/Roaming/PolarisOffice/ETemp/22400_7929080/fImage133022345436.png"/>
           <p:cNvPicPr>
             <a:picLocks noChangeAspect="1"/>
           </p:cNvPicPr>
@@ -10681,23 +10723,25 @@
         </p:blipFill>
         <p:spPr>
           <a:xfrm rot="0">
-            <a:off x="6824980" y="1417955"/>
-            <a:ext cx="4041775" cy="2880995"/>
-          </a:xfrm>
-          <a:prstGeom prst="rect"/>
-          <a:noFill/>
+            <a:off x="6824980" y="1466850"/>
+            <a:ext cx="4149090" cy="2973070"/>
+          </a:xfrm>
+          <a:prstGeom prst="roundRect"/>
+          <a:solidFill>
+            <a:srgbClr val="EDEDED"/>
+          </a:solidFill>
         </p:spPr>
       </p:pic>
       <p:pic>
         <p:nvPicPr>
-          <p:cNvPr id="26" name="그림 65"/>
+          <p:cNvPr id="26" name="그림 20" descr="C:/Users/Admin1/AppData/Roaming/PolarisOffice/ETemp/22400_7929080/fImage108091599358.png"/>
           <p:cNvPicPr>
             <a:picLocks noChangeAspect="1"/>
           </p:cNvPicPr>
           <p:nvPr/>
         </p:nvPicPr>
         <p:blipFill rotWithShape="1">
-          <a:blip r:embed="rId4" cstate="print">
+          <a:blip r:embed="rId9" cstate="print">
             <a:extLst>
               <a:ext uri="{28A0092B-C50C-407E-A947-70E740481C1C}">
                 <a14:useLocalDpi xmlns:a14="http://schemas.microsoft.com/office/drawing/2010/main" val="0"/>
@@ -10710,127 +10754,13 @@
         </p:blipFill>
         <p:spPr>
           <a:xfrm rot="0">
-            <a:off x="1743075" y="1421130"/>
-            <a:ext cx="402590" cy="308610"/>
-          </a:xfrm>
-          <a:prstGeom prst="rect"/>
-          <a:noFill/>
-        </p:spPr>
-      </p:pic>
-      <p:pic>
-        <p:nvPicPr>
-          <p:cNvPr id="27" name="그림 68"/>
-          <p:cNvPicPr>
-            <a:picLocks noChangeAspect="1"/>
-          </p:cNvPicPr>
-          <p:nvPr/>
-        </p:nvPicPr>
-        <p:blipFill rotWithShape="1">
-          <a:blip r:embed="rId5" cstate="hqprint">
-            <a:extLst>
-              <a:ext uri="{28A0092B-C50C-407E-A947-70E740481C1C}">
-                <a14:useLocalDpi xmlns:a14="http://schemas.microsoft.com/office/drawing/2010/main"/>
-              </a:ext>
-            </a:extLst>
-          </a:blip>
-          <a:stretch>
-            <a:fillRect/>
-          </a:stretch>
-        </p:blipFill>
-        <p:spPr>
-          <a:xfrm rot="0">
-            <a:off x="2955925" y="1816735"/>
-            <a:ext cx="974090" cy="787400"/>
-          </a:xfrm>
-          <a:prstGeom prst="rect"/>
-          <a:noFill/>
-        </p:spPr>
-      </p:pic>
-      <p:pic>
-        <p:nvPicPr>
-          <p:cNvPr id="28" name="그림 69"/>
-          <p:cNvPicPr>
-            <a:picLocks noChangeAspect="1"/>
-          </p:cNvPicPr>
-          <p:nvPr/>
-        </p:nvPicPr>
-        <p:blipFill rotWithShape="1">
-          <a:blip r:embed="rId6" cstate="print">
-            <a:extLst>
-              <a:ext uri="{28A0092B-C50C-407E-A947-70E740481C1C}">
-                <a14:useLocalDpi xmlns:a14="http://schemas.microsoft.com/office/drawing/2010/main" val="0"/>
-              </a:ext>
-            </a:extLst>
-          </a:blip>
-          <a:stretch>
-            <a:fillRect/>
-          </a:stretch>
-        </p:blipFill>
-        <p:spPr>
-          <a:xfrm rot="0">
-            <a:off x="3244215" y="1417955"/>
-            <a:ext cx="402590" cy="308610"/>
-          </a:xfrm>
-          <a:prstGeom prst="rect"/>
-          <a:noFill/>
-        </p:spPr>
-      </p:pic>
-      <p:pic>
-        <p:nvPicPr>
-          <p:cNvPr id="29" name="그림 70"/>
-          <p:cNvPicPr>
-            <a:picLocks noChangeAspect="1"/>
-          </p:cNvPicPr>
-          <p:nvPr/>
-        </p:nvPicPr>
-        <p:blipFill rotWithShape="1">
-          <a:blip r:embed="rId7" cstate="hqprint">
-            <a:extLst>
-              <a:ext uri="{28A0092B-C50C-407E-A947-70E740481C1C}">
-                <a14:useLocalDpi xmlns:a14="http://schemas.microsoft.com/office/drawing/2010/main"/>
-              </a:ext>
-            </a:extLst>
-          </a:blip>
-          <a:stretch>
-            <a:fillRect/>
-          </a:stretch>
-        </p:blipFill>
-        <p:spPr>
-          <a:xfrm rot="0">
-            <a:off x="4449445" y="1821815"/>
-            <a:ext cx="974725" cy="774065"/>
-          </a:xfrm>
-          <a:prstGeom prst="rect"/>
-          <a:noFill/>
-        </p:spPr>
-      </p:pic>
-      <p:pic>
-        <p:nvPicPr>
-          <p:cNvPr id="30" name="그림 71"/>
-          <p:cNvPicPr>
-            <a:picLocks noChangeAspect="1"/>
-          </p:cNvPicPr>
-          <p:nvPr/>
-        </p:nvPicPr>
-        <p:blipFill rotWithShape="1">
-          <a:blip r:embed="rId8" cstate="print">
-            <a:extLst>
-              <a:ext uri="{28A0092B-C50C-407E-A947-70E740481C1C}">
-                <a14:useLocalDpi xmlns:a14="http://schemas.microsoft.com/office/drawing/2010/main" val="0"/>
-              </a:ext>
-            </a:extLst>
-          </a:blip>
-          <a:stretch>
-            <a:fillRect/>
-          </a:stretch>
-        </p:blipFill>
-        <p:spPr>
-          <a:xfrm rot="0">
-            <a:off x="4737735" y="1423035"/>
-            <a:ext cx="402590" cy="308610"/>
-          </a:xfrm>
-          <a:prstGeom prst="rect"/>
-          <a:noFill/>
+            <a:off x="1224915" y="1476375"/>
+            <a:ext cx="4137660" cy="2198370"/>
+          </a:xfrm>
+          <a:prstGeom prst="roundRect"/>
+          <a:solidFill>
+            <a:srgbClr val="EDEDED"/>
+          </a:solidFill>
         </p:spPr>
       </p:pic>
     </p:spTree>
@@ -10943,8 +10873,8 @@
         </p:nvSpPr>
         <p:spPr>
           <a:xfrm rot="0">
-            <a:off x="1426210" y="4134485"/>
-            <a:ext cx="3971290" cy="2031365"/>
+            <a:off x="1222375" y="4134485"/>
+            <a:ext cx="4148455" cy="2031365"/>
           </a:xfrm>
           <a:prstGeom prst="rect"/>
           <a:noFill/>
@@ -11006,14 +10936,109 @@
       </p:sp>
       <p:pic>
         <p:nvPicPr>
-          <p:cNvPr id="36" name="그림 30"/>
+          <p:cNvPr id="36" name="그림 30" descr="C:/Users/Admin1/AppData/Roaming/PolarisOffice/ETemp/22400_7929080/fImage1994931096827.png"/>
           <p:cNvPicPr>
             <a:picLocks noChangeAspect="1"/>
           </p:cNvPicPr>
           <p:nvPr/>
         </p:nvPicPr>
         <p:blipFill rotWithShape="1">
-          <a:blip r:embed="rId5" cstate="print">
+          <a:blip r:embed="rId5" cstate="hqprint">
+            <a:extLst>
+              <a:ext uri="{28A0092B-C50C-407E-A947-70E740481C1C}">
+                <a14:useLocalDpi xmlns:a14="http://schemas.microsoft.com/office/drawing/2010/main"/>
+              </a:ext>
+            </a:extLst>
+          </a:blip>
+          <a:stretch>
+            <a:fillRect/>
+          </a:stretch>
+        </p:blipFill>
+        <p:spPr>
+          <a:xfrm rot="0">
+            <a:off x="1230630" y="1428750"/>
+            <a:ext cx="4148455" cy="2537460"/>
+          </a:xfrm>
+          <a:prstGeom prst="roundRect"/>
+          <a:solidFill>
+            <a:srgbClr val="EDEDED"/>
+          </a:solidFill>
+        </p:spPr>
+      </p:pic>
+      <p:sp>
+        <p:nvSpPr>
+          <p:cNvPr id="39" name="텍스트 상자 43"/>
+          <p:cNvSpPr txBox="1">
+            <a:spLocks/>
+          </p:cNvSpPr>
+          <p:nvPr/>
+        </p:nvSpPr>
+        <p:spPr>
+          <a:xfrm rot="0">
+            <a:off x="6810375" y="2666365"/>
+            <a:ext cx="4134485" cy="954405"/>
+          </a:xfrm>
+          <a:prstGeom prst="rect"/>
+          <a:noFill/>
+          <a:ln w="0">
+            <a:noFill/>
+            <a:prstDash/>
+          </a:ln>
+        </p:spPr>
+        <p:txBody>
+          <a:bodyPr wrap="square" lIns="89535" tIns="46355" rIns="89535" bIns="46355" numCol="1" vert="horz" anchor="t">
+            <a:spAutoFit/>
+          </a:bodyPr>
+          <a:lstStyle/>
+          <a:p>
+            <a:pPr marL="0" indent="0" rtl="0" algn="l" defTabSz="914400" eaLnBrk="1" latinLnBrk="0" hangingPunct="1">
+              <a:buFontTx/>
+              <a:buNone/>
+            </a:pPr>
+            <a:r>
+              <a:rPr lang="ko-KR" sz="2000" b="1">
+                <a:solidFill>
+                  <a:srgbClr val="0611F2"/>
+                </a:solidFill>
+                <a:latin typeface="맑은 고딕" charset="0"/>
+                <a:ea typeface="맑은 고딕" charset="0"/>
+              </a:rPr>
+              <a:t>19</a:t>
+            </a:r>
+            <a:r>
+              <a:rPr sz="2000" b="1">
+                <a:solidFill>
+                  <a:srgbClr val="0611F2"/>
+                </a:solidFill>
+                <a:latin typeface="맑은 고딕" charset="0"/>
+                <a:ea typeface="맑은 고딕" charset="0"/>
+              </a:rPr>
+              <a:t>. </a:t>
+            </a:r>
+            <a:r>
+              <a:rPr lang="ko-KR" sz="1800">
+                <a:latin typeface="맑은 고딕" charset="0"/>
+                <a:ea typeface="맑은 고딕" charset="0"/>
+              </a:rPr>
+              <a:t>이제 Character 오브젝트를 선택하고 스크립트의 speed 변수의 값을 조정하여 게임을 실행합니다.</a:t>
+            </a:r>
+            <a:endParaRPr lang="ko-KR" altLang="en-US" sz="1800">
+              <a:latin typeface="맑은 고딕" charset="0"/>
+              <a:ea typeface="맑은 고딕" charset="0"/>
+            </a:endParaRPr>
+          </a:p>
+        </p:txBody>
+      </p:sp>
+      <p:pic>
+        <p:nvPicPr>
+          <p:cNvPr id="40" name="그림 44" descr="C:/Users/Admin1/AppData/Roaming/PolarisOffice/ETemp/22400_7929080/fImage63721716962.png"/>
+          <p:cNvPicPr>
+            <a:picLocks noChangeAspect="1"/>
+          </p:cNvPicPr>
+          <p:nvPr/>
+        </p:nvPicPr>
+        <p:blipFill rotWithShape="1">
+          <a:blip r:embed="rId7" cstate="print">
             <a:extLst>
               <a:ext uri="{28A0092B-C50C-407E-A947-70E740481C1C}">
                 <a14:useLocalDpi xmlns:a14="http://schemas.microsoft.com/office/drawing/2010/main" val="0"/>
@@ -11026,8 +11051,8 @@
         </p:blipFill>
         <p:spPr>
           <a:xfrm rot="0">
-            <a:off x="1426210" y="1469390"/>
-            <a:ext cx="3971290" cy="2552700"/>
+            <a:off x="6819265" y="1428750"/>
+            <a:ext cx="4144645" cy="1105535"/>
           </a:xfrm>
           <a:prstGeom prst="roundRect"/>
           <a:solidFill>
@@ -11037,16 +11062,16 @@
       </p:pic>
       <p:sp>
         <p:nvSpPr>
-          <p:cNvPr id="37" name="텍스트 상자 67"/>
+          <p:cNvPr id="41" name="텍스트 상자 67"/>
           <p:cNvSpPr txBox="1">
             <a:spLocks/>
           </p:cNvSpPr>
           <p:nvPr/>
         </p:nvSpPr>
         <p:spPr>
-          <a:xfrm>
-            <a:off x="6824980" y="5211445"/>
-            <a:ext cx="4260215" cy="954405"/>
+          <a:xfrm rot="0">
+            <a:off x="6811010" y="5205730"/>
+            <a:ext cx="4144010" cy="954405"/>
           </a:xfrm>
           <a:prstGeom prst="rect"/>
           <a:noFill/>
@@ -11073,26 +11098,16 @@
                 <a:latin typeface="맑은 고딕" charset="0"/>
                 <a:ea typeface="맑은 고딕" charset="0"/>
               </a:rPr>
-              <a:t>1</a:t>
-            </a:r>
-            <a:r>
-              <a:rPr lang="ko-KR" sz="2000" b="1">
+              <a:t>20</a:t>
+            </a:r>
+            <a:r>
+              <a:rPr sz="2000" b="1">
                 <a:solidFill>
                   <a:srgbClr val="0611F2"/>
                 </a:solidFill>
                 <a:latin typeface="맑은 고딕" charset="0"/>
                 <a:ea typeface="맑은 고딕" charset="0"/>
               </a:rPr>
-              <a:t>9</a:t>
-            </a:r>
-            <a:r>
-              <a:rPr sz="2000" b="1">
-                <a:solidFill>
-                  <a:srgbClr val="0611F2"/>
-                </a:solidFill>
-                <a:latin typeface="맑은 고딕" charset="0"/>
-                <a:ea typeface="맑은 고딕" charset="0"/>
-              </a:rPr>
               <a:t>. </a:t>
             </a:r>
             <a:r>
@@ -11100,7 +11115,7 @@
                 <a:latin typeface="맑은 고딕" charset="0"/>
                 <a:ea typeface="맑은 고딕" charset="0"/>
               </a:rPr>
-              <a:t>이제 Character 오브젝트를 선택하고 스크립트의 speed 변수의 값을 조정하여 게임을 실행합니다.</a:t>
+              <a:t>그다음 Obstacle 오브젝트의 Box Collider에 있는 Is Trigger를 활성화합니다.</a:t>
             </a:r>
             <a:endParaRPr lang="ko-KR" altLang="en-US" sz="1800">
               <a:latin typeface="맑은 고딕" charset="0"/>
@@ -11111,14 +11126,14 @@
       </p:sp>
       <p:pic>
         <p:nvPicPr>
-          <p:cNvPr id="38" name="그림 68"/>
+          <p:cNvPr id="42" name="그림 68" descr="C:/Users/Admin1/AppData/Roaming/PolarisOffice/ETemp/22400_7929080/fImage933419641.png"/>
           <p:cNvPicPr>
             <a:picLocks noChangeAspect="1"/>
           </p:cNvPicPr>
           <p:nvPr/>
         </p:nvPicPr>
         <p:blipFill rotWithShape="1">
-          <a:blip r:embed="rId6" cstate="hqprint">
+          <a:blip r:embed="rId8" cstate="hqprint">
             <a:extLst>
               <a:ext uri="{28A0092B-C50C-407E-A947-70E740481C1C}">
                 <a14:useLocalDpi xmlns:a14="http://schemas.microsoft.com/office/drawing/2010/main"/>
@@ -11131,11 +11146,13 @@
         </p:blipFill>
         <p:spPr>
           <a:xfrm rot="0">
-            <a:off x="6816725" y="1470025"/>
-            <a:ext cx="4265930" cy="3590290"/>
-          </a:xfrm>
-          <a:prstGeom prst="rect"/>
-          <a:noFill/>
+            <a:off x="6797675" y="3743325"/>
+            <a:ext cx="4147185" cy="1334135"/>
+          </a:xfrm>
+          <a:prstGeom prst="roundRect"/>
+          <a:solidFill>
+            <a:srgbClr val="EDEDED"/>
+          </a:solidFill>
         </p:spPr>
       </p:pic>
     </p:spTree>
@@ -11188,8 +11205,8 @@
         </p:nvSpPr>
         <p:spPr>
           <a:xfrm rot="0">
-            <a:off x="4342765" y="428625"/>
-            <a:ext cx="3511550" cy="554990"/>
+            <a:off x="4342765" y="390525"/>
+            <a:ext cx="3512185" cy="554990"/>
           </a:xfrm>
           <a:prstGeom prst="rect"/>
           <a:noFill/>
@@ -11216,17 +11233,7 @@
                 <a:latin typeface="맑은 고딕" charset="0"/>
                 <a:ea typeface="맑은 고딕" charset="0"/>
               </a:rPr>
-              <a:t>아홉 번째 </a:t>
-            </a:r>
-            <a:r>
-              <a:rPr lang="ko-KR" sz="3000" b="1">
-                <a:solidFill>
-                  <a:schemeClr val="tx1"/>
-                </a:solidFill>
-                <a:latin typeface="맑은 고딕" charset="0"/>
-                <a:ea typeface="맑은 고딕" charset="0"/>
-              </a:rPr>
-              <a:t>튜토리얼</a:t>
+              <a:t>아홉 번째 튜토리얼</a:t>
             </a:r>
             <a:endParaRPr lang="ko-KR" altLang="en-US" sz="3000" b="1">
               <a:solidFill>
@@ -11240,16 +11247,16 @@
       </p:sp>
       <p:sp>
         <p:nvSpPr>
-          <p:cNvPr id="40" name="텍스트 상자 5"/>
+          <p:cNvPr id="43" name="텍스트 상자 4"/>
           <p:cNvSpPr txBox="1">
             <a:spLocks/>
           </p:cNvSpPr>
           <p:nvPr/>
         </p:nvSpPr>
         <p:spPr>
-          <a:xfrm>
-            <a:off x="1410335" y="5208905"/>
-            <a:ext cx="3970655" cy="954405"/>
+          <a:xfrm rot="0">
+            <a:off x="6800850" y="2836545"/>
+            <a:ext cx="4144010" cy="954405"/>
           </a:xfrm>
           <a:prstGeom prst="rect"/>
           <a:noFill/>
@@ -11276,7 +11283,17 @@
                 <a:latin typeface="맑은 고딕" charset="0"/>
                 <a:ea typeface="맑은 고딕" charset="0"/>
               </a:rPr>
-              <a:t>20</a:t>
+              <a:t>2</a:t>
+            </a:r>
+            <a:r>
+              <a:rPr lang="ko-KR" sz="2000" b="1">
+                <a:solidFill>
+                  <a:srgbClr val="0611F2"/>
+                </a:solidFill>
+                <a:latin typeface="맑은 고딕" charset="0"/>
+                <a:ea typeface="맑은 고딕" charset="0"/>
+              </a:rPr>
+              <a:t>2</a:t>
             </a:r>
             <a:r>
               <a:rPr sz="2000" b="1">
@@ -11293,7 +11310,28 @@
                 <a:latin typeface="맑은 고딕" charset="0"/>
                 <a:ea typeface="맑은 고딕" charset="0"/>
               </a:rPr>
-              <a:t>그런 다음 Sensor 스크립트에서 비디오 플레이어 컴포넌트를 가져오도록 설정합니다.</a:t>
+              <a:t>그</a:t>
+            </a:r>
+            <a:r>
+              <a:rPr lang="ko-KR" sz="1800">
+                <a:latin typeface="맑은 고딕" charset="0"/>
+                <a:ea typeface="맑은 고딕" charset="0"/>
+              </a:rPr>
+              <a:t>리고</a:t>
+            </a:r>
+            <a:r>
+              <a:rPr lang="ko-KR" sz="1800">
+                <a:latin typeface="맑은 고딕" charset="0"/>
+                <a:ea typeface="맑은 고딕" charset="0"/>
+              </a:rPr>
+              <a:t> Trigger가 충돌했을 때 비디오 플레이어를 실행</a:t>
+            </a:r>
+            <a:r>
+              <a:rPr lang="ko-KR" sz="1800">
+                <a:latin typeface="맑은 고딕" charset="0"/>
+                <a:ea typeface="맑은 고딕" charset="0"/>
+              </a:rPr>
+              <a:t>시킨 다음 무한 반복하도록 설정합니다.</a:t>
             </a:r>
             <a:endParaRPr lang="ko-KR" altLang="en-US" sz="1800">
               <a:latin typeface="맑은 고딕" charset="0"/>
@@ -11304,117 +11342,14 @@
       </p:sp>
       <p:pic>
         <p:nvPicPr>
-          <p:cNvPr id="41" name="그림 12"/>
+          <p:cNvPr id="49" name="그림 57" descr="C:/Users/Admin1/AppData/Roaming/PolarisOffice/ETemp/22400_7929080/fImage239051784464.png"/>
           <p:cNvPicPr>
             <a:picLocks noChangeAspect="1"/>
           </p:cNvPicPr>
           <p:nvPr/>
         </p:nvPicPr>
         <p:blipFill rotWithShape="1">
-          <a:blip r:embed="rId2" cstate="hqprint">
-            <a:extLst>
-              <a:ext uri="{28A0092B-C50C-407E-A947-70E740481C1C}">
-                <a14:useLocalDpi xmlns:a14="http://schemas.microsoft.com/office/drawing/2010/main"/>
-              </a:ext>
-            </a:extLst>
-          </a:blip>
-          <a:stretch>
-            <a:fillRect/>
-          </a:stretch>
-        </p:blipFill>
-        <p:spPr>
-          <a:xfrm rot="0">
-            <a:off x="1421130" y="1426845"/>
-            <a:ext cx="3958590" cy="3645535"/>
-          </a:xfrm>
-          <a:prstGeom prst="rect"/>
-          <a:noFill/>
-        </p:spPr>
-      </p:pic>
-      <p:sp>
-        <p:nvSpPr>
-          <p:cNvPr id="43" name="텍스트 상자 4"/>
-          <p:cNvSpPr txBox="1">
-            <a:spLocks/>
-          </p:cNvSpPr>
-          <p:nvPr/>
-        </p:nvSpPr>
-        <p:spPr>
-          <a:xfrm>
-            <a:off x="6806565" y="2703195"/>
-            <a:ext cx="4386580" cy="954405"/>
-          </a:xfrm>
-          <a:prstGeom prst="rect"/>
-          <a:noFill/>
-          <a:ln w="0">
-            <a:noFill/>
-            <a:prstDash/>
-          </a:ln>
-        </p:spPr>
-        <p:txBody>
-          <a:bodyPr wrap="square" lIns="89535" tIns="46355" rIns="89535" bIns="46355" numCol="1" vert="horz" anchor="t">
-            <a:spAutoFit/>
-          </a:bodyPr>
-          <a:lstStyle/>
-          <a:p>
-            <a:pPr marL="0" indent="0" rtl="0" algn="l" defTabSz="914400" eaLnBrk="1" latinLnBrk="0" hangingPunct="1">
-              <a:buFontTx/>
-              <a:buNone/>
-            </a:pPr>
-            <a:r>
-              <a:rPr lang="ko-KR" sz="2000" b="1">
-                <a:solidFill>
-                  <a:srgbClr val="0611F2"/>
-                </a:solidFill>
-                <a:latin typeface="맑은 고딕" charset="0"/>
-                <a:ea typeface="맑은 고딕" charset="0"/>
-              </a:rPr>
-              <a:t>2</a:t>
-            </a:r>
-            <a:r>
-              <a:rPr lang="ko-KR" sz="2000" b="1">
-                <a:solidFill>
-                  <a:srgbClr val="0611F2"/>
-                </a:solidFill>
-                <a:latin typeface="맑은 고딕" charset="0"/>
-                <a:ea typeface="맑은 고딕" charset="0"/>
-              </a:rPr>
-              <a:t>1</a:t>
-            </a:r>
-            <a:r>
-              <a:rPr sz="2000" b="1">
-                <a:solidFill>
-                  <a:srgbClr val="0611F2"/>
-                </a:solidFill>
-                <a:latin typeface="맑은 고딕" charset="0"/>
-                <a:ea typeface="맑은 고딕" charset="0"/>
-              </a:rPr>
-              <a:t>. </a:t>
-            </a:r>
-            <a:r>
-              <a:rPr lang="ko-KR" sz="1800">
-                <a:latin typeface="맑은 고딕" charset="0"/>
-                <a:ea typeface="맑은 고딕" charset="0"/>
-              </a:rPr>
-              <a:t>그다음으로 Trigger가 충돌했을 때 비디오 플레이어를 실행시키도록 설정합니다.</a:t>
-            </a:r>
-            <a:endParaRPr lang="ko-KR" altLang="en-US" sz="1800">
-              <a:latin typeface="맑은 고딕" charset="0"/>
-              <a:ea typeface="맑은 고딕" charset="0"/>
-            </a:endParaRPr>
-          </a:p>
-        </p:txBody>
-      </p:sp>
-      <p:pic>
-        <p:nvPicPr>
-          <p:cNvPr id="44" name="그림 5"/>
-          <p:cNvPicPr>
-            <a:picLocks noChangeAspect="1"/>
-          </p:cNvPicPr>
-          <p:nvPr/>
-        </p:nvPicPr>
-        <p:blipFill rotWithShape="1">
-          <a:blip r:embed="rId3" cstate="print">
+          <a:blip r:embed="rId5" cstate="print">
             <a:extLst>
               <a:ext uri="{28A0092B-C50C-407E-A947-70E740481C1C}">
                 <a14:useLocalDpi xmlns:a14="http://schemas.microsoft.com/office/drawing/2010/main" val="0"/>
@@ -11427,8 +11362,8 @@
         </p:blipFill>
         <p:spPr>
           <a:xfrm rot="0">
-            <a:off x="6806565" y="1423035"/>
-            <a:ext cx="4389755" cy="1181100"/>
+            <a:off x="6810375" y="1457325"/>
+            <a:ext cx="4134485" cy="1267460"/>
           </a:xfrm>
           <a:prstGeom prst="roundRect"/>
           <a:solidFill>
@@ -11438,14 +11373,14 @@
       </p:pic>
       <p:pic>
         <p:nvPicPr>
-          <p:cNvPr id="45" name="그림 8"/>
+          <p:cNvPr id="50" name="그림 69" descr="C:/Users/Admin1/AppData/Roaming/PolarisOffice/ETemp/22400_7929080/fImage387991865705.png"/>
           <p:cNvPicPr>
             <a:picLocks noChangeAspect="1"/>
           </p:cNvPicPr>
           <p:nvPr/>
         </p:nvPicPr>
         <p:blipFill rotWithShape="1">
-          <a:blip r:embed="rId4" cstate="print">
+          <a:blip r:embed="rId6" cstate="print">
             <a:extLst>
               <a:ext uri="{28A0092B-C50C-407E-A947-70E740481C1C}">
                 <a14:useLocalDpi xmlns:a14="http://schemas.microsoft.com/office/drawing/2010/main" val="0"/>
@@ -11458,8 +11393,8 @@
         </p:blipFill>
         <p:spPr>
           <a:xfrm rot="0">
-            <a:off x="6807200" y="3752215"/>
-            <a:ext cx="4385310" cy="1359535"/>
+            <a:off x="1238250" y="1466850"/>
+            <a:ext cx="4144010" cy="3343910"/>
           </a:xfrm>
           <a:prstGeom prst="roundRect"/>
           <a:solidFill>
@@ -11469,16 +11404,16 @@
       </p:pic>
       <p:sp>
         <p:nvSpPr>
-          <p:cNvPr id="46" name="텍스트 상자 11"/>
+          <p:cNvPr id="51" name="텍스트 상자 72"/>
           <p:cNvSpPr txBox="1">
             <a:spLocks/>
           </p:cNvSpPr>
           <p:nvPr/>
         </p:nvSpPr>
         <p:spPr>
-          <a:xfrm>
-            <a:off x="6798310" y="5202555"/>
-            <a:ext cx="4403090" cy="954405"/>
+          <a:xfrm rot="0">
+            <a:off x="1233805" y="4956175"/>
+            <a:ext cx="4148455" cy="1231265"/>
           </a:xfrm>
           <a:prstGeom prst="rect"/>
           <a:noFill/>
@@ -11505,6 +11440,122 @@
                 <a:latin typeface="맑은 고딕" charset="0"/>
                 <a:ea typeface="맑은 고딕" charset="0"/>
               </a:rPr>
+              <a:t>21</a:t>
+            </a:r>
+            <a:r>
+              <a:rPr sz="2000" b="1">
+                <a:solidFill>
+                  <a:srgbClr val="0611F2"/>
+                </a:solidFill>
+                <a:latin typeface="맑은 고딕" charset="0"/>
+                <a:ea typeface="맑은 고딕" charset="0"/>
+              </a:rPr>
+              <a:t>. </a:t>
+            </a:r>
+            <a:r>
+              <a:rPr lang="ko-KR" sz="1800">
+                <a:latin typeface="맑은 고딕" charset="0"/>
+                <a:ea typeface="맑은 고딕" charset="0"/>
+              </a:rPr>
+              <a:t>그</a:t>
+            </a:r>
+            <a:r>
+              <a:rPr lang="ko-KR" sz="1800">
+                <a:latin typeface="맑은 고딕" charset="0"/>
+                <a:ea typeface="맑은 고딕" charset="0"/>
+              </a:rPr>
+              <a:t>런 다음</a:t>
+            </a:r>
+            <a:r>
+              <a:rPr lang="ko-KR" sz="1800">
+                <a:latin typeface="맑은 고딕" charset="0"/>
+                <a:ea typeface="맑은 고딕" charset="0"/>
+              </a:rPr>
+              <a:t> </a:t>
+            </a:r>
+            <a:r>
+              <a:rPr lang="ko-KR" sz="1800">
+                <a:latin typeface="맑은 고딕" charset="0"/>
+                <a:ea typeface="맑은 고딕" charset="0"/>
+              </a:rPr>
+              <a:t>Sensor 스크립트에서 Mesh 변수를 배열로 선언하고 VideoPlayer 변수와 MeshFilter 변수를 선언합니다.</a:t>
+            </a:r>
+            <a:endParaRPr lang="ko-KR" altLang="en-US" sz="1800">
+              <a:latin typeface="맑은 고딕" charset="0"/>
+              <a:ea typeface="맑은 고딕" charset="0"/>
+            </a:endParaRPr>
+          </a:p>
+        </p:txBody>
+      </p:sp>
+      <p:pic>
+        <p:nvPicPr>
+          <p:cNvPr id="52" name="그림 74" descr="C:/Users/Admin1/AppData/Roaming/PolarisOffice/ETemp/22400_7929080/fImage227111888145.png"/>
+          <p:cNvPicPr>
+            <a:picLocks noChangeAspect="1"/>
+          </p:cNvPicPr>
+          <p:nvPr/>
+        </p:nvPicPr>
+        <p:blipFill rotWithShape="1">
+          <a:blip r:embed="rId7" cstate="print">
+            <a:extLst>
+              <a:ext uri="{28A0092B-C50C-407E-A947-70E740481C1C}">
+                <a14:useLocalDpi xmlns:a14="http://schemas.microsoft.com/office/drawing/2010/main" val="0"/>
+              </a:ext>
+            </a:extLst>
+          </a:blip>
+          <a:stretch>
+            <a:fillRect/>
+          </a:stretch>
+        </p:blipFill>
+        <p:spPr>
+          <a:xfrm rot="0">
+            <a:off x="6810375" y="3943350"/>
+            <a:ext cx="4134485" cy="1181735"/>
+          </a:xfrm>
+          <a:prstGeom prst="roundRect"/>
+          <a:solidFill>
+            <a:srgbClr val="EDEDED"/>
+          </a:solidFill>
+        </p:spPr>
+      </p:pic>
+      <p:sp>
+        <p:nvSpPr>
+          <p:cNvPr id="53" name="텍스트 상자 77"/>
+          <p:cNvSpPr txBox="1">
+            <a:spLocks/>
+          </p:cNvSpPr>
+          <p:nvPr/>
+        </p:nvSpPr>
+        <p:spPr>
+          <a:xfrm rot="0">
+            <a:off x="6819900" y="5251450"/>
+            <a:ext cx="4124960" cy="954405"/>
+          </a:xfrm>
+          <a:prstGeom prst="rect"/>
+          <a:noFill/>
+          <a:ln w="0">
+            <a:noFill/>
+            <a:prstDash/>
+          </a:ln>
+        </p:spPr>
+        <p:txBody>
+          <a:bodyPr wrap="square" lIns="89535" tIns="46355" rIns="89535" bIns="46355" numCol="1" vert="horz" anchor="t">
+            <a:spAutoFit/>
+          </a:bodyPr>
+          <a:lstStyle/>
+          <a:p>
+            <a:pPr marL="0" indent="0" rtl="0" algn="l" defTabSz="914400" eaLnBrk="1" latinLnBrk="0" hangingPunct="1">
+              <a:buFontTx/>
+              <a:buNone/>
+            </a:pPr>
+            <a:r>
+              <a:rPr lang="ko-KR" sz="2000" b="1">
+                <a:solidFill>
+                  <a:srgbClr val="0611F2"/>
+                </a:solidFill>
+                <a:latin typeface="맑은 고딕" charset="0"/>
+                <a:ea typeface="맑은 고딕" charset="0"/>
+              </a:rPr>
               <a:t>2</a:t>
             </a:r>
             <a:r>
@@ -11515,7 +11566,7 @@
                 <a:latin typeface="맑은 고딕" charset="0"/>
                 <a:ea typeface="맑은 고딕" charset="0"/>
               </a:rPr>
-              <a:t>2</a:t>
+              <a:t>3</a:t>
             </a:r>
             <a:r>
               <a:rPr sz="2000" b="1">
@@ -11532,7 +11583,42 @@
                 <a:latin typeface="맑은 고딕" charset="0"/>
                 <a:ea typeface="맑은 고딕" charset="0"/>
               </a:rPr>
-              <a:t>그리고 Trigger가 충돌 중일 때 게임 오브젝트의 크기를 변경하도록 설정합니다.</a:t>
+              <a:t>그</a:t>
+            </a:r>
+            <a:r>
+              <a:rPr lang="ko-KR" sz="1800">
+                <a:latin typeface="맑은 고딕" charset="0"/>
+                <a:ea typeface="맑은 고딕" charset="0"/>
+              </a:rPr>
+              <a:t>러고 나서</a:t>
+            </a:r>
+            <a:r>
+              <a:rPr lang="ko-KR" sz="1800">
+                <a:latin typeface="맑은 고딕" charset="0"/>
+                <a:ea typeface="맑은 고딕" charset="0"/>
+              </a:rPr>
+              <a:t> Trigger가 충돌</a:t>
+            </a:r>
+            <a:r>
+              <a:rPr lang="ko-KR" sz="1800">
+                <a:latin typeface="맑은 고딕" charset="0"/>
+                <a:ea typeface="맑은 고딕" charset="0"/>
+              </a:rPr>
+              <a:t> 중일</a:t>
+            </a:r>
+            <a:r>
+              <a:rPr lang="ko-KR" sz="1800">
+                <a:latin typeface="맑은 고딕" charset="0"/>
+                <a:ea typeface="맑은 고딕" charset="0"/>
+              </a:rPr>
+              <a:t> 때 </a:t>
+            </a:r>
+            <a:r>
+              <a:rPr lang="ko-KR" sz="1800">
+                <a:latin typeface="맑은 고딕" charset="0"/>
+                <a:ea typeface="맑은 고딕" charset="0"/>
+              </a:rPr>
+              <a:t>MeshFilter의 mesh를 mesh[0]으로 변경합니다.</a:t>
             </a:r>
             <a:endParaRPr lang="ko-KR" altLang="en-US" sz="1800">
               <a:latin typeface="맑은 고딕" charset="0"/>

--- a/Assets/Class/Collision/PPT Data/Collision Example.pptx
+++ b/Assets/Class/Collision/PPT Data/Collision Example.pptx
@@ -2,7 +2,7 @@
 <file path=ppt/presentation.xml><?xml version="1.0" encoding="utf-8"?>
 <p:presentation xmlns:a="http://schemas.openxmlformats.org/drawingml/2006/main" xmlns:r="http://schemas.openxmlformats.org/officeDocument/2006/relationships" xmlns:p="http://schemas.openxmlformats.org/presentationml/2006/main" xmlns:p14="http://schemas.microsoft.com/office/powerpoint/2010/main" saveSubsetFonts="1" firstSlideNum="0">
   <p:sldMasterIdLst>
-    <p:sldMasterId id="2147485418" r:id="rId12"/>
+    <p:sldMasterId id="2147485448" r:id="rId12"/>
   </p:sldMasterIdLst>
   <p:notesMasterIdLst>
     <p:notesMasterId r:id="rId14"/>
@@ -5578,7 +5578,7 @@
       </p:sp>
       <p:pic>
         <p:nvPicPr>
-          <p:cNvPr id="11" name="그림 1" descr="C:/Users/Admin1/AppData/Roaming/PolarisOffice/ETemp/22400_7929080/fImage159789841.png"/>
+          <p:cNvPr id="11" name="그림 1"/>
           <p:cNvPicPr>
             <a:picLocks noChangeAspect="1"/>
           </p:cNvPicPr>
@@ -5609,7 +5609,7 @@
       </p:pic>
       <p:pic>
         <p:nvPicPr>
-          <p:cNvPr id="14" name="그림 10" descr="C:/Users/Admin1/AppData/Roaming/PolarisOffice/ETemp/22400_7929080/fImage44681028467.png"/>
+          <p:cNvPr id="14" name="그림 10"/>
           <p:cNvPicPr>
             <a:picLocks noChangeAspect="1"/>
           </p:cNvPicPr>
@@ -5640,7 +5640,7 @@
       </p:pic>
       <p:pic>
         <p:nvPicPr>
-          <p:cNvPr id="15" name="그림 11" descr="C:/Users/Admin1/AppData/Roaming/PolarisOffice/ETemp/22400_7929080/fImage30521036334.png"/>
+          <p:cNvPr id="15" name="그림 11"/>
           <p:cNvPicPr>
             <a:picLocks noChangeAspect="1"/>
           </p:cNvPicPr>
@@ -5671,7 +5671,7 @@
       </p:pic>
       <p:pic>
         <p:nvPicPr>
-          <p:cNvPr id="19" name="그림 17" descr="C:/Users/Admin1/AppData/Roaming/PolarisOffice/ETemp/22400_7929080/fImage47031079169.png"/>
+          <p:cNvPr id="19" name="그림 17"/>
           <p:cNvPicPr>
             <a:picLocks noChangeAspect="1"/>
           </p:cNvPicPr>
@@ -5824,7 +5824,7 @@
       </p:cxnSp>
       <p:pic>
         <p:nvPicPr>
-          <p:cNvPr id="21" name="그림 2" descr="C:/Users/Admin1/AppData/Roaming/PolarisOffice/ETemp/22400_7929080/fImage1042514941.png"/>
+          <p:cNvPr id="21" name="그림 2"/>
           <p:cNvPicPr>
             <a:picLocks noChangeAspect="1"/>
           </p:cNvPicPr>
@@ -5864,7 +5864,7 @@
         <p:spPr>
           <a:xfrm rot="0">
             <a:off x="6815455" y="5556250"/>
-            <a:ext cx="4121785" cy="677545"/>
+            <a:ext cx="4122420" cy="678180"/>
           </a:xfrm>
           <a:prstGeom prst="rect"/>
           <a:noFill/>
@@ -5918,49 +5918,7 @@
                 <a:latin typeface="맑은 고딕" charset="0"/>
                 <a:ea typeface="맑은 고딕" charset="0"/>
               </a:rPr>
-              <a:t>그</a:t>
-            </a:r>
-            <a:r>
-              <a:rPr lang="ko-KR" sz="1800">
-                <a:latin typeface="맑은 고딕" charset="0"/>
-                <a:ea typeface="맑은 고딕" charset="0"/>
-              </a:rPr>
-              <a:t>다음으로</a:t>
-            </a:r>
-            <a:r>
-              <a:rPr lang="ko-KR" sz="1800">
-                <a:latin typeface="맑은 고딕" charset="0"/>
-                <a:ea typeface="맑은 고딕" charset="0"/>
-              </a:rPr>
-              <a:t> Character 오브젝트</a:t>
-            </a:r>
-            <a:r>
-              <a:rPr lang="ko-KR" sz="1800">
-                <a:latin typeface="맑은 고딕" charset="0"/>
-                <a:ea typeface="맑은 고딕" charset="0"/>
-              </a:rPr>
-              <a:t>의 위치 값을</a:t>
-            </a:r>
-            <a:r>
-              <a:rPr lang="ko-KR" sz="1800">
-                <a:latin typeface="맑은 고딕" charset="0"/>
-                <a:ea typeface="맑은 고딕" charset="0"/>
-              </a:rPr>
-              <a:t> </a:t>
-            </a:r>
-            <a:r>
-              <a:rPr lang="ko-KR" sz="1800">
-                <a:latin typeface="맑은 고딕" charset="0"/>
-                <a:ea typeface="맑은 고딕" charset="0"/>
-              </a:rPr>
-              <a:t>설정</a:t>
-            </a:r>
-            <a:r>
-              <a:rPr lang="ko-KR" sz="1800">
-                <a:latin typeface="맑은 고딕" charset="0"/>
-                <a:ea typeface="맑은 고딕" charset="0"/>
-              </a:rPr>
-              <a:t>합니다. </a:t>
+              <a:t>그다음으로 Character 오브젝트의 위치 값을 설정합니다. </a:t>
             </a:r>
             <a:endParaRPr lang="ko-KR" altLang="en-US" sz="1800">
               <a:latin typeface="맑은 고딕" charset="0"/>
@@ -6079,433 +6037,6 @@
           </a:p>
         </p:txBody>
       </p:sp>
-      <p:sp>
-        <p:nvSpPr>
-          <p:cNvPr id="49" name="텍스트 상자 16"/>
-          <p:cNvSpPr txBox="1">
-            <a:spLocks/>
-          </p:cNvSpPr>
-          <p:nvPr/>
-        </p:nvSpPr>
-        <p:spPr>
-          <a:xfrm rot="0">
-            <a:off x="6818630" y="5442585"/>
-            <a:ext cx="4132580" cy="677545"/>
-          </a:xfrm>
-          <a:prstGeom prst="rect"/>
-          <a:noFill/>
-          <a:ln w="0">
-            <a:noFill/>
-            <a:prstDash/>
-          </a:ln>
-        </p:spPr>
-        <p:txBody>
-          <a:bodyPr wrap="square" lIns="89535" tIns="46355" rIns="89535" bIns="46355" numCol="1" vert="horz" anchor="t">
-            <a:spAutoFit/>
-          </a:bodyPr>
-          <a:lstStyle/>
-          <a:p>
-            <a:pPr marL="0" indent="0" rtl="0" algn="l" defTabSz="914400" eaLnBrk="1" latinLnBrk="0" hangingPunct="1">
-              <a:buFontTx/>
-              <a:buNone/>
-            </a:pPr>
-            <a:r>
-              <a:rPr lang="ko-KR" sz="2000" b="1">
-                <a:solidFill>
-                  <a:srgbClr val="0611F2"/>
-                </a:solidFill>
-                <a:latin typeface="맑은 고딕" charset="0"/>
-                <a:ea typeface="맑은 고딕" charset="0"/>
-              </a:rPr>
-              <a:t>2</a:t>
-            </a:r>
-            <a:r>
-              <a:rPr lang="ko-KR" sz="2000" b="1">
-                <a:solidFill>
-                  <a:srgbClr val="0611F2"/>
-                </a:solidFill>
-                <a:latin typeface="맑은 고딕" charset="0"/>
-                <a:ea typeface="맑은 고딕" charset="0"/>
-              </a:rPr>
-              <a:t>6</a:t>
-            </a:r>
-            <a:r>
-              <a:rPr sz="2000" b="1">
-                <a:solidFill>
-                  <a:srgbClr val="0611F2"/>
-                </a:solidFill>
-                <a:latin typeface="맑은 고딕" charset="0"/>
-                <a:ea typeface="맑은 고딕" charset="0"/>
-              </a:rPr>
-              <a:t>. </a:t>
-            </a:r>
-            <a:r>
-              <a:rPr lang="ko-KR" sz="1800">
-                <a:latin typeface="맑은 고딕" charset="0"/>
-                <a:ea typeface="맑은 고딕" charset="0"/>
-              </a:rPr>
-              <a:t>그리고</a:t>
-            </a:r>
-            <a:r>
-              <a:rPr lang="ko-KR" sz="1800">
-                <a:latin typeface="맑은 고딕" charset="0"/>
-                <a:ea typeface="맑은 고딕" charset="0"/>
-              </a:rPr>
-              <a:t> Video Player의 Play On Awake를 비활성화합니다.</a:t>
-            </a:r>
-            <a:endParaRPr lang="ko-KR" altLang="en-US" sz="1800">
-              <a:latin typeface="맑은 고딕" charset="0"/>
-              <a:ea typeface="맑은 고딕" charset="0"/>
-            </a:endParaRPr>
-          </a:p>
-        </p:txBody>
-      </p:sp>
-      <p:pic>
-        <p:nvPicPr>
-          <p:cNvPr id="50" name="그림 49" descr="C:/Users/Admin1/AppData/Roaming/PolarisOffice/ETemp/22400_7929080/fImage228421916500.png"/>
-          <p:cNvPicPr>
-            <a:picLocks noChangeAspect="1"/>
-          </p:cNvPicPr>
-          <p:nvPr/>
-        </p:nvPicPr>
-        <p:blipFill rotWithShape="1">
-          <a:blip r:embed="rId3" cstate="hqprint">
-            <a:extLst>
-              <a:ext uri="{28A0092B-C50C-407E-A947-70E740481C1C}">
-                <a14:useLocalDpi xmlns:a14="http://schemas.microsoft.com/office/drawing/2010/main"/>
-              </a:ext>
-            </a:extLst>
-          </a:blip>
-          <a:stretch>
-            <a:fillRect/>
-          </a:stretch>
-        </p:blipFill>
-        <p:spPr>
-          <a:xfrm rot="0">
-            <a:off x="6829425" y="1456690"/>
-            <a:ext cx="4134485" cy="3820795"/>
-          </a:xfrm>
-          <a:prstGeom prst="roundRect"/>
-          <a:solidFill>
-            <a:srgbClr val="EDEDED"/>
-          </a:solidFill>
-        </p:spPr>
-      </p:pic>
-      <p:sp>
-        <p:nvSpPr>
-          <p:cNvPr id="51" name="텍스트 상자 50"/>
-          <p:cNvSpPr txBox="1">
-            <a:spLocks/>
-          </p:cNvSpPr>
-          <p:nvPr/>
-        </p:nvSpPr>
-        <p:spPr>
-          <a:xfrm rot="0">
-            <a:off x="1250315" y="2708910"/>
-            <a:ext cx="4109085" cy="954405"/>
-          </a:xfrm>
-          <a:prstGeom prst="rect"/>
-          <a:noFill/>
-          <a:ln w="0">
-            <a:noFill/>
-            <a:prstDash/>
-          </a:ln>
-        </p:spPr>
-        <p:txBody>
-          <a:bodyPr wrap="square" lIns="89535" tIns="46355" rIns="89535" bIns="46355" numCol="1" vert="horz" anchor="t">
-            <a:spAutoFit/>
-          </a:bodyPr>
-          <a:lstStyle/>
-          <a:p>
-            <a:pPr marL="0" indent="0" rtl="0" algn="l" defTabSz="914400" eaLnBrk="1" latinLnBrk="0" hangingPunct="1">
-              <a:buFontTx/>
-              <a:buNone/>
-            </a:pPr>
-            <a:r>
-              <a:rPr lang="ko-KR" sz="2000" b="1">
-                <a:solidFill>
-                  <a:srgbClr val="0611F2"/>
-                </a:solidFill>
-                <a:latin typeface="맑은 고딕" charset="0"/>
-                <a:ea typeface="맑은 고딕" charset="0"/>
-              </a:rPr>
-              <a:t>2</a:t>
-            </a:r>
-            <a:r>
-              <a:rPr lang="ko-KR" sz="2000" b="1">
-                <a:solidFill>
-                  <a:srgbClr val="0611F2"/>
-                </a:solidFill>
-                <a:latin typeface="맑은 고딕" charset="0"/>
-                <a:ea typeface="맑은 고딕" charset="0"/>
-              </a:rPr>
-              <a:t>4</a:t>
-            </a:r>
-            <a:r>
-              <a:rPr sz="2000" b="1">
-                <a:solidFill>
-                  <a:srgbClr val="0611F2"/>
-                </a:solidFill>
-                <a:latin typeface="맑은 고딕" charset="0"/>
-                <a:ea typeface="맑은 고딕" charset="0"/>
-              </a:rPr>
-              <a:t>. </a:t>
-            </a:r>
-            <a:r>
-              <a:rPr lang="ko-KR" sz="1800">
-                <a:latin typeface="맑은 고딕" charset="0"/>
-                <a:ea typeface="맑은 고딕" charset="0"/>
-              </a:rPr>
-              <a:t>이제 Trigger의 충돌이 끝났을 때</a:t>
-            </a:r>
-            <a:r>
-              <a:rPr lang="ko-KR" sz="1800">
-                <a:latin typeface="맑은 고딕" charset="0"/>
-                <a:ea typeface="맑은 고딕" charset="0"/>
-              </a:rPr>
-              <a:t> Video Play</a:t>
-            </a:r>
-            <a:r>
-              <a:rPr lang="ko-KR" sz="1800">
-                <a:latin typeface="맑은 고딕" charset="0"/>
-                <a:ea typeface="맑은 고딕" charset="0"/>
-              </a:rPr>
-              <a:t>er를 정지하고 MeshFilter의 mesh를 mesh[1]로 변경합니다.</a:t>
-            </a:r>
-            <a:endParaRPr lang="ko-KR" altLang="en-US" sz="1800">
-              <a:latin typeface="맑은 고딕" charset="0"/>
-              <a:ea typeface="맑은 고딕" charset="0"/>
-            </a:endParaRPr>
-          </a:p>
-        </p:txBody>
-      </p:sp>
-      <p:pic>
-        <p:nvPicPr>
-          <p:cNvPr id="52" name="그림 78" descr="C:/Users/Admin1/AppData/Roaming/PolarisOffice/ETemp/22400_7929080/fImage258771903281.png"/>
-          <p:cNvPicPr>
-            <a:picLocks noChangeAspect="1"/>
-          </p:cNvPicPr>
-          <p:nvPr/>
-        </p:nvPicPr>
-        <p:blipFill rotWithShape="1">
-          <a:blip r:embed="rId5" cstate="print">
-            <a:extLst>
-              <a:ext uri="{28A0092B-C50C-407E-A947-70E740481C1C}">
-                <a14:useLocalDpi xmlns:a14="http://schemas.microsoft.com/office/drawing/2010/main" val="0"/>
-              </a:ext>
-            </a:extLst>
-          </a:blip>
-          <a:stretch>
-            <a:fillRect/>
-          </a:stretch>
-        </p:blipFill>
-        <p:spPr>
-          <a:xfrm rot="0">
-            <a:off x="1247775" y="1457325"/>
-            <a:ext cx="4105910" cy="1181735"/>
-          </a:xfrm>
-          <a:prstGeom prst="roundRect"/>
-          <a:solidFill>
-            <a:srgbClr val="EDEDED"/>
-          </a:solidFill>
-        </p:spPr>
-      </p:pic>
-      <p:sp>
-        <p:nvSpPr>
-          <p:cNvPr id="53" name="텍스트 상자 81"/>
-          <p:cNvSpPr txBox="1">
-            <a:spLocks/>
-          </p:cNvSpPr>
-          <p:nvPr/>
-        </p:nvSpPr>
-        <p:spPr>
-          <a:xfrm rot="0">
-            <a:off x="1238250" y="4897120"/>
-            <a:ext cx="4115435" cy="1231265"/>
-          </a:xfrm>
-          <a:prstGeom prst="rect"/>
-          <a:noFill/>
-          <a:ln w="0">
-            <a:noFill/>
-            <a:prstDash/>
-          </a:ln>
-        </p:spPr>
-        <p:txBody>
-          <a:bodyPr wrap="square" lIns="89535" tIns="46355" rIns="89535" bIns="46355" numCol="1" vert="horz" anchor="t">
-            <a:spAutoFit/>
-          </a:bodyPr>
-          <a:lstStyle/>
-          <a:p>
-            <a:pPr marL="0" indent="0" rtl="0" algn="l" defTabSz="914400" eaLnBrk="1" latinLnBrk="0" hangingPunct="1">
-              <a:buFontTx/>
-              <a:buNone/>
-            </a:pPr>
-            <a:r>
-              <a:rPr lang="ko-KR" sz="2000" b="1">
-                <a:solidFill>
-                  <a:srgbClr val="0611F2"/>
-                </a:solidFill>
-                <a:latin typeface="맑은 고딕" charset="0"/>
-                <a:ea typeface="맑은 고딕" charset="0"/>
-              </a:rPr>
-              <a:t>2</a:t>
-            </a:r>
-            <a:r>
-              <a:rPr lang="ko-KR" sz="2000" b="1">
-                <a:solidFill>
-                  <a:srgbClr val="0611F2"/>
-                </a:solidFill>
-                <a:latin typeface="맑은 고딕" charset="0"/>
-                <a:ea typeface="맑은 고딕" charset="0"/>
-              </a:rPr>
-              <a:t>5</a:t>
-            </a:r>
-            <a:r>
-              <a:rPr sz="2000" b="1">
-                <a:solidFill>
-                  <a:srgbClr val="0611F2"/>
-                </a:solidFill>
-                <a:latin typeface="맑은 고딕" charset="0"/>
-                <a:ea typeface="맑은 고딕" charset="0"/>
-              </a:rPr>
-              <a:t>. </a:t>
-            </a:r>
-            <a:r>
-              <a:rPr lang="ko-KR" sz="1800">
-                <a:latin typeface="맑은 고딕" charset="0"/>
-                <a:ea typeface="맑은 고딕" charset="0"/>
-              </a:rPr>
-              <a:t>그런 다음 Project 폴더에 </a:t>
-            </a:r>
-            <a:r>
-              <a:rPr lang="ko-KR" sz="1800">
-                <a:latin typeface="맑은 고딕" charset="0"/>
-                <a:ea typeface="맑은 고딕" charset="0"/>
-              </a:rPr>
-              <a:t>아래에 </a:t>
-            </a:r>
-            <a:r>
-              <a:rPr lang="ko-KR" sz="1800">
-                <a:latin typeface="맑은 고딕" charset="0"/>
-                <a:ea typeface="맑은 고딕" charset="0"/>
-              </a:rPr>
-              <a:t>있는 Texture 폴더에 Steel 텍스처를 선택하고 Character</a:t>
-            </a:r>
-            <a:r>
-              <a:rPr lang="ko-KR" sz="1800">
-                <a:latin typeface="맑은 고딕" charset="0"/>
-                <a:ea typeface="맑은 고딕" charset="0"/>
-              </a:rPr>
-              <a:t> </a:t>
-            </a:r>
-            <a:r>
-              <a:rPr lang="ko-KR" sz="1800">
-                <a:latin typeface="맑은 고딕" charset="0"/>
-                <a:ea typeface="맑은 고딕" charset="0"/>
-              </a:rPr>
-              <a:t>오브젝트에 넣어줍니다.</a:t>
-            </a:r>
-            <a:endParaRPr lang="ko-KR" altLang="en-US" sz="1800">
-              <a:latin typeface="맑은 고딕" charset="0"/>
-              <a:ea typeface="맑은 고딕" charset="0"/>
-            </a:endParaRPr>
-          </a:p>
-        </p:txBody>
-      </p:sp>
-      <p:pic>
-        <p:nvPicPr>
-          <p:cNvPr id="54" name="그림 82" descr="C:/Users/Admin1/AppData/Roaming/PolarisOffice/ETemp/22400_7929080/fImage232751978467.png"/>
-          <p:cNvPicPr>
-            <a:picLocks noChangeAspect="1"/>
-          </p:cNvPicPr>
-          <p:nvPr/>
-        </p:nvPicPr>
-        <p:blipFill rotWithShape="1">
-          <a:blip r:embed="rId6" cstate="hqprint">
-            <a:extLst>
-              <a:ext uri="{28A0092B-C50C-407E-A947-70E740481C1C}">
-                <a14:useLocalDpi xmlns:a14="http://schemas.microsoft.com/office/drawing/2010/main"/>
-              </a:ext>
-            </a:extLst>
-          </a:blip>
-          <a:stretch>
-            <a:fillRect/>
-          </a:stretch>
-        </p:blipFill>
-        <p:spPr>
-          <a:xfrm rot="0">
-            <a:off x="2628900" y="3825875"/>
-            <a:ext cx="2724785" cy="984885"/>
-          </a:xfrm>
-          <a:prstGeom prst="roundRect"/>
-          <a:solidFill>
-            <a:srgbClr val="EDEDED"/>
-          </a:solidFill>
-        </p:spPr>
-      </p:pic>
-      <p:pic>
-        <p:nvPicPr>
-          <p:cNvPr id="55" name="그림 83" descr="C:/Users/Admin1/AppData/Roaming/PolarisOffice/ETemp/22400_7929080/fImage53591986334.png"/>
-          <p:cNvPicPr>
-            <a:picLocks noChangeAspect="1"/>
-          </p:cNvPicPr>
-          <p:nvPr/>
-        </p:nvPicPr>
-        <p:blipFill rotWithShape="1">
-          <a:blip r:embed="rId7" cstate="hqprint">
-            <a:extLst>
-              <a:ext uri="{28A0092B-C50C-407E-A947-70E740481C1C}">
-                <a14:useLocalDpi xmlns:a14="http://schemas.microsoft.com/office/drawing/2010/main"/>
-              </a:ext>
-            </a:extLst>
-          </a:blip>
-          <a:stretch>
-            <a:fillRect/>
-          </a:stretch>
-        </p:blipFill>
-        <p:spPr>
-          <a:xfrm rot="0">
-            <a:off x="1237615" y="3812540"/>
-            <a:ext cx="1268095" cy="987425"/>
-          </a:xfrm>
-          <a:prstGeom prst="roundRect"/>
-          <a:solidFill>
-            <a:srgbClr val="EDEDED"/>
-          </a:solidFill>
-        </p:spPr>
-      </p:pic>
-      <p:cxnSp>
-        <p:nvCxnSpPr>
-          <p:cNvPr id="56" name="도형 84"/>
-          <p:cNvCxnSpPr/>
-          <p:nvPr/>
-        </p:nvCxnSpPr>
-        <p:spPr>
-          <a:xfrm rot="0" flipH="1" flipV="1">
-            <a:off x="2124075" y="4400550"/>
-            <a:ext cx="1543685" cy="10160"/>
-          </a:xfrm>
-          <a:prstGeom prst="straightConnector1"/>
-          <a:ln w="6350" cap="flat" cmpd="sng">
-            <a:prstDash/>
-            <a:tailEnd type="triangle" w="med" len="med"/>
-          </a:ln>
-        </p:spPr>
-        <p:style>
-          <a:lnRef idx="1">
-            <a:schemeClr val="accent1"/>
-          </a:lnRef>
-          <a:fillRef idx="0">
-            <a:schemeClr val="accent1"/>
-          </a:fillRef>
-          <a:effectRef idx="0">
-            <a:schemeClr val="accent1"/>
-          </a:effectRef>
-          <a:fontRef idx="minor">
-            <a:schemeClr val="tx1"/>
-          </a:fontRef>
-        </p:style>
-      </p:cxnSp>
     </p:spTree>
   </p:cSld>
   <p:clrMapOvr>
@@ -6692,7 +6223,7 @@
       </p:sp>
       <p:pic>
         <p:nvPicPr>
-          <p:cNvPr id="56" name="그림 11" descr="C:/Users/Admin1/AppData/Roaming/PolarisOffice/ETemp/22400_7929080/fImage415872006500.png"/>
+          <p:cNvPr id="56" name="그림 11" descr="C:/Users/Admin1/AppData/Roaming/PolarisOffice/ETemp/7096_10494752/fImage415872006500.png"/>
           <p:cNvPicPr>
             <a:picLocks noChangeAspect="1"/>
           </p:cNvPicPr>
@@ -6712,13 +6243,11 @@
         </p:blipFill>
         <p:spPr>
           <a:xfrm rot="0">
-            <a:off x="6817995" y="1413510"/>
-            <a:ext cx="4126865" cy="3921760"/>
-          </a:xfrm>
-          <a:prstGeom prst="roundRect"/>
-          <a:solidFill>
-            <a:srgbClr val="EDEDED"/>
-          </a:solidFill>
+            <a:off x="6816725" y="1413510"/>
+            <a:ext cx="4140835" cy="3922395"/>
+          </a:xfrm>
+          <a:prstGeom prst="rect"/>
+          <a:noFill/>
         </p:spPr>
       </p:pic>
     </p:spTree>
@@ -7874,8 +7403,8 @@
         </p:nvSpPr>
         <p:spPr>
           <a:xfrm rot="0">
-            <a:off x="1238250" y="5420995"/>
-            <a:ext cx="4134485" cy="677545"/>
+            <a:off x="1238250" y="5154930"/>
+            <a:ext cx="4135120" cy="954405"/>
           </a:xfrm>
           <a:prstGeom prst="rect"/>
           <a:noFill/>
@@ -7926,7 +7455,28 @@
                 <a:latin typeface="맑은 고딕" charset="0"/>
                 <a:ea typeface="맑은 고딕" charset="0"/>
               </a:rPr>
-              <a:t> 3D Object에서 Plane이라는 게임 오브젝트를 생성합니다.</a:t>
+              <a:t> 3D Object에서 Plane</a:t>
+            </a:r>
+            <a:r>
+              <a:rPr lang="ko-KR" sz="1800">
+                <a:latin typeface="맑은 고딕" charset="0"/>
+                <a:ea typeface="맑은 고딕" charset="0"/>
+              </a:rPr>
+              <a:t> </a:t>
+            </a:r>
+            <a:r>
+              <a:rPr lang="ko-KR" sz="1800">
+                <a:latin typeface="맑은 고딕" charset="0"/>
+                <a:ea typeface="맑은 고딕" charset="0"/>
+              </a:rPr>
+              <a:t>게임 오브젝트를 생성</a:t>
+            </a:r>
+            <a:r>
+              <a:rPr lang="ko-KR" sz="1800">
+                <a:latin typeface="맑은 고딕" charset="0"/>
+                <a:ea typeface="맑은 고딕" charset="0"/>
+              </a:rPr>
+              <a:t>한 다음 Snowy Land라는 이름으로 정의합니다.</a:t>
             </a:r>
             <a:endParaRPr lang="ko-KR" altLang="en-US" sz="1800">
               <a:latin typeface="맑은 고딕" charset="0"/>
@@ -7937,7 +7487,7 @@
       </p:sp>
       <p:pic>
         <p:nvPicPr>
-          <p:cNvPr id="21" name="그림 19" descr="C:/Users/Admin1/AppData/Roaming/PolarisOffice/ETemp/22400_7929080/fImage159531911478.png"/>
+          <p:cNvPr id="21" name="그림 19" descr="C:/Users/Admin1/AppData/Roaming/PolarisOffice/ETemp/7096_10494752/fImage159531911478.png"/>
           <p:cNvPicPr>
             <a:picLocks noChangeAspect="1"/>
           </p:cNvPicPr>
@@ -7957,70 +7507,8 @@
         </p:blipFill>
         <p:spPr>
           <a:xfrm rot="0">
-            <a:off x="1238885" y="1446530"/>
-            <a:ext cx="2644140" cy="3792855"/>
-          </a:xfrm>
-          <a:prstGeom prst="roundRect"/>
-          <a:solidFill>
-            <a:srgbClr val="EDEDED"/>
-          </a:solidFill>
-        </p:spPr>
-      </p:pic>
-      <p:pic>
-        <p:nvPicPr>
-          <p:cNvPr id="25" name="그림 4" descr="C:/Users/Admin1/AppData/Roaming/PolarisOffice/ETemp/22400_7929080/fImage47631018467.png"/>
-          <p:cNvPicPr>
-            <a:picLocks noChangeAspect="1"/>
-          </p:cNvPicPr>
-          <p:nvPr/>
-        </p:nvPicPr>
-        <p:blipFill rotWithShape="1">
-          <a:blip r:embed="rId6" cstate="hqprint">
-            <a:extLst>
-              <a:ext uri="{28A0092B-C50C-407E-A947-70E740481C1C}">
-                <a14:useLocalDpi xmlns:a14="http://schemas.microsoft.com/office/drawing/2010/main"/>
-              </a:ext>
-            </a:extLst>
-          </a:blip>
-          <a:stretch>
-            <a:fillRect/>
-          </a:stretch>
-        </p:blipFill>
-        <p:spPr>
-          <a:xfrm rot="0">
-            <a:off x="4057015" y="2427605"/>
-            <a:ext cx="1315085" cy="1829435"/>
-          </a:xfrm>
-          <a:prstGeom prst="roundRect"/>
-          <a:solidFill>
-            <a:srgbClr val="EDEDED"/>
-          </a:solidFill>
-        </p:spPr>
-      </p:pic>
-      <p:pic>
-        <p:nvPicPr>
-          <p:cNvPr id="26" name="그림 7" descr="C:/Users/Admin1/AppData/Roaming/PolarisOffice/ETemp/22400_7929080/fImage112671528467.png"/>
-          <p:cNvPicPr>
-            <a:picLocks noChangeAspect="1"/>
-          </p:cNvPicPr>
-          <p:nvPr/>
-        </p:nvPicPr>
-        <p:blipFill rotWithShape="1">
-          <a:blip r:embed="rId7" cstate="print">
-            <a:extLst>
-              <a:ext uri="{28A0092B-C50C-407E-A947-70E740481C1C}">
-                <a14:useLocalDpi xmlns:a14="http://schemas.microsoft.com/office/drawing/2010/main" val="0"/>
-              </a:ext>
-            </a:extLst>
-          </a:blip>
-          <a:stretch>
-            <a:fillRect/>
-          </a:stretch>
-        </p:blipFill>
-        <p:spPr>
-          <a:xfrm rot="0">
-            <a:off x="6816725" y="1438275"/>
-            <a:ext cx="4149090" cy="1421765"/>
+            <a:off x="1205865" y="1438275"/>
+            <a:ext cx="2644775" cy="3558540"/>
           </a:xfrm>
           <a:prstGeom prst="roundRect"/>
           <a:solidFill>
@@ -8118,7 +7606,7 @@
       </p:sp>
       <p:pic>
         <p:nvPicPr>
-          <p:cNvPr id="28" name="그림 11" descr="C:/Users/Admin1/AppData/Roaming/PolarisOffice/ETemp/22400_7929080/fImage107461049169.png"/>
+          <p:cNvPr id="28" name="그림 11"/>
           <p:cNvPicPr>
             <a:picLocks noChangeAspect="1"/>
           </p:cNvPicPr>
@@ -8235,6 +7723,68 @@
           </a:p>
         </p:txBody>
       </p:sp>
+      <p:pic>
+        <p:nvPicPr>
+          <p:cNvPr id="30" name="그림 1" descr="C:/Users/Admin1/AppData/Roaming/PolarisOffice/ETemp/7096_10494752/fImage509414241.png"/>
+          <p:cNvPicPr>
+            <a:picLocks noChangeAspect="1"/>
+          </p:cNvPicPr>
+          <p:nvPr/>
+        </p:nvPicPr>
+        <p:blipFill rotWithShape="1">
+          <a:blip r:embed="rId9" cstate="print">
+            <a:extLst>
+              <a:ext uri="{28A0092B-C50C-407E-A947-70E740481C1C}">
+                <a14:useLocalDpi xmlns:a14="http://schemas.microsoft.com/office/drawing/2010/main" val="0"/>
+              </a:ext>
+            </a:extLst>
+          </a:blip>
+          <a:stretch>
+            <a:fillRect/>
+          </a:stretch>
+        </p:blipFill>
+        <p:spPr>
+          <a:xfrm rot="0">
+            <a:off x="4082415" y="2327910"/>
+            <a:ext cx="1288415" cy="1795780"/>
+          </a:xfrm>
+          <a:prstGeom prst="roundRect"/>
+          <a:solidFill>
+            <a:srgbClr val="EDEDED"/>
+          </a:solidFill>
+        </p:spPr>
+      </p:pic>
+      <p:pic>
+        <p:nvPicPr>
+          <p:cNvPr id="31" name="그림 4" descr="C:/Users/Admin1/AppData/Roaming/PolarisOffice/ETemp/7096_10494752/fImage116491438467.png"/>
+          <p:cNvPicPr>
+            <a:picLocks noChangeAspect="1"/>
+          </p:cNvPicPr>
+          <p:nvPr/>
+        </p:nvPicPr>
+        <p:blipFill rotWithShape="1">
+          <a:blip r:embed="rId10" cstate="print">
+            <a:extLst>
+              <a:ext uri="{28A0092B-C50C-407E-A947-70E740481C1C}">
+                <a14:useLocalDpi xmlns:a14="http://schemas.microsoft.com/office/drawing/2010/main" val="0"/>
+              </a:ext>
+            </a:extLst>
+          </a:blip>
+          <a:stretch>
+            <a:fillRect/>
+          </a:stretch>
+        </p:blipFill>
+        <p:spPr>
+          <a:xfrm rot="0">
+            <a:off x="6814185" y="1430020"/>
+            <a:ext cx="4151630" cy="1433830"/>
+          </a:xfrm>
+          <a:prstGeom prst="roundRect"/>
+          <a:solidFill>
+            <a:srgbClr val="EDEDED"/>
+          </a:solidFill>
+        </p:spPr>
+      </p:pic>
     </p:spTree>
   </p:cSld>
   <p:clrMapOvr>
@@ -8433,8 +7983,8 @@
         </p:nvSpPr>
         <p:spPr>
           <a:xfrm rot="0">
-            <a:off x="6851650" y="2607310"/>
-            <a:ext cx="4105910" cy="1231265"/>
+            <a:off x="6851650" y="2790190"/>
+            <a:ext cx="4105910" cy="954405"/>
           </a:xfrm>
           <a:prstGeom prst="rect"/>
           <a:noFill/>
@@ -8488,28 +8038,35 @@
                 <a:latin typeface="맑은 고딕" charset="0"/>
                 <a:ea typeface="맑은 고딕" charset="0"/>
               </a:rPr>
-              <a:t>그러고 나서</a:t>
+              <a:t>그러고 나서 Project 폴더 아래에  있는</a:t>
             </a:r>
             <a:r>
               <a:rPr lang="ko-KR" sz="1800">
                 <a:latin typeface="맑은 고딕" charset="0"/>
                 <a:ea typeface="맑은 고딕" charset="0"/>
               </a:rPr>
-              <a:t> Project 폴더</a:t>
+              <a:t> Model</a:t>
             </a:r>
             <a:r>
               <a:rPr lang="ko-KR" sz="1800">
                 <a:latin typeface="맑은 고딕" charset="0"/>
                 <a:ea typeface="맑은 고딕" charset="0"/>
               </a:rPr>
-              <a:t> 아래에 </a:t>
+              <a:t> 폴더에</a:t>
             </a:r>
             <a:r>
               <a:rPr lang="ko-KR" sz="1800">
                 <a:latin typeface="맑은 고딕" charset="0"/>
                 <a:ea typeface="맑은 고딕" charset="0"/>
               </a:rPr>
-              <a:t> 있는 Video 폴더에 MotoCycle 비디오를 Obstacle 오브젝트에 넣어줍니다.</a:t>
+              <a:t> Box001 메쉬</a:t>
+            </a:r>
+            <a:r>
+              <a:rPr lang="ko-KR" sz="1800">
+                <a:latin typeface="맑은 고딕" charset="0"/>
+                <a:ea typeface="맑은 고딕" charset="0"/>
+              </a:rPr>
+              <a:t>를 Obstacle 오브젝트에 넣어줍니다.</a:t>
             </a:r>
             <a:endParaRPr lang="ko-KR" altLang="en-US" sz="1800">
               <a:latin typeface="맑은 고딕" charset="0"/>
@@ -8520,7 +8077,7 @@
       </p:sp>
       <p:pic>
         <p:nvPicPr>
-          <p:cNvPr id="21" name="그림 32" descr="C:/Users/Admin1/AppData/Roaming/PolarisOffice/ETemp/22400_7929080/fImage161052045705.png"/>
+          <p:cNvPr id="21" name="그림 32" descr="C:/Users/Admin1/AppData/Roaming/PolarisOffice/ETemp/7096_10494752/fImage161052045705.png"/>
           <p:cNvPicPr>
             <a:picLocks noChangeAspect="1"/>
           </p:cNvPicPr>
@@ -8540,8 +8097,8 @@
         </p:blipFill>
         <p:spPr>
           <a:xfrm rot="0">
-            <a:off x="1263650" y="1446530"/>
-            <a:ext cx="2536190" cy="3558540"/>
+            <a:off x="1263650" y="1454785"/>
+            <a:ext cx="2536825" cy="3550920"/>
           </a:xfrm>
           <a:prstGeom prst="roundRect"/>
           <a:solidFill>
@@ -8549,19 +8106,97 @@
           </a:solidFill>
         </p:spPr>
       </p:pic>
+      <p:sp>
+        <p:nvSpPr>
+          <p:cNvPr id="32" name="텍스트 상자 14"/>
+          <p:cNvSpPr txBox="1">
+            <a:spLocks/>
+          </p:cNvSpPr>
+          <p:nvPr/>
+        </p:nvSpPr>
+        <p:spPr>
+          <a:xfrm rot="0">
+            <a:off x="6858000" y="5488305"/>
+            <a:ext cx="4107815" cy="677545"/>
+          </a:xfrm>
+          <a:prstGeom prst="rect"/>
+          <a:noFill/>
+          <a:ln w="0">
+            <a:noFill/>
+            <a:prstDash/>
+          </a:ln>
+        </p:spPr>
+        <p:txBody>
+          <a:bodyPr wrap="square" lIns="89535" tIns="46355" rIns="89535" bIns="46355" numCol="1" vert="horz" anchor="t">
+            <a:spAutoFit/>
+          </a:bodyPr>
+          <a:lstStyle/>
+          <a:p>
+            <a:pPr marL="0" indent="0" rtl="0" algn="l" defTabSz="914400" eaLnBrk="1" latinLnBrk="0" hangingPunct="1">
+              <a:buFontTx/>
+              <a:buNone/>
+            </a:pPr>
+            <a:r>
+              <a:rPr lang="ko-KR" sz="2000" b="1">
+                <a:solidFill>
+                  <a:srgbClr val="0611F2"/>
+                </a:solidFill>
+                <a:latin typeface="맑은 고딕" charset="0"/>
+                <a:ea typeface="맑은 고딕" charset="0"/>
+              </a:rPr>
+              <a:t>9</a:t>
+            </a:r>
+            <a:r>
+              <a:rPr sz="2000" b="1">
+                <a:solidFill>
+                  <a:srgbClr val="0611F2"/>
+                </a:solidFill>
+                <a:latin typeface="맑은 고딕" charset="0"/>
+                <a:ea typeface="맑은 고딕" charset="0"/>
+              </a:rPr>
+              <a:t>. </a:t>
+            </a:r>
+            <a:r>
+              <a:rPr lang="ko-KR" sz="1800">
+                <a:latin typeface="맑은 고딕" charset="0"/>
+                <a:ea typeface="맑은 고딕" charset="0"/>
+              </a:rPr>
+              <a:t>이제 Obstacle 오브젝트의 위치</a:t>
+            </a:r>
+            <a:r>
+              <a:rPr lang="ko-KR" sz="1800">
+                <a:latin typeface="맑은 고딕" charset="0"/>
+                <a:ea typeface="맑은 고딕" charset="0"/>
+              </a:rPr>
+              <a:t>와 회전 그리고 크기 값을</a:t>
+            </a:r>
+            <a:r>
+              <a:rPr lang="ko-KR" sz="1800">
+                <a:latin typeface="맑은 고딕" charset="0"/>
+                <a:ea typeface="맑은 고딕" charset="0"/>
+              </a:rPr>
+              <a:t> 설정합니다.</a:t>
+            </a:r>
+            <a:endParaRPr lang="ko-KR" altLang="en-US" sz="1800">
+              <a:latin typeface="맑은 고딕" charset="0"/>
+              <a:ea typeface="맑은 고딕" charset="0"/>
+            </a:endParaRPr>
+          </a:p>
+        </p:txBody>
+      </p:sp>
       <p:pic>
         <p:nvPicPr>
-          <p:cNvPr id="25" name="그림 19" descr="C:/Users/Admin1/AppData/Roaming/PolarisOffice/ETemp/22400_7929080/fImage972210841.png"/>
+          <p:cNvPr id="33" name="그림 7" descr="C:/Users/Admin1/AppData/Roaming/PolarisOffice/ETemp/7096_10494752/fImage82731446334.png"/>
           <p:cNvPicPr>
             <a:picLocks noChangeAspect="1"/>
           </p:cNvPicPr>
           <p:nvPr/>
         </p:nvPicPr>
         <p:blipFill rotWithShape="1">
-          <a:blip r:embed="rId8" cstate="hqprint">
+          <a:blip r:embed="rId13" cstate="print">
             <a:extLst>
               <a:ext uri="{28A0092B-C50C-407E-A947-70E740481C1C}">
-                <a14:useLocalDpi xmlns:a14="http://schemas.microsoft.com/office/drawing/2010/main"/>
+                <a14:useLocalDpi xmlns:a14="http://schemas.microsoft.com/office/drawing/2010/main" val="0"/>
               </a:ext>
             </a:extLst>
           </a:blip>
@@ -8571,8 +8206,8 @@
         </p:blipFill>
         <p:spPr>
           <a:xfrm rot="0">
-            <a:off x="8279765" y="1438275"/>
-            <a:ext cx="2670810" cy="1039495"/>
+            <a:off x="8213090" y="1454785"/>
+            <a:ext cx="2744470" cy="1247775"/>
           </a:xfrm>
           <a:prstGeom prst="roundRect"/>
           <a:solidFill>
@@ -8582,17 +8217,17 @@
       </p:pic>
       <p:pic>
         <p:nvPicPr>
-          <p:cNvPr id="26" name="그림 11" descr="C:/Users/Admin1/AppData/Roaming/PolarisOffice/ETemp/22400_7929080/fImage53461026334.png"/>
+          <p:cNvPr id="34" name="그림 10" descr="C:/Users/Admin1/AppData/Roaming/PolarisOffice/ETemp/7096_10494752/fImage56851456500.png"/>
           <p:cNvPicPr>
             <a:picLocks noChangeAspect="1"/>
           </p:cNvPicPr>
           <p:nvPr/>
         </p:nvPicPr>
         <p:blipFill rotWithShape="1">
-          <a:blip r:embed="rId9" cstate="hqprint">
+          <a:blip r:embed="rId14" cstate="print">
             <a:extLst>
               <a:ext uri="{28A0092B-C50C-407E-A947-70E740481C1C}">
-                <a14:useLocalDpi xmlns:a14="http://schemas.microsoft.com/office/drawing/2010/main"/>
+                <a14:useLocalDpi xmlns:a14="http://schemas.microsoft.com/office/drawing/2010/main" val="0"/>
               </a:ext>
             </a:extLst>
           </a:blip>
@@ -8602,8 +8237,8 @@
         </p:blipFill>
         <p:spPr>
           <a:xfrm rot="0">
-            <a:off x="3998595" y="2251710"/>
-            <a:ext cx="1380490" cy="1938020"/>
+            <a:off x="4000500" y="2303145"/>
+            <a:ext cx="1378585" cy="1870710"/>
           </a:xfrm>
           <a:prstGeom prst="roundRect"/>
           <a:solidFill>
@@ -8613,17 +8248,17 @@
       </p:pic>
       <p:pic>
         <p:nvPicPr>
-          <p:cNvPr id="27" name="그림 14" descr="C:/Users/Admin1/AppData/Roaming/PolarisOffice/ETemp/22400_7929080/fImage53461036500.png"/>
+          <p:cNvPr id="35" name="그림 13" descr="C:/Users/Admin1/AppData/Roaming/PolarisOffice/ETemp/7096_10494752/fImage56851469169.png"/>
           <p:cNvPicPr>
             <a:picLocks noChangeAspect="1"/>
           </p:cNvPicPr>
           <p:nvPr/>
         </p:nvPicPr>
         <p:blipFill rotWithShape="1">
-          <a:blip r:embed="rId10" cstate="hqprint">
+          <a:blip r:embed="rId15" cstate="print">
             <a:extLst>
               <a:ext uri="{28A0092B-C50C-407E-A947-70E740481C1C}">
-                <a14:useLocalDpi xmlns:a14="http://schemas.microsoft.com/office/drawing/2010/main"/>
+                <a14:useLocalDpi xmlns:a14="http://schemas.microsoft.com/office/drawing/2010/main" val="0"/>
               </a:ext>
             </a:extLst>
           </a:blip>
@@ -8633,8 +8268,8 @@
         </p:blipFill>
         <p:spPr>
           <a:xfrm rot="0">
-            <a:off x="6841490" y="1446530"/>
-            <a:ext cx="1306830" cy="1029335"/>
+            <a:off x="6848475" y="1460500"/>
+            <a:ext cx="1240790" cy="1240790"/>
           </a:xfrm>
           <a:prstGeom prst="roundRect"/>
           <a:solidFill>
@@ -8644,14 +8279,14 @@
       </p:pic>
       <p:cxnSp>
         <p:nvCxnSpPr>
-          <p:cNvPr id="30" name="도형 6"/>
+          <p:cNvPr id="36" name="도형 14"/>
           <p:cNvCxnSpPr/>
           <p:nvPr/>
         </p:nvCxnSpPr>
         <p:spPr>
           <a:xfrm rot="0" flipH="1">
-            <a:off x="7706360" y="2053590"/>
-            <a:ext cx="715645" cy="291465"/>
+            <a:off x="7672705" y="2078355"/>
+            <a:ext cx="2336800" cy="499110"/>
           </a:xfrm>
           <a:prstGeom prst="straightConnector1"/>
           <a:ln w="6350" cap="flat" cmpd="sng">
@@ -8677,17 +8312,17 @@
       </p:cxnSp>
       <p:pic>
         <p:nvPicPr>
-          <p:cNvPr id="31" name="그림 13" descr="C:/Users/Admin1/AppData/Roaming/PolarisOffice/ETemp/22400_7929080/fImage106411939169.png"/>
+          <p:cNvPr id="37" name="그림 15" descr="C:/Users/Admin1/AppData/Roaming/PolarisOffice/ETemp/7096_10494752/fImage115041485724.png"/>
           <p:cNvPicPr>
             <a:picLocks noChangeAspect="1"/>
           </p:cNvPicPr>
           <p:nvPr/>
         </p:nvPicPr>
         <p:blipFill rotWithShape="1">
-          <a:blip r:embed="rId12" cstate="hqprint">
+          <a:blip r:embed="rId16" cstate="print">
             <a:extLst>
               <a:ext uri="{28A0092B-C50C-407E-A947-70E740481C1C}">
-                <a14:useLocalDpi xmlns:a14="http://schemas.microsoft.com/office/drawing/2010/main"/>
+                <a14:useLocalDpi xmlns:a14="http://schemas.microsoft.com/office/drawing/2010/main" val="0"/>
               </a:ext>
             </a:extLst>
           </a:blip>
@@ -8697,8 +8332,8 @@
         </p:blipFill>
         <p:spPr>
           <a:xfrm rot="0">
-            <a:off x="6847840" y="3990340"/>
-            <a:ext cx="4109720" cy="1372235"/>
+            <a:off x="6846570" y="3909695"/>
+            <a:ext cx="4110990" cy="1469390"/>
           </a:xfrm>
           <a:prstGeom prst="roundRect"/>
           <a:solidFill>
@@ -8706,91 +8341,6 @@
           </a:solidFill>
         </p:spPr>
       </p:pic>
-      <p:sp>
-        <p:nvSpPr>
-          <p:cNvPr id="32" name="텍스트 상자 14"/>
-          <p:cNvSpPr txBox="1">
-            <a:spLocks/>
-          </p:cNvSpPr>
-          <p:nvPr/>
-        </p:nvSpPr>
-        <p:spPr>
-          <a:xfrm rot="0">
-            <a:off x="6858000" y="5488305"/>
-            <a:ext cx="4099560" cy="677545"/>
-          </a:xfrm>
-          <a:prstGeom prst="rect"/>
-          <a:noFill/>
-          <a:ln w="0">
-            <a:noFill/>
-            <a:prstDash/>
-          </a:ln>
-        </p:spPr>
-        <p:txBody>
-          <a:bodyPr wrap="square" lIns="89535" tIns="46355" rIns="89535" bIns="46355" numCol="1" vert="horz" anchor="t">
-            <a:spAutoFit/>
-          </a:bodyPr>
-          <a:lstStyle/>
-          <a:p>
-            <a:pPr marL="0" indent="0" rtl="0" algn="l" defTabSz="914400" eaLnBrk="1" latinLnBrk="0" hangingPunct="1">
-              <a:buFontTx/>
-              <a:buNone/>
-            </a:pPr>
-            <a:r>
-              <a:rPr lang="ko-KR" sz="2000" b="1">
-                <a:solidFill>
-                  <a:srgbClr val="0611F2"/>
-                </a:solidFill>
-                <a:latin typeface="맑은 고딕" charset="0"/>
-                <a:ea typeface="맑은 고딕" charset="0"/>
-              </a:rPr>
-              <a:t>9</a:t>
-            </a:r>
-            <a:r>
-              <a:rPr sz="2000" b="1">
-                <a:solidFill>
-                  <a:srgbClr val="0611F2"/>
-                </a:solidFill>
-                <a:latin typeface="맑은 고딕" charset="0"/>
-                <a:ea typeface="맑은 고딕" charset="0"/>
-              </a:rPr>
-              <a:t>. </a:t>
-            </a:r>
-            <a:r>
-              <a:rPr lang="ko-KR" sz="1800">
-                <a:latin typeface="맑은 고딕" charset="0"/>
-                <a:ea typeface="맑은 고딕" charset="0"/>
-              </a:rPr>
-              <a:t>이제</a:t>
-            </a:r>
-            <a:r>
-              <a:rPr lang="ko-KR" sz="1800">
-                <a:latin typeface="맑은 고딕" charset="0"/>
-                <a:ea typeface="맑은 고딕" charset="0"/>
-              </a:rPr>
-              <a:t> Obstacle 오브젝트</a:t>
-            </a:r>
-            <a:r>
-              <a:rPr lang="ko-KR" sz="1800">
-                <a:latin typeface="맑은 고딕" charset="0"/>
-                <a:ea typeface="맑은 고딕" charset="0"/>
-              </a:rPr>
-              <a:t>의</a:t>
-            </a:r>
-            <a:r>
-              <a:rPr lang="ko-KR" sz="1800">
-                <a:latin typeface="맑은 고딕" charset="0"/>
-                <a:ea typeface="맑은 고딕" charset="0"/>
-              </a:rPr>
-              <a:t> 위치를 설정합니다.</a:t>
-            </a:r>
-            <a:endParaRPr lang="ko-KR" altLang="en-US" sz="1800">
-              <a:latin typeface="맑은 고딕" charset="0"/>
-              <a:ea typeface="맑은 고딕" charset="0"/>
-            </a:endParaRPr>
-          </a:p>
-        </p:txBody>
-      </p:sp>
     </p:spTree>
   </p:cSld>
   <p:clrMapOvr>
@@ -8900,9 +8450,9 @@
           <p:nvPr/>
         </p:nvSpPr>
         <p:spPr>
-          <a:xfrm rot="0">
+          <a:xfrm>
             <a:off x="1229995" y="4182745"/>
-            <a:ext cx="4142105" cy="2061845"/>
+            <a:ext cx="4142740" cy="2061845"/>
           </a:xfrm>
           <a:prstGeom prst="rect"/>
           <a:noFill/>
@@ -8963,56 +8513,14 @@
                 <a:latin typeface="맑은 고딕" charset="0"/>
                 <a:ea typeface="맑은 고딕" charset="0"/>
               </a:rPr>
-              <a:t>리고</a:t>
+              <a:t>런 다음</a:t>
             </a:r>
             <a:r>
               <a:rPr lang="ko-KR" sz="1800">
                 <a:latin typeface="맑은 고딕" charset="0"/>
                 <a:ea typeface="맑은 고딕" charset="0"/>
               </a:rPr>
-              <a:t> </a:t>
-            </a:r>
-            <a:r>
-              <a:rPr lang="ko-KR" sz="1800">
-                <a:latin typeface="맑은 고딕" charset="0"/>
-                <a:ea typeface="맑은 고딕" charset="0"/>
-              </a:rPr>
-              <a:t>float</a:t>
-            </a:r>
-            <a:r>
-              <a:rPr lang="ko-KR" sz="1800">
-                <a:latin typeface="맑은 고딕" charset="0"/>
-                <a:ea typeface="맑은 고딕" charset="0"/>
-              </a:rPr>
-              <a:t> 변수와 </a:t>
-            </a:r>
-            <a:r>
-              <a:rPr lang="ko-KR" sz="1800">
-                <a:latin typeface="맑은 고딕" charset="0"/>
-                <a:ea typeface="맑은 고딕" charset="0"/>
-              </a:rPr>
-              <a:t>Vector3</a:t>
-            </a:r>
-            <a:r>
-              <a:rPr lang="ko-KR" sz="1800">
-                <a:latin typeface="맑은 고딕" charset="0"/>
-                <a:ea typeface="맑은 고딕" charset="0"/>
-              </a:rPr>
-              <a:t> 변수를 선언한 다음 </a:t>
-            </a:r>
-            <a:r>
-              <a:rPr lang="ko-KR" sz="1800">
-                <a:latin typeface="맑은 고딕" charset="0"/>
-                <a:ea typeface="맑은 고딕" charset="0"/>
-              </a:rPr>
-              <a:t>b</a:t>
-            </a:r>
-            <a:r>
-              <a:rPr lang="ko-KR" sz="1800">
-                <a:latin typeface="맑은 고딕" charset="0"/>
-                <a:ea typeface="맑은 고딕" charset="0"/>
-              </a:rPr>
-              <a:t>oolean 변수를 선언합니다.</a:t>
+              <a:t> float 변수와 Vector3 변수를 선언한 다음 boolean 변수를 선언합니다.</a:t>
             </a:r>
             <a:endParaRPr lang="ko-KR" altLang="en-US" sz="1800">
               <a:latin typeface="맑은 고딕" charset="0"/>
@@ -9039,7 +8547,35 @@
                 <a:latin typeface="맑은 고딕" charset="0"/>
                 <a:ea typeface="맑은 고딕" charset="0"/>
               </a:rPr>
-              <a:t>그런 다음 Rigidbody 변수를 선언하고 Start( ) 함수에서 Rigidbody 컴포넌트를 가져옵니다.</a:t>
+              <a:t>그</a:t>
+            </a:r>
+            <a:r>
+              <a:rPr lang="ko-KR" sz="1800">
+                <a:latin typeface="맑은 고딕" charset="0"/>
+                <a:ea typeface="맑은 고딕" charset="0"/>
+              </a:rPr>
+              <a:t>다</a:t>
+            </a:r>
+            <a:r>
+              <a:rPr lang="ko-KR" sz="1800">
+                <a:latin typeface="맑은 고딕" charset="0"/>
+                <a:ea typeface="맑은 고딕" charset="0"/>
+              </a:rPr>
+              <a:t>음</a:t>
+            </a:r>
+            <a:r>
+              <a:rPr lang="ko-KR" sz="1800">
+                <a:latin typeface="맑은 고딕" charset="0"/>
+                <a:ea typeface="맑은 고딕" charset="0"/>
+              </a:rPr>
+              <a:t>으로</a:t>
+            </a:r>
+            <a:r>
+              <a:rPr lang="ko-KR" sz="1800">
+                <a:latin typeface="맑은 고딕" charset="0"/>
+                <a:ea typeface="맑은 고딕" charset="0"/>
+              </a:rPr>
+              <a:t> Rigidbody 변수를 선언하고 Start( ) 함수에서 Rigidbody 컴포넌트를 가져옵니다.</a:t>
             </a:r>
             <a:endParaRPr lang="ko-KR" altLang="en-US" sz="1800">
               <a:latin typeface="맑은 고딕" charset="0"/>
@@ -9059,7 +8595,7 @@
         <p:spPr>
           <a:xfrm rot="0">
             <a:off x="6831330" y="4180205"/>
-            <a:ext cx="4123055" cy="2061845"/>
+            <a:ext cx="4123690" cy="2061845"/>
           </a:xfrm>
           <a:prstGeom prst="rect"/>
           <a:noFill/>
@@ -9086,7 +8622,17 @@
                 <a:latin typeface="맑은 고딕" charset="0"/>
                 <a:ea typeface="맑은 고딕" charset="0"/>
               </a:rPr>
-              <a:t>1</a:t>
+              <a:t>11</a:t>
+            </a:r>
+            <a:r>
+              <a:rPr sz="2000" b="1">
+                <a:solidFill>
+                  <a:srgbClr val="0611F2"/>
+                </a:solidFill>
+                <a:latin typeface="맑은 고딕" charset="0"/>
+                <a:ea typeface="맑은 고딕" charset="0"/>
+              </a:rPr>
+              <a:t>.</a:t>
             </a:r>
             <a:r>
               <a:rPr lang="ko-KR" sz="2000" b="1">
@@ -9096,26 +8642,6 @@
                 <a:latin typeface="맑은 고딕" charset="0"/>
                 <a:ea typeface="맑은 고딕" charset="0"/>
               </a:rPr>
-              <a:t>1</a:t>
-            </a:r>
-            <a:r>
-              <a:rPr sz="2000" b="1">
-                <a:solidFill>
-                  <a:srgbClr val="0611F2"/>
-                </a:solidFill>
-                <a:latin typeface="맑은 고딕" charset="0"/>
-                <a:ea typeface="맑은 고딕" charset="0"/>
-              </a:rPr>
-              <a:t>.</a:t>
-            </a:r>
-            <a:r>
-              <a:rPr lang="ko-KR" sz="2000" b="1">
-                <a:solidFill>
-                  <a:srgbClr val="0611F2"/>
-                </a:solidFill>
-                <a:latin typeface="맑은 고딕" charset="0"/>
-                <a:ea typeface="맑은 고딕" charset="0"/>
-              </a:rPr>
               <a:t> </a:t>
             </a:r>
             <a:r>
@@ -9123,7 +8649,14 @@
                 <a:latin typeface="맑은 고딕" charset="0"/>
                 <a:ea typeface="맑은 고딕" charset="0"/>
               </a:rPr>
-              <a:t>그다음 Update( ) 함수에서 입력에 대한 정보를 방향 변수에 저장합니다.</a:t>
+              <a:t>그러고 나서</a:t>
+            </a:r>
+            <a:r>
+              <a:rPr lang="ko-KR" sz="1800">
+                <a:latin typeface="맑은 고딕" charset="0"/>
+                <a:ea typeface="맑은 고딕" charset="0"/>
+              </a:rPr>
+              <a:t> Update( ) 함수에서 입력에 대한 정보를 방향 변수에 저장합니다.</a:t>
             </a:r>
             <a:endParaRPr lang="ko-KR" altLang="en-US" sz="1800">
               <a:latin typeface="맑은 고딕" charset="0"/>
@@ -9150,42 +8683,14 @@
                 <a:latin typeface="맑은 고딕" charset="0"/>
                 <a:ea typeface="맑은 고딕" charset="0"/>
               </a:rPr>
-              <a:t>그러고 나서</a:t>
+              <a:t>마지막으로</a:t>
             </a:r>
             <a:r>
               <a:rPr lang="ko-KR" sz="1800">
                 <a:latin typeface="맑은 고딕" charset="0"/>
                 <a:ea typeface="맑은 고딕" charset="0"/>
               </a:rPr>
-              <a:t> Space Bar와 condition이 활성화</a:t>
-            </a:r>
-            <a:r>
-              <a:rPr lang="ko-KR" sz="1800">
-                <a:latin typeface="맑은 고딕" charset="0"/>
-                <a:ea typeface="맑은 고딕" charset="0"/>
-              </a:rPr>
-              <a:t>된</a:t>
-            </a:r>
-            <a:r>
-              <a:rPr lang="ko-KR" sz="1800">
-                <a:latin typeface="맑은 고딕" charset="0"/>
-                <a:ea typeface="맑은 고딕" charset="0"/>
-              </a:rPr>
-              <a:t> 상태이면 AddForce( ) 함수를 호출하도록 </a:t>
-            </a:r>
-            <a:r>
-              <a:rPr lang="ko-KR" sz="1800">
-                <a:latin typeface="맑은 고딕" charset="0"/>
-                <a:ea typeface="맑은 고딕" charset="0"/>
-              </a:rPr>
-              <a:t>정의</a:t>
-            </a:r>
-            <a:r>
-              <a:rPr lang="ko-KR" sz="1800">
-                <a:latin typeface="맑은 고딕" charset="0"/>
-                <a:ea typeface="맑은 고딕" charset="0"/>
-              </a:rPr>
-              <a:t>합니다.</a:t>
+              <a:t> Space Bar와 condition이 활성화된 상태이면 AddForce( ) 함수를 호출하도록 정의합니다.</a:t>
             </a:r>
             <a:endParaRPr lang="ko-KR" altLang="en-US" sz="1800">
               <a:latin typeface="맑은 고딕" charset="0"/>
@@ -9196,7 +8701,7 @@
       </p:sp>
       <p:pic>
         <p:nvPicPr>
-          <p:cNvPr id="24" name="그림 24" descr="C:/Users/Admin1/AppData/Roaming/PolarisOffice/ETemp/22400_7929080/fImage348941616334.png"/>
+          <p:cNvPr id="24" name="그림 24"/>
           <p:cNvPicPr>
             <a:picLocks noChangeAspect="1"/>
           </p:cNvPicPr>
@@ -9227,7 +8732,7 @@
       </p:pic>
       <p:pic>
         <p:nvPicPr>
-          <p:cNvPr id="25" name="그림 29" descr="C:/Users/Admin1/AppData/Roaming/PolarisOffice/ETemp/22400_7929080/fImage461311626500.png"/>
+          <p:cNvPr id="25" name="그림 29"/>
           <p:cNvPicPr>
             <a:picLocks noChangeAspect="1"/>
           </p:cNvPicPr>
@@ -9306,8 +8811,8 @@
         </p:nvSpPr>
         <p:spPr>
           <a:xfrm rot="0">
-            <a:off x="4314825" y="408305"/>
-            <a:ext cx="3567430" cy="554990"/>
+            <a:off x="4314825" y="391795"/>
+            <a:ext cx="3568065" cy="554990"/>
           </a:xfrm>
           <a:prstGeom prst="rect"/>
           <a:noFill/>
@@ -9348,7 +8853,7 @@
       </p:sp>
       <p:sp>
         <p:nvSpPr>
-          <p:cNvPr id="10" name="Rect 0"/>
+          <p:cNvPr id="34" name="Rect 0"/>
           <p:cNvSpPr txBox="1">
             <a:spLocks/>
           </p:cNvSpPr>
@@ -9356,8 +8861,8 @@
         </p:nvSpPr>
         <p:spPr>
           <a:xfrm rot="0">
-            <a:off x="6816090" y="3007995"/>
-            <a:ext cx="4147820" cy="954405"/>
+            <a:off x="1229995" y="2797810"/>
+            <a:ext cx="4140835" cy="954405"/>
           </a:xfrm>
           <a:prstGeom prst="rect"/>
           <a:noFill/>
@@ -9384,7 +8889,7 @@
                 <a:latin typeface="맑은 고딕" charset="0"/>
                 <a:ea typeface="맑은 고딕" charset="0"/>
               </a:rPr>
-              <a:t>13</a:t>
+              <a:t>12</a:t>
             </a:r>
             <a:r>
               <a:rPr sz="2000" b="1">
@@ -9401,21 +8906,35 @@
                 <a:latin typeface="맑은 고딕" charset="0"/>
                 <a:ea typeface="맑은 고딕" charset="0"/>
               </a:rPr>
-              <a:t>그리고 물리적인 충돌이 끝났을 때 게임 오브젝트의 크기와 boolean 변수의 값을</a:t>
+              <a:t>이제 Project 폴더 아래에 있는 Texture 폴더에 </a:t>
             </a:r>
             <a:r>
               <a:rPr lang="ko-KR" sz="1800">
                 <a:latin typeface="맑은 고딕" charset="0"/>
                 <a:ea typeface="맑은 고딕" charset="0"/>
               </a:rPr>
-              <a:t> </a:t>
+              <a:t>Snowy Land</a:t>
             </a:r>
             <a:r>
               <a:rPr lang="ko-KR" sz="1800">
                 <a:latin typeface="맑은 고딕" charset="0"/>
                 <a:ea typeface="맑은 고딕" charset="0"/>
               </a:rPr>
-              <a:t>변경합니다.</a:t>
+              <a:t> 텍스처를 </a:t>
+            </a:r>
+            <a:r>
+              <a:rPr lang="ko-KR" sz="1800">
+                <a:latin typeface="맑은 고딕" charset="0"/>
+                <a:ea typeface="맑은 고딕" charset="0"/>
+              </a:rPr>
+              <a:t>Snowy Land </a:t>
+            </a:r>
+            <a:r>
+              <a:rPr lang="ko-KR" sz="1800">
+                <a:latin typeface="맑은 고딕" charset="0"/>
+                <a:ea typeface="맑은 고딕" charset="0"/>
+              </a:rPr>
+              <a:t>오브젝트에 넣어줍니다.</a:t>
             </a:r>
             <a:endParaRPr lang="ko-KR" altLang="en-US" sz="1800">
               <a:latin typeface="맑은 고딕" charset="0"/>
@@ -9424,216 +8943,19 @@
           </a:p>
         </p:txBody>
       </p:sp>
-      <p:sp>
-        <p:nvSpPr>
-          <p:cNvPr id="34" name="Rect 0"/>
-          <p:cNvSpPr txBox="1">
-            <a:spLocks/>
-          </p:cNvSpPr>
-          <p:nvPr/>
-        </p:nvSpPr>
-        <p:spPr>
-          <a:xfrm rot="0">
-            <a:off x="1229995" y="2863850"/>
-            <a:ext cx="4159885" cy="954405"/>
-          </a:xfrm>
-          <a:prstGeom prst="rect"/>
-          <a:noFill/>
-          <a:ln w="0">
-            <a:noFill/>
-            <a:prstDash/>
-          </a:ln>
-        </p:spPr>
-        <p:txBody>
-          <a:bodyPr wrap="square" lIns="89535" tIns="46355" rIns="89535" bIns="46355" numCol="1" vert="horz" anchor="t">
-            <a:spAutoFit/>
-          </a:bodyPr>
-          <a:lstStyle/>
-          <a:p>
-            <a:pPr marL="0" indent="0" rtl="0" algn="l" defTabSz="914400" eaLnBrk="1" latinLnBrk="0" hangingPunct="1">
-              <a:buFontTx/>
-              <a:buNone/>
-            </a:pPr>
-            <a:r>
-              <a:rPr lang="ko-KR" sz="2000" b="1">
-                <a:solidFill>
-                  <a:srgbClr val="0611F2"/>
-                </a:solidFill>
-                <a:latin typeface="맑은 고딕" charset="0"/>
-                <a:ea typeface="맑은 고딕" charset="0"/>
-              </a:rPr>
-              <a:t>1</a:t>
-            </a:r>
-            <a:r>
-              <a:rPr lang="ko-KR" sz="2000" b="1">
-                <a:solidFill>
-                  <a:srgbClr val="0611F2"/>
-                </a:solidFill>
-                <a:latin typeface="맑은 고딕" charset="0"/>
-                <a:ea typeface="맑은 고딕" charset="0"/>
-              </a:rPr>
-              <a:t>2</a:t>
-            </a:r>
-            <a:r>
-              <a:rPr sz="2000" b="1">
-                <a:solidFill>
-                  <a:srgbClr val="0611F2"/>
-                </a:solidFill>
-                <a:latin typeface="맑은 고딕" charset="0"/>
-                <a:ea typeface="맑은 고딕" charset="0"/>
-              </a:rPr>
-              <a:t>. </a:t>
-            </a:r>
-            <a:r>
-              <a:rPr lang="ko-KR" sz="1800">
-                <a:latin typeface="맑은 고딕" charset="0"/>
-                <a:ea typeface="맑은 고딕" charset="0"/>
-              </a:rPr>
-              <a:t>이제</a:t>
-            </a:r>
-            <a:r>
-              <a:rPr lang="ko-KR" sz="1800">
-                <a:latin typeface="맑은 고딕" charset="0"/>
-                <a:ea typeface="맑은 고딕" charset="0"/>
-              </a:rPr>
-              <a:t> 게임 오브젝트가 물리적인 충돌을 했을 때 </a:t>
-            </a:r>
-            <a:r>
-              <a:rPr lang="ko-KR" sz="1800">
-                <a:latin typeface="맑은 고딕" charset="0"/>
-                <a:ea typeface="맑은 고딕" charset="0"/>
-              </a:rPr>
-              <a:t>게임 오브젝트의 크기를 변경하도록 설정합니다</a:t>
-            </a:r>
-            <a:r>
-              <a:rPr lang="ko-KR" sz="1800">
-                <a:latin typeface="맑은 고딕" charset="0"/>
-                <a:ea typeface="맑은 고딕" charset="0"/>
-              </a:rPr>
-              <a:t>.</a:t>
-            </a:r>
-            <a:endParaRPr lang="ko-KR" altLang="en-US" sz="1800">
-              <a:latin typeface="맑은 고딕" charset="0"/>
-              <a:ea typeface="맑은 고딕" charset="0"/>
-            </a:endParaRPr>
-          </a:p>
-        </p:txBody>
-      </p:sp>
-      <p:sp>
-        <p:nvSpPr>
-          <p:cNvPr id="41" name="텍스트 상자 40"/>
-          <p:cNvSpPr txBox="1">
-            <a:spLocks/>
-          </p:cNvSpPr>
-          <p:nvPr/>
-        </p:nvSpPr>
-        <p:spPr>
-          <a:xfrm rot="0">
-            <a:off x="1238250" y="5339715"/>
-            <a:ext cx="4154170" cy="954405"/>
-          </a:xfrm>
-          <a:prstGeom prst="rect"/>
-          <a:noFill/>
-          <a:ln w="0">
-            <a:noFill/>
-            <a:prstDash/>
-          </a:ln>
-        </p:spPr>
-        <p:txBody>
-          <a:bodyPr wrap="square" lIns="89535" tIns="46355" rIns="89535" bIns="46355" numCol="1" vert="horz" anchor="t">
-            <a:spAutoFit/>
-          </a:bodyPr>
-          <a:lstStyle/>
-          <a:p>
-            <a:pPr marL="0" indent="0" rtl="0" algn="l" defTabSz="914400" eaLnBrk="1" latinLnBrk="0" hangingPunct="1">
-              <a:buFontTx/>
-              <a:buNone/>
-            </a:pPr>
-            <a:r>
-              <a:rPr lang="ko-KR" sz="2000" b="1">
-                <a:solidFill>
-                  <a:srgbClr val="0611F2"/>
-                </a:solidFill>
-                <a:latin typeface="맑은 고딕" charset="0"/>
-                <a:ea typeface="맑은 고딕" charset="0"/>
-              </a:rPr>
-              <a:t>1</a:t>
-            </a:r>
-            <a:r>
-              <a:rPr lang="ko-KR" sz="2000" b="1">
-                <a:solidFill>
-                  <a:srgbClr val="0611F2"/>
-                </a:solidFill>
-                <a:latin typeface="맑은 고딕" charset="0"/>
-                <a:ea typeface="맑은 고딕" charset="0"/>
-              </a:rPr>
-              <a:t>3</a:t>
-            </a:r>
-            <a:r>
-              <a:rPr sz="2000" b="1">
-                <a:solidFill>
-                  <a:srgbClr val="0611F2"/>
-                </a:solidFill>
-                <a:latin typeface="맑은 고딕" charset="0"/>
-                <a:ea typeface="맑은 고딕" charset="0"/>
-              </a:rPr>
-              <a:t>. </a:t>
-            </a:r>
-            <a:r>
-              <a:rPr lang="ko-KR" sz="1800">
-                <a:latin typeface="맑은 고딕" charset="0"/>
-                <a:ea typeface="맑은 고딕" charset="0"/>
-              </a:rPr>
-              <a:t>그다음</a:t>
-            </a:r>
-            <a:r>
-              <a:rPr lang="ko-KR" sz="1800">
-                <a:latin typeface="맑은 고딕" charset="0"/>
-                <a:ea typeface="맑은 고딕" charset="0"/>
-              </a:rPr>
-              <a:t> </a:t>
-            </a:r>
-            <a:r>
-              <a:rPr lang="ko-KR" sz="1800">
-                <a:latin typeface="맑은 고딕" charset="0"/>
-                <a:ea typeface="맑은 고딕" charset="0"/>
-              </a:rPr>
-              <a:t>게임 오브젝트가 </a:t>
-            </a:r>
-            <a:r>
-              <a:rPr lang="ko-KR" sz="1800">
-                <a:latin typeface="맑은 고딕" charset="0"/>
-                <a:ea typeface="맑은 고딕" charset="0"/>
-              </a:rPr>
-              <a:t>물리적인 충돌을 하고 있을 때 boolean 변수의 값을 true로 변경합니다</a:t>
-            </a:r>
-            <a:r>
-              <a:rPr lang="ko-KR" sz="1800">
-                <a:latin typeface="맑은 고딕" charset="0"/>
-                <a:ea typeface="맑은 고딕" charset="0"/>
-              </a:rPr>
-              <a:t>.</a:t>
-            </a:r>
-            <a:endParaRPr lang="ko-KR" altLang="en-US" sz="1800">
-              <a:latin typeface="맑은 고딕" charset="0"/>
-              <a:ea typeface="맑은 고딕" charset="0"/>
-            </a:endParaRPr>
-          </a:p>
-        </p:txBody>
-      </p:sp>
       <p:pic>
         <p:nvPicPr>
-          <p:cNvPr id="42" name="그림 41" descr="C:/Users/Admin1/AppData/Roaming/PolarisOffice/ETemp/22400_7929080/fImage70481149358.png"/>
+          <p:cNvPr id="48" name="그림 18" descr="C:/Users/Admin1/AppData/Roaming/PolarisOffice/ETemp/7096_10494752/fImage56991491478.png"/>
           <p:cNvPicPr>
             <a:picLocks noChangeAspect="1"/>
           </p:cNvPicPr>
           <p:nvPr/>
         </p:nvPicPr>
         <p:blipFill rotWithShape="1">
-          <a:blip r:embed="rId7" cstate="hqprint">
+          <a:blip r:embed="rId12" cstate="print">
             <a:extLst>
               <a:ext uri="{28A0092B-C50C-407E-A947-70E740481C1C}">
-                <a14:useLocalDpi xmlns:a14="http://schemas.microsoft.com/office/drawing/2010/main"/>
+                <a14:useLocalDpi xmlns:a14="http://schemas.microsoft.com/office/drawing/2010/main" val="0"/>
               </a:ext>
             </a:extLst>
           </a:blip>
@@ -9643,8 +8965,8 @@
         </p:blipFill>
         <p:spPr>
           <a:xfrm rot="0">
-            <a:off x="6824345" y="1454785"/>
-            <a:ext cx="4121785" cy="1431925"/>
+            <a:off x="1230630" y="1463040"/>
+            <a:ext cx="1230630" cy="1239520"/>
           </a:xfrm>
           <a:prstGeom prst="roundRect"/>
           <a:solidFill>
@@ -9654,17 +8976,17 @@
       </p:pic>
       <p:pic>
         <p:nvPicPr>
-          <p:cNvPr id="43" name="그림 48" descr="C:/Users/Admin1/AppData/Roaming/PolarisOffice/ETemp/22400_7929080/fImage134901156962.png"/>
+          <p:cNvPr id="49" name="그림 19" descr="C:/Users/Admin1/AppData/Roaming/PolarisOffice/ETemp/7096_10494752/fImage495091509358.png"/>
           <p:cNvPicPr>
             <a:picLocks noChangeAspect="1"/>
           </p:cNvPicPr>
           <p:nvPr/>
         </p:nvPicPr>
         <p:blipFill rotWithShape="1">
-          <a:blip r:embed="rId8" cstate="hqprint">
+          <a:blip r:embed="rId13" cstate="print">
             <a:extLst>
               <a:ext uri="{28A0092B-C50C-407E-A947-70E740481C1C}">
-                <a14:useLocalDpi xmlns:a14="http://schemas.microsoft.com/office/drawing/2010/main"/>
+                <a14:useLocalDpi xmlns:a14="http://schemas.microsoft.com/office/drawing/2010/main" val="0"/>
               </a:ext>
             </a:extLst>
           </a:blip>
@@ -9674,8 +8996,8 @@
         </p:blipFill>
         <p:spPr>
           <a:xfrm rot="0">
-            <a:off x="8174355" y="4138930"/>
-            <a:ext cx="2780030" cy="1069975"/>
+            <a:off x="2618740" y="1457960"/>
+            <a:ext cx="2760345" cy="1244600"/>
           </a:xfrm>
           <a:prstGeom prst="roundRect"/>
           <a:solidFill>
@@ -9683,125 +9005,16 @@
           </a:solidFill>
         </p:spPr>
       </p:pic>
-      <p:pic>
-        <p:nvPicPr>
-          <p:cNvPr id="44" name="그림 52" descr="C:/Users/Admin1/AppData/Roaming/PolarisOffice/ETemp/22400_7929080/fImage53941174464.png"/>
-          <p:cNvPicPr>
-            <a:picLocks noChangeAspect="1"/>
-          </p:cNvPicPr>
-          <p:nvPr/>
-        </p:nvPicPr>
-        <p:blipFill rotWithShape="1">
-          <a:blip r:embed="rId9" cstate="hqprint">
-            <a:extLst>
-              <a:ext uri="{28A0092B-C50C-407E-A947-70E740481C1C}">
-                <a14:useLocalDpi xmlns:a14="http://schemas.microsoft.com/office/drawing/2010/main"/>
-              </a:ext>
-            </a:extLst>
-          </a:blip>
-          <a:stretch>
-            <a:fillRect/>
-          </a:stretch>
-        </p:blipFill>
-        <p:spPr>
-          <a:xfrm rot="0">
-            <a:off x="6832600" y="4133850"/>
-            <a:ext cx="1238250" cy="1076960"/>
-          </a:xfrm>
-          <a:prstGeom prst="roundRect"/>
-          <a:solidFill>
-            <a:srgbClr val="EDEDED"/>
-          </a:solidFill>
-        </p:spPr>
-      </p:pic>
-      <p:sp>
-        <p:nvSpPr>
-          <p:cNvPr id="45" name="텍스트 상자 55"/>
-          <p:cNvSpPr txBox="1">
-            <a:spLocks/>
-          </p:cNvSpPr>
-          <p:nvPr/>
-        </p:nvSpPr>
-        <p:spPr>
-          <a:xfrm rot="0">
-            <a:off x="6814820" y="5334000"/>
-            <a:ext cx="4157345" cy="954405"/>
-          </a:xfrm>
-          <a:prstGeom prst="rect"/>
-          <a:noFill/>
-          <a:ln w="0">
-            <a:noFill/>
-            <a:prstDash/>
-          </a:ln>
-        </p:spPr>
-        <p:txBody>
-          <a:bodyPr wrap="square" lIns="89535" tIns="46355" rIns="89535" bIns="46355" numCol="1" vert="horz" anchor="t">
-            <a:spAutoFit/>
-          </a:bodyPr>
-          <a:lstStyle/>
-          <a:p>
-            <a:pPr marL="0" indent="0" rtl="0" algn="l" defTabSz="914400" eaLnBrk="1" latinLnBrk="0" hangingPunct="1">
-              <a:buFontTx/>
-              <a:buNone/>
-            </a:pPr>
-            <a:r>
-              <a:rPr lang="ko-KR" sz="2000" b="1">
-                <a:solidFill>
-                  <a:srgbClr val="0611F2"/>
-                </a:solidFill>
-                <a:latin typeface="맑은 고딕" charset="0"/>
-                <a:ea typeface="맑은 고딕" charset="0"/>
-              </a:rPr>
-              <a:t>14</a:t>
-            </a:r>
-            <a:r>
-              <a:rPr sz="2000" b="1">
-                <a:solidFill>
-                  <a:srgbClr val="0611F2"/>
-                </a:solidFill>
-                <a:latin typeface="맑은 고딕" charset="0"/>
-                <a:ea typeface="맑은 고딕" charset="0"/>
-              </a:rPr>
-              <a:t>. </a:t>
-            </a:r>
-            <a:r>
-              <a:rPr lang="ko-KR" sz="1800">
-                <a:latin typeface="맑은 고딕" charset="0"/>
-                <a:ea typeface="맑은 고딕" charset="0"/>
-              </a:rPr>
-              <a:t>그런 다음 Project 폴더</a:t>
-            </a:r>
-            <a:r>
-              <a:rPr lang="ko-KR" sz="1800">
-                <a:latin typeface="맑은 고딕" charset="0"/>
-                <a:ea typeface="맑은 고딕" charset="0"/>
-              </a:rPr>
-              <a:t> 아래에</a:t>
-            </a:r>
-            <a:r>
-              <a:rPr lang="ko-KR" sz="1800">
-                <a:latin typeface="맑은 고딕" charset="0"/>
-                <a:ea typeface="맑은 고딕" charset="0"/>
-              </a:rPr>
-              <a:t> 있는 Texture 폴더에 Ground 텍스처를 Plane 오브젝트에 넣어줍니다.</a:t>
-            </a:r>
-            <a:endParaRPr lang="ko-KR" altLang="en-US" sz="1800">
-              <a:latin typeface="맑은 고딕" charset="0"/>
-              <a:ea typeface="맑은 고딕" charset="0"/>
-            </a:endParaRPr>
-          </a:p>
-        </p:txBody>
-      </p:sp>
       <p:cxnSp>
         <p:nvCxnSpPr>
-          <p:cNvPr id="46" name="도형 32"/>
+          <p:cNvPr id="50" name="도형 24"/>
           <p:cNvCxnSpPr/>
           <p:nvPr/>
         </p:nvCxnSpPr>
         <p:spPr>
           <a:xfrm rot="0" flipH="1">
-            <a:off x="7507605" y="4714240"/>
-            <a:ext cx="805815" cy="173990"/>
+            <a:off x="2178050" y="2003425"/>
+            <a:ext cx="2261870" cy="374650"/>
           </a:xfrm>
           <a:prstGeom prst="straightConnector1"/>
           <a:ln w="6350" cap="flat" cmpd="sng">
@@ -9825,16 +9038,281 @@
           </a:fontRef>
         </p:style>
       </p:cxnSp>
+      <p:sp>
+        <p:nvSpPr>
+          <p:cNvPr id="51" name="텍스트 상자 27"/>
+          <p:cNvSpPr txBox="1">
+            <a:spLocks/>
+          </p:cNvSpPr>
+          <p:nvPr/>
+        </p:nvSpPr>
+        <p:spPr>
+          <a:xfrm rot="0">
+            <a:off x="6816725" y="3681095"/>
+            <a:ext cx="4139565" cy="2615565"/>
+          </a:xfrm>
+          <a:prstGeom prst="rect"/>
+          <a:noFill/>
+          <a:ln w="0">
+            <a:noFill/>
+            <a:prstDash/>
+          </a:ln>
+        </p:spPr>
+        <p:txBody>
+          <a:bodyPr wrap="square" lIns="89535" tIns="46355" rIns="89535" bIns="46355" numCol="1" vert="horz" anchor="t">
+            <a:spAutoFit/>
+          </a:bodyPr>
+          <a:lstStyle/>
+          <a:p>
+            <a:pPr marL="0" indent="0" rtl="0" algn="l" defTabSz="914400" eaLnBrk="1" latinLnBrk="0" hangingPunct="1">
+              <a:buFontTx/>
+              <a:buNone/>
+            </a:pPr>
+            <a:r>
+              <a:rPr lang="ko-KR" sz="2000" b="1">
+                <a:solidFill>
+                  <a:srgbClr val="0611F2"/>
+                </a:solidFill>
+                <a:latin typeface="맑은 고딕" charset="0"/>
+                <a:ea typeface="맑은 고딕" charset="0"/>
+              </a:rPr>
+              <a:t>1</a:t>
+            </a:r>
+            <a:r>
+              <a:rPr lang="ko-KR" sz="2000" b="1">
+                <a:solidFill>
+                  <a:srgbClr val="0611F2"/>
+                </a:solidFill>
+                <a:latin typeface="맑은 고딕" charset="0"/>
+                <a:ea typeface="맑은 고딕" charset="0"/>
+              </a:rPr>
+              <a:t>4</a:t>
+            </a:r>
+            <a:r>
+              <a:rPr sz="2000" b="1">
+                <a:solidFill>
+                  <a:srgbClr val="0611F2"/>
+                </a:solidFill>
+                <a:latin typeface="맑은 고딕" charset="0"/>
+                <a:ea typeface="맑은 고딕" charset="0"/>
+              </a:rPr>
+              <a:t>. </a:t>
+            </a:r>
+            <a:r>
+              <a:rPr lang="ko-KR" sz="1800">
+                <a:latin typeface="맑은 고딕" charset="0"/>
+                <a:ea typeface="맑은 고딕" charset="0"/>
+              </a:rPr>
+              <a:t>그리고 CharacterControl</a:t>
+            </a:r>
+            <a:r>
+              <a:rPr lang="ko-KR" sz="1800">
+                <a:latin typeface="맑은 고딕" charset="0"/>
+                <a:ea typeface="맑은 고딕" charset="0"/>
+              </a:rPr>
+              <a:t> 스크립트에서 </a:t>
+            </a:r>
+            <a:r>
+              <a:rPr lang="ko-KR" sz="1800">
+                <a:latin typeface="맑은 고딕" charset="0"/>
+                <a:ea typeface="맑은 고딕" charset="0"/>
+              </a:rPr>
+              <a:t>FixedUpdate에 RigidBody의 MovePosition( ) 함수를 선언합니다.</a:t>
+            </a:r>
+            <a:endParaRPr lang="ko-KR" altLang="en-US" sz="1800">
+              <a:latin typeface="맑은 고딕" charset="0"/>
+              <a:ea typeface="맑은 고딕" charset="0"/>
+            </a:endParaRPr>
+          </a:p>
+          <a:p>
+            <a:pPr marL="0" indent="0" rtl="0" algn="l" defTabSz="914400" eaLnBrk="1" latinLnBrk="0" hangingPunct="1">
+              <a:buFontTx/>
+              <a:buNone/>
+            </a:pPr>
+            <a:endParaRPr lang="ko-KR" altLang="en-US" sz="1800">
+              <a:latin typeface="맑은 고딕" charset="0"/>
+              <a:ea typeface="맑은 고딕" charset="0"/>
+            </a:endParaRPr>
+          </a:p>
+          <a:p>
+            <a:pPr marL="0" indent="0" rtl="0" algn="l" defTabSz="914400" eaLnBrk="1" latinLnBrk="0" hangingPunct="1">
+              <a:buFontTx/>
+              <a:buNone/>
+            </a:pPr>
+            <a:r>
+              <a:rPr lang="ko-KR" sz="1800">
+                <a:latin typeface="맑은 고딕" charset="0"/>
+                <a:ea typeface="맑은 고딕" charset="0"/>
+              </a:rPr>
+              <a:t>그런 다음 FixedUpdate에서는 기본값으로 0.02초를 주기로 실행되기 때문에 Time.fixedDeltaTime의 값으로 계산합니다. </a:t>
+            </a:r>
+            <a:endParaRPr lang="ko-KR" altLang="en-US" sz="1800">
+              <a:latin typeface="맑은 고딕" charset="0"/>
+              <a:ea typeface="맑은 고딕" charset="0"/>
+            </a:endParaRPr>
+          </a:p>
+        </p:txBody>
+      </p:sp>
       <p:pic>
         <p:nvPicPr>
-          <p:cNvPr id="47" name="그림 51" descr="C:/Users/Admin1/AppData/Roaming/PolarisOffice/ETemp/22400_7929080/fImage201411769169.png"/>
+          <p:cNvPr id="52" name="그림 28" descr="C:/Users/Admin1/AppData/Roaming/PolarisOffice/ETemp/7096_10494752/fImage166781641478.png"/>
           <p:cNvPicPr>
             <a:picLocks noChangeAspect="1"/>
           </p:cNvPicPr>
           <p:nvPr/>
         </p:nvPicPr>
         <p:blipFill rotWithShape="1">
-          <a:blip r:embed="rId10" cstate="print">
+          <a:blip r:embed="rId14" cstate="hqprint">
+            <a:extLst>
+              <a:ext uri="{28A0092B-C50C-407E-A947-70E740481C1C}">
+                <a14:useLocalDpi xmlns:a14="http://schemas.microsoft.com/office/drawing/2010/main"/>
+              </a:ext>
+            </a:extLst>
+          </a:blip>
+          <a:stretch>
+            <a:fillRect/>
+          </a:stretch>
+        </p:blipFill>
+        <p:spPr>
+          <a:xfrm rot="0">
+            <a:off x="6829425" y="1454785"/>
+            <a:ext cx="4136390" cy="2112010"/>
+          </a:xfrm>
+          <a:prstGeom prst="roundRect"/>
+          <a:solidFill>
+            <a:srgbClr val="EDEDED"/>
+          </a:solidFill>
+        </p:spPr>
+      </p:pic>
+      <p:sp>
+        <p:nvSpPr>
+          <p:cNvPr id="53" name="텍스트 상자 29"/>
+          <p:cNvSpPr txBox="1">
+            <a:spLocks/>
+          </p:cNvSpPr>
+          <p:nvPr/>
+        </p:nvSpPr>
+        <p:spPr>
+          <a:xfrm rot="0">
+            <a:off x="1229360" y="5296535"/>
+            <a:ext cx="4149725" cy="954405"/>
+          </a:xfrm>
+          <a:prstGeom prst="rect"/>
+          <a:noFill/>
+          <a:ln w="0">
+            <a:noFill/>
+            <a:prstDash/>
+          </a:ln>
+        </p:spPr>
+        <p:txBody>
+          <a:bodyPr wrap="square" lIns="89535" tIns="46355" rIns="89535" bIns="46355" numCol="1" vert="horz" anchor="t">
+            <a:spAutoFit/>
+          </a:bodyPr>
+          <a:lstStyle/>
+          <a:p>
+            <a:pPr marL="0" indent="0" rtl="0" algn="l" defTabSz="914400" eaLnBrk="1" latinLnBrk="0" hangingPunct="1">
+              <a:buFontTx/>
+              <a:buNone/>
+            </a:pPr>
+            <a:r>
+              <a:rPr lang="ko-KR" sz="2000" b="1">
+                <a:solidFill>
+                  <a:srgbClr val="0611F2"/>
+                </a:solidFill>
+                <a:latin typeface="맑은 고딕" charset="0"/>
+                <a:ea typeface="맑은 고딕" charset="0"/>
+              </a:rPr>
+              <a:t>1</a:t>
+            </a:r>
+            <a:r>
+              <a:rPr lang="ko-KR" sz="2000" b="1">
+                <a:solidFill>
+                  <a:srgbClr val="0611F2"/>
+                </a:solidFill>
+                <a:latin typeface="맑은 고딕" charset="0"/>
+                <a:ea typeface="맑은 고딕" charset="0"/>
+              </a:rPr>
+              <a:t>3</a:t>
+            </a:r>
+            <a:r>
+              <a:rPr sz="2000" b="1">
+                <a:solidFill>
+                  <a:srgbClr val="0611F2"/>
+                </a:solidFill>
+                <a:latin typeface="맑은 고딕" charset="0"/>
+                <a:ea typeface="맑은 고딕" charset="0"/>
+              </a:rPr>
+              <a:t>. </a:t>
+            </a:r>
+            <a:r>
+              <a:rPr lang="ko-KR" sz="1800">
+                <a:latin typeface="맑은 고딕" charset="0"/>
+                <a:ea typeface="맑은 고딕" charset="0"/>
+              </a:rPr>
+              <a:t>그</a:t>
+            </a:r>
+            <a:r>
+              <a:rPr lang="ko-KR" sz="1800">
+                <a:latin typeface="맑은 고딕" charset="0"/>
+                <a:ea typeface="맑은 고딕" charset="0"/>
+              </a:rPr>
+              <a:t>다음으로</a:t>
+            </a:r>
+            <a:r>
+              <a:rPr lang="ko-KR" sz="1800">
+                <a:latin typeface="맑은 고딕" charset="0"/>
+                <a:ea typeface="맑은 고딕" charset="0"/>
+              </a:rPr>
+              <a:t> Sensor 스크립트를 생성하고 Obstacle 오브젝트에 넣어줍니다.</a:t>
+            </a:r>
+            <a:endParaRPr lang="ko-KR" altLang="en-US" sz="1800">
+              <a:latin typeface="맑은 고딕" charset="0"/>
+              <a:ea typeface="맑은 고딕" charset="0"/>
+            </a:endParaRPr>
+          </a:p>
+        </p:txBody>
+      </p:sp>
+      <p:pic>
+        <p:nvPicPr>
+          <p:cNvPr id="54" name="그림 30" descr="C:/Users/Admin1/AppData/Roaming/PolarisOffice/ETemp/7096_10494752/fImage20671195705.png"/>
+          <p:cNvPicPr>
+            <a:picLocks noChangeAspect="1"/>
+          </p:cNvPicPr>
+          <p:nvPr/>
+        </p:nvPicPr>
+        <p:blipFill rotWithShape="1">
+          <a:blip r:embed="rId15" cstate="hqprint">
+            <a:extLst>
+              <a:ext uri="{28A0092B-C50C-407E-A947-70E740481C1C}">
+                <a14:useLocalDpi xmlns:a14="http://schemas.microsoft.com/office/drawing/2010/main"/>
+              </a:ext>
+            </a:extLst>
+          </a:blip>
+          <a:stretch>
+            <a:fillRect/>
+          </a:stretch>
+        </p:blipFill>
+        <p:spPr>
+          <a:xfrm rot="0">
+            <a:off x="4622165" y="4123055"/>
+            <a:ext cx="748665" cy="877570"/>
+          </a:xfrm>
+          <a:prstGeom prst="roundRect"/>
+          <a:solidFill>
+            <a:srgbClr val="EDEDED"/>
+          </a:solidFill>
+        </p:spPr>
+      </p:pic>
+      <p:pic>
+        <p:nvPicPr>
+          <p:cNvPr id="57" name="그림 33" descr="C:/Users/Admin1/AppData/Roaming/PolarisOffice/ETemp/7096_10494752/fImage56851606962.png"/>
+          <p:cNvPicPr>
+            <a:picLocks noChangeAspect="1"/>
+          </p:cNvPicPr>
+          <p:nvPr/>
+        </p:nvPicPr>
+        <p:blipFill rotWithShape="1">
+          <a:blip r:embed="rId16" cstate="print">
             <a:extLst>
               <a:ext uri="{28A0092B-C50C-407E-A947-70E740481C1C}">
                 <a14:useLocalDpi xmlns:a14="http://schemas.microsoft.com/office/drawing/2010/main" val="0"/>
@@ -9847,8 +9325,8 @@
         </p:blipFill>
         <p:spPr>
           <a:xfrm rot="0">
-            <a:off x="1252220" y="3985895"/>
-            <a:ext cx="4130040" cy="1243965"/>
+            <a:off x="1222375" y="3912870"/>
+            <a:ext cx="2967990" cy="1308100"/>
           </a:xfrm>
           <a:prstGeom prst="roundRect"/>
           <a:solidFill>
@@ -9856,37 +9334,38 @@
           </a:solidFill>
         </p:spPr>
       </p:pic>
-      <p:pic>
-        <p:nvPicPr>
-          <p:cNvPr id="48" name="그림 54" descr="C:/Users/Admin1/AppData/Roaming/PolarisOffice/ETemp/22400_7929080/fImage256081775724.png"/>
-          <p:cNvPicPr>
-            <a:picLocks noChangeAspect="1"/>
-          </p:cNvPicPr>
+      <p:cxnSp>
+        <p:nvCxnSpPr>
+          <p:cNvPr id="56" name="도형 32"/>
+          <p:cNvCxnSpPr/>
           <p:nvPr/>
-        </p:nvPicPr>
-        <p:blipFill rotWithShape="1">
-          <a:blip r:embed="rId11" cstate="print">
-            <a:extLst>
-              <a:ext uri="{28A0092B-C50C-407E-A947-70E740481C1C}">
-                <a14:useLocalDpi xmlns:a14="http://schemas.microsoft.com/office/drawing/2010/main" val="0"/>
-              </a:ext>
-            </a:extLst>
-          </a:blip>
-          <a:stretch>
-            <a:fillRect/>
-          </a:stretch>
-        </p:blipFill>
-        <p:spPr>
-          <a:xfrm rot="0">
-            <a:off x="1233170" y="1447800"/>
-            <a:ext cx="4149090" cy="1315085"/>
-          </a:xfrm>
-          <a:prstGeom prst="roundRect"/>
-          <a:solidFill>
-            <a:srgbClr val="EDEDED"/>
-          </a:solidFill>
-        </p:spPr>
-      </p:pic>
+        </p:nvCxnSpPr>
+        <p:spPr>
+          <a:xfrm rot="0" flipH="1">
+            <a:off x="3159125" y="4561205"/>
+            <a:ext cx="1463675" cy="527050"/>
+          </a:xfrm>
+          <a:prstGeom prst="straightConnector1"/>
+          <a:ln w="6350" cap="flat" cmpd="sng">
+            <a:prstDash/>
+            <a:tailEnd type="triangle" w="med" len="med"/>
+          </a:ln>
+        </p:spPr>
+        <p:style>
+          <a:lnRef idx="1">
+            <a:schemeClr val="accent1"/>
+          </a:lnRef>
+          <a:fillRef idx="0">
+            <a:schemeClr val="accent1"/>
+          </a:fillRef>
+          <a:effectRef idx="0">
+            <a:schemeClr val="accent1"/>
+          </a:effectRef>
+          <a:fontRef idx="minor">
+            <a:schemeClr val="tx1"/>
+          </a:fontRef>
+        </p:style>
+      </p:cxnSp>
     </p:spTree>
   </p:cSld>
   <p:clrMapOvr>
@@ -9999,7 +9478,7 @@
       </p:sp>
       <p:sp>
         <p:nvSpPr>
-          <p:cNvPr id="10" name="Rect 0"/>
+          <p:cNvPr id="23" name="Rect 0"/>
           <p:cNvSpPr txBox="1">
             <a:spLocks/>
           </p:cNvSpPr>
@@ -10007,8 +9486,8 @@
         </p:nvSpPr>
         <p:spPr>
           <a:xfrm rot="0">
-            <a:off x="1237615" y="2861310"/>
-            <a:ext cx="4205605" cy="954405"/>
+            <a:off x="1222375" y="5213985"/>
+            <a:ext cx="4124960" cy="954405"/>
           </a:xfrm>
           <a:prstGeom prst="rect"/>
           <a:noFill/>
@@ -10035,7 +9514,17 @@
                 <a:latin typeface="맑은 고딕" charset="0"/>
                 <a:ea typeface="맑은 고딕" charset="0"/>
               </a:rPr>
-              <a:t>15</a:t>
+              <a:t>1</a:t>
+            </a:r>
+            <a:r>
+              <a:rPr lang="ko-KR" sz="2000" b="1">
+                <a:solidFill>
+                  <a:srgbClr val="0611F2"/>
+                </a:solidFill>
+                <a:latin typeface="맑은 고딕" charset="0"/>
+                <a:ea typeface="맑은 고딕" charset="0"/>
+              </a:rPr>
+              <a:t>5</a:t>
             </a:r>
             <a:r>
               <a:rPr sz="2000" b="1">
@@ -10045,28 +9534,66 @@
                 <a:latin typeface="맑은 고딕" charset="0"/>
                 <a:ea typeface="맑은 고딕" charset="0"/>
               </a:rPr>
-              <a:t>. </a:t>
+              <a:t>.</a:t>
+            </a:r>
+            <a:r>
+              <a:rPr lang="ko-KR" sz="2000" b="1">
+                <a:solidFill>
+                  <a:srgbClr val="0611F2"/>
+                </a:solidFill>
+                <a:latin typeface="맑은 고딕" charset="0"/>
+                <a:ea typeface="맑은 고딕" charset="0"/>
+              </a:rPr>
+              <a:t> </a:t>
             </a:r>
             <a:r>
               <a:rPr lang="ko-KR" sz="1800">
                 <a:latin typeface="맑은 고딕" charset="0"/>
                 <a:ea typeface="맑은 고딕" charset="0"/>
               </a:rPr>
-              <a:t>그</a:t>
+              <a:t>그러고 나서</a:t>
             </a:r>
             <a:r>
               <a:rPr lang="ko-KR" sz="1800">
                 <a:latin typeface="맑은 고딕" charset="0"/>
                 <a:ea typeface="맑은 고딕" charset="0"/>
               </a:rPr>
-              <a:t>러고 나서</a:t>
+              <a:t> </a:t>
             </a:r>
             <a:r>
               <a:rPr lang="ko-KR" sz="1800">
                 <a:latin typeface="맑은 고딕" charset="0"/>
                 <a:ea typeface="맑은 고딕" charset="0"/>
               </a:rPr>
-              <a:t> Sensor 스크립트를 생성하고 Obstacle 오브젝트에 넣어줍니다.</a:t>
+              <a:t>빈 </a:t>
+            </a:r>
+            <a:r>
+              <a:rPr lang="ko-KR" sz="1800">
+                <a:latin typeface="맑은 고딕" charset="0"/>
+                <a:ea typeface="맑은 고딕" charset="0"/>
+              </a:rPr>
+              <a:t>오브젝트</a:t>
+            </a:r>
+            <a:r>
+              <a:rPr lang="ko-KR" sz="1800">
+                <a:latin typeface="맑은 고딕" charset="0"/>
+                <a:ea typeface="맑은 고딕" charset="0"/>
+              </a:rPr>
+              <a:t>를 생성하고</a:t>
+            </a:r>
+            <a:r>
+              <a:rPr lang="ko-KR" sz="1800">
+                <a:latin typeface="맑은 고딕" charset="0"/>
+                <a:ea typeface="맑은 고딕" charset="0"/>
+              </a:rPr>
+              <a:t> </a:t>
+            </a:r>
+            <a:r>
+              <a:rPr lang="ko-KR" sz="1800">
+                <a:latin typeface="맑은 고딕" charset="0"/>
+                <a:ea typeface="맑은 고딕" charset="0"/>
+              </a:rPr>
+              <a:t>Forward Fence라는 이름으로 정의합니다.</a:t>
             </a:r>
             <a:endParaRPr lang="ko-KR" altLang="en-US" sz="1800">
               <a:latin typeface="맑은 고딕" charset="0"/>
@@ -10077,7 +9604,7 @@
       </p:sp>
       <p:sp>
         <p:nvSpPr>
-          <p:cNvPr id="23" name="Rect 0"/>
+          <p:cNvPr id="36" name="텍스트 상자 65"/>
           <p:cNvSpPr txBox="1">
             <a:spLocks/>
           </p:cNvSpPr>
@@ -10085,8 +9612,8 @@
         </p:nvSpPr>
         <p:spPr>
           <a:xfrm rot="0">
-            <a:off x="1247775" y="5496560"/>
-            <a:ext cx="4115435" cy="677545"/>
+            <a:off x="6833235" y="2999740"/>
+            <a:ext cx="4139565" cy="3169285"/>
           </a:xfrm>
           <a:prstGeom prst="rect"/>
           <a:noFill/>
@@ -10113,7 +9640,17 @@
                 <a:latin typeface="맑은 고딕" charset="0"/>
                 <a:ea typeface="맑은 고딕" charset="0"/>
               </a:rPr>
-              <a:t>16</a:t>
+              <a:t>1</a:t>
+            </a:r>
+            <a:r>
+              <a:rPr lang="ko-KR" sz="2000" b="1">
+                <a:solidFill>
+                  <a:srgbClr val="0611F2"/>
+                </a:solidFill>
+                <a:latin typeface="맑은 고딕" charset="0"/>
+                <a:ea typeface="맑은 고딕" charset="0"/>
+              </a:rPr>
+              <a:t>6</a:t>
             </a:r>
             <a:r>
               <a:rPr sz="2000" b="1">
@@ -10123,42 +9660,117 @@
                 <a:latin typeface="맑은 고딕" charset="0"/>
                 <a:ea typeface="맑은 고딕" charset="0"/>
               </a:rPr>
-              <a:t>.</a:t>
-            </a:r>
-            <a:r>
-              <a:rPr lang="ko-KR" sz="2000" b="1">
-                <a:solidFill>
-                  <a:srgbClr val="0611F2"/>
-                </a:solidFill>
-                <a:latin typeface="맑은 고딕" charset="0"/>
-                <a:ea typeface="맑은 고딕" charset="0"/>
-              </a:rPr>
-              <a:t> </a:t>
+              <a:t>. </a:t>
             </a:r>
             <a:r>
               <a:rPr lang="ko-KR" sz="1800">
                 <a:latin typeface="맑은 고딕" charset="0"/>
                 <a:ea typeface="맑은 고딕" charset="0"/>
               </a:rPr>
-              <a:t>이제 Obstacle 오브젝트에 있는 Box Collider의 크기를 변경합니다.</a:t>
+              <a:t>이제 Project 폴더 아래에 있는 Model 폴더에 Fence Double 모델을 선택합니다.</a:t>
             </a:r>
             <a:endParaRPr lang="ko-KR" altLang="en-US" sz="1800">
               <a:latin typeface="맑은 고딕" charset="0"/>
               <a:ea typeface="맑은 고딕" charset="0"/>
             </a:endParaRPr>
           </a:p>
+          <a:p>
+            <a:pPr marL="0" indent="0" rtl="0" algn="l" defTabSz="914400" eaLnBrk="1" latinLnBrk="0" hangingPunct="1">
+              <a:buFontTx/>
+              <a:buNone/>
+            </a:pPr>
+            <a:endParaRPr lang="ko-KR" altLang="en-US" sz="1800">
+              <a:latin typeface="맑은 고딕" charset="0"/>
+              <a:ea typeface="맑은 고딕" charset="0"/>
+            </a:endParaRPr>
+          </a:p>
+          <a:p>
+            <a:pPr marL="0" indent="0" rtl="0" algn="l" defTabSz="914400" eaLnBrk="1" latinLnBrk="0" hangingPunct="1">
+              <a:buFontTx/>
+              <a:buNone/>
+            </a:pPr>
+            <a:r>
+              <a:rPr lang="ko-KR" sz="1800">
+                <a:latin typeface="맑은 고딕" charset="0"/>
+                <a:ea typeface="맑은 고딕" charset="0"/>
+              </a:rPr>
+              <a:t>그다음 Forward Fence 오브젝트에 2개를 넣어서 하위 오브젝트로 등록합니다.</a:t>
+            </a:r>
+            <a:endParaRPr lang="ko-KR" altLang="en-US" sz="1800">
+              <a:latin typeface="맑은 고딕" charset="0"/>
+              <a:ea typeface="맑은 고딕" charset="0"/>
+            </a:endParaRPr>
+          </a:p>
+          <a:p>
+            <a:pPr marL="0" indent="0" rtl="0" algn="l" defTabSz="914400" eaLnBrk="1" latinLnBrk="0" hangingPunct="1">
+              <a:buFontTx/>
+              <a:buNone/>
+            </a:pPr>
+            <a:endParaRPr lang="ko-KR" altLang="en-US" sz="1800">
+              <a:latin typeface="맑은 고딕" charset="0"/>
+              <a:ea typeface="맑은 고딕" charset="0"/>
+            </a:endParaRPr>
+          </a:p>
+          <a:p>
+            <a:pPr marL="0" indent="0" rtl="0" algn="l" defTabSz="914400" eaLnBrk="1" latinLnBrk="0" hangingPunct="1">
+              <a:buFontTx/>
+              <a:buNone/>
+            </a:pPr>
+            <a:r>
+              <a:rPr lang="ko-KR" sz="1800">
+                <a:latin typeface="맑은 고딕" charset="0"/>
+                <a:ea typeface="맑은 고딕" charset="0"/>
+              </a:rPr>
+              <a:t>그런 다음 Fence Double (Left)와 Fence Double (Right)라는 이름으로 정의합니다.</a:t>
+            </a:r>
+            <a:endParaRPr lang="ko-KR" altLang="en-US" sz="1800">
+              <a:latin typeface="맑은 고딕" charset="0"/>
+              <a:ea typeface="맑은 고딕" charset="0"/>
+            </a:endParaRPr>
+          </a:p>
         </p:txBody>
       </p:sp>
       <p:pic>
         <p:nvPicPr>
-          <p:cNvPr id="32" name="그림 56" descr="C:/Users/Admin1/AppData/Roaming/PolarisOffice/ETemp/22400_7929080/fImage20671195705.png"/>
+          <p:cNvPr id="37" name="그림 36" descr="C:/Users/Admin1/AppData/Roaming/PolarisOffice/ETemp/7096_10494752/fImage63441614464.png"/>
           <p:cNvPicPr>
             <a:picLocks noChangeAspect="1"/>
           </p:cNvPicPr>
           <p:nvPr/>
         </p:nvPicPr>
         <p:blipFill rotWithShape="1">
-          <a:blip r:embed="rId8" cstate="hqprint">
+          <a:blip r:embed="rId13" cstate="print">
+            <a:extLst>
+              <a:ext uri="{28A0092B-C50C-407E-A947-70E740481C1C}">
+                <a14:useLocalDpi xmlns:a14="http://schemas.microsoft.com/office/drawing/2010/main" val="0"/>
+              </a:ext>
+            </a:extLst>
+          </a:blip>
+          <a:stretch>
+            <a:fillRect/>
+          </a:stretch>
+        </p:blipFill>
+        <p:spPr>
+          <a:xfrm rot="0">
+            <a:off x="3923665" y="2434590"/>
+            <a:ext cx="1430655" cy="1979295"/>
+          </a:xfrm>
+          <a:prstGeom prst="roundRect"/>
+          <a:solidFill>
+            <a:srgbClr val="EDEDED"/>
+          </a:solidFill>
+        </p:spPr>
+      </p:pic>
+      <p:pic>
+        <p:nvPicPr>
+          <p:cNvPr id="38" name="그림 40" descr="C:/Users/Admin1/AppData/Roaming/PolarisOffice/ETemp/7096_10494752/fImage85061645705.png"/>
+          <p:cNvPicPr>
+            <a:picLocks noChangeAspect="1"/>
+          </p:cNvPicPr>
+          <p:nvPr/>
+        </p:nvPicPr>
+        <p:blipFill rotWithShape="1">
+          <a:blip r:embed="rId14" cstate="hqprint">
             <a:extLst>
               <a:ext uri="{28A0092B-C50C-407E-A947-70E740481C1C}">
                 <a14:useLocalDpi xmlns:a14="http://schemas.microsoft.com/office/drawing/2010/main"/>
@@ -10171,8 +9783,8 @@
         </p:blipFill>
         <p:spPr>
           <a:xfrm rot="0">
-            <a:off x="4600575" y="1628775"/>
-            <a:ext cx="772160" cy="952500"/>
+            <a:off x="1230630" y="1430020"/>
+            <a:ext cx="2528570" cy="3599815"/>
           </a:xfrm>
           <a:prstGeom prst="roundRect"/>
           <a:solidFill>
@@ -10182,201 +9794,14 @@
       </p:pic>
       <p:pic>
         <p:nvPicPr>
-          <p:cNvPr id="33" name="그림 60" descr="C:/Users/Admin1/AppData/Roaming/PolarisOffice/ETemp/22400_7929080/fImage53461218145.png"/>
+          <p:cNvPr id="40" name="그림 44" descr="C:/Users/Admin1/AppData/Roaming/PolarisOffice/ETemp/7096_10494752/fImage69971668145.png"/>
           <p:cNvPicPr>
             <a:picLocks noChangeAspect="1"/>
           </p:cNvPicPr>
           <p:nvPr/>
         </p:nvPicPr>
         <p:blipFill rotWithShape="1">
-          <a:blip r:embed="rId9" cstate="hqprint">
-            <a:extLst>
-              <a:ext uri="{28A0092B-C50C-407E-A947-70E740481C1C}">
-                <a14:useLocalDpi xmlns:a14="http://schemas.microsoft.com/office/drawing/2010/main"/>
-              </a:ext>
-            </a:extLst>
-          </a:blip>
-          <a:stretch>
-            <a:fillRect/>
-          </a:stretch>
-        </p:blipFill>
-        <p:spPr>
-          <a:xfrm rot="0">
-            <a:off x="1238250" y="1466850"/>
-            <a:ext cx="3070225" cy="1267460"/>
-          </a:xfrm>
-          <a:prstGeom prst="roundRect"/>
-          <a:solidFill>
-            <a:srgbClr val="EDEDED"/>
-          </a:solidFill>
-        </p:spPr>
-      </p:pic>
-      <p:cxnSp>
-        <p:nvCxnSpPr>
-          <p:cNvPr id="34" name="도형 61"/>
-          <p:cNvCxnSpPr>
-            <a:stCxn id="32" idx="1"/>
-          </p:cNvCxnSpPr>
-          <p:nvPr/>
-        </p:nvCxnSpPr>
-        <p:spPr>
-          <a:xfrm rot="0" flipH="1">
-            <a:off x="3333750" y="2104390"/>
-            <a:ext cx="1267460" cy="467995"/>
-          </a:xfrm>
-          <a:prstGeom prst="straightConnector1"/>
-          <a:ln w="6350" cap="flat" cmpd="sng">
-            <a:prstDash/>
-            <a:tailEnd type="triangle" w="med" len="med"/>
-          </a:ln>
-        </p:spPr>
-        <p:style>
-          <a:lnRef idx="1">
-            <a:schemeClr val="accent1"/>
-          </a:lnRef>
-          <a:fillRef idx="0">
-            <a:schemeClr val="accent1"/>
-          </a:fillRef>
-          <a:effectRef idx="0">
-            <a:schemeClr val="accent1"/>
-          </a:effectRef>
-          <a:fontRef idx="minor">
-            <a:schemeClr val="tx1"/>
-          </a:fontRef>
-        </p:style>
-      </p:cxnSp>
-      <p:pic>
-        <p:nvPicPr>
-          <p:cNvPr id="35" name="그림 62" descr="C:/Users/Admin1/AppData/Roaming/PolarisOffice/ETemp/22400_7929080/fImage97581233281.png"/>
-          <p:cNvPicPr>
-            <a:picLocks noChangeAspect="1"/>
-          </p:cNvPicPr>
-          <p:nvPr/>
-        </p:nvPicPr>
-        <p:blipFill rotWithShape="1">
-          <a:blip r:embed="rId10" cstate="hqprint">
-            <a:extLst>
-              <a:ext uri="{28A0092B-C50C-407E-A947-70E740481C1C}">
-                <a14:useLocalDpi xmlns:a14="http://schemas.microsoft.com/office/drawing/2010/main"/>
-              </a:ext>
-            </a:extLst>
-          </a:blip>
-          <a:stretch>
-            <a:fillRect/>
-          </a:stretch>
-        </p:blipFill>
-        <p:spPr>
-          <a:xfrm rot="0">
-            <a:off x="1238250" y="3988435"/>
-            <a:ext cx="4124960" cy="1374775"/>
-          </a:xfrm>
-          <a:prstGeom prst="roundRect"/>
-          <a:solidFill>
-            <a:srgbClr val="EDEDED"/>
-          </a:solidFill>
-        </p:spPr>
-      </p:pic>
-      <p:sp>
-        <p:nvSpPr>
-          <p:cNvPr id="36" name="텍스트 상자 65"/>
-          <p:cNvSpPr txBox="1">
-            <a:spLocks/>
-          </p:cNvSpPr>
-          <p:nvPr/>
-        </p:nvSpPr>
-        <p:spPr>
-          <a:xfrm rot="0">
-            <a:off x="6824980" y="3830955"/>
-            <a:ext cx="4138930" cy="2338705"/>
-          </a:xfrm>
-          <a:prstGeom prst="rect"/>
-          <a:noFill/>
-          <a:ln w="0">
-            <a:noFill/>
-            <a:prstDash/>
-          </a:ln>
-        </p:spPr>
-        <p:txBody>
-          <a:bodyPr wrap="square" lIns="89535" tIns="46355" rIns="89535" bIns="46355" numCol="1" vert="horz" anchor="t">
-            <a:spAutoFit/>
-          </a:bodyPr>
-          <a:lstStyle/>
-          <a:p>
-            <a:pPr marL="0" indent="0" rtl="0" algn="l" defTabSz="914400" eaLnBrk="1" latinLnBrk="0" hangingPunct="1">
-              <a:buFontTx/>
-              <a:buNone/>
-            </a:pPr>
-            <a:r>
-              <a:rPr lang="ko-KR" sz="2000" b="1">
-                <a:solidFill>
-                  <a:srgbClr val="0611F2"/>
-                </a:solidFill>
-                <a:latin typeface="맑은 고딕" charset="0"/>
-                <a:ea typeface="맑은 고딕" charset="0"/>
-              </a:rPr>
-              <a:t>17</a:t>
-            </a:r>
-            <a:r>
-              <a:rPr sz="2000" b="1">
-                <a:solidFill>
-                  <a:srgbClr val="0611F2"/>
-                </a:solidFill>
-                <a:latin typeface="맑은 고딕" charset="0"/>
-                <a:ea typeface="맑은 고딕" charset="0"/>
-              </a:rPr>
-              <a:t>. </a:t>
-            </a:r>
-            <a:r>
-              <a:rPr lang="ko-KR" sz="1800">
-                <a:latin typeface="맑은 고딕" charset="0"/>
-                <a:ea typeface="맑은 고딕" charset="0"/>
-              </a:rPr>
-              <a:t>그리고 FixedUpdate에 RigidBody의 MovePosition( ) 함수를 선언합니다.</a:t>
-            </a:r>
-            <a:endParaRPr lang="ko-KR" altLang="en-US" sz="1800">
-              <a:latin typeface="맑은 고딕" charset="0"/>
-              <a:ea typeface="맑은 고딕" charset="0"/>
-            </a:endParaRPr>
-          </a:p>
-          <a:p>
-            <a:pPr marL="0" indent="0" rtl="0" algn="l" defTabSz="914400" eaLnBrk="1" latinLnBrk="0" hangingPunct="1">
-              <a:buFontTx/>
-              <a:buNone/>
-            </a:pPr>
-            <a:endParaRPr lang="ko-KR" altLang="en-US" sz="1800">
-              <a:latin typeface="맑은 고딕" charset="0"/>
-              <a:ea typeface="맑은 고딕" charset="0"/>
-            </a:endParaRPr>
-          </a:p>
-          <a:p>
-            <a:pPr marL="0" indent="0" rtl="0" algn="l" defTabSz="914400" eaLnBrk="1" latinLnBrk="0" hangingPunct="1">
-              <a:buFontTx/>
-              <a:buNone/>
-            </a:pPr>
-            <a:r>
-              <a:rPr lang="ko-KR" sz="1800">
-                <a:latin typeface="맑은 고딕" charset="0"/>
-                <a:ea typeface="맑은 고딕" charset="0"/>
-              </a:rPr>
-              <a:t>그런 다음 FixedUpdate에서는 기본값으로 0.02초를 주기로 실행되기 때문에 Time.fixedDeltaTime의 값으로 계산합니다. </a:t>
-            </a:r>
-            <a:endParaRPr lang="ko-KR" altLang="en-US" sz="1800">
-              <a:latin typeface="맑은 고딕" charset="0"/>
-              <a:ea typeface="맑은 고딕" charset="0"/>
-            </a:endParaRPr>
-          </a:p>
-        </p:txBody>
-      </p:sp>
-      <p:pic>
-        <p:nvPicPr>
-          <p:cNvPr id="37" name="그림 33" descr="C:/Users/Admin1/AppData/Roaming/PolarisOffice/ETemp/22400_7929080/fImage166781641478.png"/>
-          <p:cNvPicPr>
-            <a:picLocks noChangeAspect="1"/>
-          </p:cNvPicPr>
-          <p:nvPr/>
-        </p:nvPicPr>
-        <p:blipFill rotWithShape="1">
-          <a:blip r:embed="rId12" cstate="print">
+          <a:blip r:embed="rId15" cstate="print">
             <a:extLst>
               <a:ext uri="{28A0092B-C50C-407E-A947-70E740481C1C}">
                 <a14:useLocalDpi xmlns:a14="http://schemas.microsoft.com/office/drawing/2010/main" val="0"/>
@@ -10389,8 +9814,39 @@
         </p:blipFill>
         <p:spPr>
           <a:xfrm rot="0">
-            <a:off x="6829425" y="1466850"/>
-            <a:ext cx="4134485" cy="2239010"/>
+            <a:off x="8196580" y="1438275"/>
+            <a:ext cx="2777490" cy="1471930"/>
+          </a:xfrm>
+          <a:prstGeom prst="roundRect"/>
+          <a:solidFill>
+            <a:srgbClr val="EDEDED"/>
+          </a:solidFill>
+        </p:spPr>
+      </p:pic>
+      <p:pic>
+        <p:nvPicPr>
+          <p:cNvPr id="41" name="그림 47" descr="C:/Users/Admin1/AppData/Roaming/PolarisOffice/ETemp/7096_10494752/fImage92421673281.png"/>
+          <p:cNvPicPr>
+            <a:picLocks noChangeAspect="1"/>
+          </p:cNvPicPr>
+          <p:nvPr/>
+        </p:nvPicPr>
+        <p:blipFill rotWithShape="1">
+          <a:blip r:embed="rId16" cstate="print">
+            <a:extLst>
+              <a:ext uri="{28A0092B-C50C-407E-A947-70E740481C1C}">
+                <a14:useLocalDpi xmlns:a14="http://schemas.microsoft.com/office/drawing/2010/main" val="0"/>
+              </a:ext>
+            </a:extLst>
+          </a:blip>
+          <a:stretch>
+            <a:fillRect/>
+          </a:stretch>
+        </p:blipFill>
+        <p:spPr>
+          <a:xfrm rot="0">
+            <a:off x="6824980" y="1430020"/>
+            <a:ext cx="1256030" cy="1479550"/>
           </a:xfrm>
           <a:prstGeom prst="roundRect"/>
           <a:solidFill>
@@ -10595,9 +10051,9 @@
           <p:nvPr/>
         </p:nvSpPr>
         <p:spPr>
-          <a:xfrm rot="0">
+          <a:xfrm>
             <a:off x="6837045" y="4645025"/>
-            <a:ext cx="4137025" cy="1508125"/>
+            <a:ext cx="4137660" cy="1508125"/>
           </a:xfrm>
           <a:prstGeom prst="rect"/>
           <a:noFill/>
@@ -10624,7 +10080,17 @@
                 <a:latin typeface="맑은 고딕" charset="0"/>
                 <a:ea typeface="맑은 고딕" charset="0"/>
               </a:rPr>
-              <a:t>18</a:t>
+              <a:t>1</a:t>
+            </a:r>
+            <a:r>
+              <a:rPr lang="ko-KR" sz="2000" b="1">
+                <a:solidFill>
+                  <a:srgbClr val="0611F2"/>
+                </a:solidFill>
+                <a:latin typeface="맑은 고딕" charset="0"/>
+                <a:ea typeface="맑은 고딕" charset="0"/>
+              </a:rPr>
+              <a:t>7</a:t>
             </a:r>
             <a:r>
               <a:rPr sz="2000" b="1">
@@ -10651,7 +10117,21 @@
                 <a:latin typeface="맑은 고딕" charset="0"/>
                 <a:ea typeface="맑은 고딕" charset="0"/>
               </a:rPr>
-              <a:t>그다음 Character 오브젝트의 Rigidbody를 선택합니다.</a:t>
+              <a:t>그</a:t>
+            </a:r>
+            <a:r>
+              <a:rPr lang="ko-KR" sz="1800">
+                <a:latin typeface="맑은 고딕" charset="0"/>
+                <a:ea typeface="맑은 고딕" charset="0"/>
+              </a:rPr>
+              <a:t>리고</a:t>
+            </a:r>
+            <a:r>
+              <a:rPr lang="ko-KR" sz="1800">
+                <a:latin typeface="맑은 고딕" charset="0"/>
+                <a:ea typeface="맑은 고딕" charset="0"/>
+              </a:rPr>
+              <a:t> Character 오브젝트의 Rigidbody를 선택합니다.</a:t>
             </a:r>
             <a:endParaRPr lang="ko-KR" altLang="en-US" sz="1800">
               <a:latin typeface="맑은 고딕" charset="0"/>
@@ -10678,21 +10158,7 @@
                 <a:latin typeface="맑은 고딕" charset="0"/>
                 <a:ea typeface="맑은 고딕" charset="0"/>
               </a:rPr>
-              <a:t>그</a:t>
-            </a:r>
-            <a:r>
-              <a:rPr lang="ko-KR" sz="1800">
-                <a:latin typeface="맑은 고딕" charset="0"/>
-                <a:ea typeface="맑은 고딕" charset="0"/>
-              </a:rPr>
-              <a:t>러고 나서</a:t>
-            </a:r>
-            <a:r>
-              <a:rPr lang="ko-KR" sz="1800">
-                <a:latin typeface="맑은 고딕" charset="0"/>
-                <a:ea typeface="맑은 고딕" charset="0"/>
-              </a:rPr>
-              <a:t> Constraints에 Freeze Rotation의 X, Y, Z를 활성화합니다.</a:t>
+              <a:t>그러고 나서 Constraints에 Freeze Rotation의 X, Y, Z를 활성화합니다.</a:t>
             </a:r>
             <a:endParaRPr lang="ko-KR" altLang="en-US" sz="1800">
               <a:latin typeface="맑은 고딕" charset="0"/>
@@ -10703,7 +10169,7 @@
       </p:sp>
       <p:pic>
         <p:nvPicPr>
-          <p:cNvPr id="25" name="그림 64" descr="C:/Users/Admin1/AppData/Roaming/PolarisOffice/ETemp/22400_7929080/fImage133022345436.png"/>
+          <p:cNvPr id="25" name="그림 64"/>
           <p:cNvPicPr>
             <a:picLocks noChangeAspect="1"/>
           </p:cNvPicPr>
@@ -10734,7 +10200,7 @@
       </p:pic>
       <p:pic>
         <p:nvPicPr>
-          <p:cNvPr id="26" name="그림 20" descr="C:/Users/Admin1/AppData/Roaming/PolarisOffice/ETemp/22400_7929080/fImage108091599358.png"/>
+          <p:cNvPr id="26" name="그림 20"/>
           <p:cNvPicPr>
             <a:picLocks noChangeAspect="1"/>
           </p:cNvPicPr>
@@ -10873,8 +10339,8 @@
         </p:nvSpPr>
         <p:spPr>
           <a:xfrm rot="0">
-            <a:off x="1222375" y="4134485"/>
-            <a:ext cx="4148455" cy="2031365"/>
+            <a:off x="1238250" y="5239385"/>
+            <a:ext cx="4149090" cy="923925"/>
           </a:xfrm>
           <a:prstGeom prst="rect"/>
           <a:noFill/>
@@ -10898,45 +10364,18 @@
                 <a:latin typeface="맑은 고딕" charset="0"/>
                 <a:ea typeface="맑은 고딕" charset="0"/>
               </a:rPr>
-              <a:t>Static Collider : Rigidbody가 없는 상태로 항상 같은 위치에 있는 오브젝트에 사용합니다.</a:t>
+              <a:t>Dynamic Collider : Rigidbody가 있는 상태로 물리적인 충돌을 하는 오브젝트에 사용합니다.</a:t>
             </a:r>
             <a:endParaRPr lang="ko-KR" altLang="en-US" sz="1800">
               <a:latin typeface="맑은 고딕" charset="0"/>
               <a:ea typeface="맑은 고딕" charset="0"/>
             </a:endParaRPr>
           </a:p>
-          <a:p>
-            <a:pPr marL="0" indent="0" rtl="0" algn="l" defTabSz="914400" eaLnBrk="1" latinLnBrk="0" hangingPunct="1">
-              <a:buFontTx/>
-              <a:buNone/>
-            </a:pPr>
-            <a:endParaRPr lang="ko-KR" altLang="en-US" sz="1800">
-              <a:latin typeface="맑은 고딕" charset="0"/>
-              <a:ea typeface="맑은 고딕" charset="0"/>
-            </a:endParaRPr>
-          </a:p>
-          <a:p>
-            <a:pPr marL="0" indent="0" rtl="0" algn="l" defTabSz="914400" eaLnBrk="1" latinLnBrk="0" hangingPunct="1">
-              <a:buFontTx/>
-              <a:buNone/>
-            </a:pPr>
-            <a:r>
-              <a:rPr lang="ko-KR" sz="1800">
-                <a:latin typeface="맑은 고딕" charset="0"/>
-                <a:ea typeface="맑은 고딕" charset="0"/>
-              </a:rPr>
-              <a:t>Dynamic Collider : Rigidbody가 있는 상태로 물리적인 충돌을 하는 오브젝트에 사용합니다.</a:t>
-            </a:r>
-            <a:endParaRPr lang="ko-KR" altLang="en-US" sz="1800">
-              <a:latin typeface="맑은 고딕" charset="0"/>
-              <a:ea typeface="맑은 고딕" charset="0"/>
-            </a:endParaRPr>
-          </a:p>
         </p:txBody>
       </p:sp>
       <p:pic>
         <p:nvPicPr>
-          <p:cNvPr id="36" name="그림 30" descr="C:/Users/Admin1/AppData/Roaming/PolarisOffice/ETemp/22400_7929080/fImage1994931096827.png"/>
+          <p:cNvPr id="36" name="그림 30" descr="C:/Users/Admin1/AppData/Roaming/PolarisOffice/ETemp/7096_10494752/fImage1994931096827.png"/>
           <p:cNvPicPr>
             <a:picLocks noChangeAspect="1"/>
           </p:cNvPicPr>
@@ -10956,8 +10395,8 @@
         </p:blipFill>
         <p:spPr>
           <a:xfrm rot="0">
-            <a:off x="1230630" y="1428750"/>
-            <a:ext cx="4148455" cy="2537460"/>
+            <a:off x="1238885" y="2560320"/>
+            <a:ext cx="4140200" cy="2494915"/>
           </a:xfrm>
           <a:prstGeom prst="roundRect"/>
           <a:solidFill>
@@ -10975,8 +10414,8 @@
         </p:nvSpPr>
         <p:spPr>
           <a:xfrm rot="0">
-            <a:off x="6810375" y="2666365"/>
-            <a:ext cx="4134485" cy="954405"/>
+            <a:off x="6818630" y="2608580"/>
+            <a:ext cx="4138930" cy="954405"/>
           </a:xfrm>
           <a:prstGeom prst="rect"/>
           <a:noFill/>
@@ -11003,7 +10442,17 @@
                 <a:latin typeface="맑은 고딕" charset="0"/>
                 <a:ea typeface="맑은 고딕" charset="0"/>
               </a:rPr>
-              <a:t>19</a:t>
+              <a:t>1</a:t>
+            </a:r>
+            <a:r>
+              <a:rPr lang="ko-KR" sz="2000" b="1">
+                <a:solidFill>
+                  <a:srgbClr val="0611F2"/>
+                </a:solidFill>
+                <a:latin typeface="맑은 고딕" charset="0"/>
+                <a:ea typeface="맑은 고딕" charset="0"/>
+              </a:rPr>
+              <a:t>8</a:t>
             </a:r>
             <a:r>
               <a:rPr sz="2000" b="1">
@@ -11031,14 +10480,116 @@
       </p:sp>
       <p:pic>
         <p:nvPicPr>
-          <p:cNvPr id="40" name="그림 44" descr="C:/Users/Admin1/AppData/Roaming/PolarisOffice/ETemp/22400_7929080/fImage63721716962.png"/>
+          <p:cNvPr id="40" name="그림 44" descr="C:/Users/Admin1/AppData/Roaming/PolarisOffice/ETemp/7096_10494752/fImage63721716962.png"/>
           <p:cNvPicPr>
             <a:picLocks noChangeAspect="1"/>
           </p:cNvPicPr>
           <p:nvPr/>
         </p:nvPicPr>
         <p:blipFill rotWithShape="1">
-          <a:blip r:embed="rId7" cstate="print">
+          <a:blip r:embed="rId7" cstate="hqprint">
+            <a:extLst>
+              <a:ext uri="{28A0092B-C50C-407E-A947-70E740481C1C}">
+                <a14:useLocalDpi xmlns:a14="http://schemas.microsoft.com/office/drawing/2010/main"/>
+              </a:ext>
+            </a:extLst>
+          </a:blip>
+          <a:stretch>
+            <a:fillRect/>
+          </a:stretch>
+        </p:blipFill>
+        <p:spPr>
+          <a:xfrm rot="0">
+            <a:off x="6819265" y="1446530"/>
+            <a:ext cx="4145280" cy="1047750"/>
+          </a:xfrm>
+          <a:prstGeom prst="roundRect"/>
+          <a:solidFill>
+            <a:srgbClr val="EDEDED"/>
+          </a:solidFill>
+        </p:spPr>
+      </p:pic>
+      <p:sp>
+        <p:nvSpPr>
+          <p:cNvPr id="41" name="텍스트 상자 67"/>
+          <p:cNvSpPr txBox="1">
+            <a:spLocks/>
+          </p:cNvSpPr>
+          <p:nvPr/>
+        </p:nvSpPr>
+        <p:spPr>
+          <a:xfrm rot="0">
+            <a:off x="6808470" y="5471795"/>
+            <a:ext cx="4157345" cy="677545"/>
+          </a:xfrm>
+          <a:prstGeom prst="rect"/>
+          <a:noFill/>
+          <a:ln w="0">
+            <a:noFill/>
+            <a:prstDash/>
+          </a:ln>
+        </p:spPr>
+        <p:txBody>
+          <a:bodyPr wrap="square" lIns="89535" tIns="46355" rIns="89535" bIns="46355" numCol="1" vert="horz" anchor="t">
+            <a:spAutoFit/>
+          </a:bodyPr>
+          <a:lstStyle/>
+          <a:p>
+            <a:pPr marL="0" indent="0" rtl="0" algn="l" defTabSz="914400" eaLnBrk="1" latinLnBrk="0" hangingPunct="1">
+              <a:buFontTx/>
+              <a:buNone/>
+            </a:pPr>
+            <a:r>
+              <a:rPr lang="ko-KR" sz="2000" b="1">
+                <a:solidFill>
+                  <a:srgbClr val="0611F2"/>
+                </a:solidFill>
+                <a:latin typeface="맑은 고딕" charset="0"/>
+                <a:ea typeface="맑은 고딕" charset="0"/>
+              </a:rPr>
+              <a:t>19</a:t>
+            </a:r>
+            <a:r>
+              <a:rPr sz="2000" b="1">
+                <a:solidFill>
+                  <a:srgbClr val="0611F2"/>
+                </a:solidFill>
+                <a:latin typeface="맑은 고딕" charset="0"/>
+                <a:ea typeface="맑은 고딕" charset="0"/>
+              </a:rPr>
+              <a:t>. </a:t>
+            </a:r>
+            <a:r>
+              <a:rPr lang="ko-KR" sz="1800">
+                <a:latin typeface="맑은 고딕" charset="0"/>
+                <a:ea typeface="맑은 고딕" charset="0"/>
+              </a:rPr>
+              <a:t>그다음</a:t>
+            </a:r>
+            <a:r>
+              <a:rPr lang="ko-KR" sz="1800">
+                <a:latin typeface="맑은 고딕" charset="0"/>
+                <a:ea typeface="맑은 고딕" charset="0"/>
+              </a:rPr>
+              <a:t> Forward Fence 오브젝트의 위치와 회전 값을 초기화합니다.</a:t>
+            </a:r>
+            <a:endParaRPr lang="ko-KR" altLang="en-US" sz="1800">
+              <a:latin typeface="맑은 고딕" charset="0"/>
+              <a:ea typeface="맑은 고딕" charset="0"/>
+            </a:endParaRPr>
+          </a:p>
+        </p:txBody>
+      </p:sp>
+      <p:pic>
+        <p:nvPicPr>
+          <p:cNvPr id="42" name="그림 73" descr="C:/Users/Admin1/AppData/Roaming/PolarisOffice/ETemp/7096_10494752/fImage116851796827.png"/>
+          <p:cNvPicPr>
+            <a:picLocks noChangeAspect="1"/>
+          </p:cNvPicPr>
+          <p:nvPr/>
+        </p:nvPicPr>
+        <p:blipFill rotWithShape="1">
+          <a:blip r:embed="rId9" cstate="print">
             <a:extLst>
               <a:ext uri="{28A0092B-C50C-407E-A947-70E740481C1C}">
                 <a14:useLocalDpi xmlns:a14="http://schemas.microsoft.com/office/drawing/2010/main" val="0"/>
@@ -11051,8 +10602,8 @@
         </p:blipFill>
         <p:spPr>
           <a:xfrm rot="0">
-            <a:off x="6819265" y="1428750"/>
-            <a:ext cx="4144645" cy="1105535"/>
+            <a:off x="6808470" y="3740785"/>
+            <a:ext cx="4157345" cy="1612900"/>
           </a:xfrm>
           <a:prstGeom prst="roundRect"/>
           <a:solidFill>
@@ -11062,7 +10613,7 @@
       </p:pic>
       <p:sp>
         <p:nvSpPr>
-          <p:cNvPr id="41" name="텍스트 상자 67"/>
+          <p:cNvPr id="43" name="텍스트 상자 76"/>
           <p:cNvSpPr txBox="1">
             <a:spLocks/>
           </p:cNvSpPr>
@@ -11070,8 +10621,8 @@
         </p:nvSpPr>
         <p:spPr>
           <a:xfrm rot="0">
-            <a:off x="6811010" y="5205730"/>
-            <a:ext cx="4144010" cy="954405"/>
+            <a:off x="1237615" y="1449705"/>
+            <a:ext cx="4138930" cy="923925"/>
           </a:xfrm>
           <a:prstGeom prst="rect"/>
           <a:noFill/>
@@ -11091,31 +10642,11 @@
               <a:buNone/>
             </a:pPr>
             <a:r>
-              <a:rPr lang="ko-KR" sz="2000" b="1">
-                <a:solidFill>
-                  <a:srgbClr val="0611F2"/>
-                </a:solidFill>
-                <a:latin typeface="맑은 고딕" charset="0"/>
-                <a:ea typeface="맑은 고딕" charset="0"/>
-              </a:rPr>
-              <a:t>20</a:t>
-            </a:r>
-            <a:r>
-              <a:rPr sz="2000" b="1">
-                <a:solidFill>
-                  <a:srgbClr val="0611F2"/>
-                </a:solidFill>
-                <a:latin typeface="맑은 고딕" charset="0"/>
-                <a:ea typeface="맑은 고딕" charset="0"/>
-              </a:rPr>
-              <a:t>. </a:t>
-            </a:r>
-            <a:r>
               <a:rPr lang="ko-KR" sz="1800">
                 <a:latin typeface="맑은 고딕" charset="0"/>
                 <a:ea typeface="맑은 고딕" charset="0"/>
               </a:rPr>
-              <a:t>그다음 Obstacle 오브젝트의 Box Collider에 있는 Is Trigger를 활성화합니다.</a:t>
+              <a:t>Static Collider : Rigidbody가 없는 상태로 항상 같은 위치에 있는 오브젝트에 사용합니다.</a:t>
             </a:r>
             <a:endParaRPr lang="ko-KR" altLang="en-US" sz="1800">
               <a:latin typeface="맑은 고딕" charset="0"/>
@@ -11124,37 +10655,6 @@
           </a:p>
         </p:txBody>
       </p:sp>
-      <p:pic>
-        <p:nvPicPr>
-          <p:cNvPr id="42" name="그림 68" descr="C:/Users/Admin1/AppData/Roaming/PolarisOffice/ETemp/22400_7929080/fImage933419641.png"/>
-          <p:cNvPicPr>
-            <a:picLocks noChangeAspect="1"/>
-          </p:cNvPicPr>
-          <p:nvPr/>
-        </p:nvPicPr>
-        <p:blipFill rotWithShape="1">
-          <a:blip r:embed="rId8" cstate="hqprint">
-            <a:extLst>
-              <a:ext uri="{28A0092B-C50C-407E-A947-70E740481C1C}">
-                <a14:useLocalDpi xmlns:a14="http://schemas.microsoft.com/office/drawing/2010/main"/>
-              </a:ext>
-            </a:extLst>
-          </a:blip>
-          <a:stretch>
-            <a:fillRect/>
-          </a:stretch>
-        </p:blipFill>
-        <p:spPr>
-          <a:xfrm rot="0">
-            <a:off x="6797675" y="3743325"/>
-            <a:ext cx="4147185" cy="1334135"/>
-          </a:xfrm>
-          <a:prstGeom prst="roundRect"/>
-          <a:solidFill>
-            <a:srgbClr val="EDEDED"/>
-          </a:solidFill>
-        </p:spPr>
-      </p:pic>
     </p:spTree>
   </p:cSld>
   <p:clrMapOvr>
@@ -11255,8 +10755,8 @@
         </p:nvSpPr>
         <p:spPr>
           <a:xfrm rot="0">
-            <a:off x="6800850" y="2836545"/>
-            <a:ext cx="4144010" cy="954405"/>
+            <a:off x="6816725" y="2761615"/>
+            <a:ext cx="4149090" cy="954405"/>
           </a:xfrm>
           <a:prstGeom prst="rect"/>
           <a:noFill/>
@@ -11283,8 +10783,83 @@
                 <a:latin typeface="맑은 고딕" charset="0"/>
                 <a:ea typeface="맑은 고딕" charset="0"/>
               </a:rPr>
-              <a:t>2</a:t>
-            </a:r>
+              <a:t>22</a:t>
+            </a:r>
+            <a:r>
+              <a:rPr sz="2000" b="1">
+                <a:solidFill>
+                  <a:srgbClr val="0611F2"/>
+                </a:solidFill>
+                <a:latin typeface="맑은 고딕" charset="0"/>
+                <a:ea typeface="맑은 고딕" charset="0"/>
+              </a:rPr>
+              <a:t>. </a:t>
+            </a:r>
+            <a:r>
+              <a:rPr lang="ko-KR" sz="1800">
+                <a:latin typeface="맑은 고딕" charset="0"/>
+                <a:ea typeface="맑은 고딕" charset="0"/>
+              </a:rPr>
+              <a:t>그</a:t>
+            </a:r>
+            <a:r>
+              <a:rPr lang="ko-KR" sz="1800">
+                <a:latin typeface="맑은 고딕" charset="0"/>
+                <a:ea typeface="맑은 고딕" charset="0"/>
+              </a:rPr>
+              <a:t>러고 나서</a:t>
+            </a:r>
+            <a:r>
+              <a:rPr lang="ko-KR" sz="1800">
+                <a:latin typeface="맑은 고딕" charset="0"/>
+                <a:ea typeface="맑은 고딕" charset="0"/>
+              </a:rPr>
+              <a:t> </a:t>
+            </a:r>
+            <a:r>
+              <a:rPr lang="ko-KR" sz="1800">
+                <a:latin typeface="맑은 고딕" charset="0"/>
+                <a:ea typeface="맑은 고딕" charset="0"/>
+              </a:rPr>
+              <a:t>Obstacle 오브젝트에 있는 Box Collider에 is Trigger를 활성화합니다.</a:t>
+            </a:r>
+            <a:endParaRPr lang="ko-KR" altLang="en-US" sz="1800">
+              <a:latin typeface="맑은 고딕" charset="0"/>
+              <a:ea typeface="맑은 고딕" charset="0"/>
+            </a:endParaRPr>
+          </a:p>
+        </p:txBody>
+      </p:sp>
+      <p:sp>
+        <p:nvSpPr>
+          <p:cNvPr id="51" name="텍스트 상자 72"/>
+          <p:cNvSpPr txBox="1">
+            <a:spLocks/>
+          </p:cNvSpPr>
+          <p:nvPr/>
+        </p:nvSpPr>
+        <p:spPr>
+          <a:xfrm rot="0">
+            <a:off x="1242060" y="3051810"/>
+            <a:ext cx="4149090" cy="677545"/>
+          </a:xfrm>
+          <a:prstGeom prst="rect"/>
+          <a:noFill/>
+          <a:ln w="0">
+            <a:noFill/>
+            <a:prstDash/>
+          </a:ln>
+        </p:spPr>
+        <p:txBody>
+          <a:bodyPr wrap="square" lIns="89535" tIns="46355" rIns="89535" bIns="46355" numCol="1" vert="horz" anchor="t">
+            <a:spAutoFit/>
+          </a:bodyPr>
+          <a:lstStyle/>
+          <a:p>
+            <a:pPr marL="0" indent="0" rtl="0" algn="l" defTabSz="914400" eaLnBrk="1" latinLnBrk="0" hangingPunct="1">
+              <a:buFontTx/>
+              <a:buNone/>
+            </a:pPr>
             <a:r>
               <a:rPr lang="ko-KR" sz="2000" b="1">
                 <a:solidFill>
@@ -11293,7 +10868,7 @@
                 <a:latin typeface="맑은 고딕" charset="0"/>
                 <a:ea typeface="맑은 고딕" charset="0"/>
               </a:rPr>
-              <a:t>2</a:t>
+              <a:t>20</a:t>
             </a:r>
             <a:r>
               <a:rPr sz="2000" b="1">
@@ -11310,28 +10885,14 @@
                 <a:latin typeface="맑은 고딕" charset="0"/>
                 <a:ea typeface="맑은 고딕" charset="0"/>
               </a:rPr>
-              <a:t>그</a:t>
+              <a:t>그런 다음 </a:t>
             </a:r>
             <a:r>
               <a:rPr lang="ko-KR" sz="1800">
                 <a:latin typeface="맑은 고딕" charset="0"/>
                 <a:ea typeface="맑은 고딕" charset="0"/>
               </a:rPr>
-              <a:t>리고</a:t>
-            </a:r>
-            <a:r>
-              <a:rPr lang="ko-KR" sz="1800">
-                <a:latin typeface="맑은 고딕" charset="0"/>
-                <a:ea typeface="맑은 고딕" charset="0"/>
-              </a:rPr>
-              <a:t> Trigger가 충돌했을 때 비디오 플레이어를 실행</a:t>
-            </a:r>
-            <a:r>
-              <a:rPr lang="ko-KR" sz="1800">
-                <a:latin typeface="맑은 고딕" charset="0"/>
-                <a:ea typeface="맑은 고딕" charset="0"/>
-              </a:rPr>
-              <a:t>시킨 다음 무한 반복하도록 설정합니다.</a:t>
+              <a:t>Fence Double (Right) 오브젝트의 크기 값을 설정합니다.</a:t>
             </a:r>
             <a:endParaRPr lang="ko-KR" altLang="en-US" sz="1800">
               <a:latin typeface="맑은 고딕" charset="0"/>
@@ -11342,14 +10903,14 @@
       </p:sp>
       <p:pic>
         <p:nvPicPr>
-          <p:cNvPr id="49" name="그림 57" descr="C:/Users/Admin1/AppData/Roaming/PolarisOffice/ETemp/22400_7929080/fImage239051784464.png"/>
+          <p:cNvPr id="54" name="그림 57" descr="C:/Users/Admin1/AppData/Roaming/PolarisOffice/ETemp/7096_10494752/fImage152481719961.png"/>
           <p:cNvPicPr>
             <a:picLocks noChangeAspect="1"/>
           </p:cNvPicPr>
           <p:nvPr/>
         </p:nvPicPr>
         <p:blipFill rotWithShape="1">
-          <a:blip r:embed="rId5" cstate="print">
+          <a:blip r:embed="rId8" cstate="print">
             <a:extLst>
               <a:ext uri="{28A0092B-C50C-407E-A947-70E740481C1C}">
                 <a14:useLocalDpi xmlns:a14="http://schemas.microsoft.com/office/drawing/2010/main" val="0"/>
@@ -11362,8 +10923,8 @@
         </p:blipFill>
         <p:spPr>
           <a:xfrm rot="0">
-            <a:off x="6810375" y="1457325"/>
-            <a:ext cx="4134485" cy="1267460"/>
+            <a:off x="1238885" y="1457960"/>
+            <a:ext cx="4140200" cy="1518920"/>
           </a:xfrm>
           <a:prstGeom prst="roundRect"/>
           <a:solidFill>
@@ -11373,14 +10934,14 @@
       </p:pic>
       <p:pic>
         <p:nvPicPr>
-          <p:cNvPr id="50" name="그림 69" descr="C:/Users/Admin1/AppData/Roaming/PolarisOffice/ETemp/22400_7929080/fImage387991865705.png"/>
+          <p:cNvPr id="55" name="그림 60" descr="C:/Users/Admin1/AppData/Roaming/PolarisOffice/ETemp/7096_10494752/fImage3537172491.png"/>
           <p:cNvPicPr>
             <a:picLocks noChangeAspect="1"/>
           </p:cNvPicPr>
           <p:nvPr/>
         </p:nvPicPr>
         <p:blipFill rotWithShape="1">
-          <a:blip r:embed="rId6" cstate="print">
+          <a:blip r:embed="rId9" cstate="print">
             <a:extLst>
               <a:ext uri="{28A0092B-C50C-407E-A947-70E740481C1C}">
                 <a14:useLocalDpi xmlns:a14="http://schemas.microsoft.com/office/drawing/2010/main" val="0"/>
@@ -11393,8 +10954,8 @@
         </p:blipFill>
         <p:spPr>
           <a:xfrm rot="0">
-            <a:off x="1238250" y="1466850"/>
-            <a:ext cx="4144010" cy="3343910"/>
+            <a:off x="2618740" y="3848735"/>
+            <a:ext cx="2769235" cy="1330960"/>
           </a:xfrm>
           <a:prstGeom prst="roundRect"/>
           <a:solidFill>
@@ -11402,101 +10963,16 @@
           </a:solidFill>
         </p:spPr>
       </p:pic>
-      <p:sp>
-        <p:nvSpPr>
-          <p:cNvPr id="51" name="텍스트 상자 72"/>
-          <p:cNvSpPr txBox="1">
-            <a:spLocks/>
-          </p:cNvSpPr>
-          <p:nvPr/>
-        </p:nvSpPr>
-        <p:spPr>
-          <a:xfrm rot="0">
-            <a:off x="1233805" y="4956175"/>
-            <a:ext cx="4148455" cy="1231265"/>
-          </a:xfrm>
-          <a:prstGeom prst="rect"/>
-          <a:noFill/>
-          <a:ln w="0">
-            <a:noFill/>
-            <a:prstDash/>
-          </a:ln>
-        </p:spPr>
-        <p:txBody>
-          <a:bodyPr wrap="square" lIns="89535" tIns="46355" rIns="89535" bIns="46355" numCol="1" vert="horz" anchor="t">
-            <a:spAutoFit/>
-          </a:bodyPr>
-          <a:lstStyle/>
-          <a:p>
-            <a:pPr marL="0" indent="0" rtl="0" algn="l" defTabSz="914400" eaLnBrk="1" latinLnBrk="0" hangingPunct="1">
-              <a:buFontTx/>
-              <a:buNone/>
-            </a:pPr>
-            <a:r>
-              <a:rPr lang="ko-KR" sz="2000" b="1">
-                <a:solidFill>
-                  <a:srgbClr val="0611F2"/>
-                </a:solidFill>
-                <a:latin typeface="맑은 고딕" charset="0"/>
-                <a:ea typeface="맑은 고딕" charset="0"/>
-              </a:rPr>
-              <a:t>21</a:t>
-            </a:r>
-            <a:r>
-              <a:rPr sz="2000" b="1">
-                <a:solidFill>
-                  <a:srgbClr val="0611F2"/>
-                </a:solidFill>
-                <a:latin typeface="맑은 고딕" charset="0"/>
-                <a:ea typeface="맑은 고딕" charset="0"/>
-              </a:rPr>
-              <a:t>. </a:t>
-            </a:r>
-            <a:r>
-              <a:rPr lang="ko-KR" sz="1800">
-                <a:latin typeface="맑은 고딕" charset="0"/>
-                <a:ea typeface="맑은 고딕" charset="0"/>
-              </a:rPr>
-              <a:t>그</a:t>
-            </a:r>
-            <a:r>
-              <a:rPr lang="ko-KR" sz="1800">
-                <a:latin typeface="맑은 고딕" charset="0"/>
-                <a:ea typeface="맑은 고딕" charset="0"/>
-              </a:rPr>
-              <a:t>런 다음</a:t>
-            </a:r>
-            <a:r>
-              <a:rPr lang="ko-KR" sz="1800">
-                <a:latin typeface="맑은 고딕" charset="0"/>
-                <a:ea typeface="맑은 고딕" charset="0"/>
-              </a:rPr>
-              <a:t> </a:t>
-            </a:r>
-            <a:r>
-              <a:rPr lang="ko-KR" sz="1800">
-                <a:latin typeface="맑은 고딕" charset="0"/>
-                <a:ea typeface="맑은 고딕" charset="0"/>
-              </a:rPr>
-              <a:t>Sensor 스크립트에서 Mesh 변수를 배열로 선언하고 VideoPlayer 변수와 MeshFilter 변수를 선언합니다.</a:t>
-            </a:r>
-            <a:endParaRPr lang="ko-KR" altLang="en-US" sz="1800">
-              <a:latin typeface="맑은 고딕" charset="0"/>
-              <a:ea typeface="맑은 고딕" charset="0"/>
-            </a:endParaRPr>
-          </a:p>
-        </p:txBody>
-      </p:sp>
       <p:pic>
         <p:nvPicPr>
-          <p:cNvPr id="52" name="그림 74" descr="C:/Users/Admin1/AppData/Roaming/PolarisOffice/ETemp/22400_7929080/fImage227111888145.png"/>
+          <p:cNvPr id="56" name="그림 63" descr="C:/Users/Admin1/AppData/Roaming/PolarisOffice/ETemp/7096_10494752/fImage92421732995.png"/>
           <p:cNvPicPr>
             <a:picLocks noChangeAspect="1"/>
           </p:cNvPicPr>
           <p:nvPr/>
         </p:nvPicPr>
         <p:blipFill rotWithShape="1">
-          <a:blip r:embed="rId7" cstate="print">
+          <a:blip r:embed="rId10" cstate="print">
             <a:extLst>
               <a:ext uri="{28A0092B-C50C-407E-A947-70E740481C1C}">
                 <a14:useLocalDpi xmlns:a14="http://schemas.microsoft.com/office/drawing/2010/main" val="0"/>
@@ -11509,8 +10985,8 @@
         </p:blipFill>
         <p:spPr>
           <a:xfrm rot="0">
-            <a:off x="6810375" y="3943350"/>
-            <a:ext cx="4134485" cy="1181735"/>
+            <a:off x="1238885" y="3849370"/>
+            <a:ext cx="1238885" cy="1330325"/>
           </a:xfrm>
           <a:prstGeom prst="roundRect"/>
           <a:solidFill>
@@ -11520,7 +10996,7 @@
       </p:pic>
       <p:sp>
         <p:nvSpPr>
-          <p:cNvPr id="53" name="텍스트 상자 77"/>
+          <p:cNvPr id="57" name="텍스트 상자 64"/>
           <p:cNvSpPr txBox="1">
             <a:spLocks/>
           </p:cNvSpPr>
@@ -11528,8 +11004,8 @@
         </p:nvSpPr>
         <p:spPr>
           <a:xfrm rot="0">
-            <a:off x="6819900" y="5251450"/>
-            <a:ext cx="4124960" cy="954405"/>
+            <a:off x="1238885" y="5252720"/>
+            <a:ext cx="4149090" cy="954405"/>
           </a:xfrm>
           <a:prstGeom prst="rect"/>
           <a:noFill/>
@@ -11556,8 +11032,107 @@
                 <a:latin typeface="맑은 고딕" charset="0"/>
                 <a:ea typeface="맑은 고딕" charset="0"/>
               </a:rPr>
-              <a:t>2</a:t>
-            </a:r>
+              <a:t>21</a:t>
+            </a:r>
+            <a:r>
+              <a:rPr sz="2000" b="1">
+                <a:solidFill>
+                  <a:srgbClr val="0611F2"/>
+                </a:solidFill>
+                <a:latin typeface="맑은 고딕" charset="0"/>
+                <a:ea typeface="맑은 고딕" charset="0"/>
+              </a:rPr>
+              <a:t>. </a:t>
+            </a:r>
+            <a:r>
+              <a:rPr lang="ko-KR" sz="1800">
+                <a:latin typeface="맑은 고딕" charset="0"/>
+                <a:ea typeface="맑은 고딕" charset="0"/>
+              </a:rPr>
+              <a:t>그리고</a:t>
+            </a:r>
+            <a:r>
+              <a:rPr lang="ko-KR" sz="1800">
+                <a:latin typeface="맑은 고딕" charset="0"/>
+                <a:ea typeface="맑은 고딕" charset="0"/>
+              </a:rPr>
+              <a:t> </a:t>
+            </a:r>
+            <a:r>
+              <a:rPr lang="ko-KR" sz="1800">
+                <a:latin typeface="맑은 고딕" charset="0"/>
+                <a:ea typeface="맑은 고딕" charset="0"/>
+              </a:rPr>
+              <a:t>Fence Double (Right)와 Fence Double (Left) 오브젝트에 Mesh Collider 컴포넌트를 추가합니다.</a:t>
+            </a:r>
+            <a:endParaRPr lang="ko-KR" altLang="en-US" sz="1800">
+              <a:latin typeface="맑은 고딕" charset="0"/>
+              <a:ea typeface="맑은 고딕" charset="0"/>
+            </a:endParaRPr>
+          </a:p>
+        </p:txBody>
+      </p:sp>
+      <p:pic>
+        <p:nvPicPr>
+          <p:cNvPr id="58" name="그림 65" descr="C:/Users/Admin1/AppData/Roaming/PolarisOffice/ETemp/7096_10494752/fImage93961751942.png"/>
+          <p:cNvPicPr>
+            <a:picLocks noChangeAspect="1"/>
+          </p:cNvPicPr>
+          <p:nvPr/>
+        </p:nvPicPr>
+        <p:blipFill rotWithShape="1">
+          <a:blip r:embed="rId11" cstate="print">
+            <a:extLst>
+              <a:ext uri="{28A0092B-C50C-407E-A947-70E740481C1C}">
+                <a14:useLocalDpi xmlns:a14="http://schemas.microsoft.com/office/drawing/2010/main" val="0"/>
+              </a:ext>
+            </a:extLst>
+          </a:blip>
+          <a:stretch>
+            <a:fillRect/>
+          </a:stretch>
+        </p:blipFill>
+        <p:spPr>
+          <a:xfrm rot="0">
+            <a:off x="6816725" y="1454150"/>
+            <a:ext cx="4131945" cy="1231265"/>
+          </a:xfrm>
+          <a:prstGeom prst="roundRect"/>
+          <a:solidFill>
+            <a:srgbClr val="EDEDED"/>
+          </a:solidFill>
+        </p:spPr>
+      </p:pic>
+      <p:sp>
+        <p:nvSpPr>
+          <p:cNvPr id="59" name="텍스트 상자 71"/>
+          <p:cNvSpPr txBox="1">
+            <a:spLocks/>
+          </p:cNvSpPr>
+          <p:nvPr/>
+        </p:nvSpPr>
+        <p:spPr>
+          <a:xfrm rot="0">
+            <a:off x="6816725" y="5255895"/>
+            <a:ext cx="4140835" cy="954405"/>
+          </a:xfrm>
+          <a:prstGeom prst="rect"/>
+          <a:noFill/>
+          <a:ln w="0">
+            <a:noFill/>
+            <a:prstDash/>
+          </a:ln>
+        </p:spPr>
+        <p:txBody>
+          <a:bodyPr wrap="square" lIns="89535" tIns="46355" rIns="89535" bIns="46355" numCol="1" vert="horz" anchor="t">
+            <a:spAutoFit/>
+          </a:bodyPr>
+          <a:lstStyle/>
+          <a:p>
+            <a:pPr marL="0" indent="0" rtl="0" algn="l" defTabSz="914400" eaLnBrk="1" latinLnBrk="0" hangingPunct="1">
+              <a:buFontTx/>
+              <a:buNone/>
+            </a:pPr>
             <a:r>
               <a:rPr lang="ko-KR" sz="2000" b="1">
                 <a:solidFill>
@@ -11566,7 +11141,7 @@
                 <a:latin typeface="맑은 고딕" charset="0"/>
                 <a:ea typeface="맑은 고딕" charset="0"/>
               </a:rPr>
-              <a:t>3</a:t>
+              <a:t>23</a:t>
             </a:r>
             <a:r>
               <a:rPr sz="2000" b="1">
@@ -11583,42 +11158,21 @@
                 <a:latin typeface="맑은 고딕" charset="0"/>
                 <a:ea typeface="맑은 고딕" charset="0"/>
               </a:rPr>
-              <a:t>그</a:t>
+              <a:t>이제</a:t>
             </a:r>
             <a:r>
               <a:rPr lang="ko-KR" sz="1800">
                 <a:latin typeface="맑은 고딕" charset="0"/>
                 <a:ea typeface="맑은 고딕" charset="0"/>
               </a:rPr>
-              <a:t>러고 나서</a:t>
+              <a:t> </a:t>
             </a:r>
             <a:r>
               <a:rPr lang="ko-KR" sz="1800">
                 <a:latin typeface="맑은 고딕" charset="0"/>
                 <a:ea typeface="맑은 고딕" charset="0"/>
               </a:rPr>
-              <a:t> Trigger가 충돌</a:t>
-            </a:r>
-            <a:r>
-              <a:rPr lang="ko-KR" sz="1800">
-                <a:latin typeface="맑은 고딕" charset="0"/>
-                <a:ea typeface="맑은 고딕" charset="0"/>
-              </a:rPr>
-              <a:t> 중일</a:t>
-            </a:r>
-            <a:r>
-              <a:rPr lang="ko-KR" sz="1800">
-                <a:latin typeface="맑은 고딕" charset="0"/>
-                <a:ea typeface="맑은 고딕" charset="0"/>
-              </a:rPr>
-              <a:t> 때 </a:t>
-            </a:r>
-            <a:r>
-              <a:rPr lang="ko-KR" sz="1800">
-                <a:latin typeface="맑은 고딕" charset="0"/>
-                <a:ea typeface="맑은 고딕" charset="0"/>
-              </a:rPr>
-              <a:t>MeshFilter의 mesh를 mesh[0]으로 변경합니다.</a:t>
+              <a:t>Fence Double (Left) 오브젝트의 위치와 크기 값을 설정합니다.</a:t>
             </a:r>
             <a:endParaRPr lang="ko-KR" altLang="en-US" sz="1800">
               <a:latin typeface="맑은 고딕" charset="0"/>
@@ -11627,6 +11181,37 @@
           </a:p>
         </p:txBody>
       </p:sp>
+      <p:pic>
+        <p:nvPicPr>
+          <p:cNvPr id="60" name="그림 72" descr="C:/Users/Admin1/AppData/Roaming/PolarisOffice/ETemp/7096_10494752/fImage151831784827.png"/>
+          <p:cNvPicPr>
+            <a:picLocks noChangeAspect="1"/>
+          </p:cNvPicPr>
+          <p:nvPr/>
+        </p:nvPicPr>
+        <p:blipFill rotWithShape="1">
+          <a:blip r:embed="rId12" cstate="print">
+            <a:extLst>
+              <a:ext uri="{28A0092B-C50C-407E-A947-70E740481C1C}">
+                <a14:useLocalDpi xmlns:a14="http://schemas.microsoft.com/office/drawing/2010/main" val="0"/>
+              </a:ext>
+            </a:extLst>
+          </a:blip>
+          <a:stretch>
+            <a:fillRect/>
+          </a:stretch>
+        </p:blipFill>
+        <p:spPr>
+          <a:xfrm rot="0">
+            <a:off x="6816725" y="3832225"/>
+            <a:ext cx="4140835" cy="1355725"/>
+          </a:xfrm>
+          <a:prstGeom prst="roundRect"/>
+          <a:solidFill>
+            <a:srgbClr val="EDEDED"/>
+          </a:solidFill>
+        </p:spPr>
+      </p:pic>
     </p:spTree>
   </p:cSld>
   <p:clrMapOvr>
